--- a/final_presentation.pptx
+++ b/final_presentation.pptx
@@ -2,7 +2,7 @@
 <file path=ppt/presentation.xml><?xml version="1.0" encoding="utf-8"?>
 <p:presentation xmlns:a="http://schemas.openxmlformats.org/drawingml/2006/main" xmlns:r="http://schemas.openxmlformats.org/officeDocument/2006/relationships" xmlns:p="http://schemas.openxmlformats.org/presentationml/2006/main" saveSubsetFonts="1" autoCompressPictures="0">
   <p:sldMasterIdLst>
-    <p:sldMasterId id="2147483648" r:id="rId1"/>
+    <p:sldMasterId id="2147483660" r:id="rId1"/>
   </p:sldMasterIdLst>
   <p:sldIdLst>
     <p:sldId id="256" r:id="rId2"/>
@@ -11,11 +11,15 @@
     <p:sldId id="258" r:id="rId5"/>
     <p:sldId id="260" r:id="rId6"/>
     <p:sldId id="261" r:id="rId7"/>
-    <p:sldId id="262" r:id="rId8"/>
-    <p:sldId id="264" r:id="rId9"/>
-    <p:sldId id="263" r:id="rId10"/>
+    <p:sldId id="267" r:id="rId8"/>
+    <p:sldId id="262" r:id="rId9"/>
+    <p:sldId id="264" r:id="rId10"/>
     <p:sldId id="265" r:id="rId11"/>
-    <p:sldId id="266" r:id="rId12"/>
+    <p:sldId id="263" r:id="rId12"/>
+    <p:sldId id="266" r:id="rId13"/>
+    <p:sldId id="268" r:id="rId14"/>
+    <p:sldId id="269" r:id="rId15"/>
+    <p:sldId id="270" r:id="rId16"/>
   </p:sldIdLst>
   <p:sldSz cx="12192000" cy="6858000"/>
   <p:notesSz cx="6858000" cy="9144000"/>
@@ -23,7 +27,7 @@
     <a:defPPr>
       <a:defRPr lang="en-US"/>
     </a:defPPr>
-    <a:lvl1pPr marL="0" algn="l" defTabSz="914400" rtl="0" eaLnBrk="1" latinLnBrk="0" hangingPunct="1">
+    <a:lvl1pPr marL="0" algn="l" defTabSz="457200" rtl="0" eaLnBrk="1" latinLnBrk="0" hangingPunct="1">
       <a:defRPr sz="1800" kern="1200">
         <a:solidFill>
           <a:schemeClr val="tx1"/>
@@ -33,7 +37,7 @@
         <a:cs typeface="+mn-cs"/>
       </a:defRPr>
     </a:lvl1pPr>
-    <a:lvl2pPr marL="457200" algn="l" defTabSz="914400" rtl="0" eaLnBrk="1" latinLnBrk="0" hangingPunct="1">
+    <a:lvl2pPr marL="457200" algn="l" defTabSz="457200" rtl="0" eaLnBrk="1" latinLnBrk="0" hangingPunct="1">
       <a:defRPr sz="1800" kern="1200">
         <a:solidFill>
           <a:schemeClr val="tx1"/>
@@ -43,7 +47,7 @@
         <a:cs typeface="+mn-cs"/>
       </a:defRPr>
     </a:lvl2pPr>
-    <a:lvl3pPr marL="914400" algn="l" defTabSz="914400" rtl="0" eaLnBrk="1" latinLnBrk="0" hangingPunct="1">
+    <a:lvl3pPr marL="914400" algn="l" defTabSz="457200" rtl="0" eaLnBrk="1" latinLnBrk="0" hangingPunct="1">
       <a:defRPr sz="1800" kern="1200">
         <a:solidFill>
           <a:schemeClr val="tx1"/>
@@ -53,7 +57,7 @@
         <a:cs typeface="+mn-cs"/>
       </a:defRPr>
     </a:lvl3pPr>
-    <a:lvl4pPr marL="1371600" algn="l" defTabSz="914400" rtl="0" eaLnBrk="1" latinLnBrk="0" hangingPunct="1">
+    <a:lvl4pPr marL="1371600" algn="l" defTabSz="457200" rtl="0" eaLnBrk="1" latinLnBrk="0" hangingPunct="1">
       <a:defRPr sz="1800" kern="1200">
         <a:solidFill>
           <a:schemeClr val="tx1"/>
@@ -63,7 +67,7 @@
         <a:cs typeface="+mn-cs"/>
       </a:defRPr>
     </a:lvl4pPr>
-    <a:lvl5pPr marL="1828800" algn="l" defTabSz="914400" rtl="0" eaLnBrk="1" latinLnBrk="0" hangingPunct="1">
+    <a:lvl5pPr marL="1828800" algn="l" defTabSz="457200" rtl="0" eaLnBrk="1" latinLnBrk="0" hangingPunct="1">
       <a:defRPr sz="1800" kern="1200">
         <a:solidFill>
           <a:schemeClr val="tx1"/>
@@ -73,7 +77,7 @@
         <a:cs typeface="+mn-cs"/>
       </a:defRPr>
     </a:lvl5pPr>
-    <a:lvl6pPr marL="2286000" algn="l" defTabSz="914400" rtl="0" eaLnBrk="1" latinLnBrk="0" hangingPunct="1">
+    <a:lvl6pPr marL="2286000" algn="l" defTabSz="457200" rtl="0" eaLnBrk="1" latinLnBrk="0" hangingPunct="1">
       <a:defRPr sz="1800" kern="1200">
         <a:solidFill>
           <a:schemeClr val="tx1"/>
@@ -83,7 +87,7 @@
         <a:cs typeface="+mn-cs"/>
       </a:defRPr>
     </a:lvl6pPr>
-    <a:lvl7pPr marL="2743200" algn="l" defTabSz="914400" rtl="0" eaLnBrk="1" latinLnBrk="0" hangingPunct="1">
+    <a:lvl7pPr marL="2743200" algn="l" defTabSz="457200" rtl="0" eaLnBrk="1" latinLnBrk="0" hangingPunct="1">
       <a:defRPr sz="1800" kern="1200">
         <a:solidFill>
           <a:schemeClr val="tx1"/>
@@ -93,7 +97,7 @@
         <a:cs typeface="+mn-cs"/>
       </a:defRPr>
     </a:lvl7pPr>
-    <a:lvl8pPr marL="3200400" algn="l" defTabSz="914400" rtl="0" eaLnBrk="1" latinLnBrk="0" hangingPunct="1">
+    <a:lvl8pPr marL="3200400" algn="l" defTabSz="457200" rtl="0" eaLnBrk="1" latinLnBrk="0" hangingPunct="1">
       <a:defRPr sz="1800" kern="1200">
         <a:solidFill>
           <a:schemeClr val="tx1"/>
@@ -103,7 +107,7 @@
         <a:cs typeface="+mn-cs"/>
       </a:defRPr>
     </a:lvl8pPr>
-    <a:lvl9pPr marL="3657600" algn="l" defTabSz="914400" rtl="0" eaLnBrk="1" latinLnBrk="0" hangingPunct="1">
+    <a:lvl9pPr marL="3657600" algn="l" defTabSz="457200" rtl="0" eaLnBrk="1" latinLnBrk="0" hangingPunct="1">
       <a:defRPr sz="1800" kern="1200">
         <a:solidFill>
           <a:schemeClr val="tx1"/>
@@ -114,12 +118,25 @@
       </a:defRPr>
     </a:lvl9pPr>
   </p:defaultTextStyle>
+  <p:extLst>
+    <p:ext uri="{EFAFB233-063F-42B5-8137-9DF3F51BA10A}">
+      <p15:sldGuideLst xmlns:p15="http://schemas.microsoft.com/office/powerpoint/2012/main"/>
+    </p:ext>
+  </p:extLst>
 </p:presentation>
 </file>
 
 <file path=ppt/slideLayouts/slideLayout1.xml><?xml version="1.0" encoding="utf-8"?>
-<p:sldLayout xmlns:a="http://schemas.openxmlformats.org/drawingml/2006/main" xmlns:r="http://schemas.openxmlformats.org/officeDocument/2006/relationships" xmlns:p="http://schemas.openxmlformats.org/presentationml/2006/main" type="title" preserve="1">
+<p:sldLayout xmlns:a="http://schemas.openxmlformats.org/drawingml/2006/main" xmlns:r="http://schemas.openxmlformats.org/officeDocument/2006/relationships" xmlns:p="http://schemas.openxmlformats.org/presentationml/2006/main" showMasterSp="0" type="title" preserve="1">
   <p:cSld name="Title Slide">
+    <p:bg>
+      <p:bgPr>
+        <a:solidFill>
+          <a:schemeClr val="accent1"/>
+        </a:solidFill>
+        <a:effectLst/>
+      </p:bgPr>
+    </p:bg>
     <p:spTree>
       <p:nvGrpSpPr>
         <p:cNvPr id="1" name=""/>
@@ -136,13 +153,1053 @@
       </p:grpSpPr>
       <p:sp>
         <p:nvSpPr>
-          <p:cNvPr id="2" name="Title 1">
-            <a:extLst>
-              <a:ext uri="{FF2B5EF4-FFF2-40B4-BE49-F238E27FC236}">
-                <a16:creationId xmlns:a16="http://schemas.microsoft.com/office/drawing/2014/main" id="{9BEB1124-8A8F-5F41-857D-8C3045BA6DC8}"/>
-              </a:ext>
-            </a:extLst>
-          </p:cNvPr>
+          <p:cNvPr id="11" name="Freeform 6" title="scalloped circle"/>
+          <p:cNvSpPr/>
+          <p:nvPr/>
+        </p:nvSpPr>
+        <p:spPr bwMode="auto">
+          <a:xfrm>
+            <a:off x="3557016" y="630936"/>
+            <a:ext cx="5235575" cy="5229225"/>
+          </a:xfrm>
+          <a:custGeom>
+            <a:avLst/>
+            <a:gdLst/>
+            <a:ahLst/>
+            <a:cxnLst/>
+            <a:rect l="0" t="0" r="r" b="b"/>
+            <a:pathLst>
+              <a:path w="3298" h="3294">
+                <a:moveTo>
+                  <a:pt x="1649" y="0"/>
+                </a:moveTo>
+                <a:lnTo>
+                  <a:pt x="1681" y="3"/>
+                </a:lnTo>
+                <a:lnTo>
+                  <a:pt x="1712" y="11"/>
+                </a:lnTo>
+                <a:lnTo>
+                  <a:pt x="1742" y="23"/>
+                </a:lnTo>
+                <a:lnTo>
+                  <a:pt x="1773" y="38"/>
+                </a:lnTo>
+                <a:lnTo>
+                  <a:pt x="1802" y="55"/>
+                </a:lnTo>
+                <a:lnTo>
+                  <a:pt x="1832" y="73"/>
+                </a:lnTo>
+                <a:lnTo>
+                  <a:pt x="1862" y="89"/>
+                </a:lnTo>
+                <a:lnTo>
+                  <a:pt x="1892" y="105"/>
+                </a:lnTo>
+                <a:lnTo>
+                  <a:pt x="1921" y="117"/>
+                </a:lnTo>
+                <a:lnTo>
+                  <a:pt x="1953" y="125"/>
+                </a:lnTo>
+                <a:lnTo>
+                  <a:pt x="1984" y="129"/>
+                </a:lnTo>
+                <a:lnTo>
+                  <a:pt x="2017" y="129"/>
+                </a:lnTo>
+                <a:lnTo>
+                  <a:pt x="2051" y="127"/>
+                </a:lnTo>
+                <a:lnTo>
+                  <a:pt x="2085" y="123"/>
+                </a:lnTo>
+                <a:lnTo>
+                  <a:pt x="2119" y="118"/>
+                </a:lnTo>
+                <a:lnTo>
+                  <a:pt x="2153" y="114"/>
+                </a:lnTo>
+                <a:lnTo>
+                  <a:pt x="2187" y="111"/>
+                </a:lnTo>
+                <a:lnTo>
+                  <a:pt x="2219" y="112"/>
+                </a:lnTo>
+                <a:lnTo>
+                  <a:pt x="2250" y="116"/>
+                </a:lnTo>
+                <a:lnTo>
+                  <a:pt x="2280" y="125"/>
+                </a:lnTo>
+                <a:lnTo>
+                  <a:pt x="2305" y="138"/>
+                </a:lnTo>
+                <a:lnTo>
+                  <a:pt x="2329" y="155"/>
+                </a:lnTo>
+                <a:lnTo>
+                  <a:pt x="2350" y="175"/>
+                </a:lnTo>
+                <a:lnTo>
+                  <a:pt x="2371" y="198"/>
+                </a:lnTo>
+                <a:lnTo>
+                  <a:pt x="2390" y="222"/>
+                </a:lnTo>
+                <a:lnTo>
+                  <a:pt x="2409" y="247"/>
+                </a:lnTo>
+                <a:lnTo>
+                  <a:pt x="2428" y="272"/>
+                </a:lnTo>
+                <a:lnTo>
+                  <a:pt x="2447" y="296"/>
+                </a:lnTo>
+                <a:lnTo>
+                  <a:pt x="2467" y="319"/>
+                </a:lnTo>
+                <a:lnTo>
+                  <a:pt x="2490" y="339"/>
+                </a:lnTo>
+                <a:lnTo>
+                  <a:pt x="2512" y="357"/>
+                </a:lnTo>
+                <a:lnTo>
+                  <a:pt x="2537" y="371"/>
+                </a:lnTo>
+                <a:lnTo>
+                  <a:pt x="2564" y="383"/>
+                </a:lnTo>
+                <a:lnTo>
+                  <a:pt x="2593" y="393"/>
+                </a:lnTo>
+                <a:lnTo>
+                  <a:pt x="2623" y="402"/>
+                </a:lnTo>
+                <a:lnTo>
+                  <a:pt x="2653" y="410"/>
+                </a:lnTo>
+                <a:lnTo>
+                  <a:pt x="2684" y="418"/>
+                </a:lnTo>
+                <a:lnTo>
+                  <a:pt x="2713" y="427"/>
+                </a:lnTo>
+                <a:lnTo>
+                  <a:pt x="2742" y="437"/>
+                </a:lnTo>
+                <a:lnTo>
+                  <a:pt x="2769" y="449"/>
+                </a:lnTo>
+                <a:lnTo>
+                  <a:pt x="2793" y="464"/>
+                </a:lnTo>
+                <a:lnTo>
+                  <a:pt x="2815" y="482"/>
+                </a:lnTo>
+                <a:lnTo>
+                  <a:pt x="2833" y="504"/>
+                </a:lnTo>
+                <a:lnTo>
+                  <a:pt x="2848" y="528"/>
+                </a:lnTo>
+                <a:lnTo>
+                  <a:pt x="2860" y="555"/>
+                </a:lnTo>
+                <a:lnTo>
+                  <a:pt x="2870" y="584"/>
+                </a:lnTo>
+                <a:lnTo>
+                  <a:pt x="2879" y="613"/>
+                </a:lnTo>
+                <a:lnTo>
+                  <a:pt x="2887" y="644"/>
+                </a:lnTo>
+                <a:lnTo>
+                  <a:pt x="2895" y="674"/>
+                </a:lnTo>
+                <a:lnTo>
+                  <a:pt x="2904" y="704"/>
+                </a:lnTo>
+                <a:lnTo>
+                  <a:pt x="2914" y="733"/>
+                </a:lnTo>
+                <a:lnTo>
+                  <a:pt x="2926" y="760"/>
+                </a:lnTo>
+                <a:lnTo>
+                  <a:pt x="2940" y="785"/>
+                </a:lnTo>
+                <a:lnTo>
+                  <a:pt x="2958" y="807"/>
+                </a:lnTo>
+                <a:lnTo>
+                  <a:pt x="2978" y="830"/>
+                </a:lnTo>
+                <a:lnTo>
+                  <a:pt x="3001" y="850"/>
+                </a:lnTo>
+                <a:lnTo>
+                  <a:pt x="3025" y="869"/>
+                </a:lnTo>
+                <a:lnTo>
+                  <a:pt x="3051" y="888"/>
+                </a:lnTo>
+                <a:lnTo>
+                  <a:pt x="3076" y="907"/>
+                </a:lnTo>
+                <a:lnTo>
+                  <a:pt x="3100" y="926"/>
+                </a:lnTo>
+                <a:lnTo>
+                  <a:pt x="3123" y="947"/>
+                </a:lnTo>
+                <a:lnTo>
+                  <a:pt x="3143" y="968"/>
+                </a:lnTo>
+                <a:lnTo>
+                  <a:pt x="3160" y="992"/>
+                </a:lnTo>
+                <a:lnTo>
+                  <a:pt x="3173" y="1017"/>
+                </a:lnTo>
+                <a:lnTo>
+                  <a:pt x="3182" y="1047"/>
+                </a:lnTo>
+                <a:lnTo>
+                  <a:pt x="3186" y="1078"/>
+                </a:lnTo>
+                <a:lnTo>
+                  <a:pt x="3187" y="1110"/>
+                </a:lnTo>
+                <a:lnTo>
+                  <a:pt x="3184" y="1144"/>
+                </a:lnTo>
+                <a:lnTo>
+                  <a:pt x="3180" y="1178"/>
+                </a:lnTo>
+                <a:lnTo>
+                  <a:pt x="3175" y="1212"/>
+                </a:lnTo>
+                <a:lnTo>
+                  <a:pt x="3171" y="1246"/>
+                </a:lnTo>
+                <a:lnTo>
+                  <a:pt x="3169" y="1280"/>
+                </a:lnTo>
+                <a:lnTo>
+                  <a:pt x="3169" y="1313"/>
+                </a:lnTo>
+                <a:lnTo>
+                  <a:pt x="3173" y="1344"/>
+                </a:lnTo>
+                <a:lnTo>
+                  <a:pt x="3181" y="1375"/>
+                </a:lnTo>
+                <a:lnTo>
+                  <a:pt x="3193" y="1404"/>
+                </a:lnTo>
+                <a:lnTo>
+                  <a:pt x="3209" y="1434"/>
+                </a:lnTo>
+                <a:lnTo>
+                  <a:pt x="3225" y="1464"/>
+                </a:lnTo>
+                <a:lnTo>
+                  <a:pt x="3243" y="1494"/>
+                </a:lnTo>
+                <a:lnTo>
+                  <a:pt x="3260" y="1523"/>
+                </a:lnTo>
+                <a:lnTo>
+                  <a:pt x="3275" y="1554"/>
+                </a:lnTo>
+                <a:lnTo>
+                  <a:pt x="3287" y="1584"/>
+                </a:lnTo>
+                <a:lnTo>
+                  <a:pt x="3295" y="1615"/>
+                </a:lnTo>
+                <a:lnTo>
+                  <a:pt x="3298" y="1647"/>
+                </a:lnTo>
+                <a:lnTo>
+                  <a:pt x="3295" y="1679"/>
+                </a:lnTo>
+                <a:lnTo>
+                  <a:pt x="3287" y="1710"/>
+                </a:lnTo>
+                <a:lnTo>
+                  <a:pt x="3275" y="1740"/>
+                </a:lnTo>
+                <a:lnTo>
+                  <a:pt x="3260" y="1771"/>
+                </a:lnTo>
+                <a:lnTo>
+                  <a:pt x="3243" y="1800"/>
+                </a:lnTo>
+                <a:lnTo>
+                  <a:pt x="3225" y="1830"/>
+                </a:lnTo>
+                <a:lnTo>
+                  <a:pt x="3209" y="1860"/>
+                </a:lnTo>
+                <a:lnTo>
+                  <a:pt x="3193" y="1890"/>
+                </a:lnTo>
+                <a:lnTo>
+                  <a:pt x="3181" y="1919"/>
+                </a:lnTo>
+                <a:lnTo>
+                  <a:pt x="3173" y="1950"/>
+                </a:lnTo>
+                <a:lnTo>
+                  <a:pt x="3169" y="1981"/>
+                </a:lnTo>
+                <a:lnTo>
+                  <a:pt x="3169" y="2014"/>
+                </a:lnTo>
+                <a:lnTo>
+                  <a:pt x="3171" y="2048"/>
+                </a:lnTo>
+                <a:lnTo>
+                  <a:pt x="3175" y="2082"/>
+                </a:lnTo>
+                <a:lnTo>
+                  <a:pt x="3180" y="2116"/>
+                </a:lnTo>
+                <a:lnTo>
+                  <a:pt x="3184" y="2150"/>
+                </a:lnTo>
+                <a:lnTo>
+                  <a:pt x="3187" y="2184"/>
+                </a:lnTo>
+                <a:lnTo>
+                  <a:pt x="3186" y="2216"/>
+                </a:lnTo>
+                <a:lnTo>
+                  <a:pt x="3182" y="2247"/>
+                </a:lnTo>
+                <a:lnTo>
+                  <a:pt x="3173" y="2277"/>
+                </a:lnTo>
+                <a:lnTo>
+                  <a:pt x="3160" y="2302"/>
+                </a:lnTo>
+                <a:lnTo>
+                  <a:pt x="3143" y="2326"/>
+                </a:lnTo>
+                <a:lnTo>
+                  <a:pt x="3123" y="2347"/>
+                </a:lnTo>
+                <a:lnTo>
+                  <a:pt x="3100" y="2368"/>
+                </a:lnTo>
+                <a:lnTo>
+                  <a:pt x="3076" y="2387"/>
+                </a:lnTo>
+                <a:lnTo>
+                  <a:pt x="3051" y="2406"/>
+                </a:lnTo>
+                <a:lnTo>
+                  <a:pt x="3025" y="2425"/>
+                </a:lnTo>
+                <a:lnTo>
+                  <a:pt x="3001" y="2444"/>
+                </a:lnTo>
+                <a:lnTo>
+                  <a:pt x="2978" y="2464"/>
+                </a:lnTo>
+                <a:lnTo>
+                  <a:pt x="2958" y="2487"/>
+                </a:lnTo>
+                <a:lnTo>
+                  <a:pt x="2940" y="2509"/>
+                </a:lnTo>
+                <a:lnTo>
+                  <a:pt x="2926" y="2534"/>
+                </a:lnTo>
+                <a:lnTo>
+                  <a:pt x="2914" y="2561"/>
+                </a:lnTo>
+                <a:lnTo>
+                  <a:pt x="2904" y="2590"/>
+                </a:lnTo>
+                <a:lnTo>
+                  <a:pt x="2895" y="2620"/>
+                </a:lnTo>
+                <a:lnTo>
+                  <a:pt x="2887" y="2650"/>
+                </a:lnTo>
+                <a:lnTo>
+                  <a:pt x="2879" y="2681"/>
+                </a:lnTo>
+                <a:lnTo>
+                  <a:pt x="2870" y="2710"/>
+                </a:lnTo>
+                <a:lnTo>
+                  <a:pt x="2860" y="2739"/>
+                </a:lnTo>
+                <a:lnTo>
+                  <a:pt x="2848" y="2766"/>
+                </a:lnTo>
+                <a:lnTo>
+                  <a:pt x="2833" y="2790"/>
+                </a:lnTo>
+                <a:lnTo>
+                  <a:pt x="2815" y="2812"/>
+                </a:lnTo>
+                <a:lnTo>
+                  <a:pt x="2793" y="2830"/>
+                </a:lnTo>
+                <a:lnTo>
+                  <a:pt x="2769" y="2845"/>
+                </a:lnTo>
+                <a:lnTo>
+                  <a:pt x="2742" y="2857"/>
+                </a:lnTo>
+                <a:lnTo>
+                  <a:pt x="2713" y="2867"/>
+                </a:lnTo>
+                <a:lnTo>
+                  <a:pt x="2684" y="2876"/>
+                </a:lnTo>
+                <a:lnTo>
+                  <a:pt x="2653" y="2884"/>
+                </a:lnTo>
+                <a:lnTo>
+                  <a:pt x="2623" y="2892"/>
+                </a:lnTo>
+                <a:lnTo>
+                  <a:pt x="2593" y="2901"/>
+                </a:lnTo>
+                <a:lnTo>
+                  <a:pt x="2564" y="2911"/>
+                </a:lnTo>
+                <a:lnTo>
+                  <a:pt x="2537" y="2923"/>
+                </a:lnTo>
+                <a:lnTo>
+                  <a:pt x="2512" y="2937"/>
+                </a:lnTo>
+                <a:lnTo>
+                  <a:pt x="2490" y="2955"/>
+                </a:lnTo>
+                <a:lnTo>
+                  <a:pt x="2467" y="2975"/>
+                </a:lnTo>
+                <a:lnTo>
+                  <a:pt x="2447" y="2998"/>
+                </a:lnTo>
+                <a:lnTo>
+                  <a:pt x="2428" y="3022"/>
+                </a:lnTo>
+                <a:lnTo>
+                  <a:pt x="2409" y="3047"/>
+                </a:lnTo>
+                <a:lnTo>
+                  <a:pt x="2390" y="3072"/>
+                </a:lnTo>
+                <a:lnTo>
+                  <a:pt x="2371" y="3096"/>
+                </a:lnTo>
+                <a:lnTo>
+                  <a:pt x="2350" y="3119"/>
+                </a:lnTo>
+                <a:lnTo>
+                  <a:pt x="2329" y="3139"/>
+                </a:lnTo>
+                <a:lnTo>
+                  <a:pt x="2305" y="3156"/>
+                </a:lnTo>
+                <a:lnTo>
+                  <a:pt x="2280" y="3169"/>
+                </a:lnTo>
+                <a:lnTo>
+                  <a:pt x="2250" y="3178"/>
+                </a:lnTo>
+                <a:lnTo>
+                  <a:pt x="2219" y="3182"/>
+                </a:lnTo>
+                <a:lnTo>
+                  <a:pt x="2187" y="3183"/>
+                </a:lnTo>
+                <a:lnTo>
+                  <a:pt x="2153" y="3180"/>
+                </a:lnTo>
+                <a:lnTo>
+                  <a:pt x="2119" y="3176"/>
+                </a:lnTo>
+                <a:lnTo>
+                  <a:pt x="2085" y="3171"/>
+                </a:lnTo>
+                <a:lnTo>
+                  <a:pt x="2051" y="3167"/>
+                </a:lnTo>
+                <a:lnTo>
+                  <a:pt x="2017" y="3165"/>
+                </a:lnTo>
+                <a:lnTo>
+                  <a:pt x="1984" y="3165"/>
+                </a:lnTo>
+                <a:lnTo>
+                  <a:pt x="1953" y="3169"/>
+                </a:lnTo>
+                <a:lnTo>
+                  <a:pt x="1921" y="3177"/>
+                </a:lnTo>
+                <a:lnTo>
+                  <a:pt x="1892" y="3189"/>
+                </a:lnTo>
+                <a:lnTo>
+                  <a:pt x="1862" y="3205"/>
+                </a:lnTo>
+                <a:lnTo>
+                  <a:pt x="1832" y="3221"/>
+                </a:lnTo>
+                <a:lnTo>
+                  <a:pt x="1802" y="3239"/>
+                </a:lnTo>
+                <a:lnTo>
+                  <a:pt x="1773" y="3256"/>
+                </a:lnTo>
+                <a:lnTo>
+                  <a:pt x="1742" y="3271"/>
+                </a:lnTo>
+                <a:lnTo>
+                  <a:pt x="1712" y="3283"/>
+                </a:lnTo>
+                <a:lnTo>
+                  <a:pt x="1681" y="3291"/>
+                </a:lnTo>
+                <a:lnTo>
+                  <a:pt x="1649" y="3294"/>
+                </a:lnTo>
+                <a:lnTo>
+                  <a:pt x="1617" y="3291"/>
+                </a:lnTo>
+                <a:lnTo>
+                  <a:pt x="1586" y="3283"/>
+                </a:lnTo>
+                <a:lnTo>
+                  <a:pt x="1556" y="3271"/>
+                </a:lnTo>
+                <a:lnTo>
+                  <a:pt x="1525" y="3256"/>
+                </a:lnTo>
+                <a:lnTo>
+                  <a:pt x="1496" y="3239"/>
+                </a:lnTo>
+                <a:lnTo>
+                  <a:pt x="1466" y="3221"/>
+                </a:lnTo>
+                <a:lnTo>
+                  <a:pt x="1436" y="3205"/>
+                </a:lnTo>
+                <a:lnTo>
+                  <a:pt x="1406" y="3189"/>
+                </a:lnTo>
+                <a:lnTo>
+                  <a:pt x="1376" y="3177"/>
+                </a:lnTo>
+                <a:lnTo>
+                  <a:pt x="1345" y="3169"/>
+                </a:lnTo>
+                <a:lnTo>
+                  <a:pt x="1314" y="3165"/>
+                </a:lnTo>
+                <a:lnTo>
+                  <a:pt x="1281" y="3165"/>
+                </a:lnTo>
+                <a:lnTo>
+                  <a:pt x="1247" y="3167"/>
+                </a:lnTo>
+                <a:lnTo>
+                  <a:pt x="1213" y="3171"/>
+                </a:lnTo>
+                <a:lnTo>
+                  <a:pt x="1179" y="3176"/>
+                </a:lnTo>
+                <a:lnTo>
+                  <a:pt x="1145" y="3180"/>
+                </a:lnTo>
+                <a:lnTo>
+                  <a:pt x="1111" y="3183"/>
+                </a:lnTo>
+                <a:lnTo>
+                  <a:pt x="1079" y="3182"/>
+                </a:lnTo>
+                <a:lnTo>
+                  <a:pt x="1048" y="3178"/>
+                </a:lnTo>
+                <a:lnTo>
+                  <a:pt x="1018" y="3169"/>
+                </a:lnTo>
+                <a:lnTo>
+                  <a:pt x="993" y="3156"/>
+                </a:lnTo>
+                <a:lnTo>
+                  <a:pt x="969" y="3139"/>
+                </a:lnTo>
+                <a:lnTo>
+                  <a:pt x="948" y="3119"/>
+                </a:lnTo>
+                <a:lnTo>
+                  <a:pt x="927" y="3096"/>
+                </a:lnTo>
+                <a:lnTo>
+                  <a:pt x="908" y="3072"/>
+                </a:lnTo>
+                <a:lnTo>
+                  <a:pt x="889" y="3047"/>
+                </a:lnTo>
+                <a:lnTo>
+                  <a:pt x="870" y="3022"/>
+                </a:lnTo>
+                <a:lnTo>
+                  <a:pt x="851" y="2998"/>
+                </a:lnTo>
+                <a:lnTo>
+                  <a:pt x="831" y="2975"/>
+                </a:lnTo>
+                <a:lnTo>
+                  <a:pt x="808" y="2955"/>
+                </a:lnTo>
+                <a:lnTo>
+                  <a:pt x="786" y="2937"/>
+                </a:lnTo>
+                <a:lnTo>
+                  <a:pt x="761" y="2923"/>
+                </a:lnTo>
+                <a:lnTo>
+                  <a:pt x="734" y="2911"/>
+                </a:lnTo>
+                <a:lnTo>
+                  <a:pt x="705" y="2901"/>
+                </a:lnTo>
+                <a:lnTo>
+                  <a:pt x="675" y="2892"/>
+                </a:lnTo>
+                <a:lnTo>
+                  <a:pt x="645" y="2884"/>
+                </a:lnTo>
+                <a:lnTo>
+                  <a:pt x="614" y="2876"/>
+                </a:lnTo>
+                <a:lnTo>
+                  <a:pt x="585" y="2867"/>
+                </a:lnTo>
+                <a:lnTo>
+                  <a:pt x="556" y="2857"/>
+                </a:lnTo>
+                <a:lnTo>
+                  <a:pt x="529" y="2845"/>
+                </a:lnTo>
+                <a:lnTo>
+                  <a:pt x="505" y="2830"/>
+                </a:lnTo>
+                <a:lnTo>
+                  <a:pt x="483" y="2812"/>
+                </a:lnTo>
+                <a:lnTo>
+                  <a:pt x="465" y="2790"/>
+                </a:lnTo>
+                <a:lnTo>
+                  <a:pt x="450" y="2766"/>
+                </a:lnTo>
+                <a:lnTo>
+                  <a:pt x="438" y="2739"/>
+                </a:lnTo>
+                <a:lnTo>
+                  <a:pt x="428" y="2710"/>
+                </a:lnTo>
+                <a:lnTo>
+                  <a:pt x="419" y="2681"/>
+                </a:lnTo>
+                <a:lnTo>
+                  <a:pt x="411" y="2650"/>
+                </a:lnTo>
+                <a:lnTo>
+                  <a:pt x="403" y="2620"/>
+                </a:lnTo>
+                <a:lnTo>
+                  <a:pt x="394" y="2590"/>
+                </a:lnTo>
+                <a:lnTo>
+                  <a:pt x="384" y="2561"/>
+                </a:lnTo>
+                <a:lnTo>
+                  <a:pt x="372" y="2534"/>
+                </a:lnTo>
+                <a:lnTo>
+                  <a:pt x="358" y="2509"/>
+                </a:lnTo>
+                <a:lnTo>
+                  <a:pt x="340" y="2487"/>
+                </a:lnTo>
+                <a:lnTo>
+                  <a:pt x="320" y="2464"/>
+                </a:lnTo>
+                <a:lnTo>
+                  <a:pt x="297" y="2444"/>
+                </a:lnTo>
+                <a:lnTo>
+                  <a:pt x="272" y="2425"/>
+                </a:lnTo>
+                <a:lnTo>
+                  <a:pt x="247" y="2406"/>
+                </a:lnTo>
+                <a:lnTo>
+                  <a:pt x="222" y="2387"/>
+                </a:lnTo>
+                <a:lnTo>
+                  <a:pt x="198" y="2368"/>
+                </a:lnTo>
+                <a:lnTo>
+                  <a:pt x="175" y="2347"/>
+                </a:lnTo>
+                <a:lnTo>
+                  <a:pt x="155" y="2326"/>
+                </a:lnTo>
+                <a:lnTo>
+                  <a:pt x="138" y="2302"/>
+                </a:lnTo>
+                <a:lnTo>
+                  <a:pt x="125" y="2277"/>
+                </a:lnTo>
+                <a:lnTo>
+                  <a:pt x="116" y="2247"/>
+                </a:lnTo>
+                <a:lnTo>
+                  <a:pt x="112" y="2216"/>
+                </a:lnTo>
+                <a:lnTo>
+                  <a:pt x="111" y="2184"/>
+                </a:lnTo>
+                <a:lnTo>
+                  <a:pt x="114" y="2150"/>
+                </a:lnTo>
+                <a:lnTo>
+                  <a:pt x="118" y="2116"/>
+                </a:lnTo>
+                <a:lnTo>
+                  <a:pt x="123" y="2082"/>
+                </a:lnTo>
+                <a:lnTo>
+                  <a:pt x="127" y="2048"/>
+                </a:lnTo>
+                <a:lnTo>
+                  <a:pt x="129" y="2014"/>
+                </a:lnTo>
+                <a:lnTo>
+                  <a:pt x="129" y="1981"/>
+                </a:lnTo>
+                <a:lnTo>
+                  <a:pt x="125" y="1950"/>
+                </a:lnTo>
+                <a:lnTo>
+                  <a:pt x="117" y="1919"/>
+                </a:lnTo>
+                <a:lnTo>
+                  <a:pt x="105" y="1890"/>
+                </a:lnTo>
+                <a:lnTo>
+                  <a:pt x="90" y="1860"/>
+                </a:lnTo>
+                <a:lnTo>
+                  <a:pt x="73" y="1830"/>
+                </a:lnTo>
+                <a:lnTo>
+                  <a:pt x="55" y="1800"/>
+                </a:lnTo>
+                <a:lnTo>
+                  <a:pt x="38" y="1771"/>
+                </a:lnTo>
+                <a:lnTo>
+                  <a:pt x="23" y="1740"/>
+                </a:lnTo>
+                <a:lnTo>
+                  <a:pt x="11" y="1710"/>
+                </a:lnTo>
+                <a:lnTo>
+                  <a:pt x="3" y="1679"/>
+                </a:lnTo>
+                <a:lnTo>
+                  <a:pt x="0" y="1647"/>
+                </a:lnTo>
+                <a:lnTo>
+                  <a:pt x="3" y="1615"/>
+                </a:lnTo>
+                <a:lnTo>
+                  <a:pt x="11" y="1584"/>
+                </a:lnTo>
+                <a:lnTo>
+                  <a:pt x="23" y="1554"/>
+                </a:lnTo>
+                <a:lnTo>
+                  <a:pt x="38" y="1523"/>
+                </a:lnTo>
+                <a:lnTo>
+                  <a:pt x="55" y="1494"/>
+                </a:lnTo>
+                <a:lnTo>
+                  <a:pt x="73" y="1464"/>
+                </a:lnTo>
+                <a:lnTo>
+                  <a:pt x="90" y="1434"/>
+                </a:lnTo>
+                <a:lnTo>
+                  <a:pt x="105" y="1404"/>
+                </a:lnTo>
+                <a:lnTo>
+                  <a:pt x="117" y="1375"/>
+                </a:lnTo>
+                <a:lnTo>
+                  <a:pt x="125" y="1344"/>
+                </a:lnTo>
+                <a:lnTo>
+                  <a:pt x="129" y="1313"/>
+                </a:lnTo>
+                <a:lnTo>
+                  <a:pt x="129" y="1280"/>
+                </a:lnTo>
+                <a:lnTo>
+                  <a:pt x="127" y="1246"/>
+                </a:lnTo>
+                <a:lnTo>
+                  <a:pt x="123" y="1212"/>
+                </a:lnTo>
+                <a:lnTo>
+                  <a:pt x="118" y="1178"/>
+                </a:lnTo>
+                <a:lnTo>
+                  <a:pt x="114" y="1144"/>
+                </a:lnTo>
+                <a:lnTo>
+                  <a:pt x="111" y="1110"/>
+                </a:lnTo>
+                <a:lnTo>
+                  <a:pt x="112" y="1078"/>
+                </a:lnTo>
+                <a:lnTo>
+                  <a:pt x="116" y="1047"/>
+                </a:lnTo>
+                <a:lnTo>
+                  <a:pt x="125" y="1017"/>
+                </a:lnTo>
+                <a:lnTo>
+                  <a:pt x="138" y="992"/>
+                </a:lnTo>
+                <a:lnTo>
+                  <a:pt x="155" y="968"/>
+                </a:lnTo>
+                <a:lnTo>
+                  <a:pt x="175" y="947"/>
+                </a:lnTo>
+                <a:lnTo>
+                  <a:pt x="198" y="926"/>
+                </a:lnTo>
+                <a:lnTo>
+                  <a:pt x="222" y="907"/>
+                </a:lnTo>
+                <a:lnTo>
+                  <a:pt x="247" y="888"/>
+                </a:lnTo>
+                <a:lnTo>
+                  <a:pt x="272" y="869"/>
+                </a:lnTo>
+                <a:lnTo>
+                  <a:pt x="297" y="850"/>
+                </a:lnTo>
+                <a:lnTo>
+                  <a:pt x="320" y="830"/>
+                </a:lnTo>
+                <a:lnTo>
+                  <a:pt x="340" y="807"/>
+                </a:lnTo>
+                <a:lnTo>
+                  <a:pt x="358" y="785"/>
+                </a:lnTo>
+                <a:lnTo>
+                  <a:pt x="372" y="760"/>
+                </a:lnTo>
+                <a:lnTo>
+                  <a:pt x="384" y="733"/>
+                </a:lnTo>
+                <a:lnTo>
+                  <a:pt x="394" y="704"/>
+                </a:lnTo>
+                <a:lnTo>
+                  <a:pt x="403" y="674"/>
+                </a:lnTo>
+                <a:lnTo>
+                  <a:pt x="411" y="644"/>
+                </a:lnTo>
+                <a:lnTo>
+                  <a:pt x="419" y="613"/>
+                </a:lnTo>
+                <a:lnTo>
+                  <a:pt x="428" y="584"/>
+                </a:lnTo>
+                <a:lnTo>
+                  <a:pt x="438" y="555"/>
+                </a:lnTo>
+                <a:lnTo>
+                  <a:pt x="450" y="528"/>
+                </a:lnTo>
+                <a:lnTo>
+                  <a:pt x="465" y="504"/>
+                </a:lnTo>
+                <a:lnTo>
+                  <a:pt x="483" y="482"/>
+                </a:lnTo>
+                <a:lnTo>
+                  <a:pt x="505" y="464"/>
+                </a:lnTo>
+                <a:lnTo>
+                  <a:pt x="529" y="449"/>
+                </a:lnTo>
+                <a:lnTo>
+                  <a:pt x="556" y="437"/>
+                </a:lnTo>
+                <a:lnTo>
+                  <a:pt x="585" y="427"/>
+                </a:lnTo>
+                <a:lnTo>
+                  <a:pt x="614" y="418"/>
+                </a:lnTo>
+                <a:lnTo>
+                  <a:pt x="645" y="410"/>
+                </a:lnTo>
+                <a:lnTo>
+                  <a:pt x="675" y="402"/>
+                </a:lnTo>
+                <a:lnTo>
+                  <a:pt x="705" y="393"/>
+                </a:lnTo>
+                <a:lnTo>
+                  <a:pt x="734" y="383"/>
+                </a:lnTo>
+                <a:lnTo>
+                  <a:pt x="761" y="371"/>
+                </a:lnTo>
+                <a:lnTo>
+                  <a:pt x="786" y="357"/>
+                </a:lnTo>
+                <a:lnTo>
+                  <a:pt x="808" y="339"/>
+                </a:lnTo>
+                <a:lnTo>
+                  <a:pt x="831" y="319"/>
+                </a:lnTo>
+                <a:lnTo>
+                  <a:pt x="851" y="296"/>
+                </a:lnTo>
+                <a:lnTo>
+                  <a:pt x="870" y="272"/>
+                </a:lnTo>
+                <a:lnTo>
+                  <a:pt x="889" y="247"/>
+                </a:lnTo>
+                <a:lnTo>
+                  <a:pt x="908" y="222"/>
+                </a:lnTo>
+                <a:lnTo>
+                  <a:pt x="927" y="198"/>
+                </a:lnTo>
+                <a:lnTo>
+                  <a:pt x="948" y="175"/>
+                </a:lnTo>
+                <a:lnTo>
+                  <a:pt x="969" y="155"/>
+                </a:lnTo>
+                <a:lnTo>
+                  <a:pt x="993" y="138"/>
+                </a:lnTo>
+                <a:lnTo>
+                  <a:pt x="1018" y="125"/>
+                </a:lnTo>
+                <a:lnTo>
+                  <a:pt x="1048" y="116"/>
+                </a:lnTo>
+                <a:lnTo>
+                  <a:pt x="1079" y="112"/>
+                </a:lnTo>
+                <a:lnTo>
+                  <a:pt x="1111" y="111"/>
+                </a:lnTo>
+                <a:lnTo>
+                  <a:pt x="1145" y="114"/>
+                </a:lnTo>
+                <a:lnTo>
+                  <a:pt x="1179" y="118"/>
+                </a:lnTo>
+                <a:lnTo>
+                  <a:pt x="1213" y="123"/>
+                </a:lnTo>
+                <a:lnTo>
+                  <a:pt x="1247" y="127"/>
+                </a:lnTo>
+                <a:lnTo>
+                  <a:pt x="1281" y="129"/>
+                </a:lnTo>
+                <a:lnTo>
+                  <a:pt x="1314" y="129"/>
+                </a:lnTo>
+                <a:lnTo>
+                  <a:pt x="1345" y="125"/>
+                </a:lnTo>
+                <a:lnTo>
+                  <a:pt x="1376" y="117"/>
+                </a:lnTo>
+                <a:lnTo>
+                  <a:pt x="1406" y="105"/>
+                </a:lnTo>
+                <a:lnTo>
+                  <a:pt x="1436" y="89"/>
+                </a:lnTo>
+                <a:lnTo>
+                  <a:pt x="1466" y="73"/>
+                </a:lnTo>
+                <a:lnTo>
+                  <a:pt x="1496" y="55"/>
+                </a:lnTo>
+                <a:lnTo>
+                  <a:pt x="1525" y="38"/>
+                </a:lnTo>
+                <a:lnTo>
+                  <a:pt x="1556" y="23"/>
+                </a:lnTo>
+                <a:lnTo>
+                  <a:pt x="1586" y="11"/>
+                </a:lnTo>
+                <a:lnTo>
+                  <a:pt x="1617" y="3"/>
+                </a:lnTo>
+                <a:lnTo>
+                  <a:pt x="1649" y="0"/>
+                </a:lnTo>
+                <a:close/>
+              </a:path>
+            </a:pathLst>
+          </a:custGeom>
+          <a:solidFill>
+            <a:schemeClr val="bg2"/>
+          </a:solidFill>
+          <a:ln w="0">
+            <a:noFill/>
+            <a:prstDash val="solid"/>
+            <a:round/>
+            <a:headEnd/>
+            <a:tailEnd/>
+          </a:ln>
+        </p:spPr>
+      </p:sp>
+      <p:sp>
+        <p:nvSpPr>
+          <p:cNvPr id="2" name="Title 1"/>
           <p:cNvSpPr>
             <a:spLocks noGrp="1"/>
           </p:cNvSpPr>
@@ -152,15 +1209,17 @@
         </p:nvSpPr>
         <p:spPr>
           <a:xfrm>
-            <a:off x="1524000" y="1122363"/>
-            <a:ext cx="9144000" cy="2387600"/>
+            <a:off x="1078523" y="1098388"/>
+            <a:ext cx="10318418" cy="4394988"/>
           </a:xfrm>
         </p:spPr>
         <p:txBody>
-          <a:bodyPr anchor="b"/>
+          <a:bodyPr anchor="ctr">
+            <a:noAutofit/>
+          </a:bodyPr>
           <a:lstStyle>
             <a:lvl1pPr algn="ctr">
-              <a:defRPr sz="6000"/>
+              <a:defRPr sz="10000" spc="800" baseline="0"/>
             </a:lvl1pPr>
           </a:lstStyle>
           <a:p>
@@ -168,18 +1227,13 @@
               <a:rPr lang="en-US"/>
               <a:t>Click to edit Master title style</a:t>
             </a:r>
-          </a:p>
-        </p:txBody>
-      </p:sp>
-      <p:sp>
-        <p:nvSpPr>
-          <p:cNvPr id="3" name="Subtitle 2">
-            <a:extLst>
-              <a:ext uri="{FF2B5EF4-FFF2-40B4-BE49-F238E27FC236}">
-                <a16:creationId xmlns:a16="http://schemas.microsoft.com/office/drawing/2014/main" id="{7DB43832-7F5F-0543-9252-ECE083AD68C3}"/>
-              </a:ext>
-            </a:extLst>
-          </p:cNvPr>
+            <a:endParaRPr lang="en-US" dirty="0"/>
+          </a:p>
+        </p:txBody>
+      </p:sp>
+      <p:sp>
+        <p:nvSpPr>
+          <p:cNvPr id="3" name="Subtitle 2"/>
           <p:cNvSpPr>
             <a:spLocks noGrp="1"/>
           </p:cNvSpPr>
@@ -189,16 +1243,25 @@
         </p:nvSpPr>
         <p:spPr>
           <a:xfrm>
-            <a:off x="1524000" y="3602038"/>
-            <a:ext cx="9144000" cy="1655762"/>
+            <a:off x="2215045" y="5979196"/>
+            <a:ext cx="8045373" cy="742279"/>
           </a:xfrm>
         </p:spPr>
         <p:txBody>
-          <a:bodyPr/>
+          <a:bodyPr anchor="t">
+            <a:normAutofit/>
+          </a:bodyPr>
           <a:lstStyle>
             <a:lvl1pPr marL="0" indent="0" algn="ctr">
+              <a:lnSpc>
+                <a:spcPct val="100000"/>
+              </a:lnSpc>
               <a:buNone/>
-              <a:defRPr sz="2400"/>
+              <a:defRPr sz="2000" b="1" i="0" cap="all" spc="400" baseline="0">
+                <a:solidFill>
+                  <a:schemeClr val="tx2"/>
+                </a:solidFill>
+              </a:defRPr>
             </a:lvl1pPr>
             <a:lvl2pPr marL="457200" indent="0" algn="ctr">
               <a:buNone/>
@@ -238,18 +1301,13 @@
               <a:rPr lang="en-US"/>
               <a:t>Click to edit Master subtitle style</a:t>
             </a:r>
-          </a:p>
-        </p:txBody>
-      </p:sp>
-      <p:sp>
-        <p:nvSpPr>
-          <p:cNvPr id="4" name="Date Placeholder 3">
-            <a:extLst>
-              <a:ext uri="{FF2B5EF4-FFF2-40B4-BE49-F238E27FC236}">
-                <a16:creationId xmlns:a16="http://schemas.microsoft.com/office/drawing/2014/main" id="{92C65F2B-5875-3D4D-BB93-E2192123B003}"/>
-              </a:ext>
-            </a:extLst>
-          </p:cNvPr>
+            <a:endParaRPr lang="en-US" dirty="0"/>
+          </a:p>
+        </p:txBody>
+      </p:sp>
+      <p:sp>
+        <p:nvSpPr>
+          <p:cNvPr id="4" name="Date Placeholder 3"/>
           <p:cNvSpPr>
             <a:spLocks noGrp="1"/>
           </p:cNvSpPr>
@@ -257,14 +1315,29 @@
             <p:ph type="dt" sz="half" idx="10"/>
           </p:nvPr>
         </p:nvSpPr>
-        <p:spPr/>
+        <p:spPr>
+          <a:xfrm>
+            <a:off x="1078523" y="6375679"/>
+            <a:ext cx="2329722" cy="348462"/>
+          </a:xfrm>
+        </p:spPr>
         <p:txBody>
           <a:bodyPr/>
-          <a:lstStyle/>
+          <a:lstStyle>
+            <a:lvl1pPr>
+              <a:defRPr baseline="0">
+                <a:solidFill>
+                  <a:schemeClr val="accent1">
+                    <a:lumMod val="50000"/>
+                  </a:schemeClr>
+                </a:solidFill>
+              </a:defRPr>
+            </a:lvl1pPr>
+          </a:lstStyle>
           <a:p>
             <a:fld id="{314B6D42-FA4A-544F-992E-668F4367741D}" type="datetimeFigureOut">
               <a:rPr lang="en-US" smtClean="0"/>
-              <a:t>8/12/19</a:t>
+              <a:t>8/13/2019</a:t>
             </a:fld>
             <a:endParaRPr lang="en-US"/>
           </a:p>
@@ -272,13 +1345,7 @@
       </p:sp>
       <p:sp>
         <p:nvSpPr>
-          <p:cNvPr id="5" name="Footer Placeholder 4">
-            <a:extLst>
-              <a:ext uri="{FF2B5EF4-FFF2-40B4-BE49-F238E27FC236}">
-                <a16:creationId xmlns:a16="http://schemas.microsoft.com/office/drawing/2014/main" id="{A68D0B02-189A-1349-B837-FFA29C8315AB}"/>
-              </a:ext>
-            </a:extLst>
-          </p:cNvPr>
+          <p:cNvPr id="5" name="Footer Placeholder 4"/>
           <p:cNvSpPr>
             <a:spLocks noGrp="1"/>
           </p:cNvSpPr>
@@ -286,10 +1353,25 @@
             <p:ph type="ftr" sz="quarter" idx="11"/>
           </p:nvPr>
         </p:nvSpPr>
-        <p:spPr/>
+        <p:spPr>
+          <a:xfrm>
+            <a:off x="4180332" y="6375679"/>
+            <a:ext cx="4114800" cy="345796"/>
+          </a:xfrm>
+        </p:spPr>
         <p:txBody>
           <a:bodyPr/>
-          <a:lstStyle/>
+          <a:lstStyle>
+            <a:lvl1pPr>
+              <a:defRPr baseline="0">
+                <a:solidFill>
+                  <a:schemeClr val="accent1">
+                    <a:lumMod val="50000"/>
+                  </a:schemeClr>
+                </a:solidFill>
+              </a:defRPr>
+            </a:lvl1pPr>
+          </a:lstStyle>
           <a:p>
             <a:endParaRPr lang="en-US"/>
           </a:p>
@@ -297,13 +1379,7 @@
       </p:sp>
       <p:sp>
         <p:nvSpPr>
-          <p:cNvPr id="6" name="Slide Number Placeholder 5">
-            <a:extLst>
-              <a:ext uri="{FF2B5EF4-FFF2-40B4-BE49-F238E27FC236}">
-                <a16:creationId xmlns:a16="http://schemas.microsoft.com/office/drawing/2014/main" id="{91A99BF7-A99E-424B-9506-6395AEF312F5}"/>
-              </a:ext>
-            </a:extLst>
-          </p:cNvPr>
+          <p:cNvPr id="6" name="Slide Number Placeholder 5"/>
           <p:cNvSpPr>
             <a:spLocks noGrp="1"/>
           </p:cNvSpPr>
@@ -311,10 +1387,25 @@
             <p:ph type="sldNum" sz="quarter" idx="12"/>
           </p:nvPr>
         </p:nvSpPr>
-        <p:spPr/>
+        <p:spPr>
+          <a:xfrm>
+            <a:off x="9067218" y="6375679"/>
+            <a:ext cx="2329723" cy="345796"/>
+          </a:xfrm>
+        </p:spPr>
         <p:txBody>
           <a:bodyPr/>
-          <a:lstStyle/>
+          <a:lstStyle>
+            <a:lvl1pPr>
+              <a:defRPr baseline="0">
+                <a:solidFill>
+                  <a:schemeClr val="accent1">
+                    <a:lumMod val="50000"/>
+                  </a:schemeClr>
+                </a:solidFill>
+              </a:defRPr>
+            </a:lvl1pPr>
+          </a:lstStyle>
           <a:p>
             <a:fld id="{4106DADF-BB1B-F746-932E-5D47D1ED3004}" type="slidenum">
               <a:rPr lang="en-US" smtClean="0"/>
@@ -324,10 +1415,48 @@
           </a:p>
         </p:txBody>
       </p:sp>
+      <p:sp>
+        <p:nvSpPr>
+          <p:cNvPr id="13" name="Rectangle 12" title="left edge border"/>
+          <p:cNvSpPr/>
+          <p:nvPr/>
+        </p:nvSpPr>
+        <p:spPr>
+          <a:xfrm>
+            <a:off x="0" y="0"/>
+            <a:ext cx="283464" cy="6858000"/>
+          </a:xfrm>
+          <a:prstGeom prst="rect">
+            <a:avLst/>
+          </a:prstGeom>
+          <a:solidFill>
+            <a:schemeClr val="tx2"/>
+          </a:solidFill>
+          <a:ln>
+            <a:noFill/>
+          </a:ln>
+        </p:spPr>
+        <p:style>
+          <a:lnRef idx="2">
+            <a:schemeClr val="accent1">
+              <a:shade val="50000"/>
+            </a:schemeClr>
+          </a:lnRef>
+          <a:fillRef idx="1">
+            <a:schemeClr val="accent1"/>
+          </a:fillRef>
+          <a:effectRef idx="0">
+            <a:schemeClr val="accent1"/>
+          </a:effectRef>
+          <a:fontRef idx="minor">
+            <a:schemeClr val="lt1"/>
+          </a:fontRef>
+        </p:style>
+      </p:sp>
     </p:spTree>
     <p:extLst>
       <p:ext uri="{BB962C8B-B14F-4D97-AF65-F5344CB8AC3E}">
-        <p14:creationId xmlns:p14="http://schemas.microsoft.com/office/powerpoint/2010/main" val="3938589403"/>
+        <p14:creationId xmlns:p14="http://schemas.microsoft.com/office/powerpoint/2010/main" val="2831909193"/>
       </p:ext>
     </p:extLst>
   </p:cSld>
@@ -356,13 +1485,7 @@
       </p:grpSpPr>
       <p:sp>
         <p:nvSpPr>
-          <p:cNvPr id="2" name="Title 1">
-            <a:extLst>
-              <a:ext uri="{FF2B5EF4-FFF2-40B4-BE49-F238E27FC236}">
-                <a16:creationId xmlns:a16="http://schemas.microsoft.com/office/drawing/2014/main" id="{A893B1B7-BD48-DE48-8CA4-06B7003CC837}"/>
-              </a:ext>
-            </a:extLst>
-          </p:cNvPr>
+          <p:cNvPr id="2" name="Title 1"/>
           <p:cNvSpPr>
             <a:spLocks noGrp="1"/>
           </p:cNvSpPr>
@@ -379,18 +1502,13 @@
               <a:rPr lang="en-US"/>
               <a:t>Click to edit Master title style</a:t>
             </a:r>
-          </a:p>
-        </p:txBody>
-      </p:sp>
-      <p:sp>
-        <p:nvSpPr>
-          <p:cNvPr id="3" name="Vertical Text Placeholder 2">
-            <a:extLst>
-              <a:ext uri="{FF2B5EF4-FFF2-40B4-BE49-F238E27FC236}">
-                <a16:creationId xmlns:a16="http://schemas.microsoft.com/office/drawing/2014/main" id="{708B2EB4-4694-B94E-890D-30CBBC4F9BB5}"/>
-              </a:ext>
-            </a:extLst>
-          </p:cNvPr>
+            <a:endParaRPr lang="en-US" dirty="0"/>
+          </a:p>
+        </p:txBody>
+      </p:sp>
+      <p:sp>
+        <p:nvSpPr>
+          <p:cNvPr id="3" name="Vertical Text Placeholder 2"/>
           <p:cNvSpPr>
             <a:spLocks noGrp="1"/>
           </p:cNvSpPr>
@@ -436,18 +1554,13 @@
               <a:rPr lang="en-US"/>
               <a:t>Fifth level</a:t>
             </a:r>
-          </a:p>
-        </p:txBody>
-      </p:sp>
-      <p:sp>
-        <p:nvSpPr>
-          <p:cNvPr id="4" name="Date Placeholder 3">
-            <a:extLst>
-              <a:ext uri="{FF2B5EF4-FFF2-40B4-BE49-F238E27FC236}">
-                <a16:creationId xmlns:a16="http://schemas.microsoft.com/office/drawing/2014/main" id="{DE93E9D3-A779-FD43-B580-8775B8176166}"/>
-              </a:ext>
-            </a:extLst>
-          </p:cNvPr>
+            <a:endParaRPr lang="en-US" dirty="0"/>
+          </a:p>
+        </p:txBody>
+      </p:sp>
+      <p:sp>
+        <p:nvSpPr>
+          <p:cNvPr id="4" name="Date Placeholder 3"/>
           <p:cNvSpPr>
             <a:spLocks noGrp="1"/>
           </p:cNvSpPr>
@@ -462,7 +1575,7 @@
           <a:p>
             <a:fld id="{314B6D42-FA4A-544F-992E-668F4367741D}" type="datetimeFigureOut">
               <a:rPr lang="en-US" smtClean="0"/>
-              <a:t>8/12/19</a:t>
+              <a:t>8/13/2019</a:t>
             </a:fld>
             <a:endParaRPr lang="en-US"/>
           </a:p>
@@ -470,13 +1583,7 @@
       </p:sp>
       <p:sp>
         <p:nvSpPr>
-          <p:cNvPr id="5" name="Footer Placeholder 4">
-            <a:extLst>
-              <a:ext uri="{FF2B5EF4-FFF2-40B4-BE49-F238E27FC236}">
-                <a16:creationId xmlns:a16="http://schemas.microsoft.com/office/drawing/2014/main" id="{C256F686-0667-F343-B962-B9340B7BDE73}"/>
-              </a:ext>
-            </a:extLst>
-          </p:cNvPr>
+          <p:cNvPr id="5" name="Footer Placeholder 4"/>
           <p:cNvSpPr>
             <a:spLocks noGrp="1"/>
           </p:cNvSpPr>
@@ -495,13 +1602,7 @@
       </p:sp>
       <p:sp>
         <p:nvSpPr>
-          <p:cNvPr id="6" name="Slide Number Placeholder 5">
-            <a:extLst>
-              <a:ext uri="{FF2B5EF4-FFF2-40B4-BE49-F238E27FC236}">
-                <a16:creationId xmlns:a16="http://schemas.microsoft.com/office/drawing/2014/main" id="{7784B620-603B-434A-811E-338B06E21C81}"/>
-              </a:ext>
-            </a:extLst>
-          </p:cNvPr>
+          <p:cNvPr id="6" name="Slide Number Placeholder 5"/>
           <p:cNvSpPr>
             <a:spLocks noGrp="1"/>
           </p:cNvSpPr>
@@ -525,7 +1626,7 @@
     </p:spTree>
     <p:extLst>
       <p:ext uri="{BB962C8B-B14F-4D97-AF65-F5344CB8AC3E}">
-        <p14:creationId xmlns:p14="http://schemas.microsoft.com/office/powerpoint/2010/main" val="404669529"/>
+        <p14:creationId xmlns:p14="http://schemas.microsoft.com/office/powerpoint/2010/main" val="1053531064"/>
       </p:ext>
     </p:extLst>
   </p:cSld>
@@ -554,13 +1655,7 @@
       </p:grpSpPr>
       <p:sp>
         <p:nvSpPr>
-          <p:cNvPr id="2" name="Vertical Title 1">
-            <a:extLst>
-              <a:ext uri="{FF2B5EF4-FFF2-40B4-BE49-F238E27FC236}">
-                <a16:creationId xmlns:a16="http://schemas.microsoft.com/office/drawing/2014/main" id="{A05082BB-0900-9048-809D-AEA909E24059}"/>
-              </a:ext>
-            </a:extLst>
-          </p:cNvPr>
+          <p:cNvPr id="2" name="Vertical Title 1"/>
           <p:cNvSpPr>
             <a:spLocks noGrp="1"/>
           </p:cNvSpPr>
@@ -570,8 +1665,8 @@
         </p:nvSpPr>
         <p:spPr>
           <a:xfrm>
-            <a:off x="8724900" y="365125"/>
-            <a:ext cx="2628900" cy="5811838"/>
+            <a:off x="10066321" y="382386"/>
+            <a:ext cx="1492132" cy="5600404"/>
           </a:xfrm>
         </p:spPr>
         <p:txBody>
@@ -582,18 +1677,13 @@
               <a:rPr lang="en-US"/>
               <a:t>Click to edit Master title style</a:t>
             </a:r>
-          </a:p>
-        </p:txBody>
-      </p:sp>
-      <p:sp>
-        <p:nvSpPr>
-          <p:cNvPr id="3" name="Vertical Text Placeholder 2">
-            <a:extLst>
-              <a:ext uri="{FF2B5EF4-FFF2-40B4-BE49-F238E27FC236}">
-                <a16:creationId xmlns:a16="http://schemas.microsoft.com/office/drawing/2014/main" id="{5F4B6863-7BCE-794F-9AB5-D9224AC7306F}"/>
-              </a:ext>
-            </a:extLst>
-          </p:cNvPr>
+            <a:endParaRPr lang="en-US" dirty="0"/>
+          </a:p>
+        </p:txBody>
+      </p:sp>
+      <p:sp>
+        <p:nvSpPr>
+          <p:cNvPr id="3" name="Vertical Text Placeholder 2"/>
           <p:cNvSpPr>
             <a:spLocks noGrp="1"/>
           </p:cNvSpPr>
@@ -603,8 +1693,8 @@
         </p:nvSpPr>
         <p:spPr>
           <a:xfrm>
-            <a:off x="838200" y="365125"/>
-            <a:ext cx="7734300" cy="5811838"/>
+            <a:off x="1257300" y="382385"/>
+            <a:ext cx="8392585" cy="5600405"/>
           </a:xfrm>
         </p:spPr>
         <p:txBody>
@@ -644,18 +1734,13 @@
               <a:rPr lang="en-US"/>
               <a:t>Fifth level</a:t>
             </a:r>
-          </a:p>
-        </p:txBody>
-      </p:sp>
-      <p:sp>
-        <p:nvSpPr>
-          <p:cNvPr id="4" name="Date Placeholder 3">
-            <a:extLst>
-              <a:ext uri="{FF2B5EF4-FFF2-40B4-BE49-F238E27FC236}">
-                <a16:creationId xmlns:a16="http://schemas.microsoft.com/office/drawing/2014/main" id="{0CA4CC3B-5084-A444-968B-CD4C3E0EF721}"/>
-              </a:ext>
-            </a:extLst>
-          </p:cNvPr>
+            <a:endParaRPr lang="en-US" dirty="0"/>
+          </a:p>
+        </p:txBody>
+      </p:sp>
+      <p:sp>
+        <p:nvSpPr>
+          <p:cNvPr id="4" name="Date Placeholder 3"/>
           <p:cNvSpPr>
             <a:spLocks noGrp="1"/>
           </p:cNvSpPr>
@@ -670,7 +1755,7 @@
           <a:p>
             <a:fld id="{314B6D42-FA4A-544F-992E-668F4367741D}" type="datetimeFigureOut">
               <a:rPr lang="en-US" smtClean="0"/>
-              <a:t>8/12/19</a:t>
+              <a:t>8/13/2019</a:t>
             </a:fld>
             <a:endParaRPr lang="en-US"/>
           </a:p>
@@ -678,13 +1763,7 @@
       </p:sp>
       <p:sp>
         <p:nvSpPr>
-          <p:cNvPr id="5" name="Footer Placeholder 4">
-            <a:extLst>
-              <a:ext uri="{FF2B5EF4-FFF2-40B4-BE49-F238E27FC236}">
-                <a16:creationId xmlns:a16="http://schemas.microsoft.com/office/drawing/2014/main" id="{5BDA4609-3EF0-DC46-9BA0-EC8E75BDEF28}"/>
-              </a:ext>
-            </a:extLst>
-          </p:cNvPr>
+          <p:cNvPr id="5" name="Footer Placeholder 4"/>
           <p:cNvSpPr>
             <a:spLocks noGrp="1"/>
           </p:cNvSpPr>
@@ -703,13 +1782,7 @@
       </p:sp>
       <p:sp>
         <p:nvSpPr>
-          <p:cNvPr id="6" name="Slide Number Placeholder 5">
-            <a:extLst>
-              <a:ext uri="{FF2B5EF4-FFF2-40B4-BE49-F238E27FC236}">
-                <a16:creationId xmlns:a16="http://schemas.microsoft.com/office/drawing/2014/main" id="{31430C39-74CC-BA46-928B-4DF5613913BC}"/>
-              </a:ext>
-            </a:extLst>
-          </p:cNvPr>
+          <p:cNvPr id="6" name="Slide Number Placeholder 5"/>
           <p:cNvSpPr>
             <a:spLocks noGrp="1"/>
           </p:cNvSpPr>
@@ -733,7 +1806,7 @@
     </p:spTree>
     <p:extLst>
       <p:ext uri="{BB962C8B-B14F-4D97-AF65-F5344CB8AC3E}">
-        <p14:creationId xmlns:p14="http://schemas.microsoft.com/office/powerpoint/2010/main" val="2977619987"/>
+        <p14:creationId xmlns:p14="http://schemas.microsoft.com/office/powerpoint/2010/main" val="2723988019"/>
       </p:ext>
     </p:extLst>
   </p:cSld>
@@ -762,13 +1835,7 @@
       </p:grpSpPr>
       <p:sp>
         <p:nvSpPr>
-          <p:cNvPr id="2" name="Title 1">
-            <a:extLst>
-              <a:ext uri="{FF2B5EF4-FFF2-40B4-BE49-F238E27FC236}">
-                <a16:creationId xmlns:a16="http://schemas.microsoft.com/office/drawing/2014/main" id="{FB1A4160-3A53-E24D-AF50-88BA78E6B3D9}"/>
-              </a:ext>
-            </a:extLst>
-          </p:cNvPr>
+          <p:cNvPr id="2" name="Title 1"/>
           <p:cNvSpPr>
             <a:spLocks noGrp="1"/>
           </p:cNvSpPr>
@@ -785,18 +1852,13 @@
               <a:rPr lang="en-US"/>
               <a:t>Click to edit Master title style</a:t>
             </a:r>
-          </a:p>
-        </p:txBody>
-      </p:sp>
-      <p:sp>
-        <p:nvSpPr>
-          <p:cNvPr id="3" name="Content Placeholder 2">
-            <a:extLst>
-              <a:ext uri="{FF2B5EF4-FFF2-40B4-BE49-F238E27FC236}">
-                <a16:creationId xmlns:a16="http://schemas.microsoft.com/office/drawing/2014/main" id="{0F5A4914-6A63-2846-AF1A-A941A1D4988E}"/>
-              </a:ext>
-            </a:extLst>
-          </p:cNvPr>
+            <a:endParaRPr lang="en-US" dirty="0"/>
+          </a:p>
+        </p:txBody>
+      </p:sp>
+      <p:sp>
+        <p:nvSpPr>
+          <p:cNvPr id="3" name="Content Placeholder 2"/>
           <p:cNvSpPr>
             <a:spLocks noGrp="1"/>
           </p:cNvSpPr>
@@ -842,18 +1904,13 @@
               <a:rPr lang="en-US"/>
               <a:t>Fifth level</a:t>
             </a:r>
-          </a:p>
-        </p:txBody>
-      </p:sp>
-      <p:sp>
-        <p:nvSpPr>
-          <p:cNvPr id="4" name="Date Placeholder 3">
-            <a:extLst>
-              <a:ext uri="{FF2B5EF4-FFF2-40B4-BE49-F238E27FC236}">
-                <a16:creationId xmlns:a16="http://schemas.microsoft.com/office/drawing/2014/main" id="{94219C5A-64C9-1343-A3EF-E049EFC06E87}"/>
-              </a:ext>
-            </a:extLst>
-          </p:cNvPr>
+            <a:endParaRPr lang="en-US" dirty="0"/>
+          </a:p>
+        </p:txBody>
+      </p:sp>
+      <p:sp>
+        <p:nvSpPr>
+          <p:cNvPr id="4" name="Date Placeholder 3"/>
           <p:cNvSpPr>
             <a:spLocks noGrp="1"/>
           </p:cNvSpPr>
@@ -868,7 +1925,7 @@
           <a:p>
             <a:fld id="{314B6D42-FA4A-544F-992E-668F4367741D}" type="datetimeFigureOut">
               <a:rPr lang="en-US" smtClean="0"/>
-              <a:t>8/12/19</a:t>
+              <a:t>8/13/2019</a:t>
             </a:fld>
             <a:endParaRPr lang="en-US"/>
           </a:p>
@@ -876,13 +1933,7 @@
       </p:sp>
       <p:sp>
         <p:nvSpPr>
-          <p:cNvPr id="5" name="Footer Placeholder 4">
-            <a:extLst>
-              <a:ext uri="{FF2B5EF4-FFF2-40B4-BE49-F238E27FC236}">
-                <a16:creationId xmlns:a16="http://schemas.microsoft.com/office/drawing/2014/main" id="{444C0E8C-03AE-4A4C-90DE-E4E6FAF1831F}"/>
-              </a:ext>
-            </a:extLst>
-          </p:cNvPr>
+          <p:cNvPr id="5" name="Footer Placeholder 4"/>
           <p:cNvSpPr>
             <a:spLocks noGrp="1"/>
           </p:cNvSpPr>
@@ -901,13 +1952,7 @@
       </p:sp>
       <p:sp>
         <p:nvSpPr>
-          <p:cNvPr id="6" name="Slide Number Placeholder 5">
-            <a:extLst>
-              <a:ext uri="{FF2B5EF4-FFF2-40B4-BE49-F238E27FC236}">
-                <a16:creationId xmlns:a16="http://schemas.microsoft.com/office/drawing/2014/main" id="{FA2B0588-AC4E-9647-AB2C-0E40F0D88A87}"/>
-              </a:ext>
-            </a:extLst>
-          </p:cNvPr>
+          <p:cNvPr id="6" name="Slide Number Placeholder 5"/>
           <p:cNvSpPr>
             <a:spLocks noGrp="1"/>
           </p:cNvSpPr>
@@ -931,7 +1976,7 @@
     </p:spTree>
     <p:extLst>
       <p:ext uri="{BB962C8B-B14F-4D97-AF65-F5344CB8AC3E}">
-        <p14:creationId xmlns:p14="http://schemas.microsoft.com/office/powerpoint/2010/main" val="1369560798"/>
+        <p14:creationId xmlns:p14="http://schemas.microsoft.com/office/powerpoint/2010/main" val="2312387298"/>
       </p:ext>
     </p:extLst>
   </p:cSld>
@@ -942,8 +1987,16 @@
 </file>
 
 <file path=ppt/slideLayouts/slideLayout3.xml><?xml version="1.0" encoding="utf-8"?>
-<p:sldLayout xmlns:a="http://schemas.openxmlformats.org/drawingml/2006/main" xmlns:r="http://schemas.openxmlformats.org/officeDocument/2006/relationships" xmlns:p="http://schemas.openxmlformats.org/presentationml/2006/main" type="secHead" preserve="1">
+<p:sldLayout xmlns:a="http://schemas.openxmlformats.org/drawingml/2006/main" xmlns:r="http://schemas.openxmlformats.org/officeDocument/2006/relationships" xmlns:p="http://schemas.openxmlformats.org/presentationml/2006/main" showMasterSp="0" type="secHead" preserve="1">
   <p:cSld name="Section Header">
+    <p:bg>
+      <p:bgPr>
+        <a:solidFill>
+          <a:schemeClr val="bg2"/>
+        </a:solidFill>
+        <a:effectLst/>
+      </p:bgPr>
+    </p:bg>
     <p:spTree>
       <p:nvGrpSpPr>
         <p:cNvPr id="1" name=""/>
@@ -960,13 +2013,7 @@
       </p:grpSpPr>
       <p:sp>
         <p:nvSpPr>
-          <p:cNvPr id="2" name="Title 1">
-            <a:extLst>
-              <a:ext uri="{FF2B5EF4-FFF2-40B4-BE49-F238E27FC236}">
-                <a16:creationId xmlns:a16="http://schemas.microsoft.com/office/drawing/2014/main" id="{332D7433-9951-9A44-A655-C0678B36AD4A}"/>
-              </a:ext>
-            </a:extLst>
-          </p:cNvPr>
+          <p:cNvPr id="2" name="Title 1"/>
           <p:cNvSpPr>
             <a:spLocks noGrp="1"/>
           </p:cNvSpPr>
@@ -976,15 +2023,21 @@
         </p:nvSpPr>
         <p:spPr>
           <a:xfrm>
-            <a:off x="831850" y="1709738"/>
-            <a:ext cx="10515600" cy="2852737"/>
+            <a:off x="3242929" y="1073888"/>
+            <a:ext cx="8187071" cy="4064627"/>
           </a:xfrm>
         </p:spPr>
         <p:txBody>
-          <a:bodyPr anchor="b"/>
+          <a:bodyPr anchor="b">
+            <a:normAutofit/>
+          </a:bodyPr>
           <a:lstStyle>
             <a:lvl1pPr>
-              <a:defRPr sz="6000"/>
+              <a:defRPr sz="8400" spc="800" baseline="0">
+                <a:solidFill>
+                  <a:schemeClr val="tx2"/>
+                </a:solidFill>
+              </a:defRPr>
             </a:lvl1pPr>
           </a:lstStyle>
           <a:p>
@@ -992,18 +2045,13 @@
               <a:rPr lang="en-US"/>
               <a:t>Click to edit Master title style</a:t>
             </a:r>
-          </a:p>
-        </p:txBody>
-      </p:sp>
-      <p:sp>
-        <p:nvSpPr>
-          <p:cNvPr id="3" name="Text Placeholder 2">
-            <a:extLst>
-              <a:ext uri="{FF2B5EF4-FFF2-40B4-BE49-F238E27FC236}">
-                <a16:creationId xmlns:a16="http://schemas.microsoft.com/office/drawing/2014/main" id="{08266C89-978C-5042-B7CB-3538C5979E82}"/>
-              </a:ext>
-            </a:extLst>
-          </p:cNvPr>
+            <a:endParaRPr lang="en-US" dirty="0"/>
+          </a:p>
+        </p:txBody>
+      </p:sp>
+      <p:sp>
+        <p:nvSpPr>
+          <p:cNvPr id="3" name="Text Placeholder 2"/>
           <p:cNvSpPr>
             <a:spLocks noGrp="1"/>
           </p:cNvSpPr>
@@ -1013,20 +2061,23 @@
         </p:nvSpPr>
         <p:spPr>
           <a:xfrm>
-            <a:off x="831850" y="4589463"/>
-            <a:ext cx="10515600" cy="1500187"/>
+            <a:off x="3242930" y="5159781"/>
+            <a:ext cx="7017488" cy="951135"/>
           </a:xfrm>
         </p:spPr>
         <p:txBody>
-          <a:bodyPr/>
+          <a:bodyPr>
+            <a:normAutofit/>
+          </a:bodyPr>
           <a:lstStyle>
             <a:lvl1pPr marL="0" indent="0">
+              <a:lnSpc>
+                <a:spcPct val="100000"/>
+              </a:lnSpc>
               <a:buNone/>
-              <a:defRPr sz="2400">
+              <a:defRPr sz="2000" b="1" i="0" cap="all" spc="400" baseline="0">
                 <a:solidFill>
-                  <a:schemeClr val="tx1">
-                    <a:tint val="75000"/>
-                  </a:schemeClr>
+                  <a:schemeClr val="accent1"/>
                 </a:solidFill>
               </a:defRPr>
             </a:lvl1pPr>
@@ -1122,13 +2173,7 @@
       </p:sp>
       <p:sp>
         <p:nvSpPr>
-          <p:cNvPr id="4" name="Date Placeholder 3">
-            <a:extLst>
-              <a:ext uri="{FF2B5EF4-FFF2-40B4-BE49-F238E27FC236}">
-                <a16:creationId xmlns:a16="http://schemas.microsoft.com/office/drawing/2014/main" id="{4FED41DE-1D59-D847-A971-621562CABDD1}"/>
-              </a:ext>
-            </a:extLst>
-          </p:cNvPr>
+          <p:cNvPr id="4" name="Date Placeholder 3"/>
           <p:cNvSpPr>
             <a:spLocks noGrp="1"/>
           </p:cNvSpPr>
@@ -1136,14 +2181,27 @@
             <p:ph type="dt" sz="half" idx="10"/>
           </p:nvPr>
         </p:nvSpPr>
-        <p:spPr/>
+        <p:spPr>
+          <a:xfrm>
+            <a:off x="3236546" y="6375679"/>
+            <a:ext cx="1493947" cy="348462"/>
+          </a:xfrm>
+        </p:spPr>
         <p:txBody>
           <a:bodyPr/>
-          <a:lstStyle/>
+          <a:lstStyle>
+            <a:lvl1pPr>
+              <a:defRPr baseline="0">
+                <a:solidFill>
+                  <a:schemeClr val="tx2"/>
+                </a:solidFill>
+              </a:defRPr>
+            </a:lvl1pPr>
+          </a:lstStyle>
           <a:p>
             <a:fld id="{314B6D42-FA4A-544F-992E-668F4367741D}" type="datetimeFigureOut">
               <a:rPr lang="en-US" smtClean="0"/>
-              <a:t>8/12/19</a:t>
+              <a:t>8/13/2019</a:t>
             </a:fld>
             <a:endParaRPr lang="en-US"/>
           </a:p>
@@ -1151,13 +2209,7 @@
       </p:sp>
       <p:sp>
         <p:nvSpPr>
-          <p:cNvPr id="5" name="Footer Placeholder 4">
-            <a:extLst>
-              <a:ext uri="{FF2B5EF4-FFF2-40B4-BE49-F238E27FC236}">
-                <a16:creationId xmlns:a16="http://schemas.microsoft.com/office/drawing/2014/main" id="{5403F7BE-3C69-6546-8946-F7674D2F8755}"/>
-              </a:ext>
-            </a:extLst>
-          </p:cNvPr>
+          <p:cNvPr id="5" name="Footer Placeholder 4"/>
           <p:cNvSpPr>
             <a:spLocks noGrp="1"/>
           </p:cNvSpPr>
@@ -1165,10 +2217,23 @@
             <p:ph type="ftr" sz="quarter" idx="11"/>
           </p:nvPr>
         </p:nvSpPr>
-        <p:spPr/>
+        <p:spPr>
+          <a:xfrm>
+            <a:off x="5279064" y="6375679"/>
+            <a:ext cx="4114800" cy="345796"/>
+          </a:xfrm>
+        </p:spPr>
         <p:txBody>
           <a:bodyPr/>
-          <a:lstStyle/>
+          <a:lstStyle>
+            <a:lvl1pPr>
+              <a:defRPr baseline="0">
+                <a:solidFill>
+                  <a:schemeClr val="tx2"/>
+                </a:solidFill>
+              </a:defRPr>
+            </a:lvl1pPr>
+          </a:lstStyle>
           <a:p>
             <a:endParaRPr lang="en-US"/>
           </a:p>
@@ -1176,13 +2241,7 @@
       </p:sp>
       <p:sp>
         <p:nvSpPr>
-          <p:cNvPr id="6" name="Slide Number Placeholder 5">
-            <a:extLst>
-              <a:ext uri="{FF2B5EF4-FFF2-40B4-BE49-F238E27FC236}">
-                <a16:creationId xmlns:a16="http://schemas.microsoft.com/office/drawing/2014/main" id="{08D45738-ADCD-EC4A-92B6-768337F13B21}"/>
-              </a:ext>
-            </a:extLst>
-          </p:cNvPr>
+          <p:cNvPr id="6" name="Slide Number Placeholder 5"/>
           <p:cNvSpPr>
             <a:spLocks noGrp="1"/>
           </p:cNvSpPr>
@@ -1190,10 +2249,23 @@
             <p:ph type="sldNum" sz="quarter" idx="12"/>
           </p:nvPr>
         </p:nvSpPr>
-        <p:spPr/>
+        <p:spPr>
+          <a:xfrm>
+            <a:off x="9942434" y="6375679"/>
+            <a:ext cx="1487566" cy="345796"/>
+          </a:xfrm>
+        </p:spPr>
         <p:txBody>
           <a:bodyPr/>
-          <a:lstStyle/>
+          <a:lstStyle>
+            <a:lvl1pPr>
+              <a:defRPr baseline="0">
+                <a:solidFill>
+                  <a:schemeClr val="tx2"/>
+                </a:solidFill>
+              </a:defRPr>
+            </a:lvl1pPr>
+          </a:lstStyle>
           <a:p>
             <a:fld id="{4106DADF-BB1B-F746-932E-5D47D1ED3004}" type="slidenum">
               <a:rPr lang="en-US" smtClean="0"/>
@@ -1203,15 +2275,958 @@
           </a:p>
         </p:txBody>
       </p:sp>
+      <p:grpSp>
+        <p:nvGrpSpPr>
+          <p:cNvPr id="7" name="Group 6" title="left scallop shape"/>
+          <p:cNvGrpSpPr/>
+          <p:nvPr/>
+        </p:nvGrpSpPr>
+        <p:grpSpPr>
+          <a:xfrm>
+            <a:off x="0" y="0"/>
+            <a:ext cx="2814638" cy="6858000"/>
+            <a:chOff x="0" y="0"/>
+            <a:chExt cx="2814638" cy="6858000"/>
+          </a:xfrm>
+        </p:grpSpPr>
+        <p:sp>
+          <p:nvSpPr>
+            <p:cNvPr id="11" name="Freeform 6" title="left scallop shape"/>
+            <p:cNvSpPr/>
+            <p:nvPr/>
+          </p:nvSpPr>
+          <p:spPr bwMode="auto">
+            <a:xfrm>
+              <a:off x="0" y="0"/>
+              <a:ext cx="2814638" cy="6858000"/>
+            </a:xfrm>
+            <a:custGeom>
+              <a:avLst/>
+              <a:gdLst/>
+              <a:ahLst/>
+              <a:cxnLst/>
+              <a:rect l="0" t="0" r="r" b="b"/>
+              <a:pathLst>
+                <a:path w="1773" h="4320">
+                  <a:moveTo>
+                    <a:pt x="0" y="0"/>
+                  </a:moveTo>
+                  <a:lnTo>
+                    <a:pt x="891" y="0"/>
+                  </a:lnTo>
+                  <a:lnTo>
+                    <a:pt x="906" y="56"/>
+                  </a:lnTo>
+                  <a:lnTo>
+                    <a:pt x="921" y="111"/>
+                  </a:lnTo>
+                  <a:lnTo>
+                    <a:pt x="938" y="165"/>
+                  </a:lnTo>
+                  <a:lnTo>
+                    <a:pt x="957" y="217"/>
+                  </a:lnTo>
+                  <a:lnTo>
+                    <a:pt x="980" y="266"/>
+                  </a:lnTo>
+                  <a:lnTo>
+                    <a:pt x="1007" y="312"/>
+                  </a:lnTo>
+                  <a:lnTo>
+                    <a:pt x="1036" y="351"/>
+                  </a:lnTo>
+                  <a:lnTo>
+                    <a:pt x="1069" y="387"/>
+                  </a:lnTo>
+                  <a:lnTo>
+                    <a:pt x="1105" y="422"/>
+                  </a:lnTo>
+                  <a:lnTo>
+                    <a:pt x="1145" y="456"/>
+                  </a:lnTo>
+                  <a:lnTo>
+                    <a:pt x="1185" y="487"/>
+                  </a:lnTo>
+                  <a:lnTo>
+                    <a:pt x="1227" y="520"/>
+                  </a:lnTo>
+                  <a:lnTo>
+                    <a:pt x="1270" y="551"/>
+                  </a:lnTo>
+                  <a:lnTo>
+                    <a:pt x="1311" y="584"/>
+                  </a:lnTo>
+                  <a:lnTo>
+                    <a:pt x="1352" y="617"/>
+                  </a:lnTo>
+                  <a:lnTo>
+                    <a:pt x="1390" y="651"/>
+                  </a:lnTo>
+                  <a:lnTo>
+                    <a:pt x="1425" y="687"/>
+                  </a:lnTo>
+                  <a:lnTo>
+                    <a:pt x="1456" y="725"/>
+                  </a:lnTo>
+                  <a:lnTo>
+                    <a:pt x="1484" y="765"/>
+                  </a:lnTo>
+                  <a:lnTo>
+                    <a:pt x="1505" y="808"/>
+                  </a:lnTo>
+                  <a:lnTo>
+                    <a:pt x="1521" y="856"/>
+                  </a:lnTo>
+                  <a:lnTo>
+                    <a:pt x="1530" y="907"/>
+                  </a:lnTo>
+                  <a:lnTo>
+                    <a:pt x="1534" y="960"/>
+                  </a:lnTo>
+                  <a:lnTo>
+                    <a:pt x="1534" y="1013"/>
+                  </a:lnTo>
+                  <a:lnTo>
+                    <a:pt x="1530" y="1068"/>
+                  </a:lnTo>
+                  <a:lnTo>
+                    <a:pt x="1523" y="1125"/>
+                  </a:lnTo>
+                  <a:lnTo>
+                    <a:pt x="1515" y="1181"/>
+                  </a:lnTo>
+                  <a:lnTo>
+                    <a:pt x="1508" y="1237"/>
+                  </a:lnTo>
+                  <a:lnTo>
+                    <a:pt x="1501" y="1293"/>
+                  </a:lnTo>
+                  <a:lnTo>
+                    <a:pt x="1496" y="1350"/>
+                  </a:lnTo>
+                  <a:lnTo>
+                    <a:pt x="1494" y="1405"/>
+                  </a:lnTo>
+                  <a:lnTo>
+                    <a:pt x="1497" y="1458"/>
+                  </a:lnTo>
+                  <a:lnTo>
+                    <a:pt x="1504" y="1511"/>
+                  </a:lnTo>
+                  <a:lnTo>
+                    <a:pt x="1517" y="1560"/>
+                  </a:lnTo>
+                  <a:lnTo>
+                    <a:pt x="1535" y="1610"/>
+                  </a:lnTo>
+                  <a:lnTo>
+                    <a:pt x="1557" y="1659"/>
+                  </a:lnTo>
+                  <a:lnTo>
+                    <a:pt x="1583" y="1708"/>
+                  </a:lnTo>
+                  <a:lnTo>
+                    <a:pt x="1611" y="1757"/>
+                  </a:lnTo>
+                  <a:lnTo>
+                    <a:pt x="1640" y="1807"/>
+                  </a:lnTo>
+                  <a:lnTo>
+                    <a:pt x="1669" y="1855"/>
+                  </a:lnTo>
+                  <a:lnTo>
+                    <a:pt x="1696" y="1905"/>
+                  </a:lnTo>
+                  <a:lnTo>
+                    <a:pt x="1721" y="1954"/>
+                  </a:lnTo>
+                  <a:lnTo>
+                    <a:pt x="1742" y="2006"/>
+                  </a:lnTo>
+                  <a:lnTo>
+                    <a:pt x="1759" y="2057"/>
+                  </a:lnTo>
+                  <a:lnTo>
+                    <a:pt x="1769" y="2108"/>
+                  </a:lnTo>
+                  <a:lnTo>
+                    <a:pt x="1773" y="2160"/>
+                  </a:lnTo>
+                  <a:lnTo>
+                    <a:pt x="1769" y="2212"/>
+                  </a:lnTo>
+                  <a:lnTo>
+                    <a:pt x="1759" y="2263"/>
+                  </a:lnTo>
+                  <a:lnTo>
+                    <a:pt x="1742" y="2314"/>
+                  </a:lnTo>
+                  <a:lnTo>
+                    <a:pt x="1721" y="2366"/>
+                  </a:lnTo>
+                  <a:lnTo>
+                    <a:pt x="1696" y="2415"/>
+                  </a:lnTo>
+                  <a:lnTo>
+                    <a:pt x="1669" y="2465"/>
+                  </a:lnTo>
+                  <a:lnTo>
+                    <a:pt x="1640" y="2513"/>
+                  </a:lnTo>
+                  <a:lnTo>
+                    <a:pt x="1611" y="2563"/>
+                  </a:lnTo>
+                  <a:lnTo>
+                    <a:pt x="1583" y="2612"/>
+                  </a:lnTo>
+                  <a:lnTo>
+                    <a:pt x="1557" y="2661"/>
+                  </a:lnTo>
+                  <a:lnTo>
+                    <a:pt x="1535" y="2710"/>
+                  </a:lnTo>
+                  <a:lnTo>
+                    <a:pt x="1517" y="2760"/>
+                  </a:lnTo>
+                  <a:lnTo>
+                    <a:pt x="1504" y="2809"/>
+                  </a:lnTo>
+                  <a:lnTo>
+                    <a:pt x="1497" y="2862"/>
+                  </a:lnTo>
+                  <a:lnTo>
+                    <a:pt x="1494" y="2915"/>
+                  </a:lnTo>
+                  <a:lnTo>
+                    <a:pt x="1496" y="2970"/>
+                  </a:lnTo>
+                  <a:lnTo>
+                    <a:pt x="1501" y="3027"/>
+                  </a:lnTo>
+                  <a:lnTo>
+                    <a:pt x="1508" y="3083"/>
+                  </a:lnTo>
+                  <a:lnTo>
+                    <a:pt x="1515" y="3139"/>
+                  </a:lnTo>
+                  <a:lnTo>
+                    <a:pt x="1523" y="3195"/>
+                  </a:lnTo>
+                  <a:lnTo>
+                    <a:pt x="1530" y="3252"/>
+                  </a:lnTo>
+                  <a:lnTo>
+                    <a:pt x="1534" y="3307"/>
+                  </a:lnTo>
+                  <a:lnTo>
+                    <a:pt x="1534" y="3360"/>
+                  </a:lnTo>
+                  <a:lnTo>
+                    <a:pt x="1530" y="3413"/>
+                  </a:lnTo>
+                  <a:lnTo>
+                    <a:pt x="1521" y="3464"/>
+                  </a:lnTo>
+                  <a:lnTo>
+                    <a:pt x="1505" y="3512"/>
+                  </a:lnTo>
+                  <a:lnTo>
+                    <a:pt x="1484" y="3555"/>
+                  </a:lnTo>
+                  <a:lnTo>
+                    <a:pt x="1456" y="3595"/>
+                  </a:lnTo>
+                  <a:lnTo>
+                    <a:pt x="1425" y="3633"/>
+                  </a:lnTo>
+                  <a:lnTo>
+                    <a:pt x="1390" y="3669"/>
+                  </a:lnTo>
+                  <a:lnTo>
+                    <a:pt x="1352" y="3703"/>
+                  </a:lnTo>
+                  <a:lnTo>
+                    <a:pt x="1311" y="3736"/>
+                  </a:lnTo>
+                  <a:lnTo>
+                    <a:pt x="1270" y="3769"/>
+                  </a:lnTo>
+                  <a:lnTo>
+                    <a:pt x="1227" y="3800"/>
+                  </a:lnTo>
+                  <a:lnTo>
+                    <a:pt x="1185" y="3833"/>
+                  </a:lnTo>
+                  <a:lnTo>
+                    <a:pt x="1145" y="3864"/>
+                  </a:lnTo>
+                  <a:lnTo>
+                    <a:pt x="1105" y="3898"/>
+                  </a:lnTo>
+                  <a:lnTo>
+                    <a:pt x="1069" y="3933"/>
+                  </a:lnTo>
+                  <a:lnTo>
+                    <a:pt x="1036" y="3969"/>
+                  </a:lnTo>
+                  <a:lnTo>
+                    <a:pt x="1007" y="4008"/>
+                  </a:lnTo>
+                  <a:lnTo>
+                    <a:pt x="980" y="4054"/>
+                  </a:lnTo>
+                  <a:lnTo>
+                    <a:pt x="957" y="4103"/>
+                  </a:lnTo>
+                  <a:lnTo>
+                    <a:pt x="938" y="4155"/>
+                  </a:lnTo>
+                  <a:lnTo>
+                    <a:pt x="921" y="4209"/>
+                  </a:lnTo>
+                  <a:lnTo>
+                    <a:pt x="906" y="4264"/>
+                  </a:lnTo>
+                  <a:lnTo>
+                    <a:pt x="891" y="4320"/>
+                  </a:lnTo>
+                  <a:lnTo>
+                    <a:pt x="0" y="4320"/>
+                  </a:lnTo>
+                  <a:lnTo>
+                    <a:pt x="0" y="0"/>
+                  </a:lnTo>
+                  <a:close/>
+                </a:path>
+              </a:pathLst>
+            </a:custGeom>
+            <a:solidFill>
+              <a:schemeClr val="tx2"/>
+            </a:solidFill>
+            <a:ln w="0">
+              <a:noFill/>
+              <a:prstDash val="solid"/>
+              <a:round/>
+              <a:headEnd/>
+              <a:tailEnd/>
+            </a:ln>
+          </p:spPr>
+        </p:sp>
+        <p:sp>
+          <p:nvSpPr>
+            <p:cNvPr id="16" name="Freeform 11" title="left scallop inline"/>
+            <p:cNvSpPr/>
+            <p:nvPr/>
+          </p:nvSpPr>
+          <p:spPr bwMode="auto">
+            <a:xfrm>
+              <a:off x="874382" y="0"/>
+              <a:ext cx="1646238" cy="6858000"/>
+            </a:xfrm>
+            <a:custGeom>
+              <a:avLst/>
+              <a:gdLst/>
+              <a:ahLst/>
+              <a:cxnLst/>
+              <a:rect l="0" t="0" r="r" b="b"/>
+              <a:pathLst>
+                <a:path w="1037" h="4320">
+                  <a:moveTo>
+                    <a:pt x="0" y="0"/>
+                  </a:moveTo>
+                  <a:lnTo>
+                    <a:pt x="171" y="0"/>
+                  </a:lnTo>
+                  <a:lnTo>
+                    <a:pt x="188" y="55"/>
+                  </a:lnTo>
+                  <a:lnTo>
+                    <a:pt x="204" y="110"/>
+                  </a:lnTo>
+                  <a:lnTo>
+                    <a:pt x="220" y="166"/>
+                  </a:lnTo>
+                  <a:lnTo>
+                    <a:pt x="234" y="223"/>
+                  </a:lnTo>
+                  <a:lnTo>
+                    <a:pt x="251" y="278"/>
+                  </a:lnTo>
+                  <a:lnTo>
+                    <a:pt x="269" y="331"/>
+                  </a:lnTo>
+                  <a:lnTo>
+                    <a:pt x="292" y="381"/>
+                  </a:lnTo>
+                  <a:lnTo>
+                    <a:pt x="319" y="427"/>
+                  </a:lnTo>
+                  <a:lnTo>
+                    <a:pt x="349" y="466"/>
+                  </a:lnTo>
+                  <a:lnTo>
+                    <a:pt x="382" y="503"/>
+                  </a:lnTo>
+                  <a:lnTo>
+                    <a:pt x="420" y="537"/>
+                  </a:lnTo>
+                  <a:lnTo>
+                    <a:pt x="460" y="571"/>
+                  </a:lnTo>
+                  <a:lnTo>
+                    <a:pt x="502" y="603"/>
+                  </a:lnTo>
+                  <a:lnTo>
+                    <a:pt x="544" y="635"/>
+                  </a:lnTo>
+                  <a:lnTo>
+                    <a:pt x="587" y="668"/>
+                  </a:lnTo>
+                  <a:lnTo>
+                    <a:pt x="628" y="700"/>
+                  </a:lnTo>
+                  <a:lnTo>
+                    <a:pt x="667" y="734"/>
+                  </a:lnTo>
+                  <a:lnTo>
+                    <a:pt x="703" y="771"/>
+                  </a:lnTo>
+                  <a:lnTo>
+                    <a:pt x="736" y="808"/>
+                  </a:lnTo>
+                  <a:lnTo>
+                    <a:pt x="763" y="848"/>
+                  </a:lnTo>
+                  <a:lnTo>
+                    <a:pt x="786" y="893"/>
+                  </a:lnTo>
+                  <a:lnTo>
+                    <a:pt x="800" y="937"/>
+                  </a:lnTo>
+                  <a:lnTo>
+                    <a:pt x="809" y="986"/>
+                  </a:lnTo>
+                  <a:lnTo>
+                    <a:pt x="813" y="1034"/>
+                  </a:lnTo>
+                  <a:lnTo>
+                    <a:pt x="812" y="1085"/>
+                  </a:lnTo>
+                  <a:lnTo>
+                    <a:pt x="808" y="1136"/>
+                  </a:lnTo>
+                  <a:lnTo>
+                    <a:pt x="803" y="1189"/>
+                  </a:lnTo>
+                  <a:lnTo>
+                    <a:pt x="796" y="1242"/>
+                  </a:lnTo>
+                  <a:lnTo>
+                    <a:pt x="788" y="1295"/>
+                  </a:lnTo>
+                  <a:lnTo>
+                    <a:pt x="782" y="1348"/>
+                  </a:lnTo>
+                  <a:lnTo>
+                    <a:pt x="778" y="1401"/>
+                  </a:lnTo>
+                  <a:lnTo>
+                    <a:pt x="775" y="1452"/>
+                  </a:lnTo>
+                  <a:lnTo>
+                    <a:pt x="778" y="1502"/>
+                  </a:lnTo>
+                  <a:lnTo>
+                    <a:pt x="784" y="1551"/>
+                  </a:lnTo>
+                  <a:lnTo>
+                    <a:pt x="797" y="1602"/>
+                  </a:lnTo>
+                  <a:lnTo>
+                    <a:pt x="817" y="1652"/>
+                  </a:lnTo>
+                  <a:lnTo>
+                    <a:pt x="841" y="1702"/>
+                  </a:lnTo>
+                  <a:lnTo>
+                    <a:pt x="868" y="1752"/>
+                  </a:lnTo>
+                  <a:lnTo>
+                    <a:pt x="896" y="1801"/>
+                  </a:lnTo>
+                  <a:lnTo>
+                    <a:pt x="926" y="1851"/>
+                  </a:lnTo>
+                  <a:lnTo>
+                    <a:pt x="953" y="1901"/>
+                  </a:lnTo>
+                  <a:lnTo>
+                    <a:pt x="980" y="1952"/>
+                  </a:lnTo>
+                  <a:lnTo>
+                    <a:pt x="1003" y="2003"/>
+                  </a:lnTo>
+                  <a:lnTo>
+                    <a:pt x="1021" y="2054"/>
+                  </a:lnTo>
+                  <a:lnTo>
+                    <a:pt x="1031" y="2106"/>
+                  </a:lnTo>
+                  <a:lnTo>
+                    <a:pt x="1037" y="2160"/>
+                  </a:lnTo>
+                  <a:lnTo>
+                    <a:pt x="1031" y="2214"/>
+                  </a:lnTo>
+                  <a:lnTo>
+                    <a:pt x="1021" y="2266"/>
+                  </a:lnTo>
+                  <a:lnTo>
+                    <a:pt x="1003" y="2317"/>
+                  </a:lnTo>
+                  <a:lnTo>
+                    <a:pt x="980" y="2368"/>
+                  </a:lnTo>
+                  <a:lnTo>
+                    <a:pt x="953" y="2419"/>
+                  </a:lnTo>
+                  <a:lnTo>
+                    <a:pt x="926" y="2469"/>
+                  </a:lnTo>
+                  <a:lnTo>
+                    <a:pt x="896" y="2519"/>
+                  </a:lnTo>
+                  <a:lnTo>
+                    <a:pt x="868" y="2568"/>
+                  </a:lnTo>
+                  <a:lnTo>
+                    <a:pt x="841" y="2618"/>
+                  </a:lnTo>
+                  <a:lnTo>
+                    <a:pt x="817" y="2668"/>
+                  </a:lnTo>
+                  <a:lnTo>
+                    <a:pt x="797" y="2718"/>
+                  </a:lnTo>
+                  <a:lnTo>
+                    <a:pt x="784" y="2769"/>
+                  </a:lnTo>
+                  <a:lnTo>
+                    <a:pt x="778" y="2818"/>
+                  </a:lnTo>
+                  <a:lnTo>
+                    <a:pt x="775" y="2868"/>
+                  </a:lnTo>
+                  <a:lnTo>
+                    <a:pt x="778" y="2919"/>
+                  </a:lnTo>
+                  <a:lnTo>
+                    <a:pt x="782" y="2972"/>
+                  </a:lnTo>
+                  <a:lnTo>
+                    <a:pt x="788" y="3025"/>
+                  </a:lnTo>
+                  <a:lnTo>
+                    <a:pt x="796" y="3078"/>
+                  </a:lnTo>
+                  <a:lnTo>
+                    <a:pt x="803" y="3131"/>
+                  </a:lnTo>
+                  <a:lnTo>
+                    <a:pt x="808" y="3184"/>
+                  </a:lnTo>
+                  <a:lnTo>
+                    <a:pt x="812" y="3235"/>
+                  </a:lnTo>
+                  <a:lnTo>
+                    <a:pt x="813" y="3286"/>
+                  </a:lnTo>
+                  <a:lnTo>
+                    <a:pt x="809" y="3334"/>
+                  </a:lnTo>
+                  <a:lnTo>
+                    <a:pt x="800" y="3383"/>
+                  </a:lnTo>
+                  <a:lnTo>
+                    <a:pt x="786" y="3427"/>
+                  </a:lnTo>
+                  <a:lnTo>
+                    <a:pt x="763" y="3472"/>
+                  </a:lnTo>
+                  <a:lnTo>
+                    <a:pt x="736" y="3512"/>
+                  </a:lnTo>
+                  <a:lnTo>
+                    <a:pt x="703" y="3549"/>
+                  </a:lnTo>
+                  <a:lnTo>
+                    <a:pt x="667" y="3586"/>
+                  </a:lnTo>
+                  <a:lnTo>
+                    <a:pt x="628" y="3620"/>
+                  </a:lnTo>
+                  <a:lnTo>
+                    <a:pt x="587" y="3652"/>
+                  </a:lnTo>
+                  <a:lnTo>
+                    <a:pt x="544" y="3685"/>
+                  </a:lnTo>
+                  <a:lnTo>
+                    <a:pt x="502" y="3717"/>
+                  </a:lnTo>
+                  <a:lnTo>
+                    <a:pt x="460" y="3749"/>
+                  </a:lnTo>
+                  <a:lnTo>
+                    <a:pt x="420" y="3783"/>
+                  </a:lnTo>
+                  <a:lnTo>
+                    <a:pt x="382" y="3817"/>
+                  </a:lnTo>
+                  <a:lnTo>
+                    <a:pt x="349" y="3854"/>
+                  </a:lnTo>
+                  <a:lnTo>
+                    <a:pt x="319" y="3893"/>
+                  </a:lnTo>
+                  <a:lnTo>
+                    <a:pt x="292" y="3939"/>
+                  </a:lnTo>
+                  <a:lnTo>
+                    <a:pt x="269" y="3989"/>
+                  </a:lnTo>
+                  <a:lnTo>
+                    <a:pt x="251" y="4042"/>
+                  </a:lnTo>
+                  <a:lnTo>
+                    <a:pt x="234" y="4097"/>
+                  </a:lnTo>
+                  <a:lnTo>
+                    <a:pt x="220" y="4154"/>
+                  </a:lnTo>
+                  <a:lnTo>
+                    <a:pt x="204" y="4210"/>
+                  </a:lnTo>
+                  <a:lnTo>
+                    <a:pt x="188" y="4265"/>
+                  </a:lnTo>
+                  <a:lnTo>
+                    <a:pt x="171" y="4320"/>
+                  </a:lnTo>
+                  <a:lnTo>
+                    <a:pt x="0" y="4320"/>
+                  </a:lnTo>
+                  <a:lnTo>
+                    <a:pt x="17" y="4278"/>
+                  </a:lnTo>
+                  <a:lnTo>
+                    <a:pt x="33" y="4232"/>
+                  </a:lnTo>
+                  <a:lnTo>
+                    <a:pt x="46" y="4183"/>
+                  </a:lnTo>
+                  <a:lnTo>
+                    <a:pt x="60" y="4131"/>
+                  </a:lnTo>
+                  <a:lnTo>
+                    <a:pt x="75" y="4075"/>
+                  </a:lnTo>
+                  <a:lnTo>
+                    <a:pt x="90" y="4019"/>
+                  </a:lnTo>
+                  <a:lnTo>
+                    <a:pt x="109" y="3964"/>
+                  </a:lnTo>
+                  <a:lnTo>
+                    <a:pt x="129" y="3909"/>
+                  </a:lnTo>
+                  <a:lnTo>
+                    <a:pt x="156" y="3855"/>
+                  </a:lnTo>
+                  <a:lnTo>
+                    <a:pt x="186" y="3804"/>
+                  </a:lnTo>
+                  <a:lnTo>
+                    <a:pt x="222" y="3756"/>
+                  </a:lnTo>
+                  <a:lnTo>
+                    <a:pt x="261" y="3713"/>
+                  </a:lnTo>
+                  <a:lnTo>
+                    <a:pt x="303" y="3672"/>
+                  </a:lnTo>
+                  <a:lnTo>
+                    <a:pt x="348" y="3634"/>
+                  </a:lnTo>
+                  <a:lnTo>
+                    <a:pt x="392" y="3599"/>
+                  </a:lnTo>
+                  <a:lnTo>
+                    <a:pt x="438" y="3565"/>
+                  </a:lnTo>
+                  <a:lnTo>
+                    <a:pt x="482" y="3531"/>
+                  </a:lnTo>
+                  <a:lnTo>
+                    <a:pt x="523" y="3499"/>
+                  </a:lnTo>
+                  <a:lnTo>
+                    <a:pt x="561" y="3466"/>
+                  </a:lnTo>
+                  <a:lnTo>
+                    <a:pt x="594" y="3434"/>
+                  </a:lnTo>
+                  <a:lnTo>
+                    <a:pt x="620" y="3400"/>
+                  </a:lnTo>
+                  <a:lnTo>
+                    <a:pt x="638" y="3367"/>
+                  </a:lnTo>
+                  <a:lnTo>
+                    <a:pt x="647" y="3336"/>
+                  </a:lnTo>
+                  <a:lnTo>
+                    <a:pt x="652" y="3302"/>
+                  </a:lnTo>
+                  <a:lnTo>
+                    <a:pt x="654" y="3265"/>
+                  </a:lnTo>
+                  <a:lnTo>
+                    <a:pt x="651" y="3224"/>
+                  </a:lnTo>
+                  <a:lnTo>
+                    <a:pt x="647" y="3181"/>
+                  </a:lnTo>
+                  <a:lnTo>
+                    <a:pt x="642" y="3137"/>
+                  </a:lnTo>
+                  <a:lnTo>
+                    <a:pt x="637" y="3091"/>
+                  </a:lnTo>
+                  <a:lnTo>
+                    <a:pt x="626" y="3021"/>
+                  </a:lnTo>
+                  <a:lnTo>
+                    <a:pt x="620" y="2952"/>
+                  </a:lnTo>
+                  <a:lnTo>
+                    <a:pt x="616" y="2881"/>
+                  </a:lnTo>
+                  <a:lnTo>
+                    <a:pt x="618" y="2809"/>
+                  </a:lnTo>
+                  <a:lnTo>
+                    <a:pt x="628" y="2737"/>
+                  </a:lnTo>
+                  <a:lnTo>
+                    <a:pt x="642" y="2681"/>
+                  </a:lnTo>
+                  <a:lnTo>
+                    <a:pt x="661" y="2626"/>
+                  </a:lnTo>
+                  <a:lnTo>
+                    <a:pt x="685" y="2574"/>
+                  </a:lnTo>
+                  <a:lnTo>
+                    <a:pt x="711" y="2521"/>
+                  </a:lnTo>
+                  <a:lnTo>
+                    <a:pt x="739" y="2472"/>
+                  </a:lnTo>
+                  <a:lnTo>
+                    <a:pt x="767" y="2423"/>
+                  </a:lnTo>
+                  <a:lnTo>
+                    <a:pt x="791" y="2381"/>
+                  </a:lnTo>
+                  <a:lnTo>
+                    <a:pt x="813" y="2342"/>
+                  </a:lnTo>
+                  <a:lnTo>
+                    <a:pt x="834" y="2303"/>
+                  </a:lnTo>
+                  <a:lnTo>
+                    <a:pt x="851" y="2265"/>
+                  </a:lnTo>
+                  <a:lnTo>
+                    <a:pt x="864" y="2228"/>
+                  </a:lnTo>
+                  <a:lnTo>
+                    <a:pt x="873" y="2194"/>
+                  </a:lnTo>
+                  <a:lnTo>
+                    <a:pt x="876" y="2160"/>
+                  </a:lnTo>
+                  <a:lnTo>
+                    <a:pt x="873" y="2126"/>
+                  </a:lnTo>
+                  <a:lnTo>
+                    <a:pt x="864" y="2092"/>
+                  </a:lnTo>
+                  <a:lnTo>
+                    <a:pt x="851" y="2055"/>
+                  </a:lnTo>
+                  <a:lnTo>
+                    <a:pt x="834" y="2017"/>
+                  </a:lnTo>
+                  <a:lnTo>
+                    <a:pt x="813" y="1978"/>
+                  </a:lnTo>
+                  <a:lnTo>
+                    <a:pt x="791" y="1939"/>
+                  </a:lnTo>
+                  <a:lnTo>
+                    <a:pt x="767" y="1897"/>
+                  </a:lnTo>
+                  <a:lnTo>
+                    <a:pt x="739" y="1848"/>
+                  </a:lnTo>
+                  <a:lnTo>
+                    <a:pt x="711" y="1799"/>
+                  </a:lnTo>
+                  <a:lnTo>
+                    <a:pt x="685" y="1746"/>
+                  </a:lnTo>
+                  <a:lnTo>
+                    <a:pt x="661" y="1694"/>
+                  </a:lnTo>
+                  <a:lnTo>
+                    <a:pt x="642" y="1639"/>
+                  </a:lnTo>
+                  <a:lnTo>
+                    <a:pt x="628" y="1583"/>
+                  </a:lnTo>
+                  <a:lnTo>
+                    <a:pt x="618" y="1511"/>
+                  </a:lnTo>
+                  <a:lnTo>
+                    <a:pt x="616" y="1439"/>
+                  </a:lnTo>
+                  <a:lnTo>
+                    <a:pt x="620" y="1368"/>
+                  </a:lnTo>
+                  <a:lnTo>
+                    <a:pt x="626" y="1299"/>
+                  </a:lnTo>
+                  <a:lnTo>
+                    <a:pt x="637" y="1229"/>
+                  </a:lnTo>
+                  <a:lnTo>
+                    <a:pt x="642" y="1183"/>
+                  </a:lnTo>
+                  <a:lnTo>
+                    <a:pt x="647" y="1139"/>
+                  </a:lnTo>
+                  <a:lnTo>
+                    <a:pt x="651" y="1096"/>
+                  </a:lnTo>
+                  <a:lnTo>
+                    <a:pt x="654" y="1055"/>
+                  </a:lnTo>
+                  <a:lnTo>
+                    <a:pt x="652" y="1018"/>
+                  </a:lnTo>
+                  <a:lnTo>
+                    <a:pt x="647" y="984"/>
+                  </a:lnTo>
+                  <a:lnTo>
+                    <a:pt x="638" y="953"/>
+                  </a:lnTo>
+                  <a:lnTo>
+                    <a:pt x="620" y="920"/>
+                  </a:lnTo>
+                  <a:lnTo>
+                    <a:pt x="594" y="886"/>
+                  </a:lnTo>
+                  <a:lnTo>
+                    <a:pt x="561" y="854"/>
+                  </a:lnTo>
+                  <a:lnTo>
+                    <a:pt x="523" y="822"/>
+                  </a:lnTo>
+                  <a:lnTo>
+                    <a:pt x="482" y="789"/>
+                  </a:lnTo>
+                  <a:lnTo>
+                    <a:pt x="438" y="755"/>
+                  </a:lnTo>
+                  <a:lnTo>
+                    <a:pt x="392" y="721"/>
+                  </a:lnTo>
+                  <a:lnTo>
+                    <a:pt x="348" y="686"/>
+                  </a:lnTo>
+                  <a:lnTo>
+                    <a:pt x="303" y="648"/>
+                  </a:lnTo>
+                  <a:lnTo>
+                    <a:pt x="261" y="607"/>
+                  </a:lnTo>
+                  <a:lnTo>
+                    <a:pt x="222" y="564"/>
+                  </a:lnTo>
+                  <a:lnTo>
+                    <a:pt x="186" y="516"/>
+                  </a:lnTo>
+                  <a:lnTo>
+                    <a:pt x="156" y="465"/>
+                  </a:lnTo>
+                  <a:lnTo>
+                    <a:pt x="129" y="411"/>
+                  </a:lnTo>
+                  <a:lnTo>
+                    <a:pt x="109" y="356"/>
+                  </a:lnTo>
+                  <a:lnTo>
+                    <a:pt x="90" y="301"/>
+                  </a:lnTo>
+                  <a:lnTo>
+                    <a:pt x="75" y="245"/>
+                  </a:lnTo>
+                  <a:lnTo>
+                    <a:pt x="60" y="189"/>
+                  </a:lnTo>
+                  <a:lnTo>
+                    <a:pt x="46" y="137"/>
+                  </a:lnTo>
+                  <a:lnTo>
+                    <a:pt x="33" y="88"/>
+                  </a:lnTo>
+                  <a:lnTo>
+                    <a:pt x="17" y="42"/>
+                  </a:lnTo>
+                  <a:lnTo>
+                    <a:pt x="0" y="0"/>
+                  </a:lnTo>
+                  <a:lnTo>
+                    <a:pt x="0" y="0"/>
+                  </a:lnTo>
+                  <a:close/>
+                </a:path>
+              </a:pathLst>
+            </a:custGeom>
+            <a:solidFill>
+              <a:schemeClr val="accent1"/>
+            </a:solidFill>
+            <a:ln w="0">
+              <a:noFill/>
+              <a:prstDash val="solid"/>
+              <a:round/>
+              <a:headEnd/>
+              <a:tailEnd/>
+            </a:ln>
+          </p:spPr>
+        </p:sp>
+      </p:grpSp>
     </p:spTree>
     <p:extLst>
       <p:ext uri="{BB962C8B-B14F-4D97-AF65-F5344CB8AC3E}">
-        <p14:creationId xmlns:p14="http://schemas.microsoft.com/office/powerpoint/2010/main" val="3349234262"/>
+        <p14:creationId xmlns:p14="http://schemas.microsoft.com/office/powerpoint/2010/main" val="1825464304"/>
       </p:ext>
     </p:extLst>
   </p:cSld>
   <p:clrMapOvr>
-    <a:masterClrMapping/>
+    <a:overrideClrMapping bg1="dk1" tx1="lt1" bg2="dk2" tx2="lt2" accent1="accent1" accent2="accent2" accent3="accent3" accent4="accent4" accent5="accent5" accent6="accent6" hlink="hlink" folHlink="folHlink"/>
   </p:clrMapOvr>
 </p:sldLayout>
 </file>
@@ -1235,13 +3250,7 @@
       </p:grpSpPr>
       <p:sp>
         <p:nvSpPr>
-          <p:cNvPr id="2" name="Title 1">
-            <a:extLst>
-              <a:ext uri="{FF2B5EF4-FFF2-40B4-BE49-F238E27FC236}">
-                <a16:creationId xmlns:a16="http://schemas.microsoft.com/office/drawing/2014/main" id="{0C9A4D32-5EF8-DB40-96AD-90DB612C68BE}"/>
-              </a:ext>
-            </a:extLst>
-          </p:cNvPr>
+          <p:cNvPr id="2" name="Title 1"/>
           <p:cNvSpPr>
             <a:spLocks noGrp="1"/>
           </p:cNvSpPr>
@@ -1258,18 +3267,13 @@
               <a:rPr lang="en-US"/>
               <a:t>Click to edit Master title style</a:t>
             </a:r>
-          </a:p>
-        </p:txBody>
-      </p:sp>
-      <p:sp>
-        <p:nvSpPr>
-          <p:cNvPr id="3" name="Content Placeholder 2">
-            <a:extLst>
-              <a:ext uri="{FF2B5EF4-FFF2-40B4-BE49-F238E27FC236}">
-                <a16:creationId xmlns:a16="http://schemas.microsoft.com/office/drawing/2014/main" id="{E90C8886-6BDC-6647-9BA3-A8AA04930E9D}"/>
-              </a:ext>
-            </a:extLst>
-          </p:cNvPr>
+            <a:endParaRPr lang="en-US" dirty="0"/>
+          </a:p>
+        </p:txBody>
+      </p:sp>
+      <p:sp>
+        <p:nvSpPr>
+          <p:cNvPr id="3" name="Content Placeholder 2"/>
           <p:cNvSpPr>
             <a:spLocks noGrp="1"/>
           </p:cNvSpPr>
@@ -1279,8 +3283,8 @@
         </p:nvSpPr>
         <p:spPr>
           <a:xfrm>
-            <a:off x="838200" y="1825625"/>
-            <a:ext cx="5181600" cy="4351338"/>
+            <a:off x="1257300" y="2286000"/>
+            <a:ext cx="4800600" cy="3619500"/>
           </a:xfrm>
         </p:spPr>
         <p:txBody>
@@ -1320,18 +3324,13 @@
               <a:rPr lang="en-US"/>
               <a:t>Fifth level</a:t>
             </a:r>
-          </a:p>
-        </p:txBody>
-      </p:sp>
-      <p:sp>
-        <p:nvSpPr>
-          <p:cNvPr id="4" name="Content Placeholder 3">
-            <a:extLst>
-              <a:ext uri="{FF2B5EF4-FFF2-40B4-BE49-F238E27FC236}">
-                <a16:creationId xmlns:a16="http://schemas.microsoft.com/office/drawing/2014/main" id="{0E41BB56-C5D8-6F4F-B8B1-A337A6E8380A}"/>
-              </a:ext>
-            </a:extLst>
-          </p:cNvPr>
+            <a:endParaRPr lang="en-US" dirty="0"/>
+          </a:p>
+        </p:txBody>
+      </p:sp>
+      <p:sp>
+        <p:nvSpPr>
+          <p:cNvPr id="4" name="Content Placeholder 3"/>
           <p:cNvSpPr>
             <a:spLocks noGrp="1"/>
           </p:cNvSpPr>
@@ -1341,8 +3340,8 @@
         </p:nvSpPr>
         <p:spPr>
           <a:xfrm>
-            <a:off x="6172200" y="1825625"/>
-            <a:ext cx="5181600" cy="4351338"/>
+            <a:off x="6647796" y="2286000"/>
+            <a:ext cx="4800600" cy="3619500"/>
           </a:xfrm>
         </p:spPr>
         <p:txBody>
@@ -1382,18 +3381,13 @@
               <a:rPr lang="en-US"/>
               <a:t>Fifth level</a:t>
             </a:r>
-          </a:p>
-        </p:txBody>
-      </p:sp>
-      <p:sp>
-        <p:nvSpPr>
-          <p:cNvPr id="5" name="Date Placeholder 4">
-            <a:extLst>
-              <a:ext uri="{FF2B5EF4-FFF2-40B4-BE49-F238E27FC236}">
-                <a16:creationId xmlns:a16="http://schemas.microsoft.com/office/drawing/2014/main" id="{DF131B32-5E50-C548-8882-F4FF7D50237D}"/>
-              </a:ext>
-            </a:extLst>
-          </p:cNvPr>
+            <a:endParaRPr lang="en-US" dirty="0"/>
+          </a:p>
+        </p:txBody>
+      </p:sp>
+      <p:sp>
+        <p:nvSpPr>
+          <p:cNvPr id="5" name="Date Placeholder 4"/>
           <p:cNvSpPr>
             <a:spLocks noGrp="1"/>
           </p:cNvSpPr>
@@ -1408,7 +3402,7 @@
           <a:p>
             <a:fld id="{314B6D42-FA4A-544F-992E-668F4367741D}" type="datetimeFigureOut">
               <a:rPr lang="en-US" smtClean="0"/>
-              <a:t>8/12/19</a:t>
+              <a:t>8/13/2019</a:t>
             </a:fld>
             <a:endParaRPr lang="en-US"/>
           </a:p>
@@ -1416,13 +3410,7 @@
       </p:sp>
       <p:sp>
         <p:nvSpPr>
-          <p:cNvPr id="6" name="Footer Placeholder 5">
-            <a:extLst>
-              <a:ext uri="{FF2B5EF4-FFF2-40B4-BE49-F238E27FC236}">
-                <a16:creationId xmlns:a16="http://schemas.microsoft.com/office/drawing/2014/main" id="{F0B5CDAB-0322-0946-A697-A7FD9D373308}"/>
-              </a:ext>
-            </a:extLst>
-          </p:cNvPr>
+          <p:cNvPr id="6" name="Footer Placeholder 5"/>
           <p:cNvSpPr>
             <a:spLocks noGrp="1"/>
           </p:cNvSpPr>
@@ -1441,13 +3429,7 @@
       </p:sp>
       <p:sp>
         <p:nvSpPr>
-          <p:cNvPr id="7" name="Slide Number Placeholder 6">
-            <a:extLst>
-              <a:ext uri="{FF2B5EF4-FFF2-40B4-BE49-F238E27FC236}">
-                <a16:creationId xmlns:a16="http://schemas.microsoft.com/office/drawing/2014/main" id="{40DA4327-1B1B-254B-835F-BA433B282B24}"/>
-              </a:ext>
-            </a:extLst>
-          </p:cNvPr>
+          <p:cNvPr id="7" name="Slide Number Placeholder 6"/>
           <p:cNvSpPr>
             <a:spLocks noGrp="1"/>
           </p:cNvSpPr>
@@ -1471,13 +3453,18 @@
     </p:spTree>
     <p:extLst>
       <p:ext uri="{BB962C8B-B14F-4D97-AF65-F5344CB8AC3E}">
-        <p14:creationId xmlns:p14="http://schemas.microsoft.com/office/powerpoint/2010/main" val="3717102875"/>
+        <p14:creationId xmlns:p14="http://schemas.microsoft.com/office/powerpoint/2010/main" val="1369442518"/>
       </p:ext>
     </p:extLst>
   </p:cSld>
   <p:clrMapOvr>
     <a:masterClrMapping/>
   </p:clrMapOvr>
+  <p:extLst>
+    <p:ext uri="{DCECCB84-F9BA-43D5-87BE-67443E8EF086}">
+      <p15:sldGuideLst xmlns:p15="http://schemas.microsoft.com/office/powerpoint/2012/main"/>
+    </p:ext>
+  </p:extLst>
 </p:sldLayout>
 </file>
 
@@ -1500,13 +3487,7 @@
       </p:grpSpPr>
       <p:sp>
         <p:nvSpPr>
-          <p:cNvPr id="2" name="Title 1">
-            <a:extLst>
-              <a:ext uri="{FF2B5EF4-FFF2-40B4-BE49-F238E27FC236}">
-                <a16:creationId xmlns:a16="http://schemas.microsoft.com/office/drawing/2014/main" id="{EF53F37E-793A-CA4B-A044-034ABC985CC1}"/>
-              </a:ext>
-            </a:extLst>
-          </p:cNvPr>
+          <p:cNvPr id="2" name="Title 1"/>
           <p:cNvSpPr>
             <a:spLocks noGrp="1"/>
           </p:cNvSpPr>
@@ -1516,8 +3497,8 @@
         </p:nvSpPr>
         <p:spPr>
           <a:xfrm>
-            <a:off x="839788" y="365125"/>
-            <a:ext cx="10515600" cy="1325563"/>
+            <a:off x="1252728" y="381000"/>
+            <a:ext cx="10172700" cy="1493517"/>
           </a:xfrm>
         </p:spPr>
         <p:txBody>
@@ -1528,18 +3509,13 @@
               <a:rPr lang="en-US"/>
               <a:t>Click to edit Master title style</a:t>
             </a:r>
-          </a:p>
-        </p:txBody>
-      </p:sp>
-      <p:sp>
-        <p:nvSpPr>
-          <p:cNvPr id="3" name="Text Placeholder 2">
-            <a:extLst>
-              <a:ext uri="{FF2B5EF4-FFF2-40B4-BE49-F238E27FC236}">
-                <a16:creationId xmlns:a16="http://schemas.microsoft.com/office/drawing/2014/main" id="{ECF67FC1-C022-794D-99C4-D414AB904A3C}"/>
-              </a:ext>
-            </a:extLst>
-          </p:cNvPr>
+            <a:endParaRPr lang="en-US" dirty="0"/>
+          </a:p>
+        </p:txBody>
+      </p:sp>
+      <p:sp>
+        <p:nvSpPr>
+          <p:cNvPr id="3" name="Text Placeholder 2"/>
           <p:cNvSpPr>
             <a:spLocks noGrp="1"/>
           </p:cNvSpPr>
@@ -1549,20 +3525,29 @@
         </p:nvSpPr>
         <p:spPr>
           <a:xfrm>
-            <a:off x="839788" y="1681163"/>
-            <a:ext cx="5157787" cy="823912"/>
+            <a:off x="1251678" y="2199633"/>
+            <a:ext cx="4800600" cy="632529"/>
           </a:xfrm>
         </p:spPr>
         <p:txBody>
-          <a:bodyPr anchor="b"/>
+          <a:bodyPr anchor="b">
+            <a:noAutofit/>
+          </a:bodyPr>
           <a:lstStyle>
             <a:lvl1pPr marL="0" indent="0">
+              <a:lnSpc>
+                <a:spcPct val="100000"/>
+              </a:lnSpc>
               <a:buNone/>
-              <a:defRPr sz="2400" b="1"/>
+              <a:defRPr sz="1900" b="1" cap="all" spc="200" baseline="0">
+                <a:solidFill>
+                  <a:schemeClr val="tx2"/>
+                </a:solidFill>
+              </a:defRPr>
             </a:lvl1pPr>
             <a:lvl2pPr marL="457200" indent="0">
               <a:buNone/>
-              <a:defRPr sz="2000" b="1"/>
+              <a:defRPr sz="1900" b="1"/>
             </a:lvl2pPr>
             <a:lvl3pPr marL="914400" indent="0">
               <a:buNone/>
@@ -1604,13 +3589,7 @@
       </p:sp>
       <p:sp>
         <p:nvSpPr>
-          <p:cNvPr id="4" name="Content Placeholder 3">
-            <a:extLst>
-              <a:ext uri="{FF2B5EF4-FFF2-40B4-BE49-F238E27FC236}">
-                <a16:creationId xmlns:a16="http://schemas.microsoft.com/office/drawing/2014/main" id="{B7907AD5-0CF9-F94A-B56B-4517A85FA80F}"/>
-              </a:ext>
-            </a:extLst>
-          </p:cNvPr>
+          <p:cNvPr id="4" name="Content Placeholder 3"/>
           <p:cNvSpPr>
             <a:spLocks noGrp="1"/>
           </p:cNvSpPr>
@@ -1620,8 +3599,8 @@
         </p:nvSpPr>
         <p:spPr>
           <a:xfrm>
-            <a:off x="839788" y="2505075"/>
-            <a:ext cx="5157787" cy="3684588"/>
+            <a:off x="1257300" y="2909102"/>
+            <a:ext cx="4800600" cy="2996398"/>
           </a:xfrm>
         </p:spPr>
         <p:txBody>
@@ -1661,18 +3640,13 @@
               <a:rPr lang="en-US"/>
               <a:t>Fifth level</a:t>
             </a:r>
-          </a:p>
-        </p:txBody>
-      </p:sp>
-      <p:sp>
-        <p:nvSpPr>
-          <p:cNvPr id="5" name="Text Placeholder 4">
-            <a:extLst>
-              <a:ext uri="{FF2B5EF4-FFF2-40B4-BE49-F238E27FC236}">
-                <a16:creationId xmlns:a16="http://schemas.microsoft.com/office/drawing/2014/main" id="{AB65FF81-1E77-8847-A4F4-B41473BD1B20}"/>
-              </a:ext>
-            </a:extLst>
-          </p:cNvPr>
+            <a:endParaRPr lang="en-US" dirty="0"/>
+          </a:p>
+        </p:txBody>
+      </p:sp>
+      <p:sp>
+        <p:nvSpPr>
+          <p:cNvPr id="5" name="Text Placeholder 4"/>
           <p:cNvSpPr>
             <a:spLocks noGrp="1"/>
           </p:cNvSpPr>
@@ -1682,20 +3656,29 @@
         </p:nvSpPr>
         <p:spPr>
           <a:xfrm>
-            <a:off x="6172200" y="1681163"/>
-            <a:ext cx="5183188" cy="823912"/>
+            <a:off x="6633864" y="2199633"/>
+            <a:ext cx="4800600" cy="632529"/>
           </a:xfrm>
         </p:spPr>
         <p:txBody>
-          <a:bodyPr anchor="b"/>
+          <a:bodyPr anchor="b">
+            <a:noAutofit/>
+          </a:bodyPr>
           <a:lstStyle>
             <a:lvl1pPr marL="0" indent="0">
+              <a:lnSpc>
+                <a:spcPct val="100000"/>
+              </a:lnSpc>
               <a:buNone/>
-              <a:defRPr sz="2400" b="1"/>
+              <a:defRPr sz="1900" b="1" cap="all" spc="200" baseline="0">
+                <a:solidFill>
+                  <a:schemeClr val="tx2"/>
+                </a:solidFill>
+              </a:defRPr>
             </a:lvl1pPr>
             <a:lvl2pPr marL="457200" indent="0">
               <a:buNone/>
-              <a:defRPr sz="2000" b="1"/>
+              <a:defRPr sz="1900" b="1"/>
             </a:lvl2pPr>
             <a:lvl3pPr marL="914400" indent="0">
               <a:buNone/>
@@ -1737,13 +3720,7 @@
       </p:sp>
       <p:sp>
         <p:nvSpPr>
-          <p:cNvPr id="6" name="Content Placeholder 5">
-            <a:extLst>
-              <a:ext uri="{FF2B5EF4-FFF2-40B4-BE49-F238E27FC236}">
-                <a16:creationId xmlns:a16="http://schemas.microsoft.com/office/drawing/2014/main" id="{A8F504BF-61D1-6C4A-B17C-D40C0C62C8FB}"/>
-              </a:ext>
-            </a:extLst>
-          </p:cNvPr>
+          <p:cNvPr id="6" name="Content Placeholder 5"/>
           <p:cNvSpPr>
             <a:spLocks noGrp="1"/>
           </p:cNvSpPr>
@@ -1753,8 +3730,8 @@
         </p:nvSpPr>
         <p:spPr>
           <a:xfrm>
-            <a:off x="6172200" y="2505075"/>
-            <a:ext cx="5183188" cy="3684588"/>
+            <a:off x="6633864" y="2909102"/>
+            <a:ext cx="4800600" cy="2996398"/>
           </a:xfrm>
         </p:spPr>
         <p:txBody>
@@ -1794,18 +3771,13 @@
               <a:rPr lang="en-US"/>
               <a:t>Fifth level</a:t>
             </a:r>
-          </a:p>
-        </p:txBody>
-      </p:sp>
-      <p:sp>
-        <p:nvSpPr>
-          <p:cNvPr id="7" name="Date Placeholder 6">
-            <a:extLst>
-              <a:ext uri="{FF2B5EF4-FFF2-40B4-BE49-F238E27FC236}">
-                <a16:creationId xmlns:a16="http://schemas.microsoft.com/office/drawing/2014/main" id="{E83F7ED1-F838-8B4A-8B92-D12FF071FF2E}"/>
-              </a:ext>
-            </a:extLst>
-          </p:cNvPr>
+            <a:endParaRPr lang="en-US" dirty="0"/>
+          </a:p>
+        </p:txBody>
+      </p:sp>
+      <p:sp>
+        <p:nvSpPr>
+          <p:cNvPr id="7" name="Date Placeholder 6"/>
           <p:cNvSpPr>
             <a:spLocks noGrp="1"/>
           </p:cNvSpPr>
@@ -1820,7 +3792,7 @@
           <a:p>
             <a:fld id="{314B6D42-FA4A-544F-992E-668F4367741D}" type="datetimeFigureOut">
               <a:rPr lang="en-US" smtClean="0"/>
-              <a:t>8/12/19</a:t>
+              <a:t>8/13/2019</a:t>
             </a:fld>
             <a:endParaRPr lang="en-US"/>
           </a:p>
@@ -1828,13 +3800,7 @@
       </p:sp>
       <p:sp>
         <p:nvSpPr>
-          <p:cNvPr id="8" name="Footer Placeholder 7">
-            <a:extLst>
-              <a:ext uri="{FF2B5EF4-FFF2-40B4-BE49-F238E27FC236}">
-                <a16:creationId xmlns:a16="http://schemas.microsoft.com/office/drawing/2014/main" id="{4E672CFE-9BF0-9F4C-A905-57BB83381838}"/>
-              </a:ext>
-            </a:extLst>
-          </p:cNvPr>
+          <p:cNvPr id="8" name="Footer Placeholder 7"/>
           <p:cNvSpPr>
             <a:spLocks noGrp="1"/>
           </p:cNvSpPr>
@@ -1853,13 +3819,7 @@
       </p:sp>
       <p:sp>
         <p:nvSpPr>
-          <p:cNvPr id="9" name="Slide Number Placeholder 8">
-            <a:extLst>
-              <a:ext uri="{FF2B5EF4-FFF2-40B4-BE49-F238E27FC236}">
-                <a16:creationId xmlns:a16="http://schemas.microsoft.com/office/drawing/2014/main" id="{1310C38C-AEE6-9848-852F-D57264E74ACA}"/>
-              </a:ext>
-            </a:extLst>
-          </p:cNvPr>
+          <p:cNvPr id="9" name="Slide Number Placeholder 8"/>
           <p:cNvSpPr>
             <a:spLocks noGrp="1"/>
           </p:cNvSpPr>
@@ -1883,13 +3843,18 @@
     </p:spTree>
     <p:extLst>
       <p:ext uri="{BB962C8B-B14F-4D97-AF65-F5344CB8AC3E}">
-        <p14:creationId xmlns:p14="http://schemas.microsoft.com/office/powerpoint/2010/main" val="1801598719"/>
+        <p14:creationId xmlns:p14="http://schemas.microsoft.com/office/powerpoint/2010/main" val="1394501384"/>
       </p:ext>
     </p:extLst>
   </p:cSld>
   <p:clrMapOvr>
     <a:masterClrMapping/>
   </p:clrMapOvr>
+  <p:extLst>
+    <p:ext uri="{DCECCB84-F9BA-43D5-87BE-67443E8EF086}">
+      <p15:sldGuideLst xmlns:p15="http://schemas.microsoft.com/office/powerpoint/2012/main"/>
+    </p:ext>
+  </p:extLst>
 </p:sldLayout>
 </file>
 
@@ -1912,13 +3877,7 @@
       </p:grpSpPr>
       <p:sp>
         <p:nvSpPr>
-          <p:cNvPr id="2" name="Title 1">
-            <a:extLst>
-              <a:ext uri="{FF2B5EF4-FFF2-40B4-BE49-F238E27FC236}">
-                <a16:creationId xmlns:a16="http://schemas.microsoft.com/office/drawing/2014/main" id="{A2CC6B49-B265-1E42-8299-B41B8E8AAE53}"/>
-              </a:ext>
-            </a:extLst>
-          </p:cNvPr>
+          <p:cNvPr id="2" name="Title 1"/>
           <p:cNvSpPr>
             <a:spLocks noGrp="1"/>
           </p:cNvSpPr>
@@ -1935,18 +3894,13 @@
               <a:rPr lang="en-US"/>
               <a:t>Click to edit Master title style</a:t>
             </a:r>
-          </a:p>
-        </p:txBody>
-      </p:sp>
-      <p:sp>
-        <p:nvSpPr>
-          <p:cNvPr id="3" name="Date Placeholder 2">
-            <a:extLst>
-              <a:ext uri="{FF2B5EF4-FFF2-40B4-BE49-F238E27FC236}">
-                <a16:creationId xmlns:a16="http://schemas.microsoft.com/office/drawing/2014/main" id="{AC3198A5-2954-D84F-99EE-E902F93B79BF}"/>
-              </a:ext>
-            </a:extLst>
-          </p:cNvPr>
+            <a:endParaRPr lang="en-US" dirty="0"/>
+          </a:p>
+        </p:txBody>
+      </p:sp>
+      <p:sp>
+        <p:nvSpPr>
+          <p:cNvPr id="3" name="Date Placeholder 2"/>
           <p:cNvSpPr>
             <a:spLocks noGrp="1"/>
           </p:cNvSpPr>
@@ -1961,7 +3915,7 @@
           <a:p>
             <a:fld id="{314B6D42-FA4A-544F-992E-668F4367741D}" type="datetimeFigureOut">
               <a:rPr lang="en-US" smtClean="0"/>
-              <a:t>8/12/19</a:t>
+              <a:t>8/13/2019</a:t>
             </a:fld>
             <a:endParaRPr lang="en-US"/>
           </a:p>
@@ -1969,13 +3923,7 @@
       </p:sp>
       <p:sp>
         <p:nvSpPr>
-          <p:cNvPr id="4" name="Footer Placeholder 3">
-            <a:extLst>
-              <a:ext uri="{FF2B5EF4-FFF2-40B4-BE49-F238E27FC236}">
-                <a16:creationId xmlns:a16="http://schemas.microsoft.com/office/drawing/2014/main" id="{F804468F-D6DA-184F-A156-26BB4F803A4D}"/>
-              </a:ext>
-            </a:extLst>
-          </p:cNvPr>
+          <p:cNvPr id="4" name="Footer Placeholder 3"/>
           <p:cNvSpPr>
             <a:spLocks noGrp="1"/>
           </p:cNvSpPr>
@@ -1994,13 +3942,7 @@
       </p:sp>
       <p:sp>
         <p:nvSpPr>
-          <p:cNvPr id="5" name="Slide Number Placeholder 4">
-            <a:extLst>
-              <a:ext uri="{FF2B5EF4-FFF2-40B4-BE49-F238E27FC236}">
-                <a16:creationId xmlns:a16="http://schemas.microsoft.com/office/drawing/2014/main" id="{E37760D4-7843-F64F-BDFD-9B8475A56C82}"/>
-              </a:ext>
-            </a:extLst>
-          </p:cNvPr>
+          <p:cNvPr id="5" name="Slide Number Placeholder 4"/>
           <p:cNvSpPr>
             <a:spLocks noGrp="1"/>
           </p:cNvSpPr>
@@ -2024,7 +3966,7 @@
     </p:spTree>
     <p:extLst>
       <p:ext uri="{BB962C8B-B14F-4D97-AF65-F5344CB8AC3E}">
-        <p14:creationId xmlns:p14="http://schemas.microsoft.com/office/powerpoint/2010/main" val="1402886800"/>
+        <p14:creationId xmlns:p14="http://schemas.microsoft.com/office/powerpoint/2010/main" val="2137135688"/>
       </p:ext>
     </p:extLst>
   </p:cSld>
@@ -2053,13 +3995,7 @@
       </p:grpSpPr>
       <p:sp>
         <p:nvSpPr>
-          <p:cNvPr id="2" name="Date Placeholder 1">
-            <a:extLst>
-              <a:ext uri="{FF2B5EF4-FFF2-40B4-BE49-F238E27FC236}">
-                <a16:creationId xmlns:a16="http://schemas.microsoft.com/office/drawing/2014/main" id="{47BB830B-4EE8-574C-84F6-BF8DD3075384}"/>
-              </a:ext>
-            </a:extLst>
-          </p:cNvPr>
+          <p:cNvPr id="2" name="Date Placeholder 1"/>
           <p:cNvSpPr>
             <a:spLocks noGrp="1"/>
           </p:cNvSpPr>
@@ -2074,7 +4010,7 @@
           <a:p>
             <a:fld id="{314B6D42-FA4A-544F-992E-668F4367741D}" type="datetimeFigureOut">
               <a:rPr lang="en-US" smtClean="0"/>
-              <a:t>8/12/19</a:t>
+              <a:t>8/13/2019</a:t>
             </a:fld>
             <a:endParaRPr lang="en-US"/>
           </a:p>
@@ -2082,13 +4018,7 @@
       </p:sp>
       <p:sp>
         <p:nvSpPr>
-          <p:cNvPr id="3" name="Footer Placeholder 2">
-            <a:extLst>
-              <a:ext uri="{FF2B5EF4-FFF2-40B4-BE49-F238E27FC236}">
-                <a16:creationId xmlns:a16="http://schemas.microsoft.com/office/drawing/2014/main" id="{2C55B25F-A4B3-624F-BD20-39B1342A04D0}"/>
-              </a:ext>
-            </a:extLst>
-          </p:cNvPr>
+          <p:cNvPr id="3" name="Footer Placeholder 2"/>
           <p:cNvSpPr>
             <a:spLocks noGrp="1"/>
           </p:cNvSpPr>
@@ -2107,13 +4037,7 @@
       </p:sp>
       <p:sp>
         <p:nvSpPr>
-          <p:cNvPr id="4" name="Slide Number Placeholder 3">
-            <a:extLst>
-              <a:ext uri="{FF2B5EF4-FFF2-40B4-BE49-F238E27FC236}">
-                <a16:creationId xmlns:a16="http://schemas.microsoft.com/office/drawing/2014/main" id="{5D73FA1A-D02E-8E40-A99C-1AE993BB1111}"/>
-              </a:ext>
-            </a:extLst>
-          </p:cNvPr>
+          <p:cNvPr id="4" name="Slide Number Placeholder 3"/>
           <p:cNvSpPr>
             <a:spLocks noGrp="1"/>
           </p:cNvSpPr>
@@ -2137,7 +4061,7 @@
     </p:spTree>
     <p:extLst>
       <p:ext uri="{BB962C8B-B14F-4D97-AF65-F5344CB8AC3E}">
-        <p14:creationId xmlns:p14="http://schemas.microsoft.com/office/powerpoint/2010/main" val="4128566812"/>
+        <p14:creationId xmlns:p14="http://schemas.microsoft.com/office/powerpoint/2010/main" val="1610308806"/>
       </p:ext>
     </p:extLst>
   </p:cSld>
@@ -2148,7 +4072,7 @@
 </file>
 
 <file path=ppt/slideLayouts/slideLayout8.xml><?xml version="1.0" encoding="utf-8"?>
-<p:sldLayout xmlns:a="http://schemas.openxmlformats.org/drawingml/2006/main" xmlns:r="http://schemas.openxmlformats.org/officeDocument/2006/relationships" xmlns:p="http://schemas.openxmlformats.org/presentationml/2006/main" type="objTx" preserve="1">
+<p:sldLayout xmlns:a="http://schemas.openxmlformats.org/drawingml/2006/main" xmlns:r="http://schemas.openxmlformats.org/officeDocument/2006/relationships" xmlns:p="http://schemas.openxmlformats.org/presentationml/2006/main" showMasterSp="0" type="objTx" preserve="1">
   <p:cSld name="Content with Caption">
     <p:spTree>
       <p:nvGrpSpPr>
@@ -2166,13 +4090,468 @@
       </p:grpSpPr>
       <p:sp>
         <p:nvSpPr>
-          <p:cNvPr id="2" name="Title 1">
-            <a:extLst>
-              <a:ext uri="{FF2B5EF4-FFF2-40B4-BE49-F238E27FC236}">
-                <a16:creationId xmlns:a16="http://schemas.microsoft.com/office/drawing/2014/main" id="{6C163D77-C1BA-E64B-946D-D81C93D28823}"/>
-              </a:ext>
-            </a:extLst>
-          </p:cNvPr>
+          <p:cNvPr id="17" name="Freeform 11" title="right scallop background shape"/>
+          <p:cNvSpPr/>
+          <p:nvPr/>
+        </p:nvSpPr>
+        <p:spPr bwMode="auto">
+          <a:xfrm>
+            <a:off x="7389812" y="0"/>
+            <a:ext cx="4802188" cy="6858000"/>
+          </a:xfrm>
+          <a:custGeom>
+            <a:avLst/>
+            <a:gdLst/>
+            <a:ahLst/>
+            <a:cxnLst/>
+            <a:rect l="0" t="0" r="r" b="b"/>
+            <a:pathLst>
+              <a:path w="3025" h="4320">
+                <a:moveTo>
+                  <a:pt x="0" y="0"/>
+                </a:moveTo>
+                <a:lnTo>
+                  <a:pt x="3025" y="0"/>
+                </a:lnTo>
+                <a:lnTo>
+                  <a:pt x="3025" y="4320"/>
+                </a:lnTo>
+                <a:lnTo>
+                  <a:pt x="0" y="4320"/>
+                </a:lnTo>
+                <a:lnTo>
+                  <a:pt x="3" y="4278"/>
+                </a:lnTo>
+                <a:lnTo>
+                  <a:pt x="8" y="4243"/>
+                </a:lnTo>
+                <a:lnTo>
+                  <a:pt x="14" y="4210"/>
+                </a:lnTo>
+                <a:lnTo>
+                  <a:pt x="24" y="4183"/>
+                </a:lnTo>
+                <a:lnTo>
+                  <a:pt x="34" y="4156"/>
+                </a:lnTo>
+                <a:lnTo>
+                  <a:pt x="46" y="4133"/>
+                </a:lnTo>
+                <a:lnTo>
+                  <a:pt x="58" y="4109"/>
+                </a:lnTo>
+                <a:lnTo>
+                  <a:pt x="69" y="4087"/>
+                </a:lnTo>
+                <a:lnTo>
+                  <a:pt x="80" y="4062"/>
+                </a:lnTo>
+                <a:lnTo>
+                  <a:pt x="90" y="4036"/>
+                </a:lnTo>
+                <a:lnTo>
+                  <a:pt x="99" y="4007"/>
+                </a:lnTo>
+                <a:lnTo>
+                  <a:pt x="106" y="3976"/>
+                </a:lnTo>
+                <a:lnTo>
+                  <a:pt x="111" y="3938"/>
+                </a:lnTo>
+                <a:lnTo>
+                  <a:pt x="113" y="3895"/>
+                </a:lnTo>
+                <a:lnTo>
+                  <a:pt x="111" y="3851"/>
+                </a:lnTo>
+                <a:lnTo>
+                  <a:pt x="106" y="3815"/>
+                </a:lnTo>
+                <a:lnTo>
+                  <a:pt x="99" y="3782"/>
+                </a:lnTo>
+                <a:lnTo>
+                  <a:pt x="90" y="3752"/>
+                </a:lnTo>
+                <a:lnTo>
+                  <a:pt x="80" y="3726"/>
+                </a:lnTo>
+                <a:lnTo>
+                  <a:pt x="68" y="3702"/>
+                </a:lnTo>
+                <a:lnTo>
+                  <a:pt x="56" y="3679"/>
+                </a:lnTo>
+                <a:lnTo>
+                  <a:pt x="44" y="3655"/>
+                </a:lnTo>
+                <a:lnTo>
+                  <a:pt x="33" y="3630"/>
+                </a:lnTo>
+                <a:lnTo>
+                  <a:pt x="22" y="3604"/>
+                </a:lnTo>
+                <a:lnTo>
+                  <a:pt x="13" y="3575"/>
+                </a:lnTo>
+                <a:lnTo>
+                  <a:pt x="7" y="3542"/>
+                </a:lnTo>
+                <a:lnTo>
+                  <a:pt x="1" y="3504"/>
+                </a:lnTo>
+                <a:lnTo>
+                  <a:pt x="0" y="3461"/>
+                </a:lnTo>
+                <a:lnTo>
+                  <a:pt x="1" y="3418"/>
+                </a:lnTo>
+                <a:lnTo>
+                  <a:pt x="7" y="3380"/>
+                </a:lnTo>
+                <a:lnTo>
+                  <a:pt x="13" y="3347"/>
+                </a:lnTo>
+                <a:lnTo>
+                  <a:pt x="22" y="3319"/>
+                </a:lnTo>
+                <a:lnTo>
+                  <a:pt x="33" y="3292"/>
+                </a:lnTo>
+                <a:lnTo>
+                  <a:pt x="44" y="3267"/>
+                </a:lnTo>
+                <a:lnTo>
+                  <a:pt x="56" y="3244"/>
+                </a:lnTo>
+                <a:lnTo>
+                  <a:pt x="68" y="3222"/>
+                </a:lnTo>
+                <a:lnTo>
+                  <a:pt x="80" y="3197"/>
+                </a:lnTo>
+                <a:lnTo>
+                  <a:pt x="90" y="3171"/>
+                </a:lnTo>
+                <a:lnTo>
+                  <a:pt x="99" y="3142"/>
+                </a:lnTo>
+                <a:lnTo>
+                  <a:pt x="106" y="3109"/>
+                </a:lnTo>
+                <a:lnTo>
+                  <a:pt x="111" y="3071"/>
+                </a:lnTo>
+                <a:lnTo>
+                  <a:pt x="113" y="3028"/>
+                </a:lnTo>
+                <a:lnTo>
+                  <a:pt x="111" y="2985"/>
+                </a:lnTo>
+                <a:lnTo>
+                  <a:pt x="106" y="2947"/>
+                </a:lnTo>
+                <a:lnTo>
+                  <a:pt x="99" y="2914"/>
+                </a:lnTo>
+                <a:lnTo>
+                  <a:pt x="90" y="2885"/>
+                </a:lnTo>
+                <a:lnTo>
+                  <a:pt x="80" y="2858"/>
+                </a:lnTo>
+                <a:lnTo>
+                  <a:pt x="68" y="2834"/>
+                </a:lnTo>
+                <a:lnTo>
+                  <a:pt x="44" y="2787"/>
+                </a:lnTo>
+                <a:lnTo>
+                  <a:pt x="33" y="2763"/>
+                </a:lnTo>
+                <a:lnTo>
+                  <a:pt x="22" y="2736"/>
+                </a:lnTo>
+                <a:lnTo>
+                  <a:pt x="13" y="2707"/>
+                </a:lnTo>
+                <a:lnTo>
+                  <a:pt x="7" y="2674"/>
+                </a:lnTo>
+                <a:lnTo>
+                  <a:pt x="1" y="2637"/>
+                </a:lnTo>
+                <a:lnTo>
+                  <a:pt x="0" y="2593"/>
+                </a:lnTo>
+                <a:lnTo>
+                  <a:pt x="1" y="2550"/>
+                </a:lnTo>
+                <a:lnTo>
+                  <a:pt x="7" y="2512"/>
+                </a:lnTo>
+                <a:lnTo>
+                  <a:pt x="13" y="2479"/>
+                </a:lnTo>
+                <a:lnTo>
+                  <a:pt x="22" y="2451"/>
+                </a:lnTo>
+                <a:lnTo>
+                  <a:pt x="33" y="2424"/>
+                </a:lnTo>
+                <a:lnTo>
+                  <a:pt x="44" y="2401"/>
+                </a:lnTo>
+                <a:lnTo>
+                  <a:pt x="68" y="2354"/>
+                </a:lnTo>
+                <a:lnTo>
+                  <a:pt x="80" y="2329"/>
+                </a:lnTo>
+                <a:lnTo>
+                  <a:pt x="90" y="2303"/>
+                </a:lnTo>
+                <a:lnTo>
+                  <a:pt x="99" y="2274"/>
+                </a:lnTo>
+                <a:lnTo>
+                  <a:pt x="106" y="2241"/>
+                </a:lnTo>
+                <a:lnTo>
+                  <a:pt x="111" y="2203"/>
+                </a:lnTo>
+                <a:lnTo>
+                  <a:pt x="113" y="2159"/>
+                </a:lnTo>
+                <a:lnTo>
+                  <a:pt x="111" y="2117"/>
+                </a:lnTo>
+                <a:lnTo>
+                  <a:pt x="106" y="2079"/>
+                </a:lnTo>
+                <a:lnTo>
+                  <a:pt x="99" y="2046"/>
+                </a:lnTo>
+                <a:lnTo>
+                  <a:pt x="90" y="2017"/>
+                </a:lnTo>
+                <a:lnTo>
+                  <a:pt x="80" y="1991"/>
+                </a:lnTo>
+                <a:lnTo>
+                  <a:pt x="68" y="1966"/>
+                </a:lnTo>
+                <a:lnTo>
+                  <a:pt x="56" y="1943"/>
+                </a:lnTo>
+                <a:lnTo>
+                  <a:pt x="44" y="1919"/>
+                </a:lnTo>
+                <a:lnTo>
+                  <a:pt x="33" y="1896"/>
+                </a:lnTo>
+                <a:lnTo>
+                  <a:pt x="22" y="1869"/>
+                </a:lnTo>
+                <a:lnTo>
+                  <a:pt x="13" y="1841"/>
+                </a:lnTo>
+                <a:lnTo>
+                  <a:pt x="7" y="1807"/>
+                </a:lnTo>
+                <a:lnTo>
+                  <a:pt x="1" y="1770"/>
+                </a:lnTo>
+                <a:lnTo>
+                  <a:pt x="0" y="1727"/>
+                </a:lnTo>
+                <a:lnTo>
+                  <a:pt x="1" y="1683"/>
+                </a:lnTo>
+                <a:lnTo>
+                  <a:pt x="7" y="1646"/>
+                </a:lnTo>
+                <a:lnTo>
+                  <a:pt x="13" y="1613"/>
+                </a:lnTo>
+                <a:lnTo>
+                  <a:pt x="22" y="1583"/>
+                </a:lnTo>
+                <a:lnTo>
+                  <a:pt x="33" y="1557"/>
+                </a:lnTo>
+                <a:lnTo>
+                  <a:pt x="44" y="1533"/>
+                </a:lnTo>
+                <a:lnTo>
+                  <a:pt x="56" y="1509"/>
+                </a:lnTo>
+                <a:lnTo>
+                  <a:pt x="68" y="1486"/>
+                </a:lnTo>
+                <a:lnTo>
+                  <a:pt x="80" y="1461"/>
+                </a:lnTo>
+                <a:lnTo>
+                  <a:pt x="90" y="1435"/>
+                </a:lnTo>
+                <a:lnTo>
+                  <a:pt x="99" y="1406"/>
+                </a:lnTo>
+                <a:lnTo>
+                  <a:pt x="106" y="1373"/>
+                </a:lnTo>
+                <a:lnTo>
+                  <a:pt x="111" y="1335"/>
+                </a:lnTo>
+                <a:lnTo>
+                  <a:pt x="113" y="1292"/>
+                </a:lnTo>
+                <a:lnTo>
+                  <a:pt x="111" y="1249"/>
+                </a:lnTo>
+                <a:lnTo>
+                  <a:pt x="106" y="1211"/>
+                </a:lnTo>
+                <a:lnTo>
+                  <a:pt x="99" y="1178"/>
+                </a:lnTo>
+                <a:lnTo>
+                  <a:pt x="90" y="1149"/>
+                </a:lnTo>
+                <a:lnTo>
+                  <a:pt x="80" y="1123"/>
+                </a:lnTo>
+                <a:lnTo>
+                  <a:pt x="68" y="1098"/>
+                </a:lnTo>
+                <a:lnTo>
+                  <a:pt x="56" y="1076"/>
+                </a:lnTo>
+                <a:lnTo>
+                  <a:pt x="44" y="1053"/>
+                </a:lnTo>
+                <a:lnTo>
+                  <a:pt x="33" y="1028"/>
+                </a:lnTo>
+                <a:lnTo>
+                  <a:pt x="22" y="1001"/>
+                </a:lnTo>
+                <a:lnTo>
+                  <a:pt x="13" y="973"/>
+                </a:lnTo>
+                <a:lnTo>
+                  <a:pt x="7" y="940"/>
+                </a:lnTo>
+                <a:lnTo>
+                  <a:pt x="1" y="902"/>
+                </a:lnTo>
+                <a:lnTo>
+                  <a:pt x="0" y="859"/>
+                </a:lnTo>
+                <a:lnTo>
+                  <a:pt x="1" y="816"/>
+                </a:lnTo>
+                <a:lnTo>
+                  <a:pt x="7" y="778"/>
+                </a:lnTo>
+                <a:lnTo>
+                  <a:pt x="13" y="745"/>
+                </a:lnTo>
+                <a:lnTo>
+                  <a:pt x="22" y="716"/>
+                </a:lnTo>
+                <a:lnTo>
+                  <a:pt x="33" y="690"/>
+                </a:lnTo>
+                <a:lnTo>
+                  <a:pt x="44" y="665"/>
+                </a:lnTo>
+                <a:lnTo>
+                  <a:pt x="56" y="641"/>
+                </a:lnTo>
+                <a:lnTo>
+                  <a:pt x="68" y="618"/>
+                </a:lnTo>
+                <a:lnTo>
+                  <a:pt x="80" y="594"/>
+                </a:lnTo>
+                <a:lnTo>
+                  <a:pt x="90" y="568"/>
+                </a:lnTo>
+                <a:lnTo>
+                  <a:pt x="99" y="538"/>
+                </a:lnTo>
+                <a:lnTo>
+                  <a:pt x="106" y="505"/>
+                </a:lnTo>
+                <a:lnTo>
+                  <a:pt x="111" y="469"/>
+                </a:lnTo>
+                <a:lnTo>
+                  <a:pt x="113" y="424"/>
+                </a:lnTo>
+                <a:lnTo>
+                  <a:pt x="111" y="382"/>
+                </a:lnTo>
+                <a:lnTo>
+                  <a:pt x="106" y="344"/>
+                </a:lnTo>
+                <a:lnTo>
+                  <a:pt x="99" y="313"/>
+                </a:lnTo>
+                <a:lnTo>
+                  <a:pt x="90" y="284"/>
+                </a:lnTo>
+                <a:lnTo>
+                  <a:pt x="80" y="258"/>
+                </a:lnTo>
+                <a:lnTo>
+                  <a:pt x="69" y="233"/>
+                </a:lnTo>
+                <a:lnTo>
+                  <a:pt x="58" y="211"/>
+                </a:lnTo>
+                <a:lnTo>
+                  <a:pt x="46" y="187"/>
+                </a:lnTo>
+                <a:lnTo>
+                  <a:pt x="34" y="164"/>
+                </a:lnTo>
+                <a:lnTo>
+                  <a:pt x="24" y="137"/>
+                </a:lnTo>
+                <a:lnTo>
+                  <a:pt x="14" y="110"/>
+                </a:lnTo>
+                <a:lnTo>
+                  <a:pt x="8" y="77"/>
+                </a:lnTo>
+                <a:lnTo>
+                  <a:pt x="3" y="42"/>
+                </a:lnTo>
+                <a:lnTo>
+                  <a:pt x="0" y="0"/>
+                </a:lnTo>
+                <a:close/>
+              </a:path>
+            </a:pathLst>
+          </a:custGeom>
+          <a:solidFill>
+            <a:schemeClr val="tx2"/>
+          </a:solidFill>
+          <a:ln w="0">
+            <a:noFill/>
+            <a:prstDash val="solid"/>
+            <a:round/>
+            <a:headEnd/>
+            <a:tailEnd/>
+          </a:ln>
+        </p:spPr>
+      </p:sp>
+      <p:sp>
+        <p:nvSpPr>
+          <p:cNvPr id="2" name="Title 1"/>
           <p:cNvSpPr>
             <a:spLocks noGrp="1"/>
           </p:cNvSpPr>
@@ -2182,15 +4561,25 @@
         </p:nvSpPr>
         <p:spPr>
           <a:xfrm>
-            <a:off x="839788" y="457200"/>
-            <a:ext cx="3932237" cy="1600200"/>
+            <a:off x="8337884" y="457199"/>
+            <a:ext cx="3092115" cy="1196671"/>
           </a:xfrm>
         </p:spPr>
         <p:txBody>
-          <a:bodyPr anchor="b"/>
+          <a:bodyPr anchor="b">
+            <a:normAutofit/>
+          </a:bodyPr>
           <a:lstStyle>
             <a:lvl1pPr>
-              <a:defRPr sz="3200"/>
+              <a:lnSpc>
+                <a:spcPct val="100000"/>
+              </a:lnSpc>
+              <a:defRPr sz="1900" b="1" i="0" cap="all" spc="300" baseline="0">
+                <a:solidFill>
+                  <a:schemeClr val="accent1"/>
+                </a:solidFill>
+                <a:latin typeface="+mn-lt"/>
+              </a:defRPr>
             </a:lvl1pPr>
           </a:lstStyle>
           <a:p>
@@ -2198,18 +4587,13 @@
               <a:rPr lang="en-US"/>
               <a:t>Click to edit Master title style</a:t>
             </a:r>
-          </a:p>
-        </p:txBody>
-      </p:sp>
-      <p:sp>
-        <p:nvSpPr>
-          <p:cNvPr id="3" name="Content Placeholder 2">
-            <a:extLst>
-              <a:ext uri="{FF2B5EF4-FFF2-40B4-BE49-F238E27FC236}">
-                <a16:creationId xmlns:a16="http://schemas.microsoft.com/office/drawing/2014/main" id="{213B54DB-FFAA-0243-B582-7CD1A6D878E5}"/>
-              </a:ext>
-            </a:extLst>
-          </p:cNvPr>
+            <a:endParaRPr lang="en-US" dirty="0"/>
+          </a:p>
+        </p:txBody>
+      </p:sp>
+      <p:sp>
+        <p:nvSpPr>
+          <p:cNvPr id="3" name="Content Placeholder 2"/>
           <p:cNvSpPr>
             <a:spLocks noGrp="1"/>
           </p:cNvSpPr>
@@ -2219,8 +4603,8 @@
         </p:nvSpPr>
         <p:spPr>
           <a:xfrm>
-            <a:off x="5183188" y="987425"/>
-            <a:ext cx="6172200" cy="4873625"/>
+            <a:off x="765051" y="920377"/>
+            <a:ext cx="6158418" cy="4985124"/>
           </a:xfrm>
         </p:spPr>
         <p:txBody>
@@ -2288,18 +4672,13 @@
               <a:rPr lang="en-US"/>
               <a:t>Fifth level</a:t>
             </a:r>
-          </a:p>
-        </p:txBody>
-      </p:sp>
-      <p:sp>
-        <p:nvSpPr>
-          <p:cNvPr id="4" name="Text Placeholder 3">
-            <a:extLst>
-              <a:ext uri="{FF2B5EF4-FFF2-40B4-BE49-F238E27FC236}">
-                <a16:creationId xmlns:a16="http://schemas.microsoft.com/office/drawing/2014/main" id="{0DEC726D-ADDC-C249-822C-939D5BE3EE08}"/>
-              </a:ext>
-            </a:extLst>
-          </p:cNvPr>
+            <a:endParaRPr lang="en-US" dirty="0"/>
+          </a:p>
+        </p:txBody>
+      </p:sp>
+      <p:sp>
+        <p:nvSpPr>
+          <p:cNvPr id="4" name="Text Placeholder 3"/>
           <p:cNvSpPr>
             <a:spLocks noGrp="1"/>
           </p:cNvSpPr>
@@ -2309,16 +4688,26 @@
         </p:nvSpPr>
         <p:spPr>
           <a:xfrm>
-            <a:off x="839788" y="2057400"/>
-            <a:ext cx="3932237" cy="3811588"/>
+            <a:off x="8337885" y="1741336"/>
+            <a:ext cx="3092115" cy="4164164"/>
           </a:xfrm>
         </p:spPr>
         <p:txBody>
           <a:bodyPr/>
           <a:lstStyle>
             <a:lvl1pPr marL="0" indent="0">
+              <a:lnSpc>
+                <a:spcPct val="120000"/>
+              </a:lnSpc>
+              <a:spcBef>
+                <a:spcPts val="1200"/>
+              </a:spcBef>
               <a:buNone/>
-              <a:defRPr sz="1600"/>
+              <a:defRPr sz="1600" baseline="0">
+                <a:solidFill>
+                  <a:schemeClr val="bg2"/>
+                </a:solidFill>
+              </a:defRPr>
             </a:lvl1pPr>
             <a:lvl2pPr marL="457200" indent="0">
               <a:buNone/>
@@ -2364,13 +4753,7 @@
       </p:sp>
       <p:sp>
         <p:nvSpPr>
-          <p:cNvPr id="5" name="Date Placeholder 4">
-            <a:extLst>
-              <a:ext uri="{FF2B5EF4-FFF2-40B4-BE49-F238E27FC236}">
-                <a16:creationId xmlns:a16="http://schemas.microsoft.com/office/drawing/2014/main" id="{4AB8A7C6-4305-724C-A575-16D42BCBABE6}"/>
-              </a:ext>
-            </a:extLst>
-          </p:cNvPr>
+          <p:cNvPr id="5" name="Date Placeholder 4"/>
           <p:cNvSpPr>
             <a:spLocks noGrp="1"/>
           </p:cNvSpPr>
@@ -2378,14 +4761,19 @@
             <p:ph type="dt" sz="half" idx="10"/>
           </p:nvPr>
         </p:nvSpPr>
-        <p:spPr/>
+        <p:spPr>
+          <a:xfrm>
+            <a:off x="765051" y="6375679"/>
+            <a:ext cx="1233355" cy="348462"/>
+          </a:xfrm>
+        </p:spPr>
         <p:txBody>
           <a:bodyPr/>
           <a:lstStyle/>
           <a:p>
             <a:fld id="{314B6D42-FA4A-544F-992E-668F4367741D}" type="datetimeFigureOut">
               <a:rPr lang="en-US" smtClean="0"/>
-              <a:t>8/12/19</a:t>
+              <a:t>8/13/2019</a:t>
             </a:fld>
             <a:endParaRPr lang="en-US"/>
           </a:p>
@@ -2393,13 +4781,7 @@
       </p:sp>
       <p:sp>
         <p:nvSpPr>
-          <p:cNvPr id="6" name="Footer Placeholder 5">
-            <a:extLst>
-              <a:ext uri="{FF2B5EF4-FFF2-40B4-BE49-F238E27FC236}">
-                <a16:creationId xmlns:a16="http://schemas.microsoft.com/office/drawing/2014/main" id="{8434B3A1-6488-7446-A41A-2CD614040A1C}"/>
-              </a:ext>
-            </a:extLst>
-          </p:cNvPr>
+          <p:cNvPr id="6" name="Footer Placeholder 5"/>
           <p:cNvSpPr>
             <a:spLocks noGrp="1"/>
           </p:cNvSpPr>
@@ -2407,7 +4789,12 @@
             <p:ph type="ftr" sz="quarter" idx="11"/>
           </p:nvPr>
         </p:nvSpPr>
-        <p:spPr/>
+        <p:spPr>
+          <a:xfrm>
+            <a:off x="2103620" y="6375679"/>
+            <a:ext cx="3482179" cy="345796"/>
+          </a:xfrm>
+        </p:spPr>
         <p:txBody>
           <a:bodyPr/>
           <a:lstStyle/>
@@ -2418,13 +4805,7 @@
       </p:sp>
       <p:sp>
         <p:nvSpPr>
-          <p:cNvPr id="7" name="Slide Number Placeholder 6">
-            <a:extLst>
-              <a:ext uri="{FF2B5EF4-FFF2-40B4-BE49-F238E27FC236}">
-                <a16:creationId xmlns:a16="http://schemas.microsoft.com/office/drawing/2014/main" id="{FC307BB5-FD52-F147-8AC9-AB2A4387ED66}"/>
-              </a:ext>
-            </a:extLst>
-          </p:cNvPr>
+          <p:cNvPr id="7" name="Slide Number Placeholder 6"/>
           <p:cNvSpPr>
             <a:spLocks noGrp="1"/>
           </p:cNvSpPr>
@@ -2432,7 +4813,12 @@
             <p:ph type="sldNum" sz="quarter" idx="12"/>
           </p:nvPr>
         </p:nvSpPr>
-        <p:spPr/>
+        <p:spPr>
+          <a:xfrm>
+            <a:off x="5691014" y="6375679"/>
+            <a:ext cx="1232456" cy="345796"/>
+          </a:xfrm>
+        </p:spPr>
         <p:txBody>
           <a:bodyPr/>
           <a:lstStyle/>
@@ -2445,21 +4831,70 @@
           </a:p>
         </p:txBody>
       </p:sp>
+      <p:sp>
+        <p:nvSpPr>
+          <p:cNvPr id="8" name="Rectangle 7" title="left edge border"/>
+          <p:cNvSpPr/>
+          <p:nvPr/>
+        </p:nvSpPr>
+        <p:spPr>
+          <a:xfrm>
+            <a:off x="0" y="0"/>
+            <a:ext cx="283464" cy="6858000"/>
+          </a:xfrm>
+          <a:prstGeom prst="rect">
+            <a:avLst/>
+          </a:prstGeom>
+          <a:solidFill>
+            <a:schemeClr val="accent1"/>
+          </a:solidFill>
+          <a:ln>
+            <a:noFill/>
+          </a:ln>
+        </p:spPr>
+        <p:style>
+          <a:lnRef idx="2">
+            <a:schemeClr val="accent1">
+              <a:shade val="50000"/>
+            </a:schemeClr>
+          </a:lnRef>
+          <a:fillRef idx="1">
+            <a:schemeClr val="accent1"/>
+          </a:fillRef>
+          <a:effectRef idx="0">
+            <a:schemeClr val="accent1"/>
+          </a:effectRef>
+          <a:fontRef idx="minor">
+            <a:schemeClr val="lt1"/>
+          </a:fontRef>
+        </p:style>
+      </p:sp>
     </p:spTree>
     <p:extLst>
       <p:ext uri="{BB962C8B-B14F-4D97-AF65-F5344CB8AC3E}">
-        <p14:creationId xmlns:p14="http://schemas.microsoft.com/office/powerpoint/2010/main" val="3608390504"/>
+        <p14:creationId xmlns:p14="http://schemas.microsoft.com/office/powerpoint/2010/main" val="384681049"/>
       </p:ext>
     </p:extLst>
   </p:cSld>
   <p:clrMapOvr>
     <a:masterClrMapping/>
   </p:clrMapOvr>
+  <p:extLst>
+    <p:ext uri="{DCECCB84-F9BA-43D5-87BE-67443E8EF086}">
+      <p15:sldGuideLst xmlns:p15="http://schemas.microsoft.com/office/powerpoint/2012/main">
+        <p15:guide id="1" orient="horz" pos="696">
+          <p15:clr>
+            <a:srgbClr val="FBAE40"/>
+          </p15:clr>
+        </p15:guide>
+      </p15:sldGuideLst>
+    </p:ext>
+  </p:extLst>
 </p:sldLayout>
 </file>
 
 <file path=ppt/slideLayouts/slideLayout9.xml><?xml version="1.0" encoding="utf-8"?>
-<p:sldLayout xmlns:a="http://schemas.openxmlformats.org/drawingml/2006/main" xmlns:r="http://schemas.openxmlformats.org/officeDocument/2006/relationships" xmlns:p="http://schemas.openxmlformats.org/presentationml/2006/main" type="picTx" preserve="1">
+<p:sldLayout xmlns:a="http://schemas.openxmlformats.org/drawingml/2006/main" xmlns:r="http://schemas.openxmlformats.org/officeDocument/2006/relationships" xmlns:p="http://schemas.openxmlformats.org/presentationml/2006/main" showMasterSp="0" type="picTx" preserve="1">
   <p:cSld name="Picture with Caption">
     <p:spTree>
       <p:nvGrpSpPr>
@@ -2477,52 +4912,9 @@
       </p:grpSpPr>
       <p:sp>
         <p:nvSpPr>
-          <p:cNvPr id="2" name="Title 1">
-            <a:extLst>
-              <a:ext uri="{FF2B5EF4-FFF2-40B4-BE49-F238E27FC236}">
-                <a16:creationId xmlns:a16="http://schemas.microsoft.com/office/drawing/2014/main" id="{0E1B1AB5-C994-7F4E-B1B9-A9D8D77EA052}"/>
-              </a:ext>
-            </a:extLst>
-          </p:cNvPr>
+          <p:cNvPr id="3" name="Picture Placeholder 2"/>
           <p:cNvSpPr>
-            <a:spLocks noGrp="1"/>
-          </p:cNvSpPr>
-          <p:nvPr>
-            <p:ph type="title"/>
-          </p:nvPr>
-        </p:nvSpPr>
-        <p:spPr>
-          <a:xfrm>
-            <a:off x="839788" y="457200"/>
-            <a:ext cx="3932237" cy="1600200"/>
-          </a:xfrm>
-        </p:spPr>
-        <p:txBody>
-          <a:bodyPr anchor="b"/>
-          <a:lstStyle>
-            <a:lvl1pPr>
-              <a:defRPr sz="3200"/>
-            </a:lvl1pPr>
-          </a:lstStyle>
-          <a:p>
-            <a:r>
-              <a:rPr lang="en-US"/>
-              <a:t>Click to edit Master title style</a:t>
-            </a:r>
-          </a:p>
-        </p:txBody>
-      </p:sp>
-      <p:sp>
-        <p:nvSpPr>
-          <p:cNvPr id="3" name="Picture Placeholder 2">
-            <a:extLst>
-              <a:ext uri="{FF2B5EF4-FFF2-40B4-BE49-F238E27FC236}">
-                <a16:creationId xmlns:a16="http://schemas.microsoft.com/office/drawing/2014/main" id="{497ECCA2-9930-2D4E-A597-1411A23E435E}"/>
-              </a:ext>
-            </a:extLst>
-          </p:cNvPr>
-          <p:cNvSpPr>
-            <a:spLocks noGrp="1"/>
+            <a:spLocks noGrp="1" noChangeAspect="1"/>
           </p:cNvSpPr>
           <p:nvPr>
             <p:ph type="pic" idx="1"/>
@@ -2530,12 +4922,12 @@
         </p:nvSpPr>
         <p:spPr>
           <a:xfrm>
-            <a:off x="5183188" y="987425"/>
-            <a:ext cx="6172200" cy="4873625"/>
+            <a:off x="283464" y="0"/>
+            <a:ext cx="7355585" cy="6857999"/>
           </a:xfrm>
         </p:spPr>
         <p:txBody>
-          <a:bodyPr/>
+          <a:bodyPr anchor="t"/>
           <a:lstStyle>
             <a:lvl1pPr marL="0" indent="0">
               <a:buNone/>
@@ -2575,19 +4967,558 @@
             </a:lvl9pPr>
           </a:lstStyle>
           <a:p>
-            <a:endParaRPr lang="en-US"/>
-          </a:p>
-        </p:txBody>
-      </p:sp>
-      <p:sp>
-        <p:nvSpPr>
-          <p:cNvPr id="4" name="Text Placeholder 3">
-            <a:extLst>
-              <a:ext uri="{FF2B5EF4-FFF2-40B4-BE49-F238E27FC236}">
-                <a16:creationId xmlns:a16="http://schemas.microsoft.com/office/drawing/2014/main" id="{CE3C228A-909E-B144-8068-76FFB4EE8CC4}"/>
-              </a:ext>
-            </a:extLst>
-          </p:cNvPr>
+            <a:r>
+              <a:rPr lang="en-US"/>
+              <a:t>Click icon to add picture</a:t>
+            </a:r>
+            <a:endParaRPr lang="en-US" dirty="0"/>
+          </a:p>
+        </p:txBody>
+      </p:sp>
+      <p:sp>
+        <p:nvSpPr>
+          <p:cNvPr id="11" name="Freeform 11" title="right scallop background shape"/>
+          <p:cNvSpPr/>
+          <p:nvPr/>
+        </p:nvSpPr>
+        <p:spPr bwMode="auto">
+          <a:xfrm>
+            <a:off x="7389812" y="0"/>
+            <a:ext cx="4802188" cy="6858000"/>
+          </a:xfrm>
+          <a:custGeom>
+            <a:avLst/>
+            <a:gdLst/>
+            <a:ahLst/>
+            <a:cxnLst/>
+            <a:rect l="0" t="0" r="r" b="b"/>
+            <a:pathLst>
+              <a:path w="3025" h="4320">
+                <a:moveTo>
+                  <a:pt x="0" y="0"/>
+                </a:moveTo>
+                <a:lnTo>
+                  <a:pt x="3025" y="0"/>
+                </a:lnTo>
+                <a:lnTo>
+                  <a:pt x="3025" y="4320"/>
+                </a:lnTo>
+                <a:lnTo>
+                  <a:pt x="0" y="4320"/>
+                </a:lnTo>
+                <a:lnTo>
+                  <a:pt x="3" y="4278"/>
+                </a:lnTo>
+                <a:lnTo>
+                  <a:pt x="8" y="4243"/>
+                </a:lnTo>
+                <a:lnTo>
+                  <a:pt x="14" y="4210"/>
+                </a:lnTo>
+                <a:lnTo>
+                  <a:pt x="24" y="4183"/>
+                </a:lnTo>
+                <a:lnTo>
+                  <a:pt x="34" y="4156"/>
+                </a:lnTo>
+                <a:lnTo>
+                  <a:pt x="46" y="4133"/>
+                </a:lnTo>
+                <a:lnTo>
+                  <a:pt x="58" y="4109"/>
+                </a:lnTo>
+                <a:lnTo>
+                  <a:pt x="69" y="4087"/>
+                </a:lnTo>
+                <a:lnTo>
+                  <a:pt x="80" y="4062"/>
+                </a:lnTo>
+                <a:lnTo>
+                  <a:pt x="90" y="4036"/>
+                </a:lnTo>
+                <a:lnTo>
+                  <a:pt x="99" y="4007"/>
+                </a:lnTo>
+                <a:lnTo>
+                  <a:pt x="106" y="3976"/>
+                </a:lnTo>
+                <a:lnTo>
+                  <a:pt x="111" y="3938"/>
+                </a:lnTo>
+                <a:lnTo>
+                  <a:pt x="113" y="3895"/>
+                </a:lnTo>
+                <a:lnTo>
+                  <a:pt x="111" y="3851"/>
+                </a:lnTo>
+                <a:lnTo>
+                  <a:pt x="106" y="3815"/>
+                </a:lnTo>
+                <a:lnTo>
+                  <a:pt x="99" y="3782"/>
+                </a:lnTo>
+                <a:lnTo>
+                  <a:pt x="90" y="3752"/>
+                </a:lnTo>
+                <a:lnTo>
+                  <a:pt x="80" y="3726"/>
+                </a:lnTo>
+                <a:lnTo>
+                  <a:pt x="68" y="3702"/>
+                </a:lnTo>
+                <a:lnTo>
+                  <a:pt x="56" y="3679"/>
+                </a:lnTo>
+                <a:lnTo>
+                  <a:pt x="44" y="3655"/>
+                </a:lnTo>
+                <a:lnTo>
+                  <a:pt x="33" y="3630"/>
+                </a:lnTo>
+                <a:lnTo>
+                  <a:pt x="22" y="3604"/>
+                </a:lnTo>
+                <a:lnTo>
+                  <a:pt x="13" y="3575"/>
+                </a:lnTo>
+                <a:lnTo>
+                  <a:pt x="7" y="3542"/>
+                </a:lnTo>
+                <a:lnTo>
+                  <a:pt x="1" y="3504"/>
+                </a:lnTo>
+                <a:lnTo>
+                  <a:pt x="0" y="3461"/>
+                </a:lnTo>
+                <a:lnTo>
+                  <a:pt x="1" y="3418"/>
+                </a:lnTo>
+                <a:lnTo>
+                  <a:pt x="7" y="3380"/>
+                </a:lnTo>
+                <a:lnTo>
+                  <a:pt x="13" y="3347"/>
+                </a:lnTo>
+                <a:lnTo>
+                  <a:pt x="22" y="3319"/>
+                </a:lnTo>
+                <a:lnTo>
+                  <a:pt x="33" y="3292"/>
+                </a:lnTo>
+                <a:lnTo>
+                  <a:pt x="44" y="3267"/>
+                </a:lnTo>
+                <a:lnTo>
+                  <a:pt x="56" y="3244"/>
+                </a:lnTo>
+                <a:lnTo>
+                  <a:pt x="68" y="3222"/>
+                </a:lnTo>
+                <a:lnTo>
+                  <a:pt x="80" y="3197"/>
+                </a:lnTo>
+                <a:lnTo>
+                  <a:pt x="90" y="3171"/>
+                </a:lnTo>
+                <a:lnTo>
+                  <a:pt x="99" y="3142"/>
+                </a:lnTo>
+                <a:lnTo>
+                  <a:pt x="106" y="3109"/>
+                </a:lnTo>
+                <a:lnTo>
+                  <a:pt x="111" y="3071"/>
+                </a:lnTo>
+                <a:lnTo>
+                  <a:pt x="113" y="3028"/>
+                </a:lnTo>
+                <a:lnTo>
+                  <a:pt x="111" y="2985"/>
+                </a:lnTo>
+                <a:lnTo>
+                  <a:pt x="106" y="2947"/>
+                </a:lnTo>
+                <a:lnTo>
+                  <a:pt x="99" y="2914"/>
+                </a:lnTo>
+                <a:lnTo>
+                  <a:pt x="90" y="2885"/>
+                </a:lnTo>
+                <a:lnTo>
+                  <a:pt x="80" y="2858"/>
+                </a:lnTo>
+                <a:lnTo>
+                  <a:pt x="68" y="2834"/>
+                </a:lnTo>
+                <a:lnTo>
+                  <a:pt x="44" y="2787"/>
+                </a:lnTo>
+                <a:lnTo>
+                  <a:pt x="33" y="2763"/>
+                </a:lnTo>
+                <a:lnTo>
+                  <a:pt x="22" y="2736"/>
+                </a:lnTo>
+                <a:lnTo>
+                  <a:pt x="13" y="2707"/>
+                </a:lnTo>
+                <a:lnTo>
+                  <a:pt x="7" y="2674"/>
+                </a:lnTo>
+                <a:lnTo>
+                  <a:pt x="1" y="2637"/>
+                </a:lnTo>
+                <a:lnTo>
+                  <a:pt x="0" y="2593"/>
+                </a:lnTo>
+                <a:lnTo>
+                  <a:pt x="1" y="2550"/>
+                </a:lnTo>
+                <a:lnTo>
+                  <a:pt x="7" y="2512"/>
+                </a:lnTo>
+                <a:lnTo>
+                  <a:pt x="13" y="2479"/>
+                </a:lnTo>
+                <a:lnTo>
+                  <a:pt x="22" y="2451"/>
+                </a:lnTo>
+                <a:lnTo>
+                  <a:pt x="33" y="2424"/>
+                </a:lnTo>
+                <a:lnTo>
+                  <a:pt x="44" y="2401"/>
+                </a:lnTo>
+                <a:lnTo>
+                  <a:pt x="68" y="2354"/>
+                </a:lnTo>
+                <a:lnTo>
+                  <a:pt x="80" y="2329"/>
+                </a:lnTo>
+                <a:lnTo>
+                  <a:pt x="90" y="2303"/>
+                </a:lnTo>
+                <a:lnTo>
+                  <a:pt x="99" y="2274"/>
+                </a:lnTo>
+                <a:lnTo>
+                  <a:pt x="106" y="2241"/>
+                </a:lnTo>
+                <a:lnTo>
+                  <a:pt x="111" y="2203"/>
+                </a:lnTo>
+                <a:lnTo>
+                  <a:pt x="113" y="2159"/>
+                </a:lnTo>
+                <a:lnTo>
+                  <a:pt x="111" y="2117"/>
+                </a:lnTo>
+                <a:lnTo>
+                  <a:pt x="106" y="2079"/>
+                </a:lnTo>
+                <a:lnTo>
+                  <a:pt x="99" y="2046"/>
+                </a:lnTo>
+                <a:lnTo>
+                  <a:pt x="90" y="2017"/>
+                </a:lnTo>
+                <a:lnTo>
+                  <a:pt x="80" y="1991"/>
+                </a:lnTo>
+                <a:lnTo>
+                  <a:pt x="68" y="1966"/>
+                </a:lnTo>
+                <a:lnTo>
+                  <a:pt x="56" y="1943"/>
+                </a:lnTo>
+                <a:lnTo>
+                  <a:pt x="44" y="1919"/>
+                </a:lnTo>
+                <a:lnTo>
+                  <a:pt x="33" y="1896"/>
+                </a:lnTo>
+                <a:lnTo>
+                  <a:pt x="22" y="1869"/>
+                </a:lnTo>
+                <a:lnTo>
+                  <a:pt x="13" y="1841"/>
+                </a:lnTo>
+                <a:lnTo>
+                  <a:pt x="7" y="1807"/>
+                </a:lnTo>
+                <a:lnTo>
+                  <a:pt x="1" y="1770"/>
+                </a:lnTo>
+                <a:lnTo>
+                  <a:pt x="0" y="1727"/>
+                </a:lnTo>
+                <a:lnTo>
+                  <a:pt x="1" y="1683"/>
+                </a:lnTo>
+                <a:lnTo>
+                  <a:pt x="7" y="1646"/>
+                </a:lnTo>
+                <a:lnTo>
+                  <a:pt x="13" y="1613"/>
+                </a:lnTo>
+                <a:lnTo>
+                  <a:pt x="22" y="1583"/>
+                </a:lnTo>
+                <a:lnTo>
+                  <a:pt x="33" y="1557"/>
+                </a:lnTo>
+                <a:lnTo>
+                  <a:pt x="44" y="1533"/>
+                </a:lnTo>
+                <a:lnTo>
+                  <a:pt x="56" y="1509"/>
+                </a:lnTo>
+                <a:lnTo>
+                  <a:pt x="68" y="1486"/>
+                </a:lnTo>
+                <a:lnTo>
+                  <a:pt x="80" y="1461"/>
+                </a:lnTo>
+                <a:lnTo>
+                  <a:pt x="90" y="1435"/>
+                </a:lnTo>
+                <a:lnTo>
+                  <a:pt x="99" y="1406"/>
+                </a:lnTo>
+                <a:lnTo>
+                  <a:pt x="106" y="1373"/>
+                </a:lnTo>
+                <a:lnTo>
+                  <a:pt x="111" y="1335"/>
+                </a:lnTo>
+                <a:lnTo>
+                  <a:pt x="113" y="1292"/>
+                </a:lnTo>
+                <a:lnTo>
+                  <a:pt x="111" y="1249"/>
+                </a:lnTo>
+                <a:lnTo>
+                  <a:pt x="106" y="1211"/>
+                </a:lnTo>
+                <a:lnTo>
+                  <a:pt x="99" y="1178"/>
+                </a:lnTo>
+                <a:lnTo>
+                  <a:pt x="90" y="1149"/>
+                </a:lnTo>
+                <a:lnTo>
+                  <a:pt x="80" y="1123"/>
+                </a:lnTo>
+                <a:lnTo>
+                  <a:pt x="68" y="1098"/>
+                </a:lnTo>
+                <a:lnTo>
+                  <a:pt x="56" y="1076"/>
+                </a:lnTo>
+                <a:lnTo>
+                  <a:pt x="44" y="1053"/>
+                </a:lnTo>
+                <a:lnTo>
+                  <a:pt x="33" y="1028"/>
+                </a:lnTo>
+                <a:lnTo>
+                  <a:pt x="22" y="1001"/>
+                </a:lnTo>
+                <a:lnTo>
+                  <a:pt x="13" y="973"/>
+                </a:lnTo>
+                <a:lnTo>
+                  <a:pt x="7" y="940"/>
+                </a:lnTo>
+                <a:lnTo>
+                  <a:pt x="1" y="902"/>
+                </a:lnTo>
+                <a:lnTo>
+                  <a:pt x="0" y="859"/>
+                </a:lnTo>
+                <a:lnTo>
+                  <a:pt x="1" y="816"/>
+                </a:lnTo>
+                <a:lnTo>
+                  <a:pt x="7" y="778"/>
+                </a:lnTo>
+                <a:lnTo>
+                  <a:pt x="13" y="745"/>
+                </a:lnTo>
+                <a:lnTo>
+                  <a:pt x="22" y="716"/>
+                </a:lnTo>
+                <a:lnTo>
+                  <a:pt x="33" y="690"/>
+                </a:lnTo>
+                <a:lnTo>
+                  <a:pt x="44" y="665"/>
+                </a:lnTo>
+                <a:lnTo>
+                  <a:pt x="56" y="641"/>
+                </a:lnTo>
+                <a:lnTo>
+                  <a:pt x="68" y="618"/>
+                </a:lnTo>
+                <a:lnTo>
+                  <a:pt x="80" y="594"/>
+                </a:lnTo>
+                <a:lnTo>
+                  <a:pt x="90" y="568"/>
+                </a:lnTo>
+                <a:lnTo>
+                  <a:pt x="99" y="538"/>
+                </a:lnTo>
+                <a:lnTo>
+                  <a:pt x="106" y="505"/>
+                </a:lnTo>
+                <a:lnTo>
+                  <a:pt x="111" y="469"/>
+                </a:lnTo>
+                <a:lnTo>
+                  <a:pt x="113" y="424"/>
+                </a:lnTo>
+                <a:lnTo>
+                  <a:pt x="111" y="382"/>
+                </a:lnTo>
+                <a:lnTo>
+                  <a:pt x="106" y="344"/>
+                </a:lnTo>
+                <a:lnTo>
+                  <a:pt x="99" y="313"/>
+                </a:lnTo>
+                <a:lnTo>
+                  <a:pt x="90" y="284"/>
+                </a:lnTo>
+                <a:lnTo>
+                  <a:pt x="80" y="258"/>
+                </a:lnTo>
+                <a:lnTo>
+                  <a:pt x="69" y="233"/>
+                </a:lnTo>
+                <a:lnTo>
+                  <a:pt x="58" y="211"/>
+                </a:lnTo>
+                <a:lnTo>
+                  <a:pt x="46" y="187"/>
+                </a:lnTo>
+                <a:lnTo>
+                  <a:pt x="34" y="164"/>
+                </a:lnTo>
+                <a:lnTo>
+                  <a:pt x="24" y="137"/>
+                </a:lnTo>
+                <a:lnTo>
+                  <a:pt x="14" y="110"/>
+                </a:lnTo>
+                <a:lnTo>
+                  <a:pt x="8" y="77"/>
+                </a:lnTo>
+                <a:lnTo>
+                  <a:pt x="3" y="42"/>
+                </a:lnTo>
+                <a:lnTo>
+                  <a:pt x="0" y="0"/>
+                </a:lnTo>
+                <a:close/>
+              </a:path>
+            </a:pathLst>
+          </a:custGeom>
+          <a:solidFill>
+            <a:schemeClr val="tx2"/>
+          </a:solidFill>
+          <a:ln w="0">
+            <a:noFill/>
+            <a:prstDash val="solid"/>
+            <a:round/>
+            <a:headEnd/>
+            <a:tailEnd/>
+          </a:ln>
+        </p:spPr>
+      </p:sp>
+      <p:sp>
+        <p:nvSpPr>
+          <p:cNvPr id="12" name="Rectangle 11" title="left edge border"/>
+          <p:cNvSpPr/>
+          <p:nvPr/>
+        </p:nvSpPr>
+        <p:spPr>
+          <a:xfrm>
+            <a:off x="0" y="0"/>
+            <a:ext cx="283464" cy="6858000"/>
+          </a:xfrm>
+          <a:prstGeom prst="rect">
+            <a:avLst/>
+          </a:prstGeom>
+          <a:solidFill>
+            <a:schemeClr val="accent1"/>
+          </a:solidFill>
+          <a:ln>
+            <a:noFill/>
+          </a:ln>
+        </p:spPr>
+        <p:style>
+          <a:lnRef idx="2">
+            <a:schemeClr val="accent1">
+              <a:shade val="50000"/>
+            </a:schemeClr>
+          </a:lnRef>
+          <a:fillRef idx="1">
+            <a:schemeClr val="accent1"/>
+          </a:fillRef>
+          <a:effectRef idx="0">
+            <a:schemeClr val="accent1"/>
+          </a:effectRef>
+          <a:fontRef idx="minor">
+            <a:schemeClr val="lt1"/>
+          </a:fontRef>
+        </p:style>
+      </p:sp>
+      <p:sp>
+        <p:nvSpPr>
+          <p:cNvPr id="2" name="Title 1"/>
+          <p:cNvSpPr>
+            <a:spLocks noGrp="1"/>
+          </p:cNvSpPr>
+          <p:nvPr>
+            <p:ph type="title"/>
+          </p:nvPr>
+        </p:nvSpPr>
+        <p:spPr>
+          <a:xfrm>
+            <a:off x="8337883" y="457200"/>
+            <a:ext cx="3092117" cy="1196670"/>
+          </a:xfrm>
+        </p:spPr>
+        <p:txBody>
+          <a:bodyPr anchor="b">
+            <a:normAutofit/>
+          </a:bodyPr>
+          <a:lstStyle>
+            <a:lvl1pPr>
+              <a:lnSpc>
+                <a:spcPct val="100000"/>
+              </a:lnSpc>
+              <a:defRPr sz="1900" b="1" i="0" spc="300" baseline="0">
+                <a:solidFill>
+                  <a:schemeClr val="accent1"/>
+                </a:solidFill>
+                <a:latin typeface="+mn-lt"/>
+              </a:defRPr>
+            </a:lvl1pPr>
+          </a:lstStyle>
+          <a:p>
+            <a:r>
+              <a:rPr lang="en-US"/>
+              <a:t>Click to edit Master title style</a:t>
+            </a:r>
+            <a:endParaRPr lang="en-US" dirty="0"/>
+          </a:p>
+        </p:txBody>
+      </p:sp>
+      <p:sp>
+        <p:nvSpPr>
+          <p:cNvPr id="4" name="Text Placeholder 3"/>
           <p:cNvSpPr>
             <a:spLocks noGrp="1"/>
           </p:cNvSpPr>
@@ -2597,16 +5528,26 @@
         </p:nvSpPr>
         <p:spPr>
           <a:xfrm>
-            <a:off x="839788" y="2057400"/>
-            <a:ext cx="3932237" cy="3811588"/>
+            <a:off x="8337883" y="1741336"/>
+            <a:ext cx="3092117" cy="4164164"/>
           </a:xfrm>
         </p:spPr>
         <p:txBody>
           <a:bodyPr/>
           <a:lstStyle>
             <a:lvl1pPr marL="0" indent="0">
+              <a:lnSpc>
+                <a:spcPct val="120000"/>
+              </a:lnSpc>
+              <a:spcBef>
+                <a:spcPts val="1200"/>
+              </a:spcBef>
               <a:buNone/>
-              <a:defRPr sz="1600"/>
+              <a:defRPr sz="1600" baseline="0">
+                <a:solidFill>
+                  <a:schemeClr val="bg2"/>
+                </a:solidFill>
+              </a:defRPr>
             </a:lvl1pPr>
             <a:lvl2pPr marL="457200" indent="0">
               <a:buNone/>
@@ -2652,13 +5593,7 @@
       </p:sp>
       <p:sp>
         <p:nvSpPr>
-          <p:cNvPr id="5" name="Date Placeholder 4">
-            <a:extLst>
-              <a:ext uri="{FF2B5EF4-FFF2-40B4-BE49-F238E27FC236}">
-                <a16:creationId xmlns:a16="http://schemas.microsoft.com/office/drawing/2014/main" id="{D2D8FB05-270F-D94D-9CBE-23ABE3AA4369}"/>
-              </a:ext>
-            </a:extLst>
-          </p:cNvPr>
+          <p:cNvPr id="5" name="Date Placeholder 4"/>
           <p:cNvSpPr>
             <a:spLocks noGrp="1"/>
           </p:cNvSpPr>
@@ -2666,14 +5601,19 @@
             <p:ph type="dt" sz="half" idx="10"/>
           </p:nvPr>
         </p:nvSpPr>
-        <p:spPr/>
+        <p:spPr>
+          <a:xfrm>
+            <a:off x="765950" y="6375679"/>
+            <a:ext cx="1232456" cy="348462"/>
+          </a:xfrm>
+        </p:spPr>
         <p:txBody>
           <a:bodyPr/>
           <a:lstStyle/>
           <a:p>
             <a:fld id="{314B6D42-FA4A-544F-992E-668F4367741D}" type="datetimeFigureOut">
               <a:rPr lang="en-US" smtClean="0"/>
-              <a:t>8/12/19</a:t>
+              <a:t>8/13/2019</a:t>
             </a:fld>
             <a:endParaRPr lang="en-US"/>
           </a:p>
@@ -2681,13 +5621,7 @@
       </p:sp>
       <p:sp>
         <p:nvSpPr>
-          <p:cNvPr id="6" name="Footer Placeholder 5">
-            <a:extLst>
-              <a:ext uri="{FF2B5EF4-FFF2-40B4-BE49-F238E27FC236}">
-                <a16:creationId xmlns:a16="http://schemas.microsoft.com/office/drawing/2014/main" id="{BE888A3E-2A9D-BB44-AB42-D2BE2701BE4E}"/>
-              </a:ext>
-            </a:extLst>
-          </p:cNvPr>
+          <p:cNvPr id="6" name="Footer Placeholder 5"/>
           <p:cNvSpPr>
             <a:spLocks noGrp="1"/>
           </p:cNvSpPr>
@@ -2695,7 +5629,12 @@
             <p:ph type="ftr" sz="quarter" idx="11"/>
           </p:nvPr>
         </p:nvSpPr>
-        <p:spPr/>
+        <p:spPr>
+          <a:xfrm>
+            <a:off x="2103621" y="6375679"/>
+            <a:ext cx="3482178" cy="345796"/>
+          </a:xfrm>
+        </p:spPr>
         <p:txBody>
           <a:bodyPr/>
           <a:lstStyle/>
@@ -2706,13 +5645,7 @@
       </p:sp>
       <p:sp>
         <p:nvSpPr>
-          <p:cNvPr id="7" name="Slide Number Placeholder 6">
-            <a:extLst>
-              <a:ext uri="{FF2B5EF4-FFF2-40B4-BE49-F238E27FC236}">
-                <a16:creationId xmlns:a16="http://schemas.microsoft.com/office/drawing/2014/main" id="{8CF582B9-2FF1-9C4E-BAB4-B47382EEF98D}"/>
-              </a:ext>
-            </a:extLst>
-          </p:cNvPr>
+          <p:cNvPr id="7" name="Slide Number Placeholder 6"/>
           <p:cNvSpPr>
             <a:spLocks noGrp="1"/>
           </p:cNvSpPr>
@@ -2720,7 +5653,12 @@
             <p:ph type="sldNum" sz="quarter" idx="12"/>
           </p:nvPr>
         </p:nvSpPr>
-        <p:spPr/>
+        <p:spPr>
+          <a:xfrm>
+            <a:off x="5687568" y="6375679"/>
+            <a:ext cx="1234440" cy="345796"/>
+          </a:xfrm>
+        </p:spPr>
         <p:txBody>
           <a:bodyPr/>
           <a:lstStyle/>
@@ -2736,7 +5674,7 @@
     </p:spTree>
     <p:extLst>
       <p:ext uri="{BB962C8B-B14F-4D97-AF65-F5344CB8AC3E}">
-        <p14:creationId xmlns:p14="http://schemas.microsoft.com/office/powerpoint/2010/main" val="1243539284"/>
+        <p14:creationId xmlns:p14="http://schemas.microsoft.com/office/powerpoint/2010/main" val="1900672042"/>
       </p:ext>
     </p:extLst>
   </p:cSld>
@@ -2750,9 +5688,12 @@
 <p:sldMaster xmlns:a="http://schemas.openxmlformats.org/drawingml/2006/main" xmlns:r="http://schemas.openxmlformats.org/officeDocument/2006/relationships" xmlns:p="http://schemas.openxmlformats.org/presentationml/2006/main">
   <p:cSld>
     <p:bg>
-      <p:bgRef idx="1001">
-        <a:schemeClr val="bg1"/>
-      </p:bgRef>
+      <p:bgPr>
+        <a:solidFill>
+          <a:schemeClr val="bg2"/>
+        </a:solidFill>
+        <a:effectLst/>
+      </p:bgPr>
     </p:bg>
     <p:spTree>
       <p:nvGrpSpPr>
@@ -2770,13 +5711,7 @@
       </p:grpSpPr>
       <p:sp>
         <p:nvSpPr>
-          <p:cNvPr id="2" name="Title Placeholder 1">
-            <a:extLst>
-              <a:ext uri="{FF2B5EF4-FFF2-40B4-BE49-F238E27FC236}">
-                <a16:creationId xmlns:a16="http://schemas.microsoft.com/office/drawing/2014/main" id="{6EE890BA-6C77-FA4F-B8E6-01ACFA222FBB}"/>
-              </a:ext>
-            </a:extLst>
-          </p:cNvPr>
+          <p:cNvPr id="2" name="Title Placeholder 1"/>
           <p:cNvSpPr>
             <a:spLocks noGrp="1"/>
           </p:cNvSpPr>
@@ -2786,15 +5721,15 @@
         </p:nvSpPr>
         <p:spPr>
           <a:xfrm>
-            <a:off x="838200" y="365125"/>
-            <a:ext cx="10515600" cy="1325563"/>
+            <a:off x="1251678" y="382385"/>
+            <a:ext cx="10178322" cy="1492132"/>
           </a:xfrm>
           <a:prstGeom prst="rect">
             <a:avLst/>
           </a:prstGeom>
         </p:spPr>
         <p:txBody>
-          <a:bodyPr vert="horz" lIns="91440" tIns="45720" rIns="91440" bIns="45720" rtlCol="0" anchor="ctr">
+          <a:bodyPr vert="horz" lIns="91440" tIns="45720" rIns="91440" bIns="45720" rtlCol="0" anchor="t">
             <a:normAutofit/>
           </a:bodyPr>
           <a:lstStyle/>
@@ -2803,18 +5738,13 @@
               <a:rPr lang="en-US"/>
               <a:t>Click to edit Master title style</a:t>
             </a:r>
-          </a:p>
-        </p:txBody>
-      </p:sp>
-      <p:sp>
-        <p:nvSpPr>
-          <p:cNvPr id="3" name="Text Placeholder 2">
-            <a:extLst>
-              <a:ext uri="{FF2B5EF4-FFF2-40B4-BE49-F238E27FC236}">
-                <a16:creationId xmlns:a16="http://schemas.microsoft.com/office/drawing/2014/main" id="{FDF0B3BA-91BF-2F49-9420-3B6E26FA7AF3}"/>
-              </a:ext>
-            </a:extLst>
-          </p:cNvPr>
+            <a:endParaRPr lang="en-US" dirty="0"/>
+          </a:p>
+        </p:txBody>
+      </p:sp>
+      <p:sp>
+        <p:nvSpPr>
+          <p:cNvPr id="3" name="Text Placeholder 2"/>
           <p:cNvSpPr>
             <a:spLocks noGrp="1"/>
           </p:cNvSpPr>
@@ -2824,8 +5754,8 @@
         </p:nvSpPr>
         <p:spPr>
           <a:xfrm>
-            <a:off x="838200" y="1825625"/>
-            <a:ext cx="10515600" cy="4351338"/>
+            <a:off x="1251678" y="2286001"/>
+            <a:ext cx="10178322" cy="3593591"/>
           </a:xfrm>
           <a:prstGeom prst="rect">
             <a:avLst/>
@@ -2870,18 +5800,13 @@
               <a:rPr lang="en-US"/>
               <a:t>Fifth level</a:t>
             </a:r>
-          </a:p>
-        </p:txBody>
-      </p:sp>
-      <p:sp>
-        <p:nvSpPr>
-          <p:cNvPr id="4" name="Date Placeholder 3">
-            <a:extLst>
-              <a:ext uri="{FF2B5EF4-FFF2-40B4-BE49-F238E27FC236}">
-                <a16:creationId xmlns:a16="http://schemas.microsoft.com/office/drawing/2014/main" id="{85503C76-4753-8640-B031-47D0FA3C13EE}"/>
-              </a:ext>
-            </a:extLst>
-          </p:cNvPr>
+            <a:endParaRPr lang="en-US" dirty="0"/>
+          </a:p>
+        </p:txBody>
+      </p:sp>
+      <p:sp>
+        <p:nvSpPr>
+          <p:cNvPr id="4" name="Date Placeholder 3"/>
           <p:cNvSpPr>
             <a:spLocks noGrp="1"/>
           </p:cNvSpPr>
@@ -2891,8 +5816,8 @@
         </p:nvSpPr>
         <p:spPr>
           <a:xfrm>
-            <a:off x="838200" y="6356350"/>
-            <a:ext cx="2743200" cy="365125"/>
+            <a:off x="1251678" y="6375679"/>
+            <a:ext cx="2329722" cy="348462"/>
           </a:xfrm>
           <a:prstGeom prst="rect">
             <a:avLst/>
@@ -2905,7 +5830,8 @@
               <a:defRPr sz="1200">
                 <a:solidFill>
                   <a:schemeClr val="tx1">
-                    <a:tint val="75000"/>
+                    <a:lumMod val="65000"/>
+                    <a:lumOff val="35000"/>
                   </a:schemeClr>
                 </a:solidFill>
               </a:defRPr>
@@ -2914,7 +5840,7 @@
           <a:p>
             <a:fld id="{314B6D42-FA4A-544F-992E-668F4367741D}" type="datetimeFigureOut">
               <a:rPr lang="en-US" smtClean="0"/>
-              <a:t>8/12/19</a:t>
+              <a:t>8/13/2019</a:t>
             </a:fld>
             <a:endParaRPr lang="en-US"/>
           </a:p>
@@ -2922,13 +5848,7 @@
       </p:sp>
       <p:sp>
         <p:nvSpPr>
-          <p:cNvPr id="5" name="Footer Placeholder 4">
-            <a:extLst>
-              <a:ext uri="{FF2B5EF4-FFF2-40B4-BE49-F238E27FC236}">
-                <a16:creationId xmlns:a16="http://schemas.microsoft.com/office/drawing/2014/main" id="{DFF2DA95-1A83-B54B-9F22-7E9266C33151}"/>
-              </a:ext>
-            </a:extLst>
-          </p:cNvPr>
+          <p:cNvPr id="5" name="Footer Placeholder 4"/>
           <p:cNvSpPr>
             <a:spLocks noGrp="1"/>
           </p:cNvSpPr>
@@ -2938,8 +5858,8 @@
         </p:nvSpPr>
         <p:spPr>
           <a:xfrm>
-            <a:off x="4038600" y="6356350"/>
-            <a:ext cx="4114800" cy="365125"/>
+            <a:off x="4038600" y="6375679"/>
+            <a:ext cx="4114800" cy="345796"/>
           </a:xfrm>
           <a:prstGeom prst="rect">
             <a:avLst/>
@@ -2952,7 +5872,8 @@
               <a:defRPr sz="1200">
                 <a:solidFill>
                   <a:schemeClr val="tx1">
-                    <a:tint val="75000"/>
+                    <a:lumMod val="65000"/>
+                    <a:lumOff val="35000"/>
                   </a:schemeClr>
                 </a:solidFill>
               </a:defRPr>
@@ -2965,13 +5886,7 @@
       </p:sp>
       <p:sp>
         <p:nvSpPr>
-          <p:cNvPr id="6" name="Slide Number Placeholder 5">
-            <a:extLst>
-              <a:ext uri="{FF2B5EF4-FFF2-40B4-BE49-F238E27FC236}">
-                <a16:creationId xmlns:a16="http://schemas.microsoft.com/office/drawing/2014/main" id="{827B6795-B4EF-F342-B66C-5631014163FE}"/>
-              </a:ext>
-            </a:extLst>
-          </p:cNvPr>
+          <p:cNvPr id="6" name="Slide Number Placeholder 5"/>
           <p:cNvSpPr>
             <a:spLocks noGrp="1"/>
           </p:cNvSpPr>
@@ -2981,8 +5896,8 @@
         </p:nvSpPr>
         <p:spPr>
           <a:xfrm>
-            <a:off x="8610600" y="6356350"/>
-            <a:ext cx="2743200" cy="365125"/>
+            <a:off x="8610601" y="6375679"/>
+            <a:ext cx="2819399" cy="345796"/>
           </a:xfrm>
           <a:prstGeom prst="rect">
             <a:avLst/>
@@ -2995,7 +5910,8 @@
               <a:defRPr sz="1200">
                 <a:solidFill>
                   <a:schemeClr val="tx1">
-                    <a:tint val="75000"/>
+                    <a:lumMod val="65000"/>
+                    <a:lumOff val="35000"/>
                   </a:schemeClr>
                 </a:solidFill>
               </a:defRPr>
@@ -3010,26 +5926,528 @@
           </a:p>
         </p:txBody>
       </p:sp>
+      <p:sp>
+        <p:nvSpPr>
+          <p:cNvPr id="11" name="Freeform 6" title="Left scallop edge"/>
+          <p:cNvSpPr/>
+          <p:nvPr/>
+        </p:nvSpPr>
+        <p:spPr bwMode="auto">
+          <a:xfrm>
+            <a:off x="0" y="0"/>
+            <a:ext cx="885825" cy="6858000"/>
+          </a:xfrm>
+          <a:custGeom>
+            <a:avLst/>
+            <a:gdLst/>
+            <a:ahLst/>
+            <a:cxnLst/>
+            <a:rect l="0" t="0" r="r" b="b"/>
+            <a:pathLst>
+              <a:path w="558" h="4320">
+                <a:moveTo>
+                  <a:pt x="0" y="0"/>
+                </a:moveTo>
+                <a:lnTo>
+                  <a:pt x="447" y="0"/>
+                </a:lnTo>
+                <a:lnTo>
+                  <a:pt x="448" y="43"/>
+                </a:lnTo>
+                <a:lnTo>
+                  <a:pt x="453" y="81"/>
+                </a:lnTo>
+                <a:lnTo>
+                  <a:pt x="460" y="114"/>
+                </a:lnTo>
+                <a:lnTo>
+                  <a:pt x="469" y="143"/>
+                </a:lnTo>
+                <a:lnTo>
+                  <a:pt x="479" y="169"/>
+                </a:lnTo>
+                <a:lnTo>
+                  <a:pt x="491" y="192"/>
+                </a:lnTo>
+                <a:lnTo>
+                  <a:pt x="503" y="216"/>
+                </a:lnTo>
+                <a:lnTo>
+                  <a:pt x="515" y="240"/>
+                </a:lnTo>
+                <a:lnTo>
+                  <a:pt x="525" y="263"/>
+                </a:lnTo>
+                <a:lnTo>
+                  <a:pt x="535" y="289"/>
+                </a:lnTo>
+                <a:lnTo>
+                  <a:pt x="545" y="318"/>
+                </a:lnTo>
+                <a:lnTo>
+                  <a:pt x="552" y="351"/>
+                </a:lnTo>
+                <a:lnTo>
+                  <a:pt x="556" y="389"/>
+                </a:lnTo>
+                <a:lnTo>
+                  <a:pt x="558" y="432"/>
+                </a:lnTo>
+                <a:lnTo>
+                  <a:pt x="556" y="475"/>
+                </a:lnTo>
+                <a:lnTo>
+                  <a:pt x="552" y="513"/>
+                </a:lnTo>
+                <a:lnTo>
+                  <a:pt x="545" y="546"/>
+                </a:lnTo>
+                <a:lnTo>
+                  <a:pt x="535" y="575"/>
+                </a:lnTo>
+                <a:lnTo>
+                  <a:pt x="525" y="601"/>
+                </a:lnTo>
+                <a:lnTo>
+                  <a:pt x="515" y="624"/>
+                </a:lnTo>
+                <a:lnTo>
+                  <a:pt x="503" y="648"/>
+                </a:lnTo>
+                <a:lnTo>
+                  <a:pt x="491" y="672"/>
+                </a:lnTo>
+                <a:lnTo>
+                  <a:pt x="479" y="695"/>
+                </a:lnTo>
+                <a:lnTo>
+                  <a:pt x="469" y="721"/>
+                </a:lnTo>
+                <a:lnTo>
+                  <a:pt x="460" y="750"/>
+                </a:lnTo>
+                <a:lnTo>
+                  <a:pt x="453" y="783"/>
+                </a:lnTo>
+                <a:lnTo>
+                  <a:pt x="448" y="821"/>
+                </a:lnTo>
+                <a:lnTo>
+                  <a:pt x="447" y="864"/>
+                </a:lnTo>
+                <a:lnTo>
+                  <a:pt x="448" y="907"/>
+                </a:lnTo>
+                <a:lnTo>
+                  <a:pt x="453" y="945"/>
+                </a:lnTo>
+                <a:lnTo>
+                  <a:pt x="460" y="978"/>
+                </a:lnTo>
+                <a:lnTo>
+                  <a:pt x="469" y="1007"/>
+                </a:lnTo>
+                <a:lnTo>
+                  <a:pt x="479" y="1033"/>
+                </a:lnTo>
+                <a:lnTo>
+                  <a:pt x="491" y="1056"/>
+                </a:lnTo>
+                <a:lnTo>
+                  <a:pt x="503" y="1080"/>
+                </a:lnTo>
+                <a:lnTo>
+                  <a:pt x="515" y="1104"/>
+                </a:lnTo>
+                <a:lnTo>
+                  <a:pt x="525" y="1127"/>
+                </a:lnTo>
+                <a:lnTo>
+                  <a:pt x="535" y="1153"/>
+                </a:lnTo>
+                <a:lnTo>
+                  <a:pt x="545" y="1182"/>
+                </a:lnTo>
+                <a:lnTo>
+                  <a:pt x="552" y="1215"/>
+                </a:lnTo>
+                <a:lnTo>
+                  <a:pt x="556" y="1253"/>
+                </a:lnTo>
+                <a:lnTo>
+                  <a:pt x="558" y="1296"/>
+                </a:lnTo>
+                <a:lnTo>
+                  <a:pt x="556" y="1339"/>
+                </a:lnTo>
+                <a:lnTo>
+                  <a:pt x="552" y="1377"/>
+                </a:lnTo>
+                <a:lnTo>
+                  <a:pt x="545" y="1410"/>
+                </a:lnTo>
+                <a:lnTo>
+                  <a:pt x="535" y="1439"/>
+                </a:lnTo>
+                <a:lnTo>
+                  <a:pt x="525" y="1465"/>
+                </a:lnTo>
+                <a:lnTo>
+                  <a:pt x="515" y="1488"/>
+                </a:lnTo>
+                <a:lnTo>
+                  <a:pt x="503" y="1512"/>
+                </a:lnTo>
+                <a:lnTo>
+                  <a:pt x="491" y="1536"/>
+                </a:lnTo>
+                <a:lnTo>
+                  <a:pt x="479" y="1559"/>
+                </a:lnTo>
+                <a:lnTo>
+                  <a:pt x="469" y="1585"/>
+                </a:lnTo>
+                <a:lnTo>
+                  <a:pt x="460" y="1614"/>
+                </a:lnTo>
+                <a:lnTo>
+                  <a:pt x="453" y="1647"/>
+                </a:lnTo>
+                <a:lnTo>
+                  <a:pt x="448" y="1685"/>
+                </a:lnTo>
+                <a:lnTo>
+                  <a:pt x="447" y="1728"/>
+                </a:lnTo>
+                <a:lnTo>
+                  <a:pt x="448" y="1771"/>
+                </a:lnTo>
+                <a:lnTo>
+                  <a:pt x="453" y="1809"/>
+                </a:lnTo>
+                <a:lnTo>
+                  <a:pt x="460" y="1842"/>
+                </a:lnTo>
+                <a:lnTo>
+                  <a:pt x="469" y="1871"/>
+                </a:lnTo>
+                <a:lnTo>
+                  <a:pt x="479" y="1897"/>
+                </a:lnTo>
+                <a:lnTo>
+                  <a:pt x="491" y="1920"/>
+                </a:lnTo>
+                <a:lnTo>
+                  <a:pt x="503" y="1944"/>
+                </a:lnTo>
+                <a:lnTo>
+                  <a:pt x="515" y="1968"/>
+                </a:lnTo>
+                <a:lnTo>
+                  <a:pt x="525" y="1991"/>
+                </a:lnTo>
+                <a:lnTo>
+                  <a:pt x="535" y="2017"/>
+                </a:lnTo>
+                <a:lnTo>
+                  <a:pt x="545" y="2046"/>
+                </a:lnTo>
+                <a:lnTo>
+                  <a:pt x="552" y="2079"/>
+                </a:lnTo>
+                <a:lnTo>
+                  <a:pt x="556" y="2117"/>
+                </a:lnTo>
+                <a:lnTo>
+                  <a:pt x="558" y="2159"/>
+                </a:lnTo>
+                <a:lnTo>
+                  <a:pt x="556" y="2203"/>
+                </a:lnTo>
+                <a:lnTo>
+                  <a:pt x="552" y="2241"/>
+                </a:lnTo>
+                <a:lnTo>
+                  <a:pt x="545" y="2274"/>
+                </a:lnTo>
+                <a:lnTo>
+                  <a:pt x="535" y="2303"/>
+                </a:lnTo>
+                <a:lnTo>
+                  <a:pt x="525" y="2329"/>
+                </a:lnTo>
+                <a:lnTo>
+                  <a:pt x="515" y="2352"/>
+                </a:lnTo>
+                <a:lnTo>
+                  <a:pt x="503" y="2376"/>
+                </a:lnTo>
+                <a:lnTo>
+                  <a:pt x="491" y="2400"/>
+                </a:lnTo>
+                <a:lnTo>
+                  <a:pt x="479" y="2423"/>
+                </a:lnTo>
+                <a:lnTo>
+                  <a:pt x="469" y="2449"/>
+                </a:lnTo>
+                <a:lnTo>
+                  <a:pt x="460" y="2478"/>
+                </a:lnTo>
+                <a:lnTo>
+                  <a:pt x="453" y="2511"/>
+                </a:lnTo>
+                <a:lnTo>
+                  <a:pt x="448" y="2549"/>
+                </a:lnTo>
+                <a:lnTo>
+                  <a:pt x="447" y="2592"/>
+                </a:lnTo>
+                <a:lnTo>
+                  <a:pt x="448" y="2635"/>
+                </a:lnTo>
+                <a:lnTo>
+                  <a:pt x="453" y="2673"/>
+                </a:lnTo>
+                <a:lnTo>
+                  <a:pt x="460" y="2706"/>
+                </a:lnTo>
+                <a:lnTo>
+                  <a:pt x="469" y="2735"/>
+                </a:lnTo>
+                <a:lnTo>
+                  <a:pt x="479" y="2761"/>
+                </a:lnTo>
+                <a:lnTo>
+                  <a:pt x="491" y="2784"/>
+                </a:lnTo>
+                <a:lnTo>
+                  <a:pt x="515" y="2832"/>
+                </a:lnTo>
+                <a:lnTo>
+                  <a:pt x="525" y="2855"/>
+                </a:lnTo>
+                <a:lnTo>
+                  <a:pt x="535" y="2881"/>
+                </a:lnTo>
+                <a:lnTo>
+                  <a:pt x="545" y="2910"/>
+                </a:lnTo>
+                <a:lnTo>
+                  <a:pt x="552" y="2943"/>
+                </a:lnTo>
+                <a:lnTo>
+                  <a:pt x="556" y="2981"/>
+                </a:lnTo>
+                <a:lnTo>
+                  <a:pt x="558" y="3024"/>
+                </a:lnTo>
+                <a:lnTo>
+                  <a:pt x="556" y="3067"/>
+                </a:lnTo>
+                <a:lnTo>
+                  <a:pt x="552" y="3105"/>
+                </a:lnTo>
+                <a:lnTo>
+                  <a:pt x="545" y="3138"/>
+                </a:lnTo>
+                <a:lnTo>
+                  <a:pt x="535" y="3167"/>
+                </a:lnTo>
+                <a:lnTo>
+                  <a:pt x="525" y="3193"/>
+                </a:lnTo>
+                <a:lnTo>
+                  <a:pt x="515" y="3216"/>
+                </a:lnTo>
+                <a:lnTo>
+                  <a:pt x="503" y="3240"/>
+                </a:lnTo>
+                <a:lnTo>
+                  <a:pt x="491" y="3264"/>
+                </a:lnTo>
+                <a:lnTo>
+                  <a:pt x="479" y="3287"/>
+                </a:lnTo>
+                <a:lnTo>
+                  <a:pt x="469" y="3313"/>
+                </a:lnTo>
+                <a:lnTo>
+                  <a:pt x="460" y="3342"/>
+                </a:lnTo>
+                <a:lnTo>
+                  <a:pt x="453" y="3375"/>
+                </a:lnTo>
+                <a:lnTo>
+                  <a:pt x="448" y="3413"/>
+                </a:lnTo>
+                <a:lnTo>
+                  <a:pt x="447" y="3456"/>
+                </a:lnTo>
+                <a:lnTo>
+                  <a:pt x="448" y="3499"/>
+                </a:lnTo>
+                <a:lnTo>
+                  <a:pt x="453" y="3537"/>
+                </a:lnTo>
+                <a:lnTo>
+                  <a:pt x="460" y="3570"/>
+                </a:lnTo>
+                <a:lnTo>
+                  <a:pt x="469" y="3599"/>
+                </a:lnTo>
+                <a:lnTo>
+                  <a:pt x="479" y="3625"/>
+                </a:lnTo>
+                <a:lnTo>
+                  <a:pt x="491" y="3648"/>
+                </a:lnTo>
+                <a:lnTo>
+                  <a:pt x="503" y="3672"/>
+                </a:lnTo>
+                <a:lnTo>
+                  <a:pt x="515" y="3696"/>
+                </a:lnTo>
+                <a:lnTo>
+                  <a:pt x="525" y="3719"/>
+                </a:lnTo>
+                <a:lnTo>
+                  <a:pt x="535" y="3745"/>
+                </a:lnTo>
+                <a:lnTo>
+                  <a:pt x="545" y="3774"/>
+                </a:lnTo>
+                <a:lnTo>
+                  <a:pt x="552" y="3807"/>
+                </a:lnTo>
+                <a:lnTo>
+                  <a:pt x="556" y="3845"/>
+                </a:lnTo>
+                <a:lnTo>
+                  <a:pt x="558" y="3888"/>
+                </a:lnTo>
+                <a:lnTo>
+                  <a:pt x="556" y="3931"/>
+                </a:lnTo>
+                <a:lnTo>
+                  <a:pt x="552" y="3969"/>
+                </a:lnTo>
+                <a:lnTo>
+                  <a:pt x="545" y="4002"/>
+                </a:lnTo>
+                <a:lnTo>
+                  <a:pt x="535" y="4031"/>
+                </a:lnTo>
+                <a:lnTo>
+                  <a:pt x="525" y="4057"/>
+                </a:lnTo>
+                <a:lnTo>
+                  <a:pt x="515" y="4080"/>
+                </a:lnTo>
+                <a:lnTo>
+                  <a:pt x="503" y="4104"/>
+                </a:lnTo>
+                <a:lnTo>
+                  <a:pt x="491" y="4128"/>
+                </a:lnTo>
+                <a:lnTo>
+                  <a:pt x="479" y="4151"/>
+                </a:lnTo>
+                <a:lnTo>
+                  <a:pt x="469" y="4177"/>
+                </a:lnTo>
+                <a:lnTo>
+                  <a:pt x="460" y="4206"/>
+                </a:lnTo>
+                <a:lnTo>
+                  <a:pt x="453" y="4239"/>
+                </a:lnTo>
+                <a:lnTo>
+                  <a:pt x="448" y="4277"/>
+                </a:lnTo>
+                <a:lnTo>
+                  <a:pt x="447" y="4320"/>
+                </a:lnTo>
+                <a:lnTo>
+                  <a:pt x="0" y="4320"/>
+                </a:lnTo>
+                <a:lnTo>
+                  <a:pt x="0" y="0"/>
+                </a:lnTo>
+                <a:close/>
+              </a:path>
+            </a:pathLst>
+          </a:custGeom>
+          <a:solidFill>
+            <a:schemeClr val="tx2"/>
+          </a:solidFill>
+          <a:ln w="0">
+            <a:noFill/>
+            <a:prstDash val="solid"/>
+            <a:round/>
+            <a:headEnd/>
+            <a:tailEnd/>
+          </a:ln>
+        </p:spPr>
+      </p:sp>
+      <p:sp>
+        <p:nvSpPr>
+          <p:cNvPr id="12" name="Rectangle 11" title="right edge border"/>
+          <p:cNvSpPr/>
+          <p:nvPr/>
+        </p:nvSpPr>
+        <p:spPr>
+          <a:xfrm>
+            <a:off x="11908536" y="0"/>
+            <a:ext cx="283464" cy="6858000"/>
+          </a:xfrm>
+          <a:prstGeom prst="rect">
+            <a:avLst/>
+          </a:prstGeom>
+          <a:solidFill>
+            <a:schemeClr val="accent1"/>
+          </a:solidFill>
+          <a:ln>
+            <a:noFill/>
+          </a:ln>
+        </p:spPr>
+        <p:style>
+          <a:lnRef idx="2">
+            <a:schemeClr val="accent1">
+              <a:shade val="50000"/>
+            </a:schemeClr>
+          </a:lnRef>
+          <a:fillRef idx="1">
+            <a:schemeClr val="accent1"/>
+          </a:fillRef>
+          <a:effectRef idx="0">
+            <a:schemeClr val="accent1"/>
+          </a:effectRef>
+          <a:fontRef idx="minor">
+            <a:schemeClr val="lt1"/>
+          </a:fontRef>
+        </p:style>
+      </p:sp>
     </p:spTree>
     <p:extLst>
       <p:ext uri="{BB962C8B-B14F-4D97-AF65-F5344CB8AC3E}">
-        <p14:creationId xmlns:p14="http://schemas.microsoft.com/office/powerpoint/2010/main" val="3615215710"/>
+        <p14:creationId xmlns:p14="http://schemas.microsoft.com/office/powerpoint/2010/main" val="3941279423"/>
       </p:ext>
     </p:extLst>
   </p:cSld>
   <p:clrMap bg1="lt1" tx1="dk1" bg2="lt2" tx2="dk2" accent1="accent1" accent2="accent2" accent3="accent3" accent4="accent4" accent5="accent5" accent6="accent6" hlink="hlink" folHlink="folHlink"/>
   <p:sldLayoutIdLst>
-    <p:sldLayoutId id="2147483649" r:id="rId1"/>
-    <p:sldLayoutId id="2147483650" r:id="rId2"/>
-    <p:sldLayoutId id="2147483651" r:id="rId3"/>
-    <p:sldLayoutId id="2147483652" r:id="rId4"/>
-    <p:sldLayoutId id="2147483653" r:id="rId5"/>
-    <p:sldLayoutId id="2147483654" r:id="rId6"/>
-    <p:sldLayoutId id="2147483655" r:id="rId7"/>
-    <p:sldLayoutId id="2147483656" r:id="rId8"/>
-    <p:sldLayoutId id="2147483657" r:id="rId9"/>
-    <p:sldLayoutId id="2147483658" r:id="rId10"/>
-    <p:sldLayoutId id="2147483659" r:id="rId11"/>
+    <p:sldLayoutId id="2147483661" r:id="rId1"/>
+    <p:sldLayoutId id="2147483662" r:id="rId2"/>
+    <p:sldLayoutId id="2147483663" r:id="rId3"/>
+    <p:sldLayoutId id="2147483664" r:id="rId4"/>
+    <p:sldLayoutId id="2147483665" r:id="rId5"/>
+    <p:sldLayoutId id="2147483666" r:id="rId6"/>
+    <p:sldLayoutId id="2147483667" r:id="rId7"/>
+    <p:sldLayoutId id="2147483668" r:id="rId8"/>
+    <p:sldLayoutId id="2147483669" r:id="rId9"/>
+    <p:sldLayoutId id="2147483670" r:id="rId10"/>
+    <p:sldLayoutId id="2147483671" r:id="rId11"/>
   </p:sldLayoutIdLst>
   <p:txStyles>
     <p:titleStyle>
@@ -3041,9 +6459,9 @@
           <a:spcPct val="0"/>
         </a:spcBef>
         <a:buNone/>
-        <a:defRPr sz="4400" kern="1200">
+        <a:defRPr sz="5100" kern="1200" cap="all" spc="200" baseline="0">
           <a:solidFill>
-            <a:schemeClr val="tx1"/>
+            <a:schemeClr val="tx2"/>
           </a:solidFill>
           <a:latin typeface="+mj-lt"/>
           <a:ea typeface="+mj-ea"/>
@@ -3054,16 +6472,22 @@
     <p:bodyStyle>
       <a:lvl1pPr marL="228600" indent="-228600" algn="l" defTabSz="914400" rtl="0" eaLnBrk="1" latinLnBrk="0" hangingPunct="1">
         <a:lnSpc>
-          <a:spcPct val="90000"/>
+          <a:spcPct val="110000"/>
         </a:lnSpc>
         <a:spcBef>
-          <a:spcPts val="1000"/>
+          <a:spcPts val="700"/>
         </a:spcBef>
+        <a:buClr>
+          <a:schemeClr val="tx2"/>
+        </a:buClr>
         <a:buFont typeface="Arial" panose="020B0604020202020204" pitchFamily="34" charset="0"/>
         <a:buChar char="•"/>
-        <a:defRPr sz="2800" kern="1200">
+        <a:defRPr sz="2000" kern="1200">
           <a:solidFill>
-            <a:schemeClr val="tx1"/>
+            <a:schemeClr val="tx1">
+              <a:lumMod val="65000"/>
+              <a:lumOff val="35000"/>
+            </a:schemeClr>
           </a:solidFill>
           <a:latin typeface="+mn-lt"/>
           <a:ea typeface="+mn-ea"/>
@@ -3072,16 +6496,22 @@
       </a:lvl1pPr>
       <a:lvl2pPr marL="685800" indent="-228600" algn="l" defTabSz="914400" rtl="0" eaLnBrk="1" latinLnBrk="0" hangingPunct="1">
         <a:lnSpc>
-          <a:spcPct val="90000"/>
+          <a:spcPct val="110000"/>
         </a:lnSpc>
         <a:spcBef>
-          <a:spcPts val="500"/>
+          <a:spcPts val="700"/>
         </a:spcBef>
-        <a:buFont typeface="Arial" panose="020B0604020202020204" pitchFamily="34" charset="0"/>
-        <a:buChar char="•"/>
-        <a:defRPr sz="2400" kern="1200">
+        <a:buClr>
+          <a:schemeClr val="tx2"/>
+        </a:buClr>
+        <a:buFont typeface="Gill Sans MT" panose="020B0502020104020203" pitchFamily="34" charset="0"/>
+        <a:buChar char="–"/>
+        <a:defRPr sz="1800" kern="1200">
           <a:solidFill>
-            <a:schemeClr val="tx1"/>
+            <a:schemeClr val="tx1">
+              <a:lumMod val="65000"/>
+              <a:lumOff val="35000"/>
+            </a:schemeClr>
           </a:solidFill>
           <a:latin typeface="+mn-lt"/>
           <a:ea typeface="+mn-ea"/>
@@ -3090,16 +6520,22 @@
       </a:lvl2pPr>
       <a:lvl3pPr marL="1143000" indent="-228600" algn="l" defTabSz="914400" rtl="0" eaLnBrk="1" latinLnBrk="0" hangingPunct="1">
         <a:lnSpc>
-          <a:spcPct val="90000"/>
+          <a:spcPct val="110000"/>
         </a:lnSpc>
         <a:spcBef>
-          <a:spcPts val="500"/>
+          <a:spcPts val="700"/>
         </a:spcBef>
+        <a:buClr>
+          <a:schemeClr val="tx2"/>
+        </a:buClr>
         <a:buFont typeface="Arial" panose="020B0604020202020204" pitchFamily="34" charset="0"/>
         <a:buChar char="•"/>
-        <a:defRPr sz="2000" kern="1200">
+        <a:defRPr sz="1600" kern="1200">
           <a:solidFill>
-            <a:schemeClr val="tx1"/>
+            <a:schemeClr val="tx1">
+              <a:lumMod val="65000"/>
+              <a:lumOff val="35000"/>
+            </a:schemeClr>
           </a:solidFill>
           <a:latin typeface="+mn-lt"/>
           <a:ea typeface="+mn-ea"/>
@@ -3108,16 +6544,22 @@
       </a:lvl3pPr>
       <a:lvl4pPr marL="1600200" indent="-228600" algn="l" defTabSz="914400" rtl="0" eaLnBrk="1" latinLnBrk="0" hangingPunct="1">
         <a:lnSpc>
-          <a:spcPct val="90000"/>
+          <a:spcPct val="110000"/>
         </a:lnSpc>
         <a:spcBef>
-          <a:spcPts val="500"/>
+          <a:spcPts val="700"/>
         </a:spcBef>
-        <a:buFont typeface="Arial" panose="020B0604020202020204" pitchFamily="34" charset="0"/>
-        <a:buChar char="•"/>
-        <a:defRPr sz="1800" kern="1200">
+        <a:buClr>
+          <a:schemeClr val="tx2"/>
+        </a:buClr>
+        <a:buFont typeface="Gill Sans MT" panose="020B0502020104020203" pitchFamily="34" charset="0"/>
+        <a:buChar char="–"/>
+        <a:defRPr sz="1400" kern="1200">
           <a:solidFill>
-            <a:schemeClr val="tx1"/>
+            <a:schemeClr val="tx1">
+              <a:lumMod val="65000"/>
+              <a:lumOff val="35000"/>
+            </a:schemeClr>
           </a:solidFill>
           <a:latin typeface="+mn-lt"/>
           <a:ea typeface="+mn-ea"/>
@@ -3126,16 +6568,22 @@
       </a:lvl4pPr>
       <a:lvl5pPr marL="2057400" indent="-228600" algn="l" defTabSz="914400" rtl="0" eaLnBrk="1" latinLnBrk="0" hangingPunct="1">
         <a:lnSpc>
-          <a:spcPct val="90000"/>
+          <a:spcPct val="110000"/>
         </a:lnSpc>
         <a:spcBef>
-          <a:spcPts val="500"/>
+          <a:spcPts val="700"/>
         </a:spcBef>
+        <a:buClr>
+          <a:schemeClr val="tx2"/>
+        </a:buClr>
         <a:buFont typeface="Arial" panose="020B0604020202020204" pitchFamily="34" charset="0"/>
         <a:buChar char="•"/>
-        <a:defRPr sz="1800" kern="1200">
+        <a:defRPr sz="1400" kern="1200">
           <a:solidFill>
-            <a:schemeClr val="tx1"/>
+            <a:schemeClr val="tx1">
+              <a:lumMod val="65000"/>
+              <a:lumOff val="35000"/>
+            </a:schemeClr>
           </a:solidFill>
           <a:latin typeface="+mn-lt"/>
           <a:ea typeface="+mn-ea"/>
@@ -3144,16 +6592,22 @@
       </a:lvl5pPr>
       <a:lvl6pPr marL="2514600" indent="-228600" algn="l" defTabSz="914400" rtl="0" eaLnBrk="1" latinLnBrk="0" hangingPunct="1">
         <a:lnSpc>
-          <a:spcPct val="90000"/>
+          <a:spcPct val="110000"/>
         </a:lnSpc>
         <a:spcBef>
-          <a:spcPts val="500"/>
+          <a:spcPts val="700"/>
         </a:spcBef>
-        <a:buFont typeface="Arial" panose="020B0604020202020204" pitchFamily="34" charset="0"/>
-        <a:buChar char="•"/>
-        <a:defRPr sz="1800" kern="1200">
+        <a:buClr>
+          <a:schemeClr val="tx2"/>
+        </a:buClr>
+        <a:buFont typeface="Gill Sans MT" panose="020B0502020104020203" pitchFamily="34" charset="0"/>
+        <a:buChar char="–"/>
+        <a:defRPr sz="1400" kern="1200">
           <a:solidFill>
-            <a:schemeClr val="tx1"/>
+            <a:schemeClr val="tx1">
+              <a:lumMod val="65000"/>
+              <a:lumOff val="35000"/>
+            </a:schemeClr>
           </a:solidFill>
           <a:latin typeface="+mn-lt"/>
           <a:ea typeface="+mn-ea"/>
@@ -3162,16 +6616,22 @@
       </a:lvl6pPr>
       <a:lvl7pPr marL="2971800" indent="-228600" algn="l" defTabSz="914400" rtl="0" eaLnBrk="1" latinLnBrk="0" hangingPunct="1">
         <a:lnSpc>
-          <a:spcPct val="90000"/>
+          <a:spcPct val="110000"/>
         </a:lnSpc>
         <a:spcBef>
-          <a:spcPts val="500"/>
+          <a:spcPts val="700"/>
         </a:spcBef>
+        <a:buClr>
+          <a:schemeClr val="tx2"/>
+        </a:buClr>
         <a:buFont typeface="Arial" panose="020B0604020202020204" pitchFamily="34" charset="0"/>
         <a:buChar char="•"/>
-        <a:defRPr sz="1800" kern="1200">
+        <a:defRPr sz="1400" kern="1200">
           <a:solidFill>
-            <a:schemeClr val="tx1"/>
+            <a:schemeClr val="tx1">
+              <a:lumMod val="65000"/>
+              <a:lumOff val="35000"/>
+            </a:schemeClr>
           </a:solidFill>
           <a:latin typeface="+mn-lt"/>
           <a:ea typeface="+mn-ea"/>
@@ -3180,16 +6640,22 @@
       </a:lvl7pPr>
       <a:lvl8pPr marL="3429000" indent="-228600" algn="l" defTabSz="914400" rtl="0" eaLnBrk="1" latinLnBrk="0" hangingPunct="1">
         <a:lnSpc>
-          <a:spcPct val="90000"/>
+          <a:spcPct val="110000"/>
         </a:lnSpc>
         <a:spcBef>
-          <a:spcPts val="500"/>
+          <a:spcPts val="700"/>
         </a:spcBef>
-        <a:buFont typeface="Arial" panose="020B0604020202020204" pitchFamily="34" charset="0"/>
-        <a:buChar char="•"/>
-        <a:defRPr sz="1800" kern="1200">
+        <a:buClr>
+          <a:schemeClr val="tx2"/>
+        </a:buClr>
+        <a:buFont typeface="Gill Sans MT" panose="020B0502020104020203" pitchFamily="34" charset="0"/>
+        <a:buChar char="–"/>
+        <a:defRPr sz="1400" kern="1200" baseline="0">
           <a:solidFill>
-            <a:schemeClr val="tx1"/>
+            <a:schemeClr val="tx1">
+              <a:lumMod val="65000"/>
+              <a:lumOff val="35000"/>
+            </a:schemeClr>
           </a:solidFill>
           <a:latin typeface="+mn-lt"/>
           <a:ea typeface="+mn-ea"/>
@@ -3198,16 +6664,22 @@
       </a:lvl8pPr>
       <a:lvl9pPr marL="3886200" indent="-228600" algn="l" defTabSz="914400" rtl="0" eaLnBrk="1" latinLnBrk="0" hangingPunct="1">
         <a:lnSpc>
-          <a:spcPct val="90000"/>
+          <a:spcPct val="110000"/>
         </a:lnSpc>
         <a:spcBef>
-          <a:spcPts val="500"/>
+          <a:spcPts val="700"/>
         </a:spcBef>
+        <a:buClr>
+          <a:schemeClr val="tx2"/>
+        </a:buClr>
         <a:buFont typeface="Arial" panose="020B0604020202020204" pitchFamily="34" charset="0"/>
         <a:buChar char="•"/>
-        <a:defRPr sz="1800" kern="1200">
+        <a:defRPr sz="1400" kern="1200" baseline="0">
           <a:solidFill>
-            <a:schemeClr val="tx1"/>
+            <a:schemeClr val="tx1">
+              <a:lumMod val="65000"/>
+              <a:lumOff val="35000"/>
+            </a:schemeClr>
           </a:solidFill>
           <a:latin typeface="+mn-lt"/>
           <a:ea typeface="+mn-ea"/>
@@ -3311,6 +6783,42 @@
       </a:lvl9pPr>
     </p:otherStyle>
   </p:txStyles>
+  <p:extLst>
+    <p:ext uri="{27BBF7A9-308A-43DC-89C8-2F10F3537804}">
+      <p15:sldGuideLst xmlns:p15="http://schemas.microsoft.com/office/powerpoint/2012/main">
+        <p15:guide id="1" pos="792">
+          <p15:clr>
+            <a:srgbClr val="F26B43"/>
+          </p15:clr>
+        </p15:guide>
+        <p15:guide id="2" pos="7200">
+          <p15:clr>
+            <a:srgbClr val="F26B43"/>
+          </p15:clr>
+        </p15:guide>
+        <p15:guide id="3" orient="horz" pos="4008">
+          <p15:clr>
+            <a:srgbClr val="F26B43"/>
+          </p15:clr>
+        </p15:guide>
+        <p15:guide id="4" orient="horz" pos="1440">
+          <p15:clr>
+            <a:srgbClr val="F26B43"/>
+          </p15:clr>
+        </p15:guide>
+        <p15:guide id="5" orient="horz" pos="3720">
+          <p15:clr>
+            <a:srgbClr val="F26B43"/>
+          </p15:clr>
+        </p15:guide>
+        <p15:guide id="6" orient="horz" pos="240">
+          <p15:clr>
+            <a:srgbClr val="F26B43"/>
+          </p15:clr>
+        </p15:guide>
+      </p15:sldGuideLst>
+    </p:ext>
+  </p:extLst>
 </p:sldMaster>
 </file>
 
@@ -3347,12 +6855,7 @@
             <p:ph type="ctrTitle"/>
           </p:nvPr>
         </p:nvSpPr>
-        <p:spPr>
-          <a:xfrm>
-            <a:off x="1524000" y="1122363"/>
-            <a:ext cx="9144000" cy="2387600"/>
-          </a:xfrm>
-        </p:spPr>
+        <p:spPr/>
         <p:txBody>
           <a:bodyPr/>
           <a:lstStyle/>
@@ -3457,8 +6960,20 @@
           <a:lstStyle/>
           <a:p>
             <a:r>
-              <a:rPr lang="en-US" dirty="0"/>
-              <a:t>Visualization</a:t>
+              <a:rPr lang="en-US" cap="none" spc="0" dirty="0">
+                <a:ln w="0"/>
+                <a:solidFill>
+                  <a:schemeClr val="accent1"/>
+                </a:solidFill>
+                <a:effectLst>
+                  <a:outerShdw blurRad="38100" dist="25400" dir="5400000" algn="ctr" rotWithShape="0">
+                    <a:srgbClr val="6E747A">
+                      <a:alpha val="43000"/>
+                    </a:srgbClr>
+                  </a:outerShdw>
+                </a:effectLst>
+              </a:rPr>
+              <a:t>Results from Visualization</a:t>
             </a:r>
           </a:p>
         </p:txBody>
@@ -3486,42 +7001,221 @@
           <a:p>
             <a:r>
               <a:rPr lang="en-US" dirty="0"/>
-              <a:t>Month 11 and month 23 sales more than other month</a:t>
+              <a:t>As we can see, the trend is the higher the price is the lower the sales amount is, vice versa.</a:t>
             </a:r>
           </a:p>
           <a:p>
             <a:r>
               <a:rPr lang="en-US" dirty="0"/>
-              <a:t>Shapes are basically the same.</a:t>
-            </a:r>
+              <a:t>(This means sales amount is highly associated with price, we first tried to predict amount without using price factor, and fall very behind in the competition, after seeing the plot we decided to use LSTM method which takes price into account.</a:t>
+            </a:r>
+          </a:p>
+          <a:p>
+            <a:endParaRPr lang="en-US" dirty="0"/>
           </a:p>
           <a:p>
             <a:r>
               <a:rPr lang="en-US" dirty="0"/>
-              <a:t>There are some small differences. For example, before clean items sales on month 32 is more than 31, but after clean month 32 is less than 31. This because some </a:t>
-            </a:r>
-            <a:r>
-              <a:rPr lang="en-US" dirty="0" err="1"/>
-              <a:t>shop_id</a:t>
-            </a:r>
-            <a:r>
-              <a:rPr lang="en-US" dirty="0"/>
-              <a:t> and </a:t>
-            </a:r>
-            <a:r>
-              <a:rPr lang="en-US" dirty="0" err="1"/>
-              <a:t>item_id</a:t>
-            </a:r>
-            <a:r>
-              <a:rPr lang="en-US" dirty="0"/>
-              <a:t> does not being record in the test file. From our point of view, it does not sell the product so we considered them as false data.</a:t>
-            </a:r>
-          </a:p>
-          <a:p>
-            <a:r>
-              <a:rPr lang="en-US" dirty="0"/>
-              <a:t>In the future, we need to figure out does the “price” column useful in the mode. </a:t>
-            </a:r>
+              <a:t>Another thing we found is that the trend of Russian goods prices are raising, it is shown in pictures, hope their salaries follow the expenditures!</a:t>
+            </a:r>
+          </a:p>
+        </p:txBody>
+      </p:sp>
+      <p:sp>
+        <p:nvSpPr>
+          <p:cNvPr id="4" name="Oval 3">
+            <a:extLst>
+              <a:ext uri="{FF2B5EF4-FFF2-40B4-BE49-F238E27FC236}">
+                <a16:creationId xmlns:a16="http://schemas.microsoft.com/office/drawing/2014/main" id="{2D2F1649-199A-41B4-8896-6D7CEB7E643D}"/>
+              </a:ext>
+            </a:extLst>
+          </p:cNvPr>
+          <p:cNvSpPr/>
+          <p:nvPr/>
+        </p:nvSpPr>
+        <p:spPr>
+          <a:xfrm>
+            <a:off x="7137647" y="4983484"/>
+            <a:ext cx="1455937" cy="982310"/>
+          </a:xfrm>
+          <a:prstGeom prst="ellipse">
+            <a:avLst/>
+          </a:prstGeom>
+        </p:spPr>
+        <p:style>
+          <a:lnRef idx="2">
+            <a:schemeClr val="accent1">
+              <a:shade val="50000"/>
+            </a:schemeClr>
+          </a:lnRef>
+          <a:fillRef idx="1">
+            <a:schemeClr val="accent1"/>
+          </a:fillRef>
+          <a:effectRef idx="0">
+            <a:schemeClr val="accent1"/>
+          </a:effectRef>
+          <a:fontRef idx="minor">
+            <a:schemeClr val="lt1"/>
+          </a:fontRef>
+        </p:style>
+        <p:txBody>
+          <a:bodyPr rtlCol="0" anchor="ctr"/>
+          <a:lstStyle/>
+          <a:p>
+            <a:pPr algn="ctr"/>
+            <a:endParaRPr lang="en-US"/>
+          </a:p>
+        </p:txBody>
+      </p:sp>
+      <p:sp>
+        <p:nvSpPr>
+          <p:cNvPr id="6" name="Oval 5">
+            <a:extLst>
+              <a:ext uri="{FF2B5EF4-FFF2-40B4-BE49-F238E27FC236}">
+                <a16:creationId xmlns:a16="http://schemas.microsoft.com/office/drawing/2014/main" id="{8C124F94-0F47-44B9-9AE4-39D2ADEACB5B}"/>
+              </a:ext>
+            </a:extLst>
+          </p:cNvPr>
+          <p:cNvSpPr/>
+          <p:nvPr/>
+        </p:nvSpPr>
+        <p:spPr>
+          <a:xfrm>
+            <a:off x="7455024" y="5127498"/>
+            <a:ext cx="244135" cy="238410"/>
+          </a:xfrm>
+          <a:prstGeom prst="ellipse">
+            <a:avLst/>
+          </a:prstGeom>
+          <a:solidFill>
+            <a:schemeClr val="tx1"/>
+          </a:solidFill>
+          <a:ln>
+            <a:solidFill>
+              <a:schemeClr val="tx2"/>
+            </a:solidFill>
+          </a:ln>
+        </p:spPr>
+        <p:style>
+          <a:lnRef idx="2">
+            <a:schemeClr val="accent1">
+              <a:shade val="50000"/>
+            </a:schemeClr>
+          </a:lnRef>
+          <a:fillRef idx="1">
+            <a:schemeClr val="accent1"/>
+          </a:fillRef>
+          <a:effectRef idx="0">
+            <a:schemeClr val="accent1"/>
+          </a:effectRef>
+          <a:fontRef idx="minor">
+            <a:schemeClr val="lt1"/>
+          </a:fontRef>
+        </p:style>
+        <p:txBody>
+          <a:bodyPr rtlCol="0" anchor="ctr"/>
+          <a:lstStyle/>
+          <a:p>
+            <a:pPr algn="ctr"/>
+            <a:endParaRPr lang="en-US"/>
+          </a:p>
+        </p:txBody>
+      </p:sp>
+      <p:sp>
+        <p:nvSpPr>
+          <p:cNvPr id="7" name="Oval 6">
+            <a:extLst>
+              <a:ext uri="{FF2B5EF4-FFF2-40B4-BE49-F238E27FC236}">
+                <a16:creationId xmlns:a16="http://schemas.microsoft.com/office/drawing/2014/main" id="{6FA5029E-1BA4-4472-BA6C-D1D5A6700EBC}"/>
+              </a:ext>
+            </a:extLst>
+          </p:cNvPr>
+          <p:cNvSpPr/>
+          <p:nvPr/>
+        </p:nvSpPr>
+        <p:spPr>
+          <a:xfrm>
+            <a:off x="8016536" y="5127498"/>
+            <a:ext cx="239697" cy="238410"/>
+          </a:xfrm>
+          <a:prstGeom prst="ellipse">
+            <a:avLst/>
+          </a:prstGeom>
+          <a:solidFill>
+            <a:schemeClr val="tx1"/>
+          </a:solidFill>
+        </p:spPr>
+        <p:style>
+          <a:lnRef idx="2">
+            <a:schemeClr val="accent1">
+              <a:shade val="50000"/>
+            </a:schemeClr>
+          </a:lnRef>
+          <a:fillRef idx="1">
+            <a:schemeClr val="accent1"/>
+          </a:fillRef>
+          <a:effectRef idx="0">
+            <a:schemeClr val="accent1"/>
+          </a:effectRef>
+          <a:fontRef idx="minor">
+            <a:schemeClr val="lt1"/>
+          </a:fontRef>
+        </p:style>
+        <p:txBody>
+          <a:bodyPr rtlCol="0" anchor="ctr"/>
+          <a:lstStyle/>
+          <a:p>
+            <a:pPr algn="ctr"/>
+            <a:endParaRPr lang="en-US"/>
+          </a:p>
+        </p:txBody>
+      </p:sp>
+      <p:sp>
+        <p:nvSpPr>
+          <p:cNvPr id="8" name="Rectangle: Rounded Corners 7">
+            <a:extLst>
+              <a:ext uri="{FF2B5EF4-FFF2-40B4-BE49-F238E27FC236}">
+                <a16:creationId xmlns:a16="http://schemas.microsoft.com/office/drawing/2014/main" id="{2C52E194-C170-49AD-8FF9-8850305D58D5}"/>
+              </a:ext>
+            </a:extLst>
+          </p:cNvPr>
+          <p:cNvSpPr/>
+          <p:nvPr/>
+        </p:nvSpPr>
+        <p:spPr>
+          <a:xfrm>
+            <a:off x="7461681" y="5382442"/>
+            <a:ext cx="807868" cy="497150"/>
+          </a:xfrm>
+          <a:prstGeom prst="roundRect">
+            <a:avLst/>
+          </a:prstGeom>
+          <a:solidFill>
+            <a:schemeClr val="tx2"/>
+          </a:solidFill>
+        </p:spPr>
+        <p:style>
+          <a:lnRef idx="2">
+            <a:schemeClr val="accent1">
+              <a:shade val="50000"/>
+            </a:schemeClr>
+          </a:lnRef>
+          <a:fillRef idx="1">
+            <a:schemeClr val="accent1"/>
+          </a:fillRef>
+          <a:effectRef idx="0">
+            <a:schemeClr val="accent1"/>
+          </a:effectRef>
+          <a:fontRef idx="minor">
+            <a:schemeClr val="lt1"/>
+          </a:fontRef>
+        </p:style>
+        <p:txBody>
+          <a:bodyPr rtlCol="0" anchor="ctr"/>
+          <a:lstStyle/>
+          <a:p>
+            <a:pPr algn="ctr"/>
+            <a:endParaRPr lang="en-US"/>
           </a:p>
         </p:txBody>
       </p:sp>
@@ -3560,6 +7254,226 @@
           <p:cNvPr id="2" name="Title 1">
             <a:extLst>
               <a:ext uri="{FF2B5EF4-FFF2-40B4-BE49-F238E27FC236}">
+                <a16:creationId xmlns:a16="http://schemas.microsoft.com/office/drawing/2014/main" id="{6CDB5BBF-7423-FF40-BB6A-F19642ECF13B}"/>
+              </a:ext>
+            </a:extLst>
+          </p:cNvPr>
+          <p:cNvSpPr>
+            <a:spLocks noGrp="1"/>
+          </p:cNvSpPr>
+          <p:nvPr>
+            <p:ph type="title"/>
+          </p:nvPr>
+        </p:nvSpPr>
+        <p:spPr/>
+        <p:txBody>
+          <a:bodyPr>
+            <a:normAutofit fontScale="90000"/>
+          </a:bodyPr>
+          <a:lstStyle/>
+          <a:p>
+            <a:r>
+              <a:rPr lang="en-US" dirty="0" err="1"/>
+              <a:t>VisualizatioN</a:t>
+            </a:r>
+            <a:br>
+              <a:rPr lang="en-US" dirty="0"/>
+            </a:br>
+            <a:br>
+              <a:rPr lang="en-US" dirty="0"/>
+            </a:br>
+            <a:r>
+              <a:rPr lang="en-US" sz="2000" dirty="0">
+                <a:solidFill>
+                  <a:schemeClr val="tx2">
+                    <a:lumMod val="50000"/>
+                    <a:lumOff val="50000"/>
+                  </a:schemeClr>
+                </a:solidFill>
+              </a:rPr>
+              <a:t>Time series decomposition:</a:t>
+            </a:r>
+            <a:endParaRPr lang="en-US" dirty="0"/>
+          </a:p>
+        </p:txBody>
+      </p:sp>
+      <p:pic>
+        <p:nvPicPr>
+          <p:cNvPr id="6" name="Content Placeholder 5" descr="A screenshot of a cell phone&#10;&#10;Description automatically generated">
+            <a:extLst>
+              <a:ext uri="{FF2B5EF4-FFF2-40B4-BE49-F238E27FC236}">
+                <a16:creationId xmlns:a16="http://schemas.microsoft.com/office/drawing/2014/main" id="{2809567B-E57A-458E-BBDE-C08A24D1B63B}"/>
+              </a:ext>
+            </a:extLst>
+          </p:cNvPr>
+          <p:cNvPicPr>
+            <a:picLocks noGrp="1" noChangeAspect="1"/>
+          </p:cNvPicPr>
+          <p:nvPr>
+            <p:ph idx="1"/>
+          </p:nvPr>
+        </p:nvPicPr>
+        <p:blipFill>
+          <a:blip r:embed="rId2"/>
+          <a:stretch>
+            <a:fillRect/>
+          </a:stretch>
+        </p:blipFill>
+        <p:spPr>
+          <a:xfrm>
+            <a:off x="5844073" y="528933"/>
+            <a:ext cx="5173081" cy="2531508"/>
+          </a:xfrm>
+        </p:spPr>
+      </p:pic>
+      <p:pic>
+        <p:nvPicPr>
+          <p:cNvPr id="8" name="Picture 7" descr="A screenshot of a social media post&#10;&#10;Description automatically generated">
+            <a:extLst>
+              <a:ext uri="{FF2B5EF4-FFF2-40B4-BE49-F238E27FC236}">
+                <a16:creationId xmlns:a16="http://schemas.microsoft.com/office/drawing/2014/main" id="{0A0A0A51-69F2-4823-8DF0-79DAC4315C6B}"/>
+              </a:ext>
+            </a:extLst>
+          </p:cNvPr>
+          <p:cNvPicPr>
+            <a:picLocks noChangeAspect="1"/>
+          </p:cNvPicPr>
+          <p:nvPr/>
+        </p:nvPicPr>
+        <p:blipFill>
+          <a:blip r:embed="rId3"/>
+          <a:stretch>
+            <a:fillRect/>
+          </a:stretch>
+        </p:blipFill>
+        <p:spPr>
+          <a:xfrm>
+            <a:off x="1281010" y="2636384"/>
+            <a:ext cx="5059829" cy="2347100"/>
+          </a:xfrm>
+          <a:prstGeom prst="rect">
+            <a:avLst/>
+          </a:prstGeom>
+        </p:spPr>
+      </p:pic>
+      <p:pic>
+        <p:nvPicPr>
+          <p:cNvPr id="10" name="Picture 9" descr="A screenshot of a cell phone&#10;&#10;Description automatically generated">
+            <a:extLst>
+              <a:ext uri="{FF2B5EF4-FFF2-40B4-BE49-F238E27FC236}">
+                <a16:creationId xmlns:a16="http://schemas.microsoft.com/office/drawing/2014/main" id="{B5B677F1-0A4F-47F7-BB79-E267193E8949}"/>
+              </a:ext>
+            </a:extLst>
+          </p:cNvPr>
+          <p:cNvPicPr>
+            <a:picLocks noChangeAspect="1"/>
+          </p:cNvPicPr>
+          <p:nvPr/>
+        </p:nvPicPr>
+        <p:blipFill>
+          <a:blip r:embed="rId4"/>
+          <a:stretch>
+            <a:fillRect/>
+          </a:stretch>
+        </p:blipFill>
+        <p:spPr>
+          <a:xfrm>
+            <a:off x="5062230" y="3553074"/>
+            <a:ext cx="6100605" cy="2860820"/>
+          </a:xfrm>
+          <a:prstGeom prst="rect">
+            <a:avLst/>
+          </a:prstGeom>
+        </p:spPr>
+      </p:pic>
+      <p:sp>
+        <p:nvSpPr>
+          <p:cNvPr id="11" name="TextBox 10">
+            <a:extLst>
+              <a:ext uri="{FF2B5EF4-FFF2-40B4-BE49-F238E27FC236}">
+                <a16:creationId xmlns:a16="http://schemas.microsoft.com/office/drawing/2014/main" id="{FAAC9590-867A-492D-A217-F1BCF5EC35F4}"/>
+              </a:ext>
+            </a:extLst>
+          </p:cNvPr>
+          <p:cNvSpPr txBox="1"/>
+          <p:nvPr/>
+        </p:nvSpPr>
+        <p:spPr>
+          <a:xfrm>
+            <a:off x="1473693" y="5202315"/>
+            <a:ext cx="3116062" cy="923330"/>
+          </a:xfrm>
+          <a:prstGeom prst="rect">
+            <a:avLst/>
+          </a:prstGeom>
+          <a:noFill/>
+        </p:spPr>
+        <p:txBody>
+          <a:bodyPr wrap="square" rtlCol="0">
+            <a:spAutoFit/>
+          </a:bodyPr>
+          <a:lstStyle/>
+          <a:p>
+            <a:r>
+              <a:rPr lang="en-US" dirty="0" err="1">
+                <a:solidFill>
+                  <a:schemeClr val="accent2">
+                    <a:lumMod val="60000"/>
+                    <a:lumOff val="40000"/>
+                  </a:schemeClr>
+                </a:solidFill>
+              </a:rPr>
+              <a:t>Accracy</a:t>
+            </a:r>
+            <a:r>
+              <a:rPr lang="en-US" dirty="0">
+                <a:solidFill>
+                  <a:schemeClr val="accent2">
+                    <a:lumMod val="60000"/>
+                    <a:lumOff val="40000"/>
+                  </a:schemeClr>
+                </a:solidFill>
+              </a:rPr>
+              <a:t> was not so good using Arima, we are not using it to compete then.</a:t>
+            </a:r>
+          </a:p>
+        </p:txBody>
+      </p:sp>
+    </p:spTree>
+    <p:extLst>
+      <p:ext uri="{BB962C8B-B14F-4D97-AF65-F5344CB8AC3E}">
+        <p14:creationId xmlns:p14="http://schemas.microsoft.com/office/powerpoint/2010/main" val="2349895927"/>
+      </p:ext>
+    </p:extLst>
+  </p:cSld>
+  <p:clrMapOvr>
+    <a:masterClrMapping/>
+  </p:clrMapOvr>
+</p:sld>
+</file>
+
+<file path=ppt/slides/slide12.xml><?xml version="1.0" encoding="utf-8"?>
+<p:sld xmlns:a="http://schemas.openxmlformats.org/drawingml/2006/main" xmlns:r="http://schemas.openxmlformats.org/officeDocument/2006/relationships" xmlns:p="http://schemas.openxmlformats.org/presentationml/2006/main">
+  <p:cSld>
+    <p:spTree>
+      <p:nvGrpSpPr>
+        <p:cNvPr id="1" name=""/>
+        <p:cNvGrpSpPr/>
+        <p:nvPr/>
+      </p:nvGrpSpPr>
+      <p:grpSpPr>
+        <a:xfrm>
+          <a:off x="0" y="0"/>
+          <a:ext cx="0" cy="0"/>
+          <a:chOff x="0" y="0"/>
+          <a:chExt cx="0" cy="0"/>
+        </a:xfrm>
+      </p:grpSpPr>
+      <p:sp>
+        <p:nvSpPr>
+          <p:cNvPr id="2" name="Title 1">
+            <a:extLst>
+              <a:ext uri="{FF2B5EF4-FFF2-40B4-BE49-F238E27FC236}">
                 <a16:creationId xmlns:a16="http://schemas.microsoft.com/office/drawing/2014/main" id="{288FF434-E5A1-C843-B7CD-209E016812F6}"/>
               </a:ext>
             </a:extLst>
@@ -3606,11 +7520,124 @@
           <a:p>
             <a:r>
               <a:rPr lang="en-US" dirty="0"/>
-              <a:t>We use ARIMA to do the time series model.</a:t>
-            </a:r>
-          </a:p>
-          <a:p>
+              <a:t>We use LSTM from </a:t>
+            </a:r>
+            <a:r>
+              <a:rPr lang="en-US" dirty="0" err="1"/>
+              <a:t>keras</a:t>
+            </a:r>
+            <a:r>
+              <a:rPr lang="en-US" dirty="0"/>
+              <a:t>.</a:t>
+            </a:r>
+          </a:p>
+          <a:p>
+            <a:pPr marL="0" indent="0">
+              <a:buNone/>
+            </a:pPr>
+            <a:r>
+              <a:rPr lang="en-US" dirty="0"/>
+              <a:t>LSTM refers to </a:t>
+            </a:r>
+            <a:r>
+              <a:rPr lang="en-US" b="1" dirty="0"/>
+              <a:t>Long short-term memory:</a:t>
+            </a:r>
+          </a:p>
+          <a:p>
+            <a:pPr marL="0" indent="0">
+              <a:buNone/>
+            </a:pPr>
+            <a:r>
+              <a:rPr lang="en-US" dirty="0"/>
+              <a:t>It is an artificial recurrent neural network (RNN) architecture used in the field of deep learning.</a:t>
+            </a:r>
+          </a:p>
+          <a:p>
+            <a:pPr marL="0" indent="0">
+              <a:buNone/>
+            </a:pPr>
+            <a:r>
+              <a:rPr lang="en-US" dirty="0"/>
+              <a:t>It can not only process single data points, but also </a:t>
+            </a:r>
+            <a:r>
+              <a:rPr lang="en-US" b="1" dirty="0"/>
+              <a:t>entire sequences of data</a:t>
+            </a:r>
+            <a:r>
+              <a:rPr lang="en-US" dirty="0"/>
+              <a:t>. </a:t>
+            </a:r>
+          </a:p>
+          <a:p>
+            <a:pPr marL="0" indent="0">
+              <a:buNone/>
+            </a:pPr>
+            <a:r>
+              <a:rPr lang="en-US" dirty="0"/>
+              <a:t>A common LSTM unit is composed of a </a:t>
+            </a:r>
+            <a:r>
+              <a:rPr lang="en-US" b="1" dirty="0"/>
+              <a:t>cell</a:t>
+            </a:r>
+            <a:r>
+              <a:rPr lang="en-US" dirty="0"/>
+              <a:t>, an </a:t>
+            </a:r>
+            <a:r>
+              <a:rPr lang="en-US" b="1" dirty="0"/>
+              <a:t>input gate</a:t>
+            </a:r>
+            <a:r>
+              <a:rPr lang="en-US" dirty="0"/>
+              <a:t>, an </a:t>
+            </a:r>
+            <a:r>
+              <a:rPr lang="en-US" b="1" dirty="0"/>
+              <a:t>output gate</a:t>
+            </a:r>
+            <a:r>
+              <a:rPr lang="en-US" dirty="0"/>
+              <a:t> and a </a:t>
+            </a:r>
+            <a:r>
+              <a:rPr lang="en-US" b="1" dirty="0"/>
+              <a:t>forget gate</a:t>
+            </a:r>
+            <a:r>
+              <a:rPr lang="en-US" dirty="0"/>
+              <a:t>.</a:t>
+            </a:r>
+          </a:p>
+          <a:p>
+            <a:pPr marL="0" indent="0">
+              <a:buNone/>
+            </a:pPr>
             <a:endParaRPr lang="en-US" dirty="0"/>
+          </a:p>
+          <a:p>
+            <a:pPr marL="0" indent="0">
+              <a:buNone/>
+            </a:pPr>
+            <a:endParaRPr lang="en-US" dirty="0"/>
+          </a:p>
+          <a:p>
+            <a:pPr marL="0" indent="0">
+              <a:buNone/>
+            </a:pPr>
+            <a:r>
+              <a:rPr lang="en-US" sz="1400" dirty="0"/>
+              <a:t>Information from Wikipedia: </a:t>
+            </a:r>
+            <a:r>
+              <a:rPr lang="en-US" sz="1400" dirty="0">
+                <a:hlinkClick r:id="rId2"/>
+              </a:rPr>
+              <a:t>https://en.wikipedia.org/wiki/Long_short-term_memory</a:t>
+            </a:r>
+            <a:endParaRPr lang="en-US" sz="1400" dirty="0"/>
           </a:p>
         </p:txBody>
       </p:sp>
@@ -3618,6 +7645,474 @@
     <p:extLst>
       <p:ext uri="{BB962C8B-B14F-4D97-AF65-F5344CB8AC3E}">
         <p14:creationId xmlns:p14="http://schemas.microsoft.com/office/powerpoint/2010/main" val="782524937"/>
+      </p:ext>
+    </p:extLst>
+  </p:cSld>
+  <p:clrMapOvr>
+    <a:masterClrMapping/>
+  </p:clrMapOvr>
+</p:sld>
+</file>
+
+<file path=ppt/slides/slide13.xml><?xml version="1.0" encoding="utf-8"?>
+<p:sld xmlns:a="http://schemas.openxmlformats.org/drawingml/2006/main" xmlns:r="http://schemas.openxmlformats.org/officeDocument/2006/relationships" xmlns:p="http://schemas.openxmlformats.org/presentationml/2006/main">
+  <p:cSld>
+    <p:spTree>
+      <p:nvGrpSpPr>
+        <p:cNvPr id="1" name=""/>
+        <p:cNvGrpSpPr/>
+        <p:nvPr/>
+      </p:nvGrpSpPr>
+      <p:grpSpPr>
+        <a:xfrm>
+          <a:off x="0" y="0"/>
+          <a:ext cx="0" cy="0"/>
+          <a:chOff x="0" y="0"/>
+          <a:chExt cx="0" cy="0"/>
+        </a:xfrm>
+      </p:grpSpPr>
+      <p:sp>
+        <p:nvSpPr>
+          <p:cNvPr id="2" name="Title 1">
+            <a:extLst>
+              <a:ext uri="{FF2B5EF4-FFF2-40B4-BE49-F238E27FC236}">
+                <a16:creationId xmlns:a16="http://schemas.microsoft.com/office/drawing/2014/main" id="{4FEFD5F0-289E-4E92-8EEA-0507D13C0B5B}"/>
+              </a:ext>
+            </a:extLst>
+          </p:cNvPr>
+          <p:cNvSpPr>
+            <a:spLocks noGrp="1"/>
+          </p:cNvSpPr>
+          <p:nvPr>
+            <p:ph type="title"/>
+          </p:nvPr>
+        </p:nvSpPr>
+        <p:spPr/>
+        <p:txBody>
+          <a:bodyPr/>
+          <a:lstStyle/>
+          <a:p>
+            <a:r>
+              <a:rPr lang="en-US" dirty="0"/>
+              <a:t>MODEL</a:t>
+            </a:r>
+          </a:p>
+        </p:txBody>
+      </p:sp>
+      <p:sp>
+        <p:nvSpPr>
+          <p:cNvPr id="3" name="Content Placeholder 2">
+            <a:extLst>
+              <a:ext uri="{FF2B5EF4-FFF2-40B4-BE49-F238E27FC236}">
+                <a16:creationId xmlns:a16="http://schemas.microsoft.com/office/drawing/2014/main" id="{6FAF5BAB-5228-4D58-A0B0-EE220A6BF55F}"/>
+              </a:ext>
+            </a:extLst>
+          </p:cNvPr>
+          <p:cNvSpPr>
+            <a:spLocks noGrp="1"/>
+          </p:cNvSpPr>
+          <p:nvPr>
+            <p:ph idx="1"/>
+          </p:nvPr>
+        </p:nvSpPr>
+        <p:spPr/>
+        <p:txBody>
+          <a:bodyPr/>
+          <a:lstStyle/>
+          <a:p>
+            <a:r>
+              <a:rPr lang="en-US" dirty="0"/>
+              <a:t>Our independent variables are </a:t>
+            </a:r>
+            <a:r>
+              <a:rPr lang="en-US" dirty="0" err="1"/>
+              <a:t>item_cnt_month</a:t>
+            </a:r>
+            <a:r>
+              <a:rPr lang="en-US" dirty="0"/>
+              <a:t> and </a:t>
+            </a:r>
+            <a:r>
+              <a:rPr lang="en-US" dirty="0" err="1"/>
+              <a:t>item_price</a:t>
+            </a:r>
+            <a:r>
+              <a:rPr lang="en-US" dirty="0"/>
+              <a:t>, using LSTM doesn’t need serious hypothesis test, it can process missing values itself, assigning all of them to one, it knows how to process those data.</a:t>
+            </a:r>
+          </a:p>
+          <a:p>
+            <a:r>
+              <a:rPr lang="en-US" dirty="0"/>
+              <a:t>After fitting the model, we can use the model to predict future </a:t>
+            </a:r>
+            <a:r>
+              <a:rPr lang="en-US" dirty="0" err="1"/>
+              <a:t>item_cnt</a:t>
+            </a:r>
+            <a:r>
+              <a:rPr lang="en-US" dirty="0"/>
+              <a:t>, it uses some inner processes to convert price data to relate to item counts and finally helps predicting future item counts.  </a:t>
+            </a:r>
+          </a:p>
+          <a:p>
+            <a:r>
+              <a:rPr lang="en-US" dirty="0"/>
+              <a:t>Basic time series can only predict future values given one column of data, however LSTM can use more than one column, it gives better prediction basically.</a:t>
+            </a:r>
+          </a:p>
+        </p:txBody>
+      </p:sp>
+    </p:spTree>
+    <p:extLst>
+      <p:ext uri="{BB962C8B-B14F-4D97-AF65-F5344CB8AC3E}">
+        <p14:creationId xmlns:p14="http://schemas.microsoft.com/office/powerpoint/2010/main" val="1282272126"/>
+      </p:ext>
+    </p:extLst>
+  </p:cSld>
+  <p:clrMapOvr>
+    <a:masterClrMapping/>
+  </p:clrMapOvr>
+</p:sld>
+</file>
+
+<file path=ppt/slides/slide14.xml><?xml version="1.0" encoding="utf-8"?>
+<p:sld xmlns:a="http://schemas.openxmlformats.org/drawingml/2006/main" xmlns:r="http://schemas.openxmlformats.org/officeDocument/2006/relationships" xmlns:p="http://schemas.openxmlformats.org/presentationml/2006/main">
+  <p:cSld>
+    <p:spTree>
+      <p:nvGrpSpPr>
+        <p:cNvPr id="1" name=""/>
+        <p:cNvGrpSpPr/>
+        <p:nvPr/>
+      </p:nvGrpSpPr>
+      <p:grpSpPr>
+        <a:xfrm>
+          <a:off x="0" y="0"/>
+          <a:ext cx="0" cy="0"/>
+          <a:chOff x="0" y="0"/>
+          <a:chExt cx="0" cy="0"/>
+        </a:xfrm>
+      </p:grpSpPr>
+      <p:sp>
+        <p:nvSpPr>
+          <p:cNvPr id="2" name="Title 1">
+            <a:extLst>
+              <a:ext uri="{FF2B5EF4-FFF2-40B4-BE49-F238E27FC236}">
+                <a16:creationId xmlns:a16="http://schemas.microsoft.com/office/drawing/2014/main" id="{A9E6409C-01B8-4352-AE82-9664B76A3514}"/>
+              </a:ext>
+            </a:extLst>
+          </p:cNvPr>
+          <p:cNvSpPr>
+            <a:spLocks noGrp="1"/>
+          </p:cNvSpPr>
+          <p:nvPr>
+            <p:ph type="title"/>
+          </p:nvPr>
+        </p:nvSpPr>
+        <p:spPr/>
+        <p:txBody>
+          <a:bodyPr/>
+          <a:lstStyle/>
+          <a:p>
+            <a:r>
+              <a:rPr lang="en-US" dirty="0" err="1"/>
+              <a:t>RESULts</a:t>
+            </a:r>
+            <a:r>
+              <a:rPr lang="en-US" dirty="0"/>
+              <a:t> of the model</a:t>
+            </a:r>
+          </a:p>
+        </p:txBody>
+      </p:sp>
+      <p:sp>
+        <p:nvSpPr>
+          <p:cNvPr id="7" name="Content Placeholder 6">
+            <a:extLst>
+              <a:ext uri="{FF2B5EF4-FFF2-40B4-BE49-F238E27FC236}">
+                <a16:creationId xmlns:a16="http://schemas.microsoft.com/office/drawing/2014/main" id="{6E2D9C33-44A4-4EA8-8B1A-F3B1083D2AF5}"/>
+              </a:ext>
+            </a:extLst>
+          </p:cNvPr>
+          <p:cNvSpPr>
+            <a:spLocks noGrp="1"/>
+          </p:cNvSpPr>
+          <p:nvPr>
+            <p:ph idx="1"/>
+          </p:nvPr>
+        </p:nvSpPr>
+        <p:spPr/>
+        <p:txBody>
+          <a:bodyPr/>
+          <a:lstStyle/>
+          <a:p>
+            <a:r>
+              <a:rPr lang="en-US" dirty="0"/>
+              <a:t>RMSE = 5.227 for the whole training data, for this test we used the first 33 month data to predict the 34</a:t>
+            </a:r>
+            <a:r>
+              <a:rPr lang="en-US" baseline="30000" dirty="0"/>
+              <a:t>th</a:t>
+            </a:r>
+            <a:r>
+              <a:rPr lang="en-US" dirty="0"/>
+              <a:t> month, where we have the data( because we don’t have the 35</a:t>
+            </a:r>
+            <a:r>
+              <a:rPr lang="en-US" baseline="30000" dirty="0"/>
+              <a:t>th</a:t>
+            </a:r>
+            <a:r>
+              <a:rPr lang="en-US" dirty="0"/>
+              <a:t> month data, it can only be tested after submission).</a:t>
+            </a:r>
+          </a:p>
+          <a:p>
+            <a:r>
+              <a:rPr lang="en-US" dirty="0"/>
+              <a:t>Now we can happily submit our prediction csv file, the file looks like:</a:t>
+            </a:r>
+          </a:p>
+          <a:p>
+            <a:endParaRPr lang="en-US" dirty="0"/>
+          </a:p>
+        </p:txBody>
+      </p:sp>
+      <p:pic>
+        <p:nvPicPr>
+          <p:cNvPr id="8" name="Picture 7">
+            <a:extLst>
+              <a:ext uri="{FF2B5EF4-FFF2-40B4-BE49-F238E27FC236}">
+                <a16:creationId xmlns:a16="http://schemas.microsoft.com/office/drawing/2014/main" id="{310A9721-09E8-4065-8136-18F668CB3809}"/>
+              </a:ext>
+            </a:extLst>
+          </p:cNvPr>
+          <p:cNvPicPr>
+            <a:picLocks noChangeAspect="1"/>
+          </p:cNvPicPr>
+          <p:nvPr/>
+        </p:nvPicPr>
+        <p:blipFill>
+          <a:blip r:embed="rId2"/>
+          <a:stretch>
+            <a:fillRect/>
+          </a:stretch>
+        </p:blipFill>
+        <p:spPr>
+          <a:xfrm>
+            <a:off x="4735876" y="3830666"/>
+            <a:ext cx="3209925" cy="2943225"/>
+          </a:xfrm>
+          <a:prstGeom prst="rect">
+            <a:avLst/>
+          </a:prstGeom>
+        </p:spPr>
+      </p:pic>
+    </p:spTree>
+    <p:extLst>
+      <p:ext uri="{BB962C8B-B14F-4D97-AF65-F5344CB8AC3E}">
+        <p14:creationId xmlns:p14="http://schemas.microsoft.com/office/powerpoint/2010/main" val="3540123821"/>
+      </p:ext>
+    </p:extLst>
+  </p:cSld>
+  <p:clrMapOvr>
+    <a:masterClrMapping/>
+  </p:clrMapOvr>
+</p:sld>
+</file>
+
+<file path=ppt/slides/slide15.xml><?xml version="1.0" encoding="utf-8"?>
+<p:sld xmlns:a="http://schemas.openxmlformats.org/drawingml/2006/main" xmlns:r="http://schemas.openxmlformats.org/officeDocument/2006/relationships" xmlns:p="http://schemas.openxmlformats.org/presentationml/2006/main">
+  <p:cSld>
+    <p:spTree>
+      <p:nvGrpSpPr>
+        <p:cNvPr id="1" name=""/>
+        <p:cNvGrpSpPr/>
+        <p:nvPr/>
+      </p:nvGrpSpPr>
+      <p:grpSpPr>
+        <a:xfrm>
+          <a:off x="0" y="0"/>
+          <a:ext cx="0" cy="0"/>
+          <a:chOff x="0" y="0"/>
+          <a:chExt cx="0" cy="0"/>
+        </a:xfrm>
+      </p:grpSpPr>
+      <p:pic>
+        <p:nvPicPr>
+          <p:cNvPr id="4" name="Picture 3">
+            <a:extLst>
+              <a:ext uri="{FF2B5EF4-FFF2-40B4-BE49-F238E27FC236}">
+                <a16:creationId xmlns:a16="http://schemas.microsoft.com/office/drawing/2014/main" id="{430C20FA-C5AF-4589-B73D-465A371BF64E}"/>
+              </a:ext>
+            </a:extLst>
+          </p:cNvPr>
+          <p:cNvPicPr>
+            <a:picLocks noChangeAspect="1"/>
+          </p:cNvPicPr>
+          <p:nvPr/>
+        </p:nvPicPr>
+        <p:blipFill>
+          <a:blip r:embed="rId2"/>
+          <a:stretch>
+            <a:fillRect/>
+          </a:stretch>
+        </p:blipFill>
+        <p:spPr>
+          <a:xfrm>
+            <a:off x="1552575" y="1128451"/>
+            <a:ext cx="9086850" cy="1990725"/>
+          </a:xfrm>
+          <a:prstGeom prst="rect">
+            <a:avLst/>
+          </a:prstGeom>
+        </p:spPr>
+      </p:pic>
+      <p:sp>
+        <p:nvSpPr>
+          <p:cNvPr id="2" name="Title 1">
+            <a:extLst>
+              <a:ext uri="{FF2B5EF4-FFF2-40B4-BE49-F238E27FC236}">
+                <a16:creationId xmlns:a16="http://schemas.microsoft.com/office/drawing/2014/main" id="{B3FB698B-41A8-44D9-A648-3BF629C74AD1}"/>
+              </a:ext>
+            </a:extLst>
+          </p:cNvPr>
+          <p:cNvSpPr>
+            <a:spLocks noGrp="1"/>
+          </p:cNvSpPr>
+          <p:nvPr>
+            <p:ph type="title"/>
+          </p:nvPr>
+        </p:nvSpPr>
+        <p:spPr/>
+        <p:txBody>
+          <a:bodyPr/>
+          <a:lstStyle/>
+          <a:p>
+            <a:r>
+              <a:rPr lang="en-US" dirty="0"/>
+              <a:t>Submission:</a:t>
+            </a:r>
+          </a:p>
+        </p:txBody>
+      </p:sp>
+      <p:pic>
+        <p:nvPicPr>
+          <p:cNvPr id="5" name="Content Placeholder 4">
+            <a:extLst>
+              <a:ext uri="{FF2B5EF4-FFF2-40B4-BE49-F238E27FC236}">
+                <a16:creationId xmlns:a16="http://schemas.microsoft.com/office/drawing/2014/main" id="{C3AB6B21-82DB-4FC8-B8F3-242AF104023B}"/>
+              </a:ext>
+            </a:extLst>
+          </p:cNvPr>
+          <p:cNvPicPr>
+            <a:picLocks noGrp="1" noChangeAspect="1"/>
+          </p:cNvPicPr>
+          <p:nvPr>
+            <p:ph idx="1"/>
+          </p:nvPr>
+        </p:nvPicPr>
+        <p:blipFill>
+          <a:blip r:embed="rId3"/>
+          <a:stretch>
+            <a:fillRect/>
+          </a:stretch>
+        </p:blipFill>
+        <p:spPr>
+          <a:xfrm>
+            <a:off x="1901268" y="3119176"/>
+            <a:ext cx="8128206" cy="1317625"/>
+          </a:xfrm>
+          <a:prstGeom prst="rect">
+            <a:avLst/>
+          </a:prstGeom>
+        </p:spPr>
+      </p:pic>
+      <p:sp>
+        <p:nvSpPr>
+          <p:cNvPr id="6" name="TextBox 5">
+            <a:extLst>
+              <a:ext uri="{FF2B5EF4-FFF2-40B4-BE49-F238E27FC236}">
+                <a16:creationId xmlns:a16="http://schemas.microsoft.com/office/drawing/2014/main" id="{E9A86C0F-8A97-4618-8537-BDAF299D43E5}"/>
+              </a:ext>
+            </a:extLst>
+          </p:cNvPr>
+          <p:cNvSpPr txBox="1"/>
+          <p:nvPr/>
+        </p:nvSpPr>
+        <p:spPr>
+          <a:xfrm>
+            <a:off x="1552575" y="4571999"/>
+            <a:ext cx="9086850" cy="646331"/>
+          </a:xfrm>
+          <a:prstGeom prst="rect">
+            <a:avLst/>
+          </a:prstGeom>
+          <a:noFill/>
+        </p:spPr>
+        <p:txBody>
+          <a:bodyPr wrap="square" rtlCol="0">
+            <a:spAutoFit/>
+          </a:bodyPr>
+          <a:lstStyle/>
+          <a:p>
+            <a:r>
+              <a:rPr lang="en-US" b="1" dirty="0">
+                <a:solidFill>
+                  <a:schemeClr val="accent3">
+                    <a:lumMod val="75000"/>
+                  </a:schemeClr>
+                </a:solidFill>
+              </a:rPr>
+              <a:t>The score is not too good, however, we improved a great deal! (though for our first version, there might be something wrong in data cleaning).</a:t>
+            </a:r>
+          </a:p>
+        </p:txBody>
+      </p:sp>
+      <p:sp>
+        <p:nvSpPr>
+          <p:cNvPr id="7" name="TextBox 6">
+            <a:extLst>
+              <a:ext uri="{FF2B5EF4-FFF2-40B4-BE49-F238E27FC236}">
+                <a16:creationId xmlns:a16="http://schemas.microsoft.com/office/drawing/2014/main" id="{A110CF8F-1ABB-44CA-A3F1-9D6C76D07BA3}"/>
+              </a:ext>
+            </a:extLst>
+          </p:cNvPr>
+          <p:cNvSpPr txBox="1"/>
+          <p:nvPr/>
+        </p:nvSpPr>
+        <p:spPr>
+          <a:xfrm>
+            <a:off x="1474237" y="5290457"/>
+            <a:ext cx="9165188" cy="523220"/>
+          </a:xfrm>
+          <a:prstGeom prst="rect">
+            <a:avLst/>
+          </a:prstGeom>
+          <a:solidFill>
+            <a:schemeClr val="tx2">
+              <a:lumMod val="50000"/>
+              <a:lumOff val="50000"/>
+            </a:schemeClr>
+          </a:solidFill>
+        </p:spPr>
+        <p:txBody>
+          <a:bodyPr wrap="square" rtlCol="0">
+            <a:spAutoFit/>
+          </a:bodyPr>
+          <a:lstStyle/>
+          <a:p>
+            <a:r>
+              <a:rPr lang="en-US" sz="2800" dirty="0"/>
+              <a:t>                                      Thank you!</a:t>
+            </a:r>
+          </a:p>
+        </p:txBody>
+      </p:sp>
+    </p:spTree>
+    <p:extLst>
+      <p:ext uri="{BB962C8B-B14F-4D97-AF65-F5344CB8AC3E}">
+        <p14:creationId xmlns:p14="http://schemas.microsoft.com/office/powerpoint/2010/main" val="3200509010"/>
       </p:ext>
     </p:extLst>
   </p:cSld>
@@ -3667,8 +8162,17 @@
           <a:p>
             <a:r>
               <a:rPr lang="en-US" dirty="0"/>
-              <a:t>Research Question</a:t>
-            </a:r>
+              <a:t>Research </a:t>
+            </a:r>
+            <a:r>
+              <a:rPr lang="en-US" dirty="0" err="1"/>
+              <a:t>QuestionS</a:t>
+            </a:r>
+            <a:r>
+              <a:rPr lang="zh-CN" altLang="en-US" dirty="0"/>
+              <a:t>：</a:t>
+            </a:r>
+            <a:endParaRPr lang="en-US" dirty="0"/>
           </a:p>
         </p:txBody>
       </p:sp>
@@ -3691,19 +8195,23 @@
         <p:spPr/>
         <p:txBody>
           <a:bodyPr>
-            <a:normAutofit lnSpcReduction="10000"/>
+            <a:normAutofit/>
           </a:bodyPr>
           <a:lstStyle/>
           <a:p>
             <a:r>
               <a:rPr lang="en-US" dirty="0"/>
-              <a:t>Problem: Merchants need a model to predict future sales in order to prevents import low sales product.</a:t>
+              <a:t>Problem: Merchants need a model to predict future sales in order to </a:t>
+            </a:r>
+            <a:r>
+              <a:rPr lang="en-US" altLang="zh-CN" dirty="0"/>
+              <a:t>manage production and purchases to minimize loss and maximize profit.</a:t>
             </a:r>
           </a:p>
           <a:p>
             <a:r>
               <a:rPr lang="en-US" dirty="0"/>
-              <a:t>Objective: Using historical sales time-series data from January 2013 to October 2015 to predict November 2015 product sales.</a:t>
+              <a:t>Objective: Using historical sales time-series data from January 2013 to October 2015 to predict November 2015 product sales for each type of product and in a specific store.</a:t>
             </a:r>
           </a:p>
           <a:p>
@@ -3717,7 +8225,7 @@
             </a:r>
             <a:r>
               <a:rPr lang="en-US" dirty="0"/>
-              <a:t> 2 have a huge sales volume, they do not need to import them. Out model forecast the result by time series so it will understand</a:t>
+              <a:t> 2 have a huge sales volume for the year, however, they do not need to import them because it is not going to be sold many in the future. Our model forecasts the result by time series so it will understand</a:t>
             </a:r>
             <a:r>
               <a:rPr lang="zh-CN" altLang="en-US" dirty="0"/>
@@ -3841,19 +8349,47 @@
             <a:endParaRPr lang="en-US" dirty="0"/>
           </a:p>
           <a:p>
+            <a:pPr marL="0" indent="0">
+              <a:buNone/>
+            </a:pPr>
             <a:r>
               <a:rPr lang="en-US" dirty="0"/>
-              <a:t>Daily sales data</a:t>
-            </a:r>
-          </a:p>
-          <a:p>
+              <a:t>	</a:t>
+            </a:r>
+          </a:p>
+          <a:p>
+            <a:pPr marL="0" indent="0">
+              <a:buNone/>
+            </a:pPr>
             <a:r>
               <a:rPr lang="en-US" dirty="0"/>
-              <a:t>Reason: Dataset from Kaggle competition of sales prediction.</a:t>
+              <a:t>    Dataset was collected and uploaded to Kaggle to let people practice.</a:t>
             </a:r>
           </a:p>
           <a:p>
             <a:endParaRPr lang="en-US" dirty="0"/>
+          </a:p>
+          <a:p>
+            <a:r>
+              <a:rPr lang="en-US" dirty="0"/>
+              <a:t>This is train </a:t>
+            </a:r>
+            <a:r>
+              <a:rPr lang="en-US" dirty="0" err="1"/>
+              <a:t>dataframe</a:t>
+            </a:r>
+            <a:r>
+              <a:rPr lang="en-US" dirty="0"/>
+              <a:t>:                         This is test </a:t>
+            </a:r>
+            <a:r>
+              <a:rPr lang="en-US" dirty="0" err="1"/>
+              <a:t>dataframe</a:t>
+            </a:r>
+            <a:r>
+              <a:rPr lang="en-US" dirty="0"/>
+              <a:t>:       This is sample submission:</a:t>
+            </a:r>
           </a:p>
         </p:txBody>
       </p:sp>
@@ -3879,8 +8415,8 @@
         </p:blipFill>
         <p:spPr>
           <a:xfrm>
-            <a:off x="838200" y="3273425"/>
-            <a:ext cx="6019800" cy="2120900"/>
+            <a:off x="1003177" y="3679208"/>
+            <a:ext cx="4643021" cy="2120900"/>
           </a:xfrm>
           <a:prstGeom prst="rect">
             <a:avLst/>
@@ -3909,8 +8445,38 @@
         </p:blipFill>
         <p:spPr>
           <a:xfrm>
-            <a:off x="8665894" y="3273425"/>
+            <a:off x="5943452" y="3690938"/>
             <a:ext cx="2006600" cy="2044700"/>
+          </a:xfrm>
+          <a:prstGeom prst="rect">
+            <a:avLst/>
+          </a:prstGeom>
+        </p:spPr>
+      </p:pic>
+      <p:pic>
+        <p:nvPicPr>
+          <p:cNvPr id="6" name="Picture 5" descr="A screenshot of a cell phone&#10;&#10;Description automatically generated">
+            <a:extLst>
+              <a:ext uri="{FF2B5EF4-FFF2-40B4-BE49-F238E27FC236}">
+                <a16:creationId xmlns:a16="http://schemas.microsoft.com/office/drawing/2014/main" id="{D0EA6F7E-60D5-467F-BE22-55762A1B331D}"/>
+              </a:ext>
+            </a:extLst>
+          </p:cNvPr>
+          <p:cNvPicPr>
+            <a:picLocks noChangeAspect="1"/>
+          </p:cNvPicPr>
+          <p:nvPr/>
+        </p:nvPicPr>
+        <p:blipFill>
+          <a:blip r:embed="rId5"/>
+          <a:stretch>
+            <a:fillRect/>
+          </a:stretch>
+        </p:blipFill>
+        <p:spPr>
+          <a:xfrm>
+            <a:off x="8247307" y="3690938"/>
+            <a:ext cx="2473566" cy="2044699"/>
           </a:xfrm>
           <a:prstGeom prst="rect">
             <a:avLst/>
@@ -4016,7 +8582,7 @@
             </a:r>
             <a:r>
               <a:rPr lang="en-US" dirty="0"/>
-              <a:t>: The month from 0 to 33 to sale the products</a:t>
+              <a:t>: The month from 0 to 33, for example 0 means Jan, 2013</a:t>
             </a:r>
           </a:p>
           <a:p>
@@ -4046,7 +8612,7 @@
             </a:r>
             <a:r>
               <a:rPr lang="en-US" dirty="0"/>
-              <a:t>: price of products</a:t>
+              <a:t>: price of products at the day</a:t>
             </a:r>
           </a:p>
           <a:p>
@@ -4056,7 +8622,7 @@
             </a:r>
             <a:r>
               <a:rPr lang="en-US" dirty="0"/>
-              <a:t>: number of the item sell per day</a:t>
+              <a:t>: number of items sold on that day</a:t>
             </a:r>
           </a:p>
         </p:txBody>
@@ -4150,7 +8716,7 @@
           <a:p>
             <a:r>
               <a:rPr lang="en-US" dirty="0"/>
-              <a:t>ID: unique ID for specific shops sell specific products</a:t>
+              <a:t>ID: unique ID for specific shop and specific product</a:t>
             </a:r>
           </a:p>
           <a:p>
@@ -4160,7 +8726,7 @@
             </a:r>
             <a:r>
               <a:rPr lang="en-US" dirty="0"/>
-              <a:t>: unique ID for shops</a:t>
+              <a:t>: unique ID for shops, the same with that in train file</a:t>
             </a:r>
           </a:p>
           <a:p>
@@ -4170,7 +8736,7 @@
             </a:r>
             <a:r>
               <a:rPr lang="en-US" dirty="0"/>
-              <a:t>: unique ID for products</a:t>
+              <a:t>: unique ID for products, the same with that in train file</a:t>
             </a:r>
           </a:p>
           <a:p>
@@ -4230,7 +8796,14 @@
           <a:lstStyle/>
           <a:p>
             <a:r>
-              <a:rPr lang="en-US" dirty="0"/>
+              <a:rPr lang="en-US" dirty="0">
+                <a:solidFill>
+                  <a:schemeClr val="tx2">
+                    <a:lumMod val="50000"/>
+                    <a:lumOff val="50000"/>
+                  </a:schemeClr>
+                </a:solidFill>
+              </a:rPr>
               <a:t>Data Munging</a:t>
             </a:r>
           </a:p>
@@ -4252,91 +8825,96 @@
             <p:ph idx="1"/>
           </p:nvPr>
         </p:nvSpPr>
-        <p:spPr/>
+        <p:spPr>
+          <a:xfrm>
+            <a:off x="1158372" y="1436363"/>
+            <a:ext cx="10178322" cy="4581882"/>
+          </a:xfrm>
+        </p:spPr>
         <p:txBody>
           <a:bodyPr>
-            <a:normAutofit lnSpcReduction="10000"/>
+            <a:noAutofit/>
           </a:bodyPr>
           <a:lstStyle/>
           <a:p>
             <a:r>
-              <a:rPr lang="en-US" dirty="0"/>
+              <a:rPr lang="en-US" sz="2400" dirty="0"/>
               <a:t>Drop “date” and “</a:t>
             </a:r>
             <a:r>
-              <a:rPr lang="en-US" dirty="0" err="1"/>
+              <a:rPr lang="en-US" sz="2400" dirty="0" err="1"/>
               <a:t>item_price</a:t>
             </a:r>
             <a:r>
-              <a:rPr lang="en-US" dirty="0"/>
+              <a:rPr lang="en-US" sz="2400" dirty="0"/>
               <a:t>” columns.</a:t>
             </a:r>
           </a:p>
           <a:p>
             <a:r>
-              <a:rPr lang="en-US" dirty="0"/>
+              <a:rPr lang="en-US" sz="2400" dirty="0"/>
               <a:t>Merge train and test file to find the specific sales happen in real.</a:t>
             </a:r>
           </a:p>
           <a:p>
             <a:r>
-              <a:rPr lang="en-US" dirty="0"/>
+              <a:rPr lang="en-US" sz="2400" dirty="0"/>
               <a:t>Drop </a:t>
             </a:r>
             <a:r>
-              <a:rPr lang="en-US" dirty="0" err="1"/>
+              <a:rPr lang="en-US" sz="2400" dirty="0" err="1"/>
               <a:t>shop_id</a:t>
             </a:r>
             <a:r>
-              <a:rPr lang="en-US" dirty="0"/>
+              <a:rPr lang="en-US" sz="2400" dirty="0"/>
               <a:t> and </a:t>
             </a:r>
             <a:r>
-              <a:rPr lang="en-US" dirty="0" err="1"/>
+              <a:rPr lang="en-US" sz="2400" dirty="0" err="1"/>
               <a:t>item_id</a:t>
             </a:r>
             <a:r>
-              <a:rPr lang="en-US" dirty="0"/>
+              <a:rPr lang="en-US" sz="2400" dirty="0"/>
               <a:t> because ID can presents both </a:t>
             </a:r>
             <a:r>
-              <a:rPr lang="en-US" dirty="0" err="1"/>
+              <a:rPr lang="en-US" sz="2400" dirty="0" err="1"/>
               <a:t>shop_id</a:t>
             </a:r>
             <a:r>
-              <a:rPr lang="en-US" dirty="0"/>
+              <a:rPr lang="en-US" sz="2400" dirty="0"/>
               <a:t> and </a:t>
             </a:r>
             <a:r>
-              <a:rPr lang="en-US" dirty="0" err="1"/>
+              <a:rPr lang="en-US" sz="2400" dirty="0" err="1"/>
               <a:t>item_id</a:t>
             </a:r>
             <a:r>
-              <a:rPr lang="en-US" dirty="0"/>
+              <a:rPr lang="en-US" sz="2400" dirty="0"/>
               <a:t>.</a:t>
             </a:r>
           </a:p>
           <a:p>
             <a:r>
-              <a:rPr lang="en-US" dirty="0"/>
+              <a:rPr lang="en-US" sz="2400" dirty="0"/>
               <a:t>For each ID get the total items per each month.</a:t>
             </a:r>
           </a:p>
           <a:p>
             <a:r>
-              <a:rPr lang="en-US" dirty="0"/>
+              <a:rPr lang="en-US" sz="2400" dirty="0"/>
               <a:t>Add zero to the total items for the month which the ID sell nothing to make the data consecutive.</a:t>
             </a:r>
           </a:p>
           <a:p>
             <a:r>
-              <a:rPr lang="en-US" dirty="0"/>
+              <a:rPr lang="en-US" sz="2400" dirty="0"/>
               <a:t>Remove data not being sale for the resent 6 month and the ID is missing.</a:t>
             </a:r>
           </a:p>
           <a:p>
             <a:r>
-              <a:rPr lang="en-US" dirty="0"/>
+              <a:rPr lang="en-US" sz="2400" dirty="0"/>
               <a:t>Interpolate the data</a:t>
             </a:r>
           </a:p>
@@ -4372,6 +8950,229 @@
           <a:chExt cx="0" cy="0"/>
         </a:xfrm>
       </p:grpSpPr>
+      <p:pic>
+        <p:nvPicPr>
+          <p:cNvPr id="4" name="Picture 3">
+            <a:extLst>
+              <a:ext uri="{FF2B5EF4-FFF2-40B4-BE49-F238E27FC236}">
+                <a16:creationId xmlns:a16="http://schemas.microsoft.com/office/drawing/2014/main" id="{50046E71-C9A9-4117-9579-EEF233D92936}"/>
+              </a:ext>
+            </a:extLst>
+          </p:cNvPr>
+          <p:cNvPicPr>
+            <a:picLocks noChangeAspect="1"/>
+          </p:cNvPicPr>
+          <p:nvPr/>
+        </p:nvPicPr>
+        <p:blipFill>
+          <a:blip r:embed="rId2"/>
+          <a:stretch>
+            <a:fillRect/>
+          </a:stretch>
+        </p:blipFill>
+        <p:spPr>
+          <a:xfrm>
+            <a:off x="2719045" y="2075507"/>
+            <a:ext cx="6194073" cy="1591194"/>
+          </a:xfrm>
+          <a:prstGeom prst="rect">
+            <a:avLst/>
+          </a:prstGeom>
+        </p:spPr>
+      </p:pic>
+      <p:sp>
+        <p:nvSpPr>
+          <p:cNvPr id="2" name="Title 1">
+            <a:extLst>
+              <a:ext uri="{FF2B5EF4-FFF2-40B4-BE49-F238E27FC236}">
+                <a16:creationId xmlns:a16="http://schemas.microsoft.com/office/drawing/2014/main" id="{4C65D9B2-EFDA-4ABB-9281-27797929F857}"/>
+              </a:ext>
+            </a:extLst>
+          </p:cNvPr>
+          <p:cNvSpPr>
+            <a:spLocks noGrp="1"/>
+          </p:cNvSpPr>
+          <p:nvPr>
+            <p:ph type="title"/>
+          </p:nvPr>
+        </p:nvSpPr>
+        <p:spPr/>
+        <p:txBody>
+          <a:bodyPr/>
+          <a:lstStyle/>
+          <a:p>
+            <a:r>
+              <a:rPr lang="en-US" cap="none" spc="0" dirty="0">
+                <a:ln w="0"/>
+                <a:solidFill>
+                  <a:schemeClr val="accent1"/>
+                </a:solidFill>
+                <a:effectLst>
+                  <a:outerShdw blurRad="38100" dist="25400" dir="5400000" algn="ctr" rotWithShape="0">
+                    <a:srgbClr val="6E747A">
+                      <a:alpha val="43000"/>
+                    </a:srgbClr>
+                  </a:outerShdw>
+                </a:effectLst>
+              </a:rPr>
+              <a:t>Count </a:t>
+            </a:r>
+            <a:r>
+              <a:rPr lang="en-US" cap="none" spc="0" dirty="0" err="1">
+                <a:ln w="0"/>
+                <a:solidFill>
+                  <a:schemeClr val="accent1"/>
+                </a:solidFill>
+                <a:effectLst>
+                  <a:outerShdw blurRad="38100" dist="25400" dir="5400000" algn="ctr" rotWithShape="0">
+                    <a:srgbClr val="6E747A">
+                      <a:alpha val="43000"/>
+                    </a:srgbClr>
+                  </a:outerShdw>
+                </a:effectLst>
+              </a:rPr>
+              <a:t>dataframe</a:t>
+            </a:r>
+            <a:r>
+              <a:rPr lang="en-US" cap="none" spc="0" dirty="0">
+                <a:ln w="0"/>
+                <a:solidFill>
+                  <a:schemeClr val="accent1"/>
+                </a:solidFill>
+                <a:effectLst>
+                  <a:outerShdw blurRad="38100" dist="25400" dir="5400000" algn="ctr" rotWithShape="0">
+                    <a:srgbClr val="6E747A">
+                      <a:alpha val="43000"/>
+                    </a:srgbClr>
+                  </a:outerShdw>
+                </a:effectLst>
+              </a:rPr>
+              <a:t> and</a:t>
+            </a:r>
+            <a:br>
+              <a:rPr lang="en-US" cap="none" spc="0" dirty="0">
+                <a:ln w="0"/>
+                <a:solidFill>
+                  <a:schemeClr val="accent1"/>
+                </a:solidFill>
+                <a:effectLst>
+                  <a:outerShdw blurRad="38100" dist="25400" dir="5400000" algn="ctr" rotWithShape="0">
+                    <a:srgbClr val="6E747A">
+                      <a:alpha val="43000"/>
+                    </a:srgbClr>
+                  </a:outerShdw>
+                </a:effectLst>
+              </a:rPr>
+            </a:br>
+            <a:r>
+              <a:rPr lang="en-US" cap="none" spc="0" dirty="0">
+                <a:ln w="0"/>
+                <a:solidFill>
+                  <a:schemeClr val="accent1"/>
+                </a:solidFill>
+                <a:effectLst>
+                  <a:outerShdw blurRad="38100" dist="25400" dir="5400000" algn="ctr" rotWithShape="0">
+                    <a:srgbClr val="6E747A">
+                      <a:alpha val="43000"/>
+                    </a:srgbClr>
+                  </a:outerShdw>
+                </a:effectLst>
+              </a:rPr>
+              <a:t>PRICE DATAFRAME</a:t>
+            </a:r>
+          </a:p>
+        </p:txBody>
+      </p:sp>
+      <p:sp>
+        <p:nvSpPr>
+          <p:cNvPr id="3" name="Content Placeholder 2">
+            <a:extLst>
+              <a:ext uri="{FF2B5EF4-FFF2-40B4-BE49-F238E27FC236}">
+                <a16:creationId xmlns:a16="http://schemas.microsoft.com/office/drawing/2014/main" id="{5E3060B4-C068-4A0E-965E-913455993C0D}"/>
+              </a:ext>
+            </a:extLst>
+          </p:cNvPr>
+          <p:cNvSpPr>
+            <a:spLocks noGrp="1"/>
+          </p:cNvSpPr>
+          <p:nvPr>
+            <p:ph idx="1"/>
+          </p:nvPr>
+        </p:nvSpPr>
+        <p:spPr>
+          <a:xfrm>
+            <a:off x="1251678" y="6848670"/>
+            <a:ext cx="10178322" cy="3593591"/>
+          </a:xfrm>
+        </p:spPr>
+        <p:txBody>
+          <a:bodyPr/>
+          <a:lstStyle/>
+          <a:p>
+            <a:endParaRPr lang="en-US" dirty="0"/>
+          </a:p>
+        </p:txBody>
+      </p:sp>
+      <p:pic>
+        <p:nvPicPr>
+          <p:cNvPr id="7" name="Picture 6">
+            <a:extLst>
+              <a:ext uri="{FF2B5EF4-FFF2-40B4-BE49-F238E27FC236}">
+                <a16:creationId xmlns:a16="http://schemas.microsoft.com/office/drawing/2014/main" id="{9A172318-DA7D-4A83-A73C-EE7295D38F48}"/>
+              </a:ext>
+            </a:extLst>
+          </p:cNvPr>
+          <p:cNvPicPr>
+            <a:picLocks noChangeAspect="1"/>
+          </p:cNvPicPr>
+          <p:nvPr/>
+        </p:nvPicPr>
+        <p:blipFill>
+          <a:blip r:embed="rId3"/>
+          <a:stretch>
+            <a:fillRect/>
+          </a:stretch>
+        </p:blipFill>
+        <p:spPr>
+          <a:xfrm>
+            <a:off x="2270428" y="3973591"/>
+            <a:ext cx="7651143" cy="1560711"/>
+          </a:xfrm>
+          <a:prstGeom prst="rect">
+            <a:avLst/>
+          </a:prstGeom>
+        </p:spPr>
+      </p:pic>
+    </p:spTree>
+    <p:extLst>
+      <p:ext uri="{BB962C8B-B14F-4D97-AF65-F5344CB8AC3E}">
+        <p14:creationId xmlns:p14="http://schemas.microsoft.com/office/powerpoint/2010/main" val="3474203463"/>
+      </p:ext>
+    </p:extLst>
+  </p:cSld>
+  <p:clrMapOvr>
+    <a:masterClrMapping/>
+  </p:clrMapOvr>
+</p:sld>
+</file>
+
+<file path=ppt/slides/slide8.xml><?xml version="1.0" encoding="utf-8"?>
+<p:sld xmlns:a="http://schemas.openxmlformats.org/drawingml/2006/main" xmlns:r="http://schemas.openxmlformats.org/officeDocument/2006/relationships" xmlns:p="http://schemas.openxmlformats.org/presentationml/2006/main">
+  <p:cSld>
+    <p:spTree>
+      <p:nvGrpSpPr>
+        <p:cNvPr id="1" name=""/>
+        <p:cNvGrpSpPr/>
+        <p:nvPr/>
+      </p:nvGrpSpPr>
+      <p:grpSpPr>
+        <a:xfrm>
+          <a:off x="0" y="0"/>
+          <a:ext cx="0" cy="0"/>
+          <a:chOff x="0" y="0"/>
+          <a:chExt cx="0" cy="0"/>
+        </a:xfrm>
+      </p:grpSpPr>
       <p:sp>
         <p:nvSpPr>
           <p:cNvPr id="2" name="Title 1">
@@ -4394,41 +9195,24 @@
           <a:lstStyle/>
           <a:p>
             <a:r>
-              <a:rPr lang="en-US" dirty="0"/>
+              <a:rPr lang="en-US" cap="none" spc="0" dirty="0">
+                <a:ln w="0"/>
+                <a:solidFill>
+                  <a:schemeClr val="accent1"/>
+                </a:solidFill>
+                <a:effectLst>
+                  <a:outerShdw blurRad="38100" dist="25400" dir="5400000" algn="ctr" rotWithShape="0">
+                    <a:srgbClr val="6E747A">
+                      <a:alpha val="43000"/>
+                    </a:srgbClr>
+                  </a:outerShdw>
+                </a:effectLst>
+              </a:rPr>
               <a:t>Statistical Summary</a:t>
             </a:r>
           </a:p>
         </p:txBody>
       </p:sp>
-      <p:pic>
-        <p:nvPicPr>
-          <p:cNvPr id="5" name="Content Placeholder 4">
-            <a:extLst>
-              <a:ext uri="{FF2B5EF4-FFF2-40B4-BE49-F238E27FC236}">
-                <a16:creationId xmlns:a16="http://schemas.microsoft.com/office/drawing/2014/main" id="{6CE399F2-8C1D-634B-A1FC-3529070E5DF5}"/>
-              </a:ext>
-            </a:extLst>
-          </p:cNvPr>
-          <p:cNvPicPr>
-            <a:picLocks noGrp="1" noChangeAspect="1"/>
-          </p:cNvPicPr>
-          <p:nvPr>
-            <p:ph idx="1"/>
-          </p:nvPr>
-        </p:nvPicPr>
-        <p:blipFill>
-          <a:blip r:embed="rId2"/>
-          <a:stretch>
-            <a:fillRect/>
-          </a:stretch>
-        </p:blipFill>
-        <p:spPr>
-          <a:xfrm>
-            <a:off x="8496007" y="0"/>
-            <a:ext cx="3162300" cy="3162300"/>
-          </a:xfrm>
-        </p:spPr>
-      </p:pic>
       <p:sp>
         <p:nvSpPr>
           <p:cNvPr id="7" name="Content Placeholder 2">
@@ -4445,7 +9229,7 @@
         </p:nvSpPr>
         <p:spPr>
           <a:xfrm>
-            <a:off x="838201" y="1825625"/>
+            <a:off x="2365131" y="1375396"/>
             <a:ext cx="7461738" cy="4351338"/>
           </a:xfrm>
           <a:prstGeom prst="rect">
@@ -4622,102 +9406,62 @@
           </a:lstStyle>
           <a:p>
             <a:r>
-              <a:rPr lang="en-US" dirty="0"/>
-              <a:t>The data shrink to 29546 rows, which means there are a lot of missing data and products out of market or never on the market. </a:t>
-            </a:r>
-          </a:p>
-          <a:p>
-            <a:r>
-              <a:rPr lang="en-US" dirty="0"/>
-              <a:t>The rest of the data is useful to use for our time series </a:t>
-            </a:r>
-            <a:r>
-              <a:rPr lang="en-US" dirty="0" err="1"/>
-              <a:t>mdel</a:t>
-            </a:r>
-            <a:r>
-              <a:rPr lang="en-US" dirty="0"/>
+              <a:rPr lang="en-US" sz="2400" dirty="0"/>
+              <a:t>Mainly focus on item-price and </a:t>
+            </a:r>
+            <a:r>
+              <a:rPr lang="en-US" sz="2400" dirty="0" err="1"/>
+              <a:t>item_cnt_day</a:t>
+            </a:r>
+            <a:r>
+              <a:rPr lang="en-US" sz="2400" dirty="0"/>
+              <a:t>, we can see there are more than a million lines of data, prices for products varies from really cheap to more than 600000 per item!  (</a:t>
+            </a:r>
+            <a:r>
+              <a:rPr lang="en-US" sz="1400" dirty="0"/>
+              <a:t>In Ruble, so around 1000 dollars</a:t>
+            </a:r>
+            <a:r>
+              <a:rPr lang="en-US" sz="2400" dirty="0"/>
+              <a:t>)</a:t>
+            </a:r>
+            <a:r>
+              <a:rPr lang="en-US" sz="1400" dirty="0"/>
               <a:t>.</a:t>
             </a:r>
           </a:p>
           <a:p>
+            <a:r>
+              <a:rPr lang="en-US" sz="2400" dirty="0"/>
+              <a:t>Minimum </a:t>
+            </a:r>
+            <a:r>
+              <a:rPr lang="en-US" sz="2400" dirty="0" err="1"/>
+              <a:t>item_cnt_day</a:t>
+            </a:r>
+            <a:r>
+              <a:rPr lang="en-US" sz="2400" dirty="0"/>
+              <a:t> can be negative, we explain them as returns.  25% to 75% fall into 1 and 2, most items are sold one or two per day, fair enough.</a:t>
+            </a:r>
+          </a:p>
+          <a:p>
             <a:endParaRPr lang="en-US" dirty="0"/>
           </a:p>
         </p:txBody>
       </p:sp>
-    </p:spTree>
-    <p:extLst>
-      <p:ext uri="{BB962C8B-B14F-4D97-AF65-F5344CB8AC3E}">
-        <p14:creationId xmlns:p14="http://schemas.microsoft.com/office/powerpoint/2010/main" val="515987849"/>
-      </p:ext>
-    </p:extLst>
-  </p:cSld>
-  <p:clrMapOvr>
-    <a:masterClrMapping/>
-  </p:clrMapOvr>
-</p:sld>
-</file>
-
-<file path=ppt/slides/slide8.xml><?xml version="1.0" encoding="utf-8"?>
-<p:sld xmlns:a="http://schemas.openxmlformats.org/drawingml/2006/main" xmlns:r="http://schemas.openxmlformats.org/officeDocument/2006/relationships" xmlns:p="http://schemas.openxmlformats.org/presentationml/2006/main">
-  <p:cSld>
-    <p:spTree>
-      <p:nvGrpSpPr>
-        <p:cNvPr id="1" name=""/>
-        <p:cNvGrpSpPr/>
-        <p:nvPr/>
-      </p:nvGrpSpPr>
-      <p:grpSpPr>
-        <a:xfrm>
-          <a:off x="0" y="0"/>
-          <a:ext cx="0" cy="0"/>
-          <a:chOff x="0" y="0"/>
-          <a:chExt cx="0" cy="0"/>
-        </a:xfrm>
-      </p:grpSpPr>
-      <p:sp>
-        <p:nvSpPr>
-          <p:cNvPr id="2" name="Title 1">
+      <p:pic>
+        <p:nvPicPr>
+          <p:cNvPr id="3" name="Picture 2">
             <a:extLst>
               <a:ext uri="{FF2B5EF4-FFF2-40B4-BE49-F238E27FC236}">
-                <a16:creationId xmlns:a16="http://schemas.microsoft.com/office/drawing/2014/main" id="{38D23128-5BEE-9D4A-8F5F-D1B3CADFCB69}"/>
-              </a:ext>
-            </a:extLst>
-          </p:cNvPr>
-          <p:cNvSpPr>
-            <a:spLocks noGrp="1"/>
-          </p:cNvSpPr>
-          <p:nvPr>
-            <p:ph type="title"/>
-          </p:nvPr>
-        </p:nvSpPr>
-        <p:spPr/>
-        <p:txBody>
-          <a:bodyPr/>
-          <a:lstStyle/>
-          <a:p>
-            <a:r>
-              <a:rPr lang="en-US" dirty="0"/>
-              <a:t>Visualization Before Clean</a:t>
-            </a:r>
-          </a:p>
-        </p:txBody>
-      </p:sp>
-      <p:pic>
-        <p:nvPicPr>
-          <p:cNvPr id="9" name="Content Placeholder 8">
-            <a:extLst>
-              <a:ext uri="{FF2B5EF4-FFF2-40B4-BE49-F238E27FC236}">
-                <a16:creationId xmlns:a16="http://schemas.microsoft.com/office/drawing/2014/main" id="{402C4DE9-601D-924B-A2AD-FC1EA3A59718}"/>
+                <a16:creationId xmlns:a16="http://schemas.microsoft.com/office/drawing/2014/main" id="{C90F91B2-DB99-401D-AB97-D89E275B7937}"/>
               </a:ext>
             </a:extLst>
           </p:cNvPr>
           <p:cNvPicPr>
-            <a:picLocks noGrp="1" noChangeAspect="1"/>
+            <a:picLocks noChangeAspect="1"/>
           </p:cNvPicPr>
-          <p:nvPr>
-            <p:ph idx="1"/>
-          </p:nvPr>
+          <p:nvPr/>
         </p:nvPicPr>
         <p:blipFill>
           <a:blip r:embed="rId2"/>
@@ -4727,15 +9471,18 @@
         </p:blipFill>
         <p:spPr>
           <a:xfrm>
-            <a:off x="838200" y="2105800"/>
-            <a:ext cx="10515600" cy="3790987"/>
+            <a:off x="3048707" y="3941683"/>
+            <a:ext cx="5713554" cy="2621576"/>
           </a:xfrm>
+          <a:prstGeom prst="rect">
+            <a:avLst/>
+          </a:prstGeom>
         </p:spPr>
       </p:pic>
     </p:spTree>
     <p:extLst>
       <p:ext uri="{BB962C8B-B14F-4D97-AF65-F5344CB8AC3E}">
-        <p14:creationId xmlns:p14="http://schemas.microsoft.com/office/powerpoint/2010/main" val="2385639205"/>
+        <p14:creationId xmlns:p14="http://schemas.microsoft.com/office/powerpoint/2010/main" val="515987849"/>
       </p:ext>
     </p:extLst>
   </p:cSld>
@@ -4767,7 +9514,7 @@
           <p:cNvPr id="2" name="Title 1">
             <a:extLst>
               <a:ext uri="{FF2B5EF4-FFF2-40B4-BE49-F238E27FC236}">
-                <a16:creationId xmlns:a16="http://schemas.microsoft.com/office/drawing/2014/main" id="{6CDB5BBF-7423-FF40-BB6A-F19642ECF13B}"/>
+                <a16:creationId xmlns:a16="http://schemas.microsoft.com/office/drawing/2014/main" id="{38D23128-5BEE-9D4A-8F5F-D1B3CADFCB69}"/>
               </a:ext>
             </a:extLst>
           </p:cNvPr>
@@ -4784,18 +9531,30 @@
           <a:lstStyle/>
           <a:p>
             <a:r>
-              <a:rPr lang="en-US" dirty="0"/>
-              <a:t>Visualization After Clean</a:t>
+              <a:rPr lang="en-US" cap="none" spc="0" dirty="0">
+                <a:ln w="0"/>
+                <a:solidFill>
+                  <a:schemeClr val="accent1"/>
+                </a:solidFill>
+                <a:effectLst>
+                  <a:outerShdw blurRad="38100" dist="25400" dir="5400000" algn="ctr" rotWithShape="0">
+                    <a:srgbClr val="6E747A">
+                      <a:alpha val="43000"/>
+                    </a:srgbClr>
+                  </a:outerShdw>
+                </a:effectLst>
+              </a:rPr>
+              <a:t>Visualization</a:t>
             </a:r>
           </a:p>
         </p:txBody>
       </p:sp>
       <p:pic>
         <p:nvPicPr>
-          <p:cNvPr id="5" name="Content Placeholder 4">
+          <p:cNvPr id="11" name="Content Placeholder 10" descr="A close up of a piece of paper&#10;&#10;Description automatically generated">
             <a:extLst>
               <a:ext uri="{FF2B5EF4-FFF2-40B4-BE49-F238E27FC236}">
-                <a16:creationId xmlns:a16="http://schemas.microsoft.com/office/drawing/2014/main" id="{212DC4E0-F3E8-F441-A65D-5BC239FDA567}"/>
+                <a16:creationId xmlns:a16="http://schemas.microsoft.com/office/drawing/2014/main" id="{6D116A6E-EE3F-46EE-9FFE-BAFDFFB34386}"/>
               </a:ext>
             </a:extLst>
           </p:cNvPr>
@@ -4814,15 +9573,307 @@
         </p:blipFill>
         <p:spPr>
           <a:xfrm>
-            <a:off x="838200" y="2110108"/>
-            <a:ext cx="10515600" cy="3782371"/>
+            <a:off x="1251678" y="1128451"/>
+            <a:ext cx="4867954" cy="2591162"/>
           </a:xfrm>
         </p:spPr>
       </p:pic>
+      <p:pic>
+        <p:nvPicPr>
+          <p:cNvPr id="13" name="Picture 12" descr="A close up of a map&#10;&#10;Description automatically generated">
+            <a:extLst>
+              <a:ext uri="{FF2B5EF4-FFF2-40B4-BE49-F238E27FC236}">
+                <a16:creationId xmlns:a16="http://schemas.microsoft.com/office/drawing/2014/main" id="{A1C4CC66-264D-401B-9D66-3DB7790B444A}"/>
+              </a:ext>
+            </a:extLst>
+          </p:cNvPr>
+          <p:cNvPicPr>
+            <a:picLocks noChangeAspect="1"/>
+          </p:cNvPicPr>
+          <p:nvPr/>
+        </p:nvPicPr>
+        <p:blipFill>
+          <a:blip r:embed="rId3"/>
+          <a:stretch>
+            <a:fillRect/>
+          </a:stretch>
+        </p:blipFill>
+        <p:spPr>
+          <a:xfrm>
+            <a:off x="6023924" y="3797559"/>
+            <a:ext cx="5406076" cy="2678056"/>
+          </a:xfrm>
+          <a:prstGeom prst="rect">
+            <a:avLst/>
+          </a:prstGeom>
+        </p:spPr>
+      </p:pic>
+      <p:sp>
+        <p:nvSpPr>
+          <p:cNvPr id="14" name="TextBox 13">
+            <a:extLst>
+              <a:ext uri="{FF2B5EF4-FFF2-40B4-BE49-F238E27FC236}">
+                <a16:creationId xmlns:a16="http://schemas.microsoft.com/office/drawing/2014/main" id="{CBDF2E84-1BE4-4CFB-AAA7-E236BEFFD0CC}"/>
+              </a:ext>
+            </a:extLst>
+          </p:cNvPr>
+          <p:cNvSpPr txBox="1"/>
+          <p:nvPr/>
+        </p:nvSpPr>
+        <p:spPr>
+          <a:xfrm rot="419229">
+            <a:off x="6470574" y="1585647"/>
+            <a:ext cx="3704253" cy="646331"/>
+          </a:xfrm>
+          <a:prstGeom prst="rect">
+            <a:avLst/>
+          </a:prstGeom>
+          <a:noFill/>
+        </p:spPr>
+        <p:txBody>
+          <a:bodyPr wrap="square" rtlCol="0">
+            <a:spAutoFit/>
+          </a:bodyPr>
+          <a:lstStyle/>
+          <a:p>
+            <a:r>
+              <a:rPr lang="en-US" sz="3600" dirty="0">
+                <a:solidFill>
+                  <a:srgbClr val="FF0000"/>
+                </a:solidFill>
+              </a:rPr>
+              <a:t>Item count </a:t>
+            </a:r>
+          </a:p>
+        </p:txBody>
+      </p:sp>
+      <p:sp>
+        <p:nvSpPr>
+          <p:cNvPr id="15" name="TextBox 14">
+            <a:extLst>
+              <a:ext uri="{FF2B5EF4-FFF2-40B4-BE49-F238E27FC236}">
+                <a16:creationId xmlns:a16="http://schemas.microsoft.com/office/drawing/2014/main" id="{17EF897D-F2E0-4454-810C-1A855FD560CD}"/>
+              </a:ext>
+            </a:extLst>
+          </p:cNvPr>
+          <p:cNvSpPr txBox="1"/>
+          <p:nvPr/>
+        </p:nvSpPr>
+        <p:spPr>
+          <a:xfrm rot="392461">
+            <a:off x="3836970" y="4904679"/>
+            <a:ext cx="4606061" cy="646331"/>
+          </a:xfrm>
+          <a:prstGeom prst="rect">
+            <a:avLst/>
+          </a:prstGeom>
+          <a:noFill/>
+        </p:spPr>
+        <p:txBody>
+          <a:bodyPr wrap="square" rtlCol="0">
+            <a:spAutoFit/>
+          </a:bodyPr>
+          <a:lstStyle/>
+          <a:p>
+            <a:r>
+              <a:rPr lang="en-US" sz="3600" dirty="0">
+                <a:solidFill>
+                  <a:srgbClr val="FF0000"/>
+                </a:solidFill>
+              </a:rPr>
+              <a:t>Item price</a:t>
+            </a:r>
+          </a:p>
+        </p:txBody>
+      </p:sp>
+      <p:sp>
+        <p:nvSpPr>
+          <p:cNvPr id="18" name="Arrow: Down 17">
+            <a:extLst>
+              <a:ext uri="{FF2B5EF4-FFF2-40B4-BE49-F238E27FC236}">
+                <a16:creationId xmlns:a16="http://schemas.microsoft.com/office/drawing/2014/main" id="{418BA1AF-5F9B-4953-99E6-A8937B44E646}"/>
+              </a:ext>
+            </a:extLst>
+          </p:cNvPr>
+          <p:cNvSpPr/>
+          <p:nvPr/>
+        </p:nvSpPr>
+        <p:spPr>
+          <a:xfrm>
+            <a:off x="7918882" y="4154750"/>
+            <a:ext cx="545971" cy="621436"/>
+          </a:xfrm>
+          <a:prstGeom prst="downArrow">
+            <a:avLst/>
+          </a:prstGeom>
+        </p:spPr>
+        <p:style>
+          <a:lnRef idx="2">
+            <a:schemeClr val="accent1">
+              <a:shade val="50000"/>
+            </a:schemeClr>
+          </a:lnRef>
+          <a:fillRef idx="1">
+            <a:schemeClr val="accent1"/>
+          </a:fillRef>
+          <a:effectRef idx="0">
+            <a:schemeClr val="accent1"/>
+          </a:effectRef>
+          <a:fontRef idx="minor">
+            <a:schemeClr val="lt1"/>
+          </a:fontRef>
+        </p:style>
+        <p:txBody>
+          <a:bodyPr rtlCol="0" anchor="ctr"/>
+          <a:lstStyle/>
+          <a:p>
+            <a:pPr algn="ctr"/>
+            <a:endParaRPr lang="en-US"/>
+          </a:p>
+        </p:txBody>
+      </p:sp>
+      <p:sp>
+        <p:nvSpPr>
+          <p:cNvPr id="21" name="Arrow: Down 20">
+            <a:extLst>
+              <a:ext uri="{FF2B5EF4-FFF2-40B4-BE49-F238E27FC236}">
+                <a16:creationId xmlns:a16="http://schemas.microsoft.com/office/drawing/2014/main" id="{EC4F70EE-B959-4FB2-9408-CB51F5E0A7FE}"/>
+              </a:ext>
+            </a:extLst>
+          </p:cNvPr>
+          <p:cNvSpPr/>
+          <p:nvPr/>
+        </p:nvSpPr>
+        <p:spPr>
+          <a:xfrm>
+            <a:off x="9028590" y="3071674"/>
+            <a:ext cx="408373" cy="647939"/>
+          </a:xfrm>
+          <a:prstGeom prst="downArrow">
+            <a:avLst/>
+          </a:prstGeom>
+        </p:spPr>
+        <p:style>
+          <a:lnRef idx="2">
+            <a:schemeClr val="accent1">
+              <a:shade val="50000"/>
+            </a:schemeClr>
+          </a:lnRef>
+          <a:fillRef idx="1">
+            <a:schemeClr val="accent1"/>
+          </a:fillRef>
+          <a:effectRef idx="0">
+            <a:schemeClr val="accent1"/>
+          </a:effectRef>
+          <a:fontRef idx="minor">
+            <a:schemeClr val="lt1"/>
+          </a:fontRef>
+        </p:style>
+        <p:txBody>
+          <a:bodyPr rtlCol="0" anchor="ctr"/>
+          <a:lstStyle/>
+          <a:p>
+            <a:pPr algn="ctr"/>
+            <a:endParaRPr lang="en-US"/>
+          </a:p>
+        </p:txBody>
+      </p:sp>
+      <p:sp>
+        <p:nvSpPr>
+          <p:cNvPr id="22" name="Arrow: Up 21">
+            <a:extLst>
+              <a:ext uri="{FF2B5EF4-FFF2-40B4-BE49-F238E27FC236}">
+                <a16:creationId xmlns:a16="http://schemas.microsoft.com/office/drawing/2014/main" id="{12532614-AD49-4050-8571-0962FF9EE34B}"/>
+              </a:ext>
+            </a:extLst>
+          </p:cNvPr>
+          <p:cNvSpPr/>
+          <p:nvPr/>
+        </p:nvSpPr>
+        <p:spPr>
+          <a:xfrm>
+            <a:off x="3231472" y="3071674"/>
+            <a:ext cx="257452" cy="488272"/>
+          </a:xfrm>
+          <a:prstGeom prst="upArrow">
+            <a:avLst/>
+          </a:prstGeom>
+        </p:spPr>
+        <p:style>
+          <a:lnRef idx="2">
+            <a:schemeClr val="accent1">
+              <a:shade val="50000"/>
+            </a:schemeClr>
+          </a:lnRef>
+          <a:fillRef idx="1">
+            <a:schemeClr val="accent1"/>
+          </a:fillRef>
+          <a:effectRef idx="0">
+            <a:schemeClr val="accent1"/>
+          </a:effectRef>
+          <a:fontRef idx="minor">
+            <a:schemeClr val="lt1"/>
+          </a:fontRef>
+        </p:style>
+        <p:txBody>
+          <a:bodyPr rtlCol="0" anchor="ctr"/>
+          <a:lstStyle/>
+          <a:p>
+            <a:pPr algn="ctr"/>
+            <a:endParaRPr lang="en-US"/>
+          </a:p>
+        </p:txBody>
+      </p:sp>
+      <p:sp>
+        <p:nvSpPr>
+          <p:cNvPr id="23" name="Arrow: Up 22">
+            <a:extLst>
+              <a:ext uri="{FF2B5EF4-FFF2-40B4-BE49-F238E27FC236}">
+                <a16:creationId xmlns:a16="http://schemas.microsoft.com/office/drawing/2014/main" id="{A3112315-BCC4-44C0-BE63-1A4AC5193E8F}"/>
+              </a:ext>
+            </a:extLst>
+          </p:cNvPr>
+          <p:cNvSpPr/>
+          <p:nvPr/>
+        </p:nvSpPr>
+        <p:spPr>
+          <a:xfrm>
+            <a:off x="4421080" y="3071674"/>
+            <a:ext cx="328473" cy="647939"/>
+          </a:xfrm>
+          <a:prstGeom prst="upArrow">
+            <a:avLst/>
+          </a:prstGeom>
+        </p:spPr>
+        <p:style>
+          <a:lnRef idx="2">
+            <a:schemeClr val="accent1">
+              <a:shade val="50000"/>
+            </a:schemeClr>
+          </a:lnRef>
+          <a:fillRef idx="1">
+            <a:schemeClr val="accent1"/>
+          </a:fillRef>
+          <a:effectRef idx="0">
+            <a:schemeClr val="accent1"/>
+          </a:effectRef>
+          <a:fontRef idx="minor">
+            <a:schemeClr val="lt1"/>
+          </a:fontRef>
+        </p:style>
+        <p:txBody>
+          <a:bodyPr rtlCol="0" anchor="ctr"/>
+          <a:lstStyle/>
+          <a:p>
+            <a:pPr algn="ctr"/>
+            <a:endParaRPr lang="en-US"/>
+          </a:p>
+        </p:txBody>
+      </p:sp>
     </p:spTree>
     <p:extLst>
       <p:ext uri="{BB962C8B-B14F-4D97-AF65-F5344CB8AC3E}">
-        <p14:creationId xmlns:p14="http://schemas.microsoft.com/office/powerpoint/2010/main" val="2349895927"/>
+        <p14:creationId xmlns:p14="http://schemas.microsoft.com/office/powerpoint/2010/main" val="2385639205"/>
       </p:ext>
     </p:extLst>
   </p:cSld>
@@ -4833,9 +9884,9 @@
 </file>
 
 <file path=ppt/theme/theme1.xml><?xml version="1.0" encoding="utf-8"?>
-<a:theme xmlns:a="http://schemas.openxmlformats.org/drawingml/2006/main" name="Office Theme">
+<a:theme xmlns:a="http://schemas.openxmlformats.org/drawingml/2006/main" name="Badge">
   <a:themeElements>
-    <a:clrScheme name="Office">
+    <a:clrScheme name="Badge">
       <a:dk1>
         <a:sysClr val="windowText" lastClr="000000"/>
       </a:dk1>
@@ -4843,96 +9894,44 @@
         <a:sysClr val="window" lastClr="FFFFFF"/>
       </a:lt1>
       <a:dk2>
-        <a:srgbClr val="44546A"/>
+        <a:srgbClr val="2A1A00"/>
       </a:dk2>
       <a:lt2>
-        <a:srgbClr val="E7E6E6"/>
+        <a:srgbClr val="F3F3F2"/>
       </a:lt2>
       <a:accent1>
-        <a:srgbClr val="4472C4"/>
+        <a:srgbClr val="F8B323"/>
       </a:accent1>
       <a:accent2>
-        <a:srgbClr val="ED7D31"/>
+        <a:srgbClr val="656A59"/>
       </a:accent2>
       <a:accent3>
-        <a:srgbClr val="A5A5A5"/>
+        <a:srgbClr val="46B2B5"/>
       </a:accent3>
       <a:accent4>
-        <a:srgbClr val="FFC000"/>
+        <a:srgbClr val="8CAA7E"/>
       </a:accent4>
       <a:accent5>
-        <a:srgbClr val="5B9BD5"/>
+        <a:srgbClr val="D36F68"/>
       </a:accent5>
       <a:accent6>
-        <a:srgbClr val="70AD47"/>
+        <a:srgbClr val="826276"/>
       </a:accent6>
       <a:hlink>
-        <a:srgbClr val="0563C1"/>
+        <a:srgbClr val="46B2B5"/>
       </a:hlink>
       <a:folHlink>
-        <a:srgbClr val="954F72"/>
+        <a:srgbClr val="A46694"/>
       </a:folHlink>
     </a:clrScheme>
-    <a:fontScheme name="Office">
+    <a:fontScheme name="Badge">
       <a:majorFont>
-        <a:latin typeface="Calibri Light" panose="020F0302020204030204"/>
+        <a:latin typeface="Impact" panose="020B0806030902050204"/>
         <a:ea typeface=""/>
         <a:cs typeface=""/>
-        <a:font script="Jpan" typeface="游ゴシック Light"/>
+        <a:font script="Jpan" typeface="メイリオ"/>
         <a:font script="Hang" typeface="맑은 고딕"/>
-        <a:font script="Hans" typeface="等线 Light"/>
-        <a:font script="Hant" typeface="新細明體"/>
-        <a:font script="Arab" typeface="Times New Roman"/>
-        <a:font script="Hebr" typeface="Times New Roman"/>
-        <a:font script="Thai" typeface="Angsana New"/>
-        <a:font script="Ethi" typeface="Nyala"/>
-        <a:font script="Beng" typeface="Vrinda"/>
-        <a:font script="Gujr" typeface="Shruti"/>
-        <a:font script="Khmr" typeface="MoolBoran"/>
-        <a:font script="Knda" typeface="Tunga"/>
-        <a:font script="Guru" typeface="Raavi"/>
-        <a:font script="Cans" typeface="Euphemia"/>
-        <a:font script="Cher" typeface="Plantagenet Cherokee"/>
-        <a:font script="Yiii" typeface="Microsoft Yi Baiti"/>
-        <a:font script="Tibt" typeface="Microsoft Himalaya"/>
-        <a:font script="Thaa" typeface="MV Boli"/>
-        <a:font script="Deva" typeface="Mangal"/>
-        <a:font script="Telu" typeface="Gautami"/>
-        <a:font script="Taml" typeface="Latha"/>
-        <a:font script="Syrc" typeface="Estrangelo Edessa"/>
-        <a:font script="Orya" typeface="Kalinga"/>
-        <a:font script="Mlym" typeface="Kartika"/>
-        <a:font script="Laoo" typeface="DokChampa"/>
-        <a:font script="Sinh" typeface="Iskoola Pota"/>
-        <a:font script="Mong" typeface="Mongolian Baiti"/>
-        <a:font script="Viet" typeface="Times New Roman"/>
-        <a:font script="Uigh" typeface="Microsoft Uighur"/>
-        <a:font script="Geor" typeface="Sylfaen"/>
-        <a:font script="Armn" typeface="Arial"/>
-        <a:font script="Bugi" typeface="Leelawadee UI"/>
-        <a:font script="Bopo" typeface="Microsoft JhengHei"/>
-        <a:font script="Java" typeface="Javanese Text"/>
-        <a:font script="Lisu" typeface="Segoe UI"/>
-        <a:font script="Mymr" typeface="Myanmar Text"/>
-        <a:font script="Nkoo" typeface="Ebrima"/>
-        <a:font script="Olck" typeface="Nirmala UI"/>
-        <a:font script="Osma" typeface="Ebrima"/>
-        <a:font script="Phag" typeface="Phagspa"/>
-        <a:font script="Syrn" typeface="Estrangelo Edessa"/>
-        <a:font script="Syrj" typeface="Estrangelo Edessa"/>
-        <a:font script="Syre" typeface="Estrangelo Edessa"/>
-        <a:font script="Sora" typeface="Nirmala UI"/>
-        <a:font script="Tale" typeface="Microsoft Tai Le"/>
-        <a:font script="Talu" typeface="Microsoft New Tai Lue"/>
-        <a:font script="Tfng" typeface="Ebrima"/>
-      </a:majorFont>
-      <a:minorFont>
-        <a:latin typeface="Calibri" panose="020F0502020204030204"/>
-        <a:ea typeface=""/>
-        <a:cs typeface=""/>
-        <a:font script="Jpan" typeface="游ゴシック"/>
-        <a:font script="Hang" typeface="맑은 고딕"/>
-        <a:font script="Hans" typeface="等线"/>
+        <a:font script="Hans" typeface="宋体"/>
         <a:font script="Hant" typeface="新細明體"/>
         <a:font script="Arab" typeface="Arial"/>
         <a:font script="Hebr" typeface="Arial"/>
@@ -4960,26 +9959,46 @@
         <a:font script="Viet" typeface="Arial"/>
         <a:font script="Uigh" typeface="Microsoft Uighur"/>
         <a:font script="Geor" typeface="Sylfaen"/>
-        <a:font script="Armn" typeface="Arial"/>
-        <a:font script="Bugi" typeface="Leelawadee UI"/>
-        <a:font script="Bopo" typeface="Microsoft JhengHei"/>
-        <a:font script="Java" typeface="Javanese Text"/>
-        <a:font script="Lisu" typeface="Segoe UI"/>
-        <a:font script="Mymr" typeface="Myanmar Text"/>
-        <a:font script="Nkoo" typeface="Ebrima"/>
-        <a:font script="Olck" typeface="Nirmala UI"/>
-        <a:font script="Osma" typeface="Ebrima"/>
-        <a:font script="Phag" typeface="Phagspa"/>
-        <a:font script="Syrn" typeface="Estrangelo Edessa"/>
-        <a:font script="Syrj" typeface="Estrangelo Edessa"/>
-        <a:font script="Syre" typeface="Estrangelo Edessa"/>
-        <a:font script="Sora" typeface="Nirmala UI"/>
-        <a:font script="Tale" typeface="Microsoft Tai Le"/>
-        <a:font script="Talu" typeface="Microsoft New Tai Lue"/>
-        <a:font script="Tfng" typeface="Ebrima"/>
+      </a:majorFont>
+      <a:minorFont>
+        <a:latin typeface="Gill Sans MT" panose="020B0502020104020203"/>
+        <a:ea typeface=""/>
+        <a:cs typeface=""/>
+        <a:font script="Grek" typeface="Corbel"/>
+        <a:font script="Cyrl" typeface="Corbel"/>
+        <a:font script="Jpan" typeface="メイリオ"/>
+        <a:font script="Hang" typeface="휴먼매직체"/>
+        <a:font script="Hans" typeface="华文中宋"/>
+        <a:font script="Hant" typeface="微軟正黑體"/>
+        <a:font script="Arab" typeface="Majalla UI"/>
+        <a:font script="Hebr" typeface="Arial"/>
+        <a:font script="Thai" typeface="Cordia New"/>
+        <a:font script="Ethi" typeface="Nyala"/>
+        <a:font script="Beng" typeface="Vrinda"/>
+        <a:font script="Gujr" typeface="Shruti"/>
+        <a:font script="Khmr" typeface="DaunPenh"/>
+        <a:font script="Knda" typeface="Tunga"/>
+        <a:font script="Guru" typeface="Raavi"/>
+        <a:font script="Cans" typeface="Euphemia"/>
+        <a:font script="Cher" typeface="Plantagenet Cherokee"/>
+        <a:font script="Yiii" typeface="Microsoft Yi Baiti"/>
+        <a:font script="Tibt" typeface="Microsoft Himalaya"/>
+        <a:font script="Thaa" typeface="MV Boli"/>
+        <a:font script="Deva" typeface="Mangal"/>
+        <a:font script="Telu" typeface="Gautami"/>
+        <a:font script="Taml" typeface="Latha"/>
+        <a:font script="Syrc" typeface="Estrangelo Edessa"/>
+        <a:font script="Orya" typeface="Kalinga"/>
+        <a:font script="Mlym" typeface="Kartika"/>
+        <a:font script="Laoo" typeface="DokChampa"/>
+        <a:font script="Sinh" typeface="Iskoola Pota"/>
+        <a:font script="Mong" typeface="Mongolian Baiti"/>
+        <a:font script="Viet" typeface="Tahoma"/>
+        <a:font script="Uigh" typeface="Microsoft Uighur"/>
+        <a:font script="Geor" typeface="Sylfaen"/>
       </a:minorFont>
     </a:fontScheme>
-    <a:fmtScheme name="Office">
+    <a:fmtScheme name="Badge">
       <a:fillStyleLst>
         <a:solidFill>
           <a:schemeClr val="phClr"/>
@@ -4988,23 +10007,23 @@
           <a:gsLst>
             <a:gs pos="0">
               <a:schemeClr val="phClr">
+                <a:tint val="67000"/>
+                <a:satMod val="105000"/>
                 <a:lumMod val="110000"/>
-                <a:satMod val="105000"/>
-                <a:tint val="67000"/>
               </a:schemeClr>
             </a:gs>
             <a:gs pos="50000">
               <a:schemeClr val="phClr">
+                <a:tint val="73000"/>
+                <a:satMod val="103000"/>
                 <a:lumMod val="105000"/>
-                <a:satMod val="103000"/>
-                <a:tint val="73000"/>
               </a:schemeClr>
             </a:gs>
             <a:gs pos="100000">
               <a:schemeClr val="phClr">
+                <a:tint val="81000"/>
+                <a:satMod val="109000"/>
                 <a:lumMod val="105000"/>
-                <a:satMod val="109000"/>
-                <a:tint val="81000"/>
               </a:schemeClr>
             </a:gs>
           </a:gsLst>
@@ -5014,23 +10033,23 @@
           <a:gsLst>
             <a:gs pos="0">
               <a:schemeClr val="phClr">
+                <a:tint val="94000"/>
                 <a:satMod val="103000"/>
                 <a:lumMod val="102000"/>
-                <a:tint val="94000"/>
               </a:schemeClr>
             </a:gs>
             <a:gs pos="50000">
               <a:schemeClr val="phClr">
+                <a:shade val="100000"/>
                 <a:satMod val="110000"/>
                 <a:lumMod val="100000"/>
-                <a:shade val="100000"/>
               </a:schemeClr>
             </a:gs>
             <a:gs pos="100000">
               <a:schemeClr val="phClr">
+                <a:shade val="78000"/>
+                <a:satMod val="120000"/>
                 <a:lumMod val="99000"/>
-                <a:satMod val="120000"/>
-                <a:shade val="78000"/>
               </a:schemeClr>
             </a:gs>
           </a:gsLst>
@@ -5038,26 +10057,23 @@
         </a:gradFill>
       </a:fillStyleLst>
       <a:lnStyleLst>
-        <a:ln w="6350" cap="flat" cmpd="sng" algn="ctr">
+        <a:ln w="6350" cap="flat" cmpd="sng" algn="in">
           <a:solidFill>
             <a:schemeClr val="phClr"/>
           </a:solidFill>
           <a:prstDash val="solid"/>
-          <a:miter lim="800000"/>
         </a:ln>
-        <a:ln w="12700" cap="flat" cmpd="sng" algn="ctr">
+        <a:ln w="12700" cap="flat" cmpd="sng" algn="in">
           <a:solidFill>
             <a:schemeClr val="phClr"/>
           </a:solidFill>
           <a:prstDash val="solid"/>
-          <a:miter lim="800000"/>
         </a:ln>
-        <a:ln w="19050" cap="flat" cmpd="sng" algn="ctr">
+        <a:ln w="50800" cap="flat" cmpd="sng" algn="in">
           <a:solidFill>
             <a:schemeClr val="phClr"/>
           </a:solidFill>
           <a:prstDash val="solid"/>
-          <a:miter lim="800000"/>
         </a:ln>
       </a:lnStyleLst>
       <a:effectStyleLst>
@@ -5069,9 +10085,9 @@
         </a:effectStyle>
         <a:effectStyle>
           <a:effectLst>
-            <a:outerShdw blurRad="57150" dist="19050" dir="5400000" algn="ctr" rotWithShape="0">
+            <a:outerShdw blurRad="38100" dist="25400" dir="5400000" algn="ctr" rotWithShape="0">
               <a:srgbClr val="000000">
-                <a:alpha val="63000"/>
+                <a:alpha val="25000"/>
               </a:srgbClr>
             </a:outerShdw>
           </a:effectLst>
@@ -5092,16 +10108,16 @@
             <a:gs pos="0">
               <a:schemeClr val="phClr">
                 <a:tint val="93000"/>
+                <a:shade val="98000"/>
                 <a:satMod val="150000"/>
-                <a:shade val="98000"/>
                 <a:lumMod val="102000"/>
               </a:schemeClr>
             </a:gs>
             <a:gs pos="50000">
               <a:schemeClr val="phClr">
                 <a:tint val="98000"/>
+                <a:shade val="90000"/>
                 <a:satMod val="130000"/>
-                <a:shade val="90000"/>
                 <a:lumMod val="103000"/>
               </a:schemeClr>
             </a:gs>
@@ -5121,7 +10137,7 @@
   <a:extraClrSchemeLst/>
   <a:extLst>
     <a:ext uri="{05A4C25C-085E-4340-85A3-A5531E510DB2}">
-      <thm15:themeFamily xmlns:thm15="http://schemas.microsoft.com/office/thememl/2012/main" name="Office Theme" id="{62F939B6-93AF-4DB8-9C6B-D6C7DFDC589F}" vid="{4A3C46E8-61CC-4603-A589-7422A47A8E4A}"/>
+      <thm15:themeFamily xmlns:thm15="http://schemas.microsoft.com/office/thememl/2012/main" name="Badge" id="{71A07785-5930-41D4-9A83-E23602B48E98}" vid="{771EA782-DFA6-45B1-AEA3-661F1715B310}"/>
     </a:ext>
   </a:extLst>
 </a:theme>

--- a/final_presentation.pptx
+++ b/final_presentation.pptx
@@ -1337,7 +1337,7 @@
           <a:p>
             <a:fld id="{314B6D42-FA4A-544F-992E-668F4367741D}" type="datetimeFigureOut">
               <a:rPr lang="en-US" smtClean="0"/>
-              <a:t>8/13/2019</a:t>
+              <a:t>8/14/19</a:t>
             </a:fld>
             <a:endParaRPr lang="en-US"/>
           </a:p>
@@ -1575,7 +1575,7 @@
           <a:p>
             <a:fld id="{314B6D42-FA4A-544F-992E-668F4367741D}" type="datetimeFigureOut">
               <a:rPr lang="en-US" smtClean="0"/>
-              <a:t>8/13/2019</a:t>
+              <a:t>8/14/19</a:t>
             </a:fld>
             <a:endParaRPr lang="en-US"/>
           </a:p>
@@ -1755,7 +1755,7 @@
           <a:p>
             <a:fld id="{314B6D42-FA4A-544F-992E-668F4367741D}" type="datetimeFigureOut">
               <a:rPr lang="en-US" smtClean="0"/>
-              <a:t>8/13/2019</a:t>
+              <a:t>8/14/19</a:t>
             </a:fld>
             <a:endParaRPr lang="en-US"/>
           </a:p>
@@ -1925,7 +1925,7 @@
           <a:p>
             <a:fld id="{314B6D42-FA4A-544F-992E-668F4367741D}" type="datetimeFigureOut">
               <a:rPr lang="en-US" smtClean="0"/>
-              <a:t>8/13/2019</a:t>
+              <a:t>8/14/19</a:t>
             </a:fld>
             <a:endParaRPr lang="en-US"/>
           </a:p>
@@ -2201,7 +2201,7 @@
           <a:p>
             <a:fld id="{314B6D42-FA4A-544F-992E-668F4367741D}" type="datetimeFigureOut">
               <a:rPr lang="en-US" smtClean="0"/>
-              <a:t>8/13/2019</a:t>
+              <a:t>8/14/19</a:t>
             </a:fld>
             <a:endParaRPr lang="en-US"/>
           </a:p>
@@ -3402,7 +3402,7 @@
           <a:p>
             <a:fld id="{314B6D42-FA4A-544F-992E-668F4367741D}" type="datetimeFigureOut">
               <a:rPr lang="en-US" smtClean="0"/>
-              <a:t>8/13/2019</a:t>
+              <a:t>8/14/19</a:t>
             </a:fld>
             <a:endParaRPr lang="en-US"/>
           </a:p>
@@ -3792,7 +3792,7 @@
           <a:p>
             <a:fld id="{314B6D42-FA4A-544F-992E-668F4367741D}" type="datetimeFigureOut">
               <a:rPr lang="en-US" smtClean="0"/>
-              <a:t>8/13/2019</a:t>
+              <a:t>8/14/19</a:t>
             </a:fld>
             <a:endParaRPr lang="en-US"/>
           </a:p>
@@ -3915,7 +3915,7 @@
           <a:p>
             <a:fld id="{314B6D42-FA4A-544F-992E-668F4367741D}" type="datetimeFigureOut">
               <a:rPr lang="en-US" smtClean="0"/>
-              <a:t>8/13/2019</a:t>
+              <a:t>8/14/19</a:t>
             </a:fld>
             <a:endParaRPr lang="en-US"/>
           </a:p>
@@ -4010,7 +4010,7 @@
           <a:p>
             <a:fld id="{314B6D42-FA4A-544F-992E-668F4367741D}" type="datetimeFigureOut">
               <a:rPr lang="en-US" smtClean="0"/>
-              <a:t>8/13/2019</a:t>
+              <a:t>8/14/19</a:t>
             </a:fld>
             <a:endParaRPr lang="en-US"/>
           </a:p>
@@ -4773,7 +4773,7 @@
           <a:p>
             <a:fld id="{314B6D42-FA4A-544F-992E-668F4367741D}" type="datetimeFigureOut">
               <a:rPr lang="en-US" smtClean="0"/>
-              <a:t>8/13/2019</a:t>
+              <a:t>8/14/19</a:t>
             </a:fld>
             <a:endParaRPr lang="en-US"/>
           </a:p>
@@ -5613,7 +5613,7 @@
           <a:p>
             <a:fld id="{314B6D42-FA4A-544F-992E-668F4367741D}" type="datetimeFigureOut">
               <a:rPr lang="en-US" smtClean="0"/>
-              <a:t>8/13/2019</a:t>
+              <a:t>8/14/19</a:t>
             </a:fld>
             <a:endParaRPr lang="en-US"/>
           </a:p>
@@ -5840,7 +5840,7 @@
           <a:p>
             <a:fld id="{314B6D42-FA4A-544F-992E-668F4367741D}" type="datetimeFigureOut">
               <a:rPr lang="en-US" smtClean="0"/>
-              <a:t>8/13/2019</a:t>
+              <a:t>8/14/19</a:t>
             </a:fld>
             <a:endParaRPr lang="en-US"/>
           </a:p>
@@ -8109,6 +8109,48 @@
           </a:p>
         </p:txBody>
       </p:sp>
+      <p:sp>
+        <p:nvSpPr>
+          <p:cNvPr id="3" name="TextBox 2">
+            <a:extLst>
+              <a:ext uri="{FF2B5EF4-FFF2-40B4-BE49-F238E27FC236}">
+                <a16:creationId xmlns:a16="http://schemas.microsoft.com/office/drawing/2014/main" id="{34DD61CA-E5CF-D645-8E9C-89FE8569DAA8}"/>
+              </a:ext>
+            </a:extLst>
+          </p:cNvPr>
+          <p:cNvSpPr txBox="1"/>
+          <p:nvPr/>
+        </p:nvSpPr>
+        <p:spPr>
+          <a:xfrm>
+            <a:off x="2254988" y="6106283"/>
+            <a:ext cx="7603685" cy="369332"/>
+          </a:xfrm>
+          <a:prstGeom prst="rect">
+            <a:avLst/>
+          </a:prstGeom>
+          <a:noFill/>
+        </p:spPr>
+        <p:txBody>
+          <a:bodyPr wrap="none" rtlCol="0">
+            <a:spAutoFit/>
+          </a:bodyPr>
+          <a:lstStyle/>
+          <a:p>
+            <a:r>
+              <a:rPr lang="en-US" dirty="0"/>
+              <a:t>Reference: </a:t>
+            </a:r>
+            <a:r>
+              <a:rPr lang="en-US" dirty="0">
+                <a:hlinkClick r:id="rId4"/>
+              </a:rPr>
+              <a:t>https://www.kaggle.com/nicapotato/multivar-lstm-ts-regression-keras</a:t>
+            </a:r>
+            <a:endParaRPr lang="en-US" dirty="0"/>
+          </a:p>
+        </p:txBody>
+      </p:sp>
     </p:spTree>
     <p:extLst>
       <p:ext uri="{BB962C8B-B14F-4D97-AF65-F5344CB8AC3E}">

--- a/final_presentation.pptx
+++ b/final_presentation.pptx
@@ -7455,6 +7455,14 @@
 <file path=ppt/slides/slide12.xml><?xml version="1.0" encoding="utf-8"?>
 <p:sld xmlns:a="http://schemas.openxmlformats.org/drawingml/2006/main" xmlns:r="http://schemas.openxmlformats.org/officeDocument/2006/relationships" xmlns:p="http://schemas.openxmlformats.org/presentationml/2006/main">
   <p:cSld>
+    <p:bg>
+      <p:bgPr>
+        <a:solidFill>
+          <a:schemeClr val="bg2"/>
+        </a:solidFill>
+        <a:effectLst/>
+      </p:bgPr>
+    </p:bg>
     <p:spTree>
       <p:nvGrpSpPr>
         <p:cNvPr id="1" name=""/>
@@ -7469,6 +7477,1357 @@
           <a:chExt cx="0" cy="0"/>
         </a:xfrm>
       </p:grpSpPr>
+      <p:sp useBgFill="1">
+        <p:nvSpPr>
+          <p:cNvPr id="10" name="Rectangle 9">
+            <a:extLst>
+              <a:ext uri="{FF2B5EF4-FFF2-40B4-BE49-F238E27FC236}">
+                <a16:creationId xmlns:a16="http://schemas.microsoft.com/office/drawing/2014/main" id="{374BD3A9-25D1-4691-BE05-149182EC4C13}"/>
+              </a:ext>
+              <a:ext uri="{C183D7F6-B498-43B3-948B-1728B52AA6E4}">
+                <adec:decorative xmlns:adec="http://schemas.microsoft.com/office/drawing/2017/decorative" val="1"/>
+              </a:ext>
+            </a:extLst>
+          </p:cNvPr>
+          <p:cNvSpPr>
+            <a:spLocks noGrp="1" noRot="1" noChangeAspect="1" noMove="1" noResize="1" noEditPoints="1" noAdjustHandles="1" noChangeArrowheads="1" noChangeShapeType="1" noTextEdit="1"/>
+          </p:cNvSpPr>
+          <p:nvPr>
+            <p:extLst>
+              <p:ext uri="{386F3935-93C4-4BCD-93E2-E3B085C9AB24}">
+                <p16:designElem xmlns:p16="http://schemas.microsoft.com/office/powerpoint/2015/main" val="1"/>
+              </p:ext>
+            </p:extLst>
+          </p:nvPr>
+        </p:nvSpPr>
+        <p:spPr bwMode="white">
+          <a:xfrm>
+            <a:off x="0" y="0"/>
+            <a:ext cx="12192000" cy="6858000"/>
+          </a:xfrm>
+          <a:prstGeom prst="rect">
+            <a:avLst/>
+          </a:prstGeom>
+          <a:ln>
+            <a:noFill/>
+          </a:ln>
+        </p:spPr>
+        <p:style>
+          <a:lnRef idx="2">
+            <a:schemeClr val="accent1">
+              <a:shade val="50000"/>
+            </a:schemeClr>
+          </a:lnRef>
+          <a:fillRef idx="1">
+            <a:schemeClr val="accent1"/>
+          </a:fillRef>
+          <a:effectRef idx="0">
+            <a:schemeClr val="accent1"/>
+          </a:effectRef>
+          <a:fontRef idx="minor">
+            <a:schemeClr val="lt1"/>
+          </a:fontRef>
+        </p:style>
+        <p:txBody>
+          <a:bodyPr rot="0" spcFirstLastPara="0" vert="horz" wrap="square" lIns="91440" tIns="45720" rIns="91440" bIns="45720" numCol="1" spcCol="0" rtlCol="0" fromWordArt="0" anchor="ctr" anchorCtr="0" forceAA="0" compatLnSpc="1">
+            <a:prstTxWarp prst="textNoShape">
+              <a:avLst/>
+            </a:prstTxWarp>
+            <a:noAutofit/>
+          </a:bodyPr>
+          <a:lstStyle>
+            <a:defPPr>
+              <a:defRPr lang="en-US"/>
+            </a:defPPr>
+            <a:lvl1pPr marL="0" algn="l" defTabSz="914400" rtl="0" eaLnBrk="1" latinLnBrk="0" hangingPunct="1">
+              <a:defRPr sz="1800" kern="1200">
+                <a:solidFill>
+                  <a:schemeClr val="lt1"/>
+                </a:solidFill>
+                <a:latin typeface="+mn-lt"/>
+                <a:ea typeface="+mn-ea"/>
+                <a:cs typeface="+mn-cs"/>
+              </a:defRPr>
+            </a:lvl1pPr>
+            <a:lvl2pPr marL="457200" algn="l" defTabSz="914400" rtl="0" eaLnBrk="1" latinLnBrk="0" hangingPunct="1">
+              <a:defRPr sz="1800" kern="1200">
+                <a:solidFill>
+                  <a:schemeClr val="lt1"/>
+                </a:solidFill>
+                <a:latin typeface="+mn-lt"/>
+                <a:ea typeface="+mn-ea"/>
+                <a:cs typeface="+mn-cs"/>
+              </a:defRPr>
+            </a:lvl2pPr>
+            <a:lvl3pPr marL="914400" algn="l" defTabSz="914400" rtl="0" eaLnBrk="1" latinLnBrk="0" hangingPunct="1">
+              <a:defRPr sz="1800" kern="1200">
+                <a:solidFill>
+                  <a:schemeClr val="lt1"/>
+                </a:solidFill>
+                <a:latin typeface="+mn-lt"/>
+                <a:ea typeface="+mn-ea"/>
+                <a:cs typeface="+mn-cs"/>
+              </a:defRPr>
+            </a:lvl3pPr>
+            <a:lvl4pPr marL="1371600" algn="l" defTabSz="914400" rtl="0" eaLnBrk="1" latinLnBrk="0" hangingPunct="1">
+              <a:defRPr sz="1800" kern="1200">
+                <a:solidFill>
+                  <a:schemeClr val="lt1"/>
+                </a:solidFill>
+                <a:latin typeface="+mn-lt"/>
+                <a:ea typeface="+mn-ea"/>
+                <a:cs typeface="+mn-cs"/>
+              </a:defRPr>
+            </a:lvl4pPr>
+            <a:lvl5pPr marL="1828800" algn="l" defTabSz="914400" rtl="0" eaLnBrk="1" latinLnBrk="0" hangingPunct="1">
+              <a:defRPr sz="1800" kern="1200">
+                <a:solidFill>
+                  <a:schemeClr val="lt1"/>
+                </a:solidFill>
+                <a:latin typeface="+mn-lt"/>
+                <a:ea typeface="+mn-ea"/>
+                <a:cs typeface="+mn-cs"/>
+              </a:defRPr>
+            </a:lvl5pPr>
+            <a:lvl6pPr marL="2286000" algn="l" defTabSz="914400" rtl="0" eaLnBrk="1" latinLnBrk="0" hangingPunct="1">
+              <a:defRPr sz="1800" kern="1200">
+                <a:solidFill>
+                  <a:schemeClr val="lt1"/>
+                </a:solidFill>
+                <a:latin typeface="+mn-lt"/>
+                <a:ea typeface="+mn-ea"/>
+                <a:cs typeface="+mn-cs"/>
+              </a:defRPr>
+            </a:lvl6pPr>
+            <a:lvl7pPr marL="2743200" algn="l" defTabSz="914400" rtl="0" eaLnBrk="1" latinLnBrk="0" hangingPunct="1">
+              <a:defRPr sz="1800" kern="1200">
+                <a:solidFill>
+                  <a:schemeClr val="lt1"/>
+                </a:solidFill>
+                <a:latin typeface="+mn-lt"/>
+                <a:ea typeface="+mn-ea"/>
+                <a:cs typeface="+mn-cs"/>
+              </a:defRPr>
+            </a:lvl7pPr>
+            <a:lvl8pPr marL="3200400" algn="l" defTabSz="914400" rtl="0" eaLnBrk="1" latinLnBrk="0" hangingPunct="1">
+              <a:defRPr sz="1800" kern="1200">
+                <a:solidFill>
+                  <a:schemeClr val="lt1"/>
+                </a:solidFill>
+                <a:latin typeface="+mn-lt"/>
+                <a:ea typeface="+mn-ea"/>
+                <a:cs typeface="+mn-cs"/>
+              </a:defRPr>
+            </a:lvl8pPr>
+            <a:lvl9pPr marL="3657600" algn="l" defTabSz="914400" rtl="0" eaLnBrk="1" latinLnBrk="0" hangingPunct="1">
+              <a:defRPr sz="1800" kern="1200">
+                <a:solidFill>
+                  <a:schemeClr val="lt1"/>
+                </a:solidFill>
+                <a:latin typeface="+mn-lt"/>
+                <a:ea typeface="+mn-ea"/>
+                <a:cs typeface="+mn-cs"/>
+              </a:defRPr>
+            </a:lvl9pPr>
+          </a:lstStyle>
+          <a:p>
+            <a:pPr algn="ctr"/>
+            <a:endParaRPr lang="en-US"/>
+          </a:p>
+        </p:txBody>
+      </p:sp>
+      <p:sp>
+        <p:nvSpPr>
+          <p:cNvPr id="12" name="Freeform 10">
+            <a:extLst>
+              <a:ext uri="{FF2B5EF4-FFF2-40B4-BE49-F238E27FC236}">
+                <a16:creationId xmlns:a16="http://schemas.microsoft.com/office/drawing/2014/main" id="{8D49CF1A-01DD-4115-A6BB-CFA8F704534E}"/>
+              </a:ext>
+              <a:ext uri="{C183D7F6-B498-43B3-948B-1728B52AA6E4}">
+                <adec:decorative xmlns:adec="http://schemas.microsoft.com/office/drawing/2017/decorative" val="1"/>
+              </a:ext>
+            </a:extLst>
+          </p:cNvPr>
+          <p:cNvSpPr>
+            <a:spLocks noGrp="1" noRot="1" noChangeAspect="1" noMove="1" noResize="1" noEditPoints="1" noAdjustHandles="1" noChangeArrowheads="1" noChangeShapeType="1" noTextEdit="1"/>
+          </p:cNvSpPr>
+          <p:nvPr>
+            <p:extLst>
+              <p:ext uri="{386F3935-93C4-4BCD-93E2-E3B085C9AB24}">
+                <p16:designElem xmlns:p16="http://schemas.microsoft.com/office/powerpoint/2015/main" val="1"/>
+              </p:ext>
+            </p:extLst>
+          </p:nvPr>
+        </p:nvSpPr>
+        <p:spPr bwMode="ltGray">
+          <a:xfrm>
+            <a:off x="0" y="0"/>
+            <a:ext cx="7569200" cy="6858000"/>
+          </a:xfrm>
+          <a:custGeom>
+            <a:avLst/>
+            <a:gdLst>
+              <a:gd name="connsiteX0" fmla="*/ 0 w 7569200"/>
+              <a:gd name="connsiteY0" fmla="*/ 0 h 6858000"/>
+              <a:gd name="connsiteX1" fmla="*/ 7389812 w 7569200"/>
+              <a:gd name="connsiteY1" fmla="*/ 0 h 6858000"/>
+              <a:gd name="connsiteX2" fmla="*/ 7394575 w 7569200"/>
+              <a:gd name="connsiteY2" fmla="*/ 66675 h 6858000"/>
+              <a:gd name="connsiteX3" fmla="*/ 7402512 w 7569200"/>
+              <a:gd name="connsiteY3" fmla="*/ 122237 h 6858000"/>
+              <a:gd name="connsiteX4" fmla="*/ 7412037 w 7569200"/>
+              <a:gd name="connsiteY4" fmla="*/ 174625 h 6858000"/>
+              <a:gd name="connsiteX5" fmla="*/ 7427912 w 7569200"/>
+              <a:gd name="connsiteY5" fmla="*/ 217487 h 6858000"/>
+              <a:gd name="connsiteX6" fmla="*/ 7443787 w 7569200"/>
+              <a:gd name="connsiteY6" fmla="*/ 260350 h 6858000"/>
+              <a:gd name="connsiteX7" fmla="*/ 7462837 w 7569200"/>
+              <a:gd name="connsiteY7" fmla="*/ 296862 h 6858000"/>
+              <a:gd name="connsiteX8" fmla="*/ 7481887 w 7569200"/>
+              <a:gd name="connsiteY8" fmla="*/ 334962 h 6858000"/>
+              <a:gd name="connsiteX9" fmla="*/ 7499350 w 7569200"/>
+              <a:gd name="connsiteY9" fmla="*/ 369887 h 6858000"/>
+              <a:gd name="connsiteX10" fmla="*/ 7516812 w 7569200"/>
+              <a:gd name="connsiteY10" fmla="*/ 409575 h 6858000"/>
+              <a:gd name="connsiteX11" fmla="*/ 7532687 w 7569200"/>
+              <a:gd name="connsiteY11" fmla="*/ 450850 h 6858000"/>
+              <a:gd name="connsiteX12" fmla="*/ 7546975 w 7569200"/>
+              <a:gd name="connsiteY12" fmla="*/ 496887 h 6858000"/>
+              <a:gd name="connsiteX13" fmla="*/ 7558087 w 7569200"/>
+              <a:gd name="connsiteY13" fmla="*/ 546100 h 6858000"/>
+              <a:gd name="connsiteX14" fmla="*/ 7566025 w 7569200"/>
+              <a:gd name="connsiteY14" fmla="*/ 606425 h 6858000"/>
+              <a:gd name="connsiteX15" fmla="*/ 7569200 w 7569200"/>
+              <a:gd name="connsiteY15" fmla="*/ 673100 h 6858000"/>
+              <a:gd name="connsiteX16" fmla="*/ 7566025 w 7569200"/>
+              <a:gd name="connsiteY16" fmla="*/ 744537 h 6858000"/>
+              <a:gd name="connsiteX17" fmla="*/ 7558087 w 7569200"/>
+              <a:gd name="connsiteY17" fmla="*/ 801687 h 6858000"/>
+              <a:gd name="connsiteX18" fmla="*/ 7546975 w 7569200"/>
+              <a:gd name="connsiteY18" fmla="*/ 854075 h 6858000"/>
+              <a:gd name="connsiteX19" fmla="*/ 7532687 w 7569200"/>
+              <a:gd name="connsiteY19" fmla="*/ 901700 h 6858000"/>
+              <a:gd name="connsiteX20" fmla="*/ 7516812 w 7569200"/>
+              <a:gd name="connsiteY20" fmla="*/ 942975 h 6858000"/>
+              <a:gd name="connsiteX21" fmla="*/ 7497762 w 7569200"/>
+              <a:gd name="connsiteY21" fmla="*/ 981075 h 6858000"/>
+              <a:gd name="connsiteX22" fmla="*/ 7478712 w 7569200"/>
+              <a:gd name="connsiteY22" fmla="*/ 1017587 h 6858000"/>
+              <a:gd name="connsiteX23" fmla="*/ 7459662 w 7569200"/>
+              <a:gd name="connsiteY23" fmla="*/ 1055687 h 6858000"/>
+              <a:gd name="connsiteX24" fmla="*/ 7442200 w 7569200"/>
+              <a:gd name="connsiteY24" fmla="*/ 1095375 h 6858000"/>
+              <a:gd name="connsiteX25" fmla="*/ 7424737 w 7569200"/>
+              <a:gd name="connsiteY25" fmla="*/ 1136650 h 6858000"/>
+              <a:gd name="connsiteX26" fmla="*/ 7410450 w 7569200"/>
+              <a:gd name="connsiteY26" fmla="*/ 1182687 h 6858000"/>
+              <a:gd name="connsiteX27" fmla="*/ 7400925 w 7569200"/>
+              <a:gd name="connsiteY27" fmla="*/ 1235075 h 6858000"/>
+              <a:gd name="connsiteX28" fmla="*/ 7391400 w 7569200"/>
+              <a:gd name="connsiteY28" fmla="*/ 1295400 h 6858000"/>
+              <a:gd name="connsiteX29" fmla="*/ 7389812 w 7569200"/>
+              <a:gd name="connsiteY29" fmla="*/ 1363662 h 6858000"/>
+              <a:gd name="connsiteX30" fmla="*/ 7391400 w 7569200"/>
+              <a:gd name="connsiteY30" fmla="*/ 1431925 h 6858000"/>
+              <a:gd name="connsiteX31" fmla="*/ 7400925 w 7569200"/>
+              <a:gd name="connsiteY31" fmla="*/ 1492250 h 6858000"/>
+              <a:gd name="connsiteX32" fmla="*/ 7410450 w 7569200"/>
+              <a:gd name="connsiteY32" fmla="*/ 1544637 h 6858000"/>
+              <a:gd name="connsiteX33" fmla="*/ 7424737 w 7569200"/>
+              <a:gd name="connsiteY33" fmla="*/ 1589087 h 6858000"/>
+              <a:gd name="connsiteX34" fmla="*/ 7442200 w 7569200"/>
+              <a:gd name="connsiteY34" fmla="*/ 1631950 h 6858000"/>
+              <a:gd name="connsiteX35" fmla="*/ 7459662 w 7569200"/>
+              <a:gd name="connsiteY35" fmla="*/ 1671637 h 6858000"/>
+              <a:gd name="connsiteX36" fmla="*/ 7478712 w 7569200"/>
+              <a:gd name="connsiteY36" fmla="*/ 1708150 h 6858000"/>
+              <a:gd name="connsiteX37" fmla="*/ 7497762 w 7569200"/>
+              <a:gd name="connsiteY37" fmla="*/ 1743075 h 6858000"/>
+              <a:gd name="connsiteX38" fmla="*/ 7516812 w 7569200"/>
+              <a:gd name="connsiteY38" fmla="*/ 1782762 h 6858000"/>
+              <a:gd name="connsiteX39" fmla="*/ 7532687 w 7569200"/>
+              <a:gd name="connsiteY39" fmla="*/ 1824037 h 6858000"/>
+              <a:gd name="connsiteX40" fmla="*/ 7546975 w 7569200"/>
+              <a:gd name="connsiteY40" fmla="*/ 1870075 h 6858000"/>
+              <a:gd name="connsiteX41" fmla="*/ 7558087 w 7569200"/>
+              <a:gd name="connsiteY41" fmla="*/ 1922462 h 6858000"/>
+              <a:gd name="connsiteX42" fmla="*/ 7566025 w 7569200"/>
+              <a:gd name="connsiteY42" fmla="*/ 1982787 h 6858000"/>
+              <a:gd name="connsiteX43" fmla="*/ 7569200 w 7569200"/>
+              <a:gd name="connsiteY43" fmla="*/ 2051050 h 6858000"/>
+              <a:gd name="connsiteX44" fmla="*/ 7566025 w 7569200"/>
+              <a:gd name="connsiteY44" fmla="*/ 2119312 h 6858000"/>
+              <a:gd name="connsiteX45" fmla="*/ 7558087 w 7569200"/>
+              <a:gd name="connsiteY45" fmla="*/ 2179637 h 6858000"/>
+              <a:gd name="connsiteX46" fmla="*/ 7546975 w 7569200"/>
+              <a:gd name="connsiteY46" fmla="*/ 2232025 h 6858000"/>
+              <a:gd name="connsiteX47" fmla="*/ 7532687 w 7569200"/>
+              <a:gd name="connsiteY47" fmla="*/ 2278062 h 6858000"/>
+              <a:gd name="connsiteX48" fmla="*/ 7516812 w 7569200"/>
+              <a:gd name="connsiteY48" fmla="*/ 2319337 h 6858000"/>
+              <a:gd name="connsiteX49" fmla="*/ 7497762 w 7569200"/>
+              <a:gd name="connsiteY49" fmla="*/ 2359025 h 6858000"/>
+              <a:gd name="connsiteX50" fmla="*/ 7478712 w 7569200"/>
+              <a:gd name="connsiteY50" fmla="*/ 2395537 h 6858000"/>
+              <a:gd name="connsiteX51" fmla="*/ 7459662 w 7569200"/>
+              <a:gd name="connsiteY51" fmla="*/ 2433637 h 6858000"/>
+              <a:gd name="connsiteX52" fmla="*/ 7442200 w 7569200"/>
+              <a:gd name="connsiteY52" fmla="*/ 2471737 h 6858000"/>
+              <a:gd name="connsiteX53" fmla="*/ 7424737 w 7569200"/>
+              <a:gd name="connsiteY53" fmla="*/ 2513012 h 6858000"/>
+              <a:gd name="connsiteX54" fmla="*/ 7410450 w 7569200"/>
+              <a:gd name="connsiteY54" fmla="*/ 2560637 h 6858000"/>
+              <a:gd name="connsiteX55" fmla="*/ 7400925 w 7569200"/>
+              <a:gd name="connsiteY55" fmla="*/ 2613025 h 6858000"/>
+              <a:gd name="connsiteX56" fmla="*/ 7391400 w 7569200"/>
+              <a:gd name="connsiteY56" fmla="*/ 2671762 h 6858000"/>
+              <a:gd name="connsiteX57" fmla="*/ 7389812 w 7569200"/>
+              <a:gd name="connsiteY57" fmla="*/ 2741612 h 6858000"/>
+              <a:gd name="connsiteX58" fmla="*/ 7391400 w 7569200"/>
+              <a:gd name="connsiteY58" fmla="*/ 2809875 h 6858000"/>
+              <a:gd name="connsiteX59" fmla="*/ 7400925 w 7569200"/>
+              <a:gd name="connsiteY59" fmla="*/ 2868612 h 6858000"/>
+              <a:gd name="connsiteX60" fmla="*/ 7410450 w 7569200"/>
+              <a:gd name="connsiteY60" fmla="*/ 2922587 h 6858000"/>
+              <a:gd name="connsiteX61" fmla="*/ 7424737 w 7569200"/>
+              <a:gd name="connsiteY61" fmla="*/ 2967037 h 6858000"/>
+              <a:gd name="connsiteX62" fmla="*/ 7442200 w 7569200"/>
+              <a:gd name="connsiteY62" fmla="*/ 3009900 h 6858000"/>
+              <a:gd name="connsiteX63" fmla="*/ 7459662 w 7569200"/>
+              <a:gd name="connsiteY63" fmla="*/ 3046412 h 6858000"/>
+              <a:gd name="connsiteX64" fmla="*/ 7478712 w 7569200"/>
+              <a:gd name="connsiteY64" fmla="*/ 3084512 h 6858000"/>
+              <a:gd name="connsiteX65" fmla="*/ 7497762 w 7569200"/>
+              <a:gd name="connsiteY65" fmla="*/ 3121025 h 6858000"/>
+              <a:gd name="connsiteX66" fmla="*/ 7516812 w 7569200"/>
+              <a:gd name="connsiteY66" fmla="*/ 3160712 h 6858000"/>
+              <a:gd name="connsiteX67" fmla="*/ 7532687 w 7569200"/>
+              <a:gd name="connsiteY67" fmla="*/ 3201987 h 6858000"/>
+              <a:gd name="connsiteX68" fmla="*/ 7546975 w 7569200"/>
+              <a:gd name="connsiteY68" fmla="*/ 3248025 h 6858000"/>
+              <a:gd name="connsiteX69" fmla="*/ 7558087 w 7569200"/>
+              <a:gd name="connsiteY69" fmla="*/ 3300412 h 6858000"/>
+              <a:gd name="connsiteX70" fmla="*/ 7566025 w 7569200"/>
+              <a:gd name="connsiteY70" fmla="*/ 3360737 h 6858000"/>
+              <a:gd name="connsiteX71" fmla="*/ 7569200 w 7569200"/>
+              <a:gd name="connsiteY71" fmla="*/ 3427412 h 6858000"/>
+              <a:gd name="connsiteX72" fmla="*/ 7566025 w 7569200"/>
+              <a:gd name="connsiteY72" fmla="*/ 3497262 h 6858000"/>
+              <a:gd name="connsiteX73" fmla="*/ 7558087 w 7569200"/>
+              <a:gd name="connsiteY73" fmla="*/ 3557587 h 6858000"/>
+              <a:gd name="connsiteX74" fmla="*/ 7546975 w 7569200"/>
+              <a:gd name="connsiteY74" fmla="*/ 3609975 h 6858000"/>
+              <a:gd name="connsiteX75" fmla="*/ 7532687 w 7569200"/>
+              <a:gd name="connsiteY75" fmla="*/ 3656012 h 6858000"/>
+              <a:gd name="connsiteX76" fmla="*/ 7516812 w 7569200"/>
+              <a:gd name="connsiteY76" fmla="*/ 3697287 h 6858000"/>
+              <a:gd name="connsiteX77" fmla="*/ 7497762 w 7569200"/>
+              <a:gd name="connsiteY77" fmla="*/ 3736975 h 6858000"/>
+              <a:gd name="connsiteX78" fmla="*/ 7459662 w 7569200"/>
+              <a:gd name="connsiteY78" fmla="*/ 3811587 h 6858000"/>
+              <a:gd name="connsiteX79" fmla="*/ 7442200 w 7569200"/>
+              <a:gd name="connsiteY79" fmla="*/ 3848100 h 6858000"/>
+              <a:gd name="connsiteX80" fmla="*/ 7424737 w 7569200"/>
+              <a:gd name="connsiteY80" fmla="*/ 3890962 h 6858000"/>
+              <a:gd name="connsiteX81" fmla="*/ 7410450 w 7569200"/>
+              <a:gd name="connsiteY81" fmla="*/ 3935412 h 6858000"/>
+              <a:gd name="connsiteX82" fmla="*/ 7400925 w 7569200"/>
+              <a:gd name="connsiteY82" fmla="*/ 3987800 h 6858000"/>
+              <a:gd name="connsiteX83" fmla="*/ 7391400 w 7569200"/>
+              <a:gd name="connsiteY83" fmla="*/ 4048125 h 6858000"/>
+              <a:gd name="connsiteX84" fmla="*/ 7389812 w 7569200"/>
+              <a:gd name="connsiteY84" fmla="*/ 4116387 h 6858000"/>
+              <a:gd name="connsiteX85" fmla="*/ 7391400 w 7569200"/>
+              <a:gd name="connsiteY85" fmla="*/ 4186237 h 6858000"/>
+              <a:gd name="connsiteX86" fmla="*/ 7400925 w 7569200"/>
+              <a:gd name="connsiteY86" fmla="*/ 4244975 h 6858000"/>
+              <a:gd name="connsiteX87" fmla="*/ 7410450 w 7569200"/>
+              <a:gd name="connsiteY87" fmla="*/ 4297362 h 6858000"/>
+              <a:gd name="connsiteX88" fmla="*/ 7424737 w 7569200"/>
+              <a:gd name="connsiteY88" fmla="*/ 4343400 h 6858000"/>
+              <a:gd name="connsiteX89" fmla="*/ 7442200 w 7569200"/>
+              <a:gd name="connsiteY89" fmla="*/ 4386262 h 6858000"/>
+              <a:gd name="connsiteX90" fmla="*/ 7459662 w 7569200"/>
+              <a:gd name="connsiteY90" fmla="*/ 4424362 h 6858000"/>
+              <a:gd name="connsiteX91" fmla="*/ 7497762 w 7569200"/>
+              <a:gd name="connsiteY91" fmla="*/ 4498975 h 6858000"/>
+              <a:gd name="connsiteX92" fmla="*/ 7516812 w 7569200"/>
+              <a:gd name="connsiteY92" fmla="*/ 4537075 h 6858000"/>
+              <a:gd name="connsiteX93" fmla="*/ 7532687 w 7569200"/>
+              <a:gd name="connsiteY93" fmla="*/ 4579937 h 6858000"/>
+              <a:gd name="connsiteX94" fmla="*/ 7546975 w 7569200"/>
+              <a:gd name="connsiteY94" fmla="*/ 4625975 h 6858000"/>
+              <a:gd name="connsiteX95" fmla="*/ 7558087 w 7569200"/>
+              <a:gd name="connsiteY95" fmla="*/ 4678362 h 6858000"/>
+              <a:gd name="connsiteX96" fmla="*/ 7566025 w 7569200"/>
+              <a:gd name="connsiteY96" fmla="*/ 4738687 h 6858000"/>
+              <a:gd name="connsiteX97" fmla="*/ 7569200 w 7569200"/>
+              <a:gd name="connsiteY97" fmla="*/ 4806950 h 6858000"/>
+              <a:gd name="connsiteX98" fmla="*/ 7566025 w 7569200"/>
+              <a:gd name="connsiteY98" fmla="*/ 4875212 h 6858000"/>
+              <a:gd name="connsiteX99" fmla="*/ 7558087 w 7569200"/>
+              <a:gd name="connsiteY99" fmla="*/ 4935537 h 6858000"/>
+              <a:gd name="connsiteX100" fmla="*/ 7546975 w 7569200"/>
+              <a:gd name="connsiteY100" fmla="*/ 4987925 h 6858000"/>
+              <a:gd name="connsiteX101" fmla="*/ 7532687 w 7569200"/>
+              <a:gd name="connsiteY101" fmla="*/ 5033962 h 6858000"/>
+              <a:gd name="connsiteX102" fmla="*/ 7516812 w 7569200"/>
+              <a:gd name="connsiteY102" fmla="*/ 5075237 h 6858000"/>
+              <a:gd name="connsiteX103" fmla="*/ 7497762 w 7569200"/>
+              <a:gd name="connsiteY103" fmla="*/ 5114925 h 6858000"/>
+              <a:gd name="connsiteX104" fmla="*/ 7478712 w 7569200"/>
+              <a:gd name="connsiteY104" fmla="*/ 5149850 h 6858000"/>
+              <a:gd name="connsiteX105" fmla="*/ 7459662 w 7569200"/>
+              <a:gd name="connsiteY105" fmla="*/ 5186362 h 6858000"/>
+              <a:gd name="connsiteX106" fmla="*/ 7442200 w 7569200"/>
+              <a:gd name="connsiteY106" fmla="*/ 5226050 h 6858000"/>
+              <a:gd name="connsiteX107" fmla="*/ 7424737 w 7569200"/>
+              <a:gd name="connsiteY107" fmla="*/ 5268912 h 6858000"/>
+              <a:gd name="connsiteX108" fmla="*/ 7410450 w 7569200"/>
+              <a:gd name="connsiteY108" fmla="*/ 5313362 h 6858000"/>
+              <a:gd name="connsiteX109" fmla="*/ 7400925 w 7569200"/>
+              <a:gd name="connsiteY109" fmla="*/ 5365750 h 6858000"/>
+              <a:gd name="connsiteX110" fmla="*/ 7391400 w 7569200"/>
+              <a:gd name="connsiteY110" fmla="*/ 5426075 h 6858000"/>
+              <a:gd name="connsiteX111" fmla="*/ 7389812 w 7569200"/>
+              <a:gd name="connsiteY111" fmla="*/ 5494337 h 6858000"/>
+              <a:gd name="connsiteX112" fmla="*/ 7391400 w 7569200"/>
+              <a:gd name="connsiteY112" fmla="*/ 5562600 h 6858000"/>
+              <a:gd name="connsiteX113" fmla="*/ 7400925 w 7569200"/>
+              <a:gd name="connsiteY113" fmla="*/ 5622925 h 6858000"/>
+              <a:gd name="connsiteX114" fmla="*/ 7410450 w 7569200"/>
+              <a:gd name="connsiteY114" fmla="*/ 5675312 h 6858000"/>
+              <a:gd name="connsiteX115" fmla="*/ 7424737 w 7569200"/>
+              <a:gd name="connsiteY115" fmla="*/ 5721350 h 6858000"/>
+              <a:gd name="connsiteX116" fmla="*/ 7442200 w 7569200"/>
+              <a:gd name="connsiteY116" fmla="*/ 5762625 h 6858000"/>
+              <a:gd name="connsiteX117" fmla="*/ 7459662 w 7569200"/>
+              <a:gd name="connsiteY117" fmla="*/ 5802312 h 6858000"/>
+              <a:gd name="connsiteX118" fmla="*/ 7478712 w 7569200"/>
+              <a:gd name="connsiteY118" fmla="*/ 5840412 h 6858000"/>
+              <a:gd name="connsiteX119" fmla="*/ 7497762 w 7569200"/>
+              <a:gd name="connsiteY119" fmla="*/ 5876925 h 6858000"/>
+              <a:gd name="connsiteX120" fmla="*/ 7516812 w 7569200"/>
+              <a:gd name="connsiteY120" fmla="*/ 5915025 h 6858000"/>
+              <a:gd name="connsiteX121" fmla="*/ 7532687 w 7569200"/>
+              <a:gd name="connsiteY121" fmla="*/ 5956300 h 6858000"/>
+              <a:gd name="connsiteX122" fmla="*/ 7546975 w 7569200"/>
+              <a:gd name="connsiteY122" fmla="*/ 6003925 h 6858000"/>
+              <a:gd name="connsiteX123" fmla="*/ 7558087 w 7569200"/>
+              <a:gd name="connsiteY123" fmla="*/ 6056312 h 6858000"/>
+              <a:gd name="connsiteX124" fmla="*/ 7566025 w 7569200"/>
+              <a:gd name="connsiteY124" fmla="*/ 6113462 h 6858000"/>
+              <a:gd name="connsiteX125" fmla="*/ 7569200 w 7569200"/>
+              <a:gd name="connsiteY125" fmla="*/ 6183312 h 6858000"/>
+              <a:gd name="connsiteX126" fmla="*/ 7566025 w 7569200"/>
+              <a:gd name="connsiteY126" fmla="*/ 6251575 h 6858000"/>
+              <a:gd name="connsiteX127" fmla="*/ 7558087 w 7569200"/>
+              <a:gd name="connsiteY127" fmla="*/ 6311900 h 6858000"/>
+              <a:gd name="connsiteX128" fmla="*/ 7546975 w 7569200"/>
+              <a:gd name="connsiteY128" fmla="*/ 6361112 h 6858000"/>
+              <a:gd name="connsiteX129" fmla="*/ 7532687 w 7569200"/>
+              <a:gd name="connsiteY129" fmla="*/ 6407150 h 6858000"/>
+              <a:gd name="connsiteX130" fmla="*/ 7516812 w 7569200"/>
+              <a:gd name="connsiteY130" fmla="*/ 6448425 h 6858000"/>
+              <a:gd name="connsiteX131" fmla="*/ 7499350 w 7569200"/>
+              <a:gd name="connsiteY131" fmla="*/ 6488112 h 6858000"/>
+              <a:gd name="connsiteX132" fmla="*/ 7481887 w 7569200"/>
+              <a:gd name="connsiteY132" fmla="*/ 6523037 h 6858000"/>
+              <a:gd name="connsiteX133" fmla="*/ 7462837 w 7569200"/>
+              <a:gd name="connsiteY133" fmla="*/ 6561137 h 6858000"/>
+              <a:gd name="connsiteX134" fmla="*/ 7443787 w 7569200"/>
+              <a:gd name="connsiteY134" fmla="*/ 6597650 h 6858000"/>
+              <a:gd name="connsiteX135" fmla="*/ 7427912 w 7569200"/>
+              <a:gd name="connsiteY135" fmla="*/ 6640512 h 6858000"/>
+              <a:gd name="connsiteX136" fmla="*/ 7412037 w 7569200"/>
+              <a:gd name="connsiteY136" fmla="*/ 6683375 h 6858000"/>
+              <a:gd name="connsiteX137" fmla="*/ 7402512 w 7569200"/>
+              <a:gd name="connsiteY137" fmla="*/ 6735762 h 6858000"/>
+              <a:gd name="connsiteX138" fmla="*/ 7394575 w 7569200"/>
+              <a:gd name="connsiteY138" fmla="*/ 6791325 h 6858000"/>
+              <a:gd name="connsiteX139" fmla="*/ 7389812 w 7569200"/>
+              <a:gd name="connsiteY139" fmla="*/ 6858000 h 6858000"/>
+              <a:gd name="connsiteX140" fmla="*/ 0 w 7569200"/>
+              <a:gd name="connsiteY140" fmla="*/ 6858000 h 6858000"/>
+              <a:gd name="connsiteX141" fmla="*/ 0 w 7569200"/>
+              <a:gd name="connsiteY141" fmla="*/ 0 h 6858000"/>
+            </a:gdLst>
+            <a:ahLst/>
+            <a:cxnLst>
+              <a:cxn ang="0">
+                <a:pos x="connsiteX0" y="connsiteY0"/>
+              </a:cxn>
+              <a:cxn ang="0">
+                <a:pos x="connsiteX1" y="connsiteY1"/>
+              </a:cxn>
+              <a:cxn ang="0">
+                <a:pos x="connsiteX2" y="connsiteY2"/>
+              </a:cxn>
+              <a:cxn ang="0">
+                <a:pos x="connsiteX3" y="connsiteY3"/>
+              </a:cxn>
+              <a:cxn ang="0">
+                <a:pos x="connsiteX4" y="connsiteY4"/>
+              </a:cxn>
+              <a:cxn ang="0">
+                <a:pos x="connsiteX5" y="connsiteY5"/>
+              </a:cxn>
+              <a:cxn ang="0">
+                <a:pos x="connsiteX6" y="connsiteY6"/>
+              </a:cxn>
+              <a:cxn ang="0">
+                <a:pos x="connsiteX7" y="connsiteY7"/>
+              </a:cxn>
+              <a:cxn ang="0">
+                <a:pos x="connsiteX8" y="connsiteY8"/>
+              </a:cxn>
+              <a:cxn ang="0">
+                <a:pos x="connsiteX9" y="connsiteY9"/>
+              </a:cxn>
+              <a:cxn ang="0">
+                <a:pos x="connsiteX10" y="connsiteY10"/>
+              </a:cxn>
+              <a:cxn ang="0">
+                <a:pos x="connsiteX11" y="connsiteY11"/>
+              </a:cxn>
+              <a:cxn ang="0">
+                <a:pos x="connsiteX12" y="connsiteY12"/>
+              </a:cxn>
+              <a:cxn ang="0">
+                <a:pos x="connsiteX13" y="connsiteY13"/>
+              </a:cxn>
+              <a:cxn ang="0">
+                <a:pos x="connsiteX14" y="connsiteY14"/>
+              </a:cxn>
+              <a:cxn ang="0">
+                <a:pos x="connsiteX15" y="connsiteY15"/>
+              </a:cxn>
+              <a:cxn ang="0">
+                <a:pos x="connsiteX16" y="connsiteY16"/>
+              </a:cxn>
+              <a:cxn ang="0">
+                <a:pos x="connsiteX17" y="connsiteY17"/>
+              </a:cxn>
+              <a:cxn ang="0">
+                <a:pos x="connsiteX18" y="connsiteY18"/>
+              </a:cxn>
+              <a:cxn ang="0">
+                <a:pos x="connsiteX19" y="connsiteY19"/>
+              </a:cxn>
+              <a:cxn ang="0">
+                <a:pos x="connsiteX20" y="connsiteY20"/>
+              </a:cxn>
+              <a:cxn ang="0">
+                <a:pos x="connsiteX21" y="connsiteY21"/>
+              </a:cxn>
+              <a:cxn ang="0">
+                <a:pos x="connsiteX22" y="connsiteY22"/>
+              </a:cxn>
+              <a:cxn ang="0">
+                <a:pos x="connsiteX23" y="connsiteY23"/>
+              </a:cxn>
+              <a:cxn ang="0">
+                <a:pos x="connsiteX24" y="connsiteY24"/>
+              </a:cxn>
+              <a:cxn ang="0">
+                <a:pos x="connsiteX25" y="connsiteY25"/>
+              </a:cxn>
+              <a:cxn ang="0">
+                <a:pos x="connsiteX26" y="connsiteY26"/>
+              </a:cxn>
+              <a:cxn ang="0">
+                <a:pos x="connsiteX27" y="connsiteY27"/>
+              </a:cxn>
+              <a:cxn ang="0">
+                <a:pos x="connsiteX28" y="connsiteY28"/>
+              </a:cxn>
+              <a:cxn ang="0">
+                <a:pos x="connsiteX29" y="connsiteY29"/>
+              </a:cxn>
+              <a:cxn ang="0">
+                <a:pos x="connsiteX30" y="connsiteY30"/>
+              </a:cxn>
+              <a:cxn ang="0">
+                <a:pos x="connsiteX31" y="connsiteY31"/>
+              </a:cxn>
+              <a:cxn ang="0">
+                <a:pos x="connsiteX32" y="connsiteY32"/>
+              </a:cxn>
+              <a:cxn ang="0">
+                <a:pos x="connsiteX33" y="connsiteY33"/>
+              </a:cxn>
+              <a:cxn ang="0">
+                <a:pos x="connsiteX34" y="connsiteY34"/>
+              </a:cxn>
+              <a:cxn ang="0">
+                <a:pos x="connsiteX35" y="connsiteY35"/>
+              </a:cxn>
+              <a:cxn ang="0">
+                <a:pos x="connsiteX36" y="connsiteY36"/>
+              </a:cxn>
+              <a:cxn ang="0">
+                <a:pos x="connsiteX37" y="connsiteY37"/>
+              </a:cxn>
+              <a:cxn ang="0">
+                <a:pos x="connsiteX38" y="connsiteY38"/>
+              </a:cxn>
+              <a:cxn ang="0">
+                <a:pos x="connsiteX39" y="connsiteY39"/>
+              </a:cxn>
+              <a:cxn ang="0">
+                <a:pos x="connsiteX40" y="connsiteY40"/>
+              </a:cxn>
+              <a:cxn ang="0">
+                <a:pos x="connsiteX41" y="connsiteY41"/>
+              </a:cxn>
+              <a:cxn ang="0">
+                <a:pos x="connsiteX42" y="connsiteY42"/>
+              </a:cxn>
+              <a:cxn ang="0">
+                <a:pos x="connsiteX43" y="connsiteY43"/>
+              </a:cxn>
+              <a:cxn ang="0">
+                <a:pos x="connsiteX44" y="connsiteY44"/>
+              </a:cxn>
+              <a:cxn ang="0">
+                <a:pos x="connsiteX45" y="connsiteY45"/>
+              </a:cxn>
+              <a:cxn ang="0">
+                <a:pos x="connsiteX46" y="connsiteY46"/>
+              </a:cxn>
+              <a:cxn ang="0">
+                <a:pos x="connsiteX47" y="connsiteY47"/>
+              </a:cxn>
+              <a:cxn ang="0">
+                <a:pos x="connsiteX48" y="connsiteY48"/>
+              </a:cxn>
+              <a:cxn ang="0">
+                <a:pos x="connsiteX49" y="connsiteY49"/>
+              </a:cxn>
+              <a:cxn ang="0">
+                <a:pos x="connsiteX50" y="connsiteY50"/>
+              </a:cxn>
+              <a:cxn ang="0">
+                <a:pos x="connsiteX51" y="connsiteY51"/>
+              </a:cxn>
+              <a:cxn ang="0">
+                <a:pos x="connsiteX52" y="connsiteY52"/>
+              </a:cxn>
+              <a:cxn ang="0">
+                <a:pos x="connsiteX53" y="connsiteY53"/>
+              </a:cxn>
+              <a:cxn ang="0">
+                <a:pos x="connsiteX54" y="connsiteY54"/>
+              </a:cxn>
+              <a:cxn ang="0">
+                <a:pos x="connsiteX55" y="connsiteY55"/>
+              </a:cxn>
+              <a:cxn ang="0">
+                <a:pos x="connsiteX56" y="connsiteY56"/>
+              </a:cxn>
+              <a:cxn ang="0">
+                <a:pos x="connsiteX57" y="connsiteY57"/>
+              </a:cxn>
+              <a:cxn ang="0">
+                <a:pos x="connsiteX58" y="connsiteY58"/>
+              </a:cxn>
+              <a:cxn ang="0">
+                <a:pos x="connsiteX59" y="connsiteY59"/>
+              </a:cxn>
+              <a:cxn ang="0">
+                <a:pos x="connsiteX60" y="connsiteY60"/>
+              </a:cxn>
+              <a:cxn ang="0">
+                <a:pos x="connsiteX61" y="connsiteY61"/>
+              </a:cxn>
+              <a:cxn ang="0">
+                <a:pos x="connsiteX62" y="connsiteY62"/>
+              </a:cxn>
+              <a:cxn ang="0">
+                <a:pos x="connsiteX63" y="connsiteY63"/>
+              </a:cxn>
+              <a:cxn ang="0">
+                <a:pos x="connsiteX64" y="connsiteY64"/>
+              </a:cxn>
+              <a:cxn ang="0">
+                <a:pos x="connsiteX65" y="connsiteY65"/>
+              </a:cxn>
+              <a:cxn ang="0">
+                <a:pos x="connsiteX66" y="connsiteY66"/>
+              </a:cxn>
+              <a:cxn ang="0">
+                <a:pos x="connsiteX67" y="connsiteY67"/>
+              </a:cxn>
+              <a:cxn ang="0">
+                <a:pos x="connsiteX68" y="connsiteY68"/>
+              </a:cxn>
+              <a:cxn ang="0">
+                <a:pos x="connsiteX69" y="connsiteY69"/>
+              </a:cxn>
+              <a:cxn ang="0">
+                <a:pos x="connsiteX70" y="connsiteY70"/>
+              </a:cxn>
+              <a:cxn ang="0">
+                <a:pos x="connsiteX71" y="connsiteY71"/>
+              </a:cxn>
+              <a:cxn ang="0">
+                <a:pos x="connsiteX72" y="connsiteY72"/>
+              </a:cxn>
+              <a:cxn ang="0">
+                <a:pos x="connsiteX73" y="connsiteY73"/>
+              </a:cxn>
+              <a:cxn ang="0">
+                <a:pos x="connsiteX74" y="connsiteY74"/>
+              </a:cxn>
+              <a:cxn ang="0">
+                <a:pos x="connsiteX75" y="connsiteY75"/>
+              </a:cxn>
+              <a:cxn ang="0">
+                <a:pos x="connsiteX76" y="connsiteY76"/>
+              </a:cxn>
+              <a:cxn ang="0">
+                <a:pos x="connsiteX77" y="connsiteY77"/>
+              </a:cxn>
+              <a:cxn ang="0">
+                <a:pos x="connsiteX78" y="connsiteY78"/>
+              </a:cxn>
+              <a:cxn ang="0">
+                <a:pos x="connsiteX79" y="connsiteY79"/>
+              </a:cxn>
+              <a:cxn ang="0">
+                <a:pos x="connsiteX80" y="connsiteY80"/>
+              </a:cxn>
+              <a:cxn ang="0">
+                <a:pos x="connsiteX81" y="connsiteY81"/>
+              </a:cxn>
+              <a:cxn ang="0">
+                <a:pos x="connsiteX82" y="connsiteY82"/>
+              </a:cxn>
+              <a:cxn ang="0">
+                <a:pos x="connsiteX83" y="connsiteY83"/>
+              </a:cxn>
+              <a:cxn ang="0">
+                <a:pos x="connsiteX84" y="connsiteY84"/>
+              </a:cxn>
+              <a:cxn ang="0">
+                <a:pos x="connsiteX85" y="connsiteY85"/>
+              </a:cxn>
+              <a:cxn ang="0">
+                <a:pos x="connsiteX86" y="connsiteY86"/>
+              </a:cxn>
+              <a:cxn ang="0">
+                <a:pos x="connsiteX87" y="connsiteY87"/>
+              </a:cxn>
+              <a:cxn ang="0">
+                <a:pos x="connsiteX88" y="connsiteY88"/>
+              </a:cxn>
+              <a:cxn ang="0">
+                <a:pos x="connsiteX89" y="connsiteY89"/>
+              </a:cxn>
+              <a:cxn ang="0">
+                <a:pos x="connsiteX90" y="connsiteY90"/>
+              </a:cxn>
+              <a:cxn ang="0">
+                <a:pos x="connsiteX91" y="connsiteY91"/>
+              </a:cxn>
+              <a:cxn ang="0">
+                <a:pos x="connsiteX92" y="connsiteY92"/>
+              </a:cxn>
+              <a:cxn ang="0">
+                <a:pos x="connsiteX93" y="connsiteY93"/>
+              </a:cxn>
+              <a:cxn ang="0">
+                <a:pos x="connsiteX94" y="connsiteY94"/>
+              </a:cxn>
+              <a:cxn ang="0">
+                <a:pos x="connsiteX95" y="connsiteY95"/>
+              </a:cxn>
+              <a:cxn ang="0">
+                <a:pos x="connsiteX96" y="connsiteY96"/>
+              </a:cxn>
+              <a:cxn ang="0">
+                <a:pos x="connsiteX97" y="connsiteY97"/>
+              </a:cxn>
+              <a:cxn ang="0">
+                <a:pos x="connsiteX98" y="connsiteY98"/>
+              </a:cxn>
+              <a:cxn ang="0">
+                <a:pos x="connsiteX99" y="connsiteY99"/>
+              </a:cxn>
+              <a:cxn ang="0">
+                <a:pos x="connsiteX100" y="connsiteY100"/>
+              </a:cxn>
+              <a:cxn ang="0">
+                <a:pos x="connsiteX101" y="connsiteY101"/>
+              </a:cxn>
+              <a:cxn ang="0">
+                <a:pos x="connsiteX102" y="connsiteY102"/>
+              </a:cxn>
+              <a:cxn ang="0">
+                <a:pos x="connsiteX103" y="connsiteY103"/>
+              </a:cxn>
+              <a:cxn ang="0">
+                <a:pos x="connsiteX104" y="connsiteY104"/>
+              </a:cxn>
+              <a:cxn ang="0">
+                <a:pos x="connsiteX105" y="connsiteY105"/>
+              </a:cxn>
+              <a:cxn ang="0">
+                <a:pos x="connsiteX106" y="connsiteY106"/>
+              </a:cxn>
+              <a:cxn ang="0">
+                <a:pos x="connsiteX107" y="connsiteY107"/>
+              </a:cxn>
+              <a:cxn ang="0">
+                <a:pos x="connsiteX108" y="connsiteY108"/>
+              </a:cxn>
+              <a:cxn ang="0">
+                <a:pos x="connsiteX109" y="connsiteY109"/>
+              </a:cxn>
+              <a:cxn ang="0">
+                <a:pos x="connsiteX110" y="connsiteY110"/>
+              </a:cxn>
+              <a:cxn ang="0">
+                <a:pos x="connsiteX111" y="connsiteY111"/>
+              </a:cxn>
+              <a:cxn ang="0">
+                <a:pos x="connsiteX112" y="connsiteY112"/>
+              </a:cxn>
+              <a:cxn ang="0">
+                <a:pos x="connsiteX113" y="connsiteY113"/>
+              </a:cxn>
+              <a:cxn ang="0">
+                <a:pos x="connsiteX114" y="connsiteY114"/>
+              </a:cxn>
+              <a:cxn ang="0">
+                <a:pos x="connsiteX115" y="connsiteY115"/>
+              </a:cxn>
+              <a:cxn ang="0">
+                <a:pos x="connsiteX116" y="connsiteY116"/>
+              </a:cxn>
+              <a:cxn ang="0">
+                <a:pos x="connsiteX117" y="connsiteY117"/>
+              </a:cxn>
+              <a:cxn ang="0">
+                <a:pos x="connsiteX118" y="connsiteY118"/>
+              </a:cxn>
+              <a:cxn ang="0">
+                <a:pos x="connsiteX119" y="connsiteY119"/>
+              </a:cxn>
+              <a:cxn ang="0">
+                <a:pos x="connsiteX120" y="connsiteY120"/>
+              </a:cxn>
+              <a:cxn ang="0">
+                <a:pos x="connsiteX121" y="connsiteY121"/>
+              </a:cxn>
+              <a:cxn ang="0">
+                <a:pos x="connsiteX122" y="connsiteY122"/>
+              </a:cxn>
+              <a:cxn ang="0">
+                <a:pos x="connsiteX123" y="connsiteY123"/>
+              </a:cxn>
+              <a:cxn ang="0">
+                <a:pos x="connsiteX124" y="connsiteY124"/>
+              </a:cxn>
+              <a:cxn ang="0">
+                <a:pos x="connsiteX125" y="connsiteY125"/>
+              </a:cxn>
+              <a:cxn ang="0">
+                <a:pos x="connsiteX126" y="connsiteY126"/>
+              </a:cxn>
+              <a:cxn ang="0">
+                <a:pos x="connsiteX127" y="connsiteY127"/>
+              </a:cxn>
+              <a:cxn ang="0">
+                <a:pos x="connsiteX128" y="connsiteY128"/>
+              </a:cxn>
+              <a:cxn ang="0">
+                <a:pos x="connsiteX129" y="connsiteY129"/>
+              </a:cxn>
+              <a:cxn ang="0">
+                <a:pos x="connsiteX130" y="connsiteY130"/>
+              </a:cxn>
+              <a:cxn ang="0">
+                <a:pos x="connsiteX131" y="connsiteY131"/>
+              </a:cxn>
+              <a:cxn ang="0">
+                <a:pos x="connsiteX132" y="connsiteY132"/>
+              </a:cxn>
+              <a:cxn ang="0">
+                <a:pos x="connsiteX133" y="connsiteY133"/>
+              </a:cxn>
+              <a:cxn ang="0">
+                <a:pos x="connsiteX134" y="connsiteY134"/>
+              </a:cxn>
+              <a:cxn ang="0">
+                <a:pos x="connsiteX135" y="connsiteY135"/>
+              </a:cxn>
+              <a:cxn ang="0">
+                <a:pos x="connsiteX136" y="connsiteY136"/>
+              </a:cxn>
+              <a:cxn ang="0">
+                <a:pos x="connsiteX137" y="connsiteY137"/>
+              </a:cxn>
+              <a:cxn ang="0">
+                <a:pos x="connsiteX138" y="connsiteY138"/>
+              </a:cxn>
+              <a:cxn ang="0">
+                <a:pos x="connsiteX139" y="connsiteY139"/>
+              </a:cxn>
+              <a:cxn ang="0">
+                <a:pos x="connsiteX140" y="connsiteY140"/>
+              </a:cxn>
+              <a:cxn ang="0">
+                <a:pos x="connsiteX141" y="connsiteY141"/>
+              </a:cxn>
+            </a:cxnLst>
+            <a:rect l="l" t="t" r="r" b="b"/>
+            <a:pathLst>
+              <a:path w="7569200" h="6858000">
+                <a:moveTo>
+                  <a:pt x="0" y="0"/>
+                </a:moveTo>
+                <a:lnTo>
+                  <a:pt x="7389812" y="0"/>
+                </a:lnTo>
+                <a:lnTo>
+                  <a:pt x="7394575" y="66675"/>
+                </a:lnTo>
+                <a:lnTo>
+                  <a:pt x="7402512" y="122237"/>
+                </a:lnTo>
+                <a:lnTo>
+                  <a:pt x="7412037" y="174625"/>
+                </a:lnTo>
+                <a:lnTo>
+                  <a:pt x="7427912" y="217487"/>
+                </a:lnTo>
+                <a:lnTo>
+                  <a:pt x="7443787" y="260350"/>
+                </a:lnTo>
+                <a:lnTo>
+                  <a:pt x="7462837" y="296862"/>
+                </a:lnTo>
+                <a:lnTo>
+                  <a:pt x="7481887" y="334962"/>
+                </a:lnTo>
+                <a:lnTo>
+                  <a:pt x="7499350" y="369887"/>
+                </a:lnTo>
+                <a:lnTo>
+                  <a:pt x="7516812" y="409575"/>
+                </a:lnTo>
+                <a:lnTo>
+                  <a:pt x="7532687" y="450850"/>
+                </a:lnTo>
+                <a:lnTo>
+                  <a:pt x="7546975" y="496887"/>
+                </a:lnTo>
+                <a:lnTo>
+                  <a:pt x="7558087" y="546100"/>
+                </a:lnTo>
+                <a:lnTo>
+                  <a:pt x="7566025" y="606425"/>
+                </a:lnTo>
+                <a:lnTo>
+                  <a:pt x="7569200" y="673100"/>
+                </a:lnTo>
+                <a:lnTo>
+                  <a:pt x="7566025" y="744537"/>
+                </a:lnTo>
+                <a:lnTo>
+                  <a:pt x="7558087" y="801687"/>
+                </a:lnTo>
+                <a:lnTo>
+                  <a:pt x="7546975" y="854075"/>
+                </a:lnTo>
+                <a:lnTo>
+                  <a:pt x="7532687" y="901700"/>
+                </a:lnTo>
+                <a:lnTo>
+                  <a:pt x="7516812" y="942975"/>
+                </a:lnTo>
+                <a:lnTo>
+                  <a:pt x="7497762" y="981075"/>
+                </a:lnTo>
+                <a:lnTo>
+                  <a:pt x="7478712" y="1017587"/>
+                </a:lnTo>
+                <a:lnTo>
+                  <a:pt x="7459662" y="1055687"/>
+                </a:lnTo>
+                <a:lnTo>
+                  <a:pt x="7442200" y="1095375"/>
+                </a:lnTo>
+                <a:lnTo>
+                  <a:pt x="7424737" y="1136650"/>
+                </a:lnTo>
+                <a:lnTo>
+                  <a:pt x="7410450" y="1182687"/>
+                </a:lnTo>
+                <a:lnTo>
+                  <a:pt x="7400925" y="1235075"/>
+                </a:lnTo>
+                <a:lnTo>
+                  <a:pt x="7391400" y="1295400"/>
+                </a:lnTo>
+                <a:lnTo>
+                  <a:pt x="7389812" y="1363662"/>
+                </a:lnTo>
+                <a:lnTo>
+                  <a:pt x="7391400" y="1431925"/>
+                </a:lnTo>
+                <a:lnTo>
+                  <a:pt x="7400925" y="1492250"/>
+                </a:lnTo>
+                <a:lnTo>
+                  <a:pt x="7410450" y="1544637"/>
+                </a:lnTo>
+                <a:lnTo>
+                  <a:pt x="7424737" y="1589087"/>
+                </a:lnTo>
+                <a:lnTo>
+                  <a:pt x="7442200" y="1631950"/>
+                </a:lnTo>
+                <a:lnTo>
+                  <a:pt x="7459662" y="1671637"/>
+                </a:lnTo>
+                <a:lnTo>
+                  <a:pt x="7478712" y="1708150"/>
+                </a:lnTo>
+                <a:lnTo>
+                  <a:pt x="7497762" y="1743075"/>
+                </a:lnTo>
+                <a:lnTo>
+                  <a:pt x="7516812" y="1782762"/>
+                </a:lnTo>
+                <a:lnTo>
+                  <a:pt x="7532687" y="1824037"/>
+                </a:lnTo>
+                <a:lnTo>
+                  <a:pt x="7546975" y="1870075"/>
+                </a:lnTo>
+                <a:lnTo>
+                  <a:pt x="7558087" y="1922462"/>
+                </a:lnTo>
+                <a:lnTo>
+                  <a:pt x="7566025" y="1982787"/>
+                </a:lnTo>
+                <a:lnTo>
+                  <a:pt x="7569200" y="2051050"/>
+                </a:lnTo>
+                <a:lnTo>
+                  <a:pt x="7566025" y="2119312"/>
+                </a:lnTo>
+                <a:lnTo>
+                  <a:pt x="7558087" y="2179637"/>
+                </a:lnTo>
+                <a:lnTo>
+                  <a:pt x="7546975" y="2232025"/>
+                </a:lnTo>
+                <a:lnTo>
+                  <a:pt x="7532687" y="2278062"/>
+                </a:lnTo>
+                <a:lnTo>
+                  <a:pt x="7516812" y="2319337"/>
+                </a:lnTo>
+                <a:lnTo>
+                  <a:pt x="7497762" y="2359025"/>
+                </a:lnTo>
+                <a:lnTo>
+                  <a:pt x="7478712" y="2395537"/>
+                </a:lnTo>
+                <a:lnTo>
+                  <a:pt x="7459662" y="2433637"/>
+                </a:lnTo>
+                <a:lnTo>
+                  <a:pt x="7442200" y="2471737"/>
+                </a:lnTo>
+                <a:lnTo>
+                  <a:pt x="7424737" y="2513012"/>
+                </a:lnTo>
+                <a:lnTo>
+                  <a:pt x="7410450" y="2560637"/>
+                </a:lnTo>
+                <a:lnTo>
+                  <a:pt x="7400925" y="2613025"/>
+                </a:lnTo>
+                <a:lnTo>
+                  <a:pt x="7391400" y="2671762"/>
+                </a:lnTo>
+                <a:lnTo>
+                  <a:pt x="7389812" y="2741612"/>
+                </a:lnTo>
+                <a:lnTo>
+                  <a:pt x="7391400" y="2809875"/>
+                </a:lnTo>
+                <a:lnTo>
+                  <a:pt x="7400925" y="2868612"/>
+                </a:lnTo>
+                <a:lnTo>
+                  <a:pt x="7410450" y="2922587"/>
+                </a:lnTo>
+                <a:lnTo>
+                  <a:pt x="7424737" y="2967037"/>
+                </a:lnTo>
+                <a:lnTo>
+                  <a:pt x="7442200" y="3009900"/>
+                </a:lnTo>
+                <a:lnTo>
+                  <a:pt x="7459662" y="3046412"/>
+                </a:lnTo>
+                <a:lnTo>
+                  <a:pt x="7478712" y="3084512"/>
+                </a:lnTo>
+                <a:lnTo>
+                  <a:pt x="7497762" y="3121025"/>
+                </a:lnTo>
+                <a:lnTo>
+                  <a:pt x="7516812" y="3160712"/>
+                </a:lnTo>
+                <a:lnTo>
+                  <a:pt x="7532687" y="3201987"/>
+                </a:lnTo>
+                <a:lnTo>
+                  <a:pt x="7546975" y="3248025"/>
+                </a:lnTo>
+                <a:lnTo>
+                  <a:pt x="7558087" y="3300412"/>
+                </a:lnTo>
+                <a:lnTo>
+                  <a:pt x="7566025" y="3360737"/>
+                </a:lnTo>
+                <a:lnTo>
+                  <a:pt x="7569200" y="3427412"/>
+                </a:lnTo>
+                <a:lnTo>
+                  <a:pt x="7566025" y="3497262"/>
+                </a:lnTo>
+                <a:lnTo>
+                  <a:pt x="7558087" y="3557587"/>
+                </a:lnTo>
+                <a:lnTo>
+                  <a:pt x="7546975" y="3609975"/>
+                </a:lnTo>
+                <a:lnTo>
+                  <a:pt x="7532687" y="3656012"/>
+                </a:lnTo>
+                <a:lnTo>
+                  <a:pt x="7516812" y="3697287"/>
+                </a:lnTo>
+                <a:lnTo>
+                  <a:pt x="7497762" y="3736975"/>
+                </a:lnTo>
+                <a:lnTo>
+                  <a:pt x="7459662" y="3811587"/>
+                </a:lnTo>
+                <a:lnTo>
+                  <a:pt x="7442200" y="3848100"/>
+                </a:lnTo>
+                <a:lnTo>
+                  <a:pt x="7424737" y="3890962"/>
+                </a:lnTo>
+                <a:lnTo>
+                  <a:pt x="7410450" y="3935412"/>
+                </a:lnTo>
+                <a:lnTo>
+                  <a:pt x="7400925" y="3987800"/>
+                </a:lnTo>
+                <a:lnTo>
+                  <a:pt x="7391400" y="4048125"/>
+                </a:lnTo>
+                <a:lnTo>
+                  <a:pt x="7389812" y="4116387"/>
+                </a:lnTo>
+                <a:lnTo>
+                  <a:pt x="7391400" y="4186237"/>
+                </a:lnTo>
+                <a:lnTo>
+                  <a:pt x="7400925" y="4244975"/>
+                </a:lnTo>
+                <a:lnTo>
+                  <a:pt x="7410450" y="4297362"/>
+                </a:lnTo>
+                <a:lnTo>
+                  <a:pt x="7424737" y="4343400"/>
+                </a:lnTo>
+                <a:lnTo>
+                  <a:pt x="7442200" y="4386262"/>
+                </a:lnTo>
+                <a:lnTo>
+                  <a:pt x="7459662" y="4424362"/>
+                </a:lnTo>
+                <a:lnTo>
+                  <a:pt x="7497762" y="4498975"/>
+                </a:lnTo>
+                <a:lnTo>
+                  <a:pt x="7516812" y="4537075"/>
+                </a:lnTo>
+                <a:lnTo>
+                  <a:pt x="7532687" y="4579937"/>
+                </a:lnTo>
+                <a:lnTo>
+                  <a:pt x="7546975" y="4625975"/>
+                </a:lnTo>
+                <a:lnTo>
+                  <a:pt x="7558087" y="4678362"/>
+                </a:lnTo>
+                <a:lnTo>
+                  <a:pt x="7566025" y="4738687"/>
+                </a:lnTo>
+                <a:lnTo>
+                  <a:pt x="7569200" y="4806950"/>
+                </a:lnTo>
+                <a:lnTo>
+                  <a:pt x="7566025" y="4875212"/>
+                </a:lnTo>
+                <a:lnTo>
+                  <a:pt x="7558087" y="4935537"/>
+                </a:lnTo>
+                <a:lnTo>
+                  <a:pt x="7546975" y="4987925"/>
+                </a:lnTo>
+                <a:lnTo>
+                  <a:pt x="7532687" y="5033962"/>
+                </a:lnTo>
+                <a:lnTo>
+                  <a:pt x="7516812" y="5075237"/>
+                </a:lnTo>
+                <a:lnTo>
+                  <a:pt x="7497762" y="5114925"/>
+                </a:lnTo>
+                <a:lnTo>
+                  <a:pt x="7478712" y="5149850"/>
+                </a:lnTo>
+                <a:lnTo>
+                  <a:pt x="7459662" y="5186362"/>
+                </a:lnTo>
+                <a:lnTo>
+                  <a:pt x="7442200" y="5226050"/>
+                </a:lnTo>
+                <a:lnTo>
+                  <a:pt x="7424737" y="5268912"/>
+                </a:lnTo>
+                <a:lnTo>
+                  <a:pt x="7410450" y="5313362"/>
+                </a:lnTo>
+                <a:lnTo>
+                  <a:pt x="7400925" y="5365750"/>
+                </a:lnTo>
+                <a:lnTo>
+                  <a:pt x="7391400" y="5426075"/>
+                </a:lnTo>
+                <a:lnTo>
+                  <a:pt x="7389812" y="5494337"/>
+                </a:lnTo>
+                <a:lnTo>
+                  <a:pt x="7391400" y="5562600"/>
+                </a:lnTo>
+                <a:lnTo>
+                  <a:pt x="7400925" y="5622925"/>
+                </a:lnTo>
+                <a:lnTo>
+                  <a:pt x="7410450" y="5675312"/>
+                </a:lnTo>
+                <a:lnTo>
+                  <a:pt x="7424737" y="5721350"/>
+                </a:lnTo>
+                <a:lnTo>
+                  <a:pt x="7442200" y="5762625"/>
+                </a:lnTo>
+                <a:lnTo>
+                  <a:pt x="7459662" y="5802312"/>
+                </a:lnTo>
+                <a:lnTo>
+                  <a:pt x="7478712" y="5840412"/>
+                </a:lnTo>
+                <a:lnTo>
+                  <a:pt x="7497762" y="5876925"/>
+                </a:lnTo>
+                <a:lnTo>
+                  <a:pt x="7516812" y="5915025"/>
+                </a:lnTo>
+                <a:lnTo>
+                  <a:pt x="7532687" y="5956300"/>
+                </a:lnTo>
+                <a:lnTo>
+                  <a:pt x="7546975" y="6003925"/>
+                </a:lnTo>
+                <a:lnTo>
+                  <a:pt x="7558087" y="6056312"/>
+                </a:lnTo>
+                <a:lnTo>
+                  <a:pt x="7566025" y="6113462"/>
+                </a:lnTo>
+                <a:lnTo>
+                  <a:pt x="7569200" y="6183312"/>
+                </a:lnTo>
+                <a:lnTo>
+                  <a:pt x="7566025" y="6251575"/>
+                </a:lnTo>
+                <a:lnTo>
+                  <a:pt x="7558087" y="6311900"/>
+                </a:lnTo>
+                <a:lnTo>
+                  <a:pt x="7546975" y="6361112"/>
+                </a:lnTo>
+                <a:lnTo>
+                  <a:pt x="7532687" y="6407150"/>
+                </a:lnTo>
+                <a:lnTo>
+                  <a:pt x="7516812" y="6448425"/>
+                </a:lnTo>
+                <a:lnTo>
+                  <a:pt x="7499350" y="6488112"/>
+                </a:lnTo>
+                <a:lnTo>
+                  <a:pt x="7481887" y="6523037"/>
+                </a:lnTo>
+                <a:lnTo>
+                  <a:pt x="7462837" y="6561137"/>
+                </a:lnTo>
+                <a:lnTo>
+                  <a:pt x="7443787" y="6597650"/>
+                </a:lnTo>
+                <a:lnTo>
+                  <a:pt x="7427912" y="6640512"/>
+                </a:lnTo>
+                <a:lnTo>
+                  <a:pt x="7412037" y="6683375"/>
+                </a:lnTo>
+                <a:lnTo>
+                  <a:pt x="7402512" y="6735762"/>
+                </a:lnTo>
+                <a:lnTo>
+                  <a:pt x="7394575" y="6791325"/>
+                </a:lnTo>
+                <a:lnTo>
+                  <a:pt x="7389812" y="6858000"/>
+                </a:lnTo>
+                <a:lnTo>
+                  <a:pt x="0" y="6858000"/>
+                </a:lnTo>
+                <a:lnTo>
+                  <a:pt x="0" y="0"/>
+                </a:lnTo>
+                <a:close/>
+              </a:path>
+            </a:pathLst>
+          </a:custGeom>
+          <a:solidFill>
+            <a:schemeClr val="bg2">
+              <a:lumMod val="90000"/>
+            </a:schemeClr>
+          </a:solidFill>
+          <a:ln w="0">
+            <a:noFill/>
+            <a:prstDash val="solid"/>
+            <a:round/>
+            <a:headEnd/>
+            <a:tailEnd/>
+          </a:ln>
+        </p:spPr>
+      </p:sp>
       <p:sp>
         <p:nvSpPr>
           <p:cNvPr id="2" name="Title 1">
@@ -7485,9 +8844,16 @@
             <p:ph type="title"/>
           </p:nvPr>
         </p:nvSpPr>
-        <p:spPr/>
+        <p:spPr>
+          <a:xfrm>
+            <a:off x="754144" y="484631"/>
+            <a:ext cx="6340519" cy="1638469"/>
+          </a:xfrm>
+        </p:spPr>
         <p:txBody>
-          <a:bodyPr/>
+          <a:bodyPr>
+            <a:normAutofit/>
+          </a:bodyPr>
           <a:lstStyle/>
           <a:p>
             <a:r>
@@ -7496,6 +8862,61 @@
             </a:r>
           </a:p>
         </p:txBody>
+      </p:sp>
+      <p:sp>
+        <p:nvSpPr>
+          <p:cNvPr id="14" name="Rectangle 13">
+            <a:extLst>
+              <a:ext uri="{FF2B5EF4-FFF2-40B4-BE49-F238E27FC236}">
+                <a16:creationId xmlns:a16="http://schemas.microsoft.com/office/drawing/2014/main" id="{5FDAFA16-9D2D-4BEC-89D0-B4EABEE911B1}"/>
+              </a:ext>
+              <a:ext uri="{C183D7F6-B498-43B3-948B-1728B52AA6E4}">
+                <adec:decorative xmlns:adec="http://schemas.microsoft.com/office/drawing/2017/decorative" val="1"/>
+              </a:ext>
+            </a:extLst>
+          </p:cNvPr>
+          <p:cNvSpPr>
+            <a:spLocks noGrp="1" noRot="1" noChangeAspect="1" noMove="1" noResize="1" noEditPoints="1" noAdjustHandles="1" noChangeArrowheads="1" noChangeShapeType="1" noTextEdit="1"/>
+          </p:cNvSpPr>
+          <p:nvPr>
+            <p:extLst>
+              <p:ext uri="{386F3935-93C4-4BCD-93E2-E3B085C9AB24}">
+                <p16:designElem xmlns:p16="http://schemas.microsoft.com/office/powerpoint/2015/main" val="1"/>
+              </p:ext>
+            </p:extLst>
+          </p:nvPr>
+        </p:nvSpPr>
+        <p:spPr>
+          <a:xfrm>
+            <a:off x="0" y="0"/>
+            <a:ext cx="283464" cy="6858000"/>
+          </a:xfrm>
+          <a:prstGeom prst="rect">
+            <a:avLst/>
+          </a:prstGeom>
+          <a:solidFill>
+            <a:schemeClr val="accent1"/>
+          </a:solidFill>
+          <a:ln>
+            <a:noFill/>
+          </a:ln>
+        </p:spPr>
+        <p:style>
+          <a:lnRef idx="2">
+            <a:schemeClr val="accent1">
+              <a:shade val="50000"/>
+            </a:schemeClr>
+          </a:lnRef>
+          <a:fillRef idx="1">
+            <a:schemeClr val="accent1"/>
+          </a:fillRef>
+          <a:effectRef idx="0">
+            <a:schemeClr val="accent1"/>
+          </a:effectRef>
+          <a:fontRef idx="minor">
+            <a:schemeClr val="lt1"/>
+          </a:fontRef>
+        </p:style>
       </p:sp>
       <p:sp>
         <p:nvSpPr>
@@ -7513,131 +8934,331 @@
             <p:ph idx="1"/>
           </p:nvPr>
         </p:nvSpPr>
-        <p:spPr/>
+        <p:spPr>
+          <a:xfrm>
+            <a:off x="765051" y="2443140"/>
+            <a:ext cx="6306309" cy="3930227"/>
+          </a:xfrm>
+        </p:spPr>
         <p:txBody>
-          <a:bodyPr/>
+          <a:bodyPr>
+            <a:normAutofit/>
+          </a:bodyPr>
           <a:lstStyle/>
           <a:p>
-            <a:r>
-              <a:rPr lang="en-US" dirty="0"/>
+            <a:pPr>
+              <a:lnSpc>
+                <a:spcPct val="100000"/>
+              </a:lnSpc>
+            </a:pPr>
+            <a:r>
+              <a:rPr lang="en-US" sz="1700" dirty="0">
+                <a:solidFill>
+                  <a:schemeClr val="tx1"/>
+                </a:solidFill>
+              </a:rPr>
               <a:t>We use LSTM from </a:t>
             </a:r>
             <a:r>
-              <a:rPr lang="en-US" dirty="0" err="1"/>
+              <a:rPr lang="en-US" sz="1700" dirty="0" err="1">
+                <a:solidFill>
+                  <a:schemeClr val="tx1"/>
+                </a:solidFill>
+              </a:rPr>
               <a:t>keras</a:t>
             </a:r>
             <a:r>
-              <a:rPr lang="en-US" dirty="0"/>
+              <a:rPr lang="en-US" sz="1700" dirty="0">
+                <a:solidFill>
+                  <a:schemeClr val="tx1"/>
+                </a:solidFill>
+              </a:rPr>
               <a:t>.</a:t>
             </a:r>
           </a:p>
           <a:p>
             <a:pPr marL="0" indent="0">
+              <a:lnSpc>
+                <a:spcPct val="100000"/>
+              </a:lnSpc>
               <a:buNone/>
             </a:pPr>
             <a:r>
-              <a:rPr lang="en-US" dirty="0"/>
+              <a:rPr lang="en-US" sz="1700" dirty="0">
+                <a:solidFill>
+                  <a:schemeClr val="tx1"/>
+                </a:solidFill>
+              </a:rPr>
               <a:t>LSTM refers to </a:t>
             </a:r>
             <a:r>
-              <a:rPr lang="en-US" b="1" dirty="0"/>
+              <a:rPr lang="en-US" sz="1700" b="1" dirty="0">
+                <a:solidFill>
+                  <a:schemeClr val="tx1"/>
+                </a:solidFill>
+              </a:rPr>
               <a:t>Long short-term memory:</a:t>
             </a:r>
           </a:p>
           <a:p>
             <a:pPr marL="0" indent="0">
+              <a:lnSpc>
+                <a:spcPct val="100000"/>
+              </a:lnSpc>
               <a:buNone/>
             </a:pPr>
             <a:r>
-              <a:rPr lang="en-US" dirty="0"/>
+              <a:rPr lang="en-US" sz="1700" dirty="0">
+                <a:solidFill>
+                  <a:schemeClr val="tx1"/>
+                </a:solidFill>
+              </a:rPr>
               <a:t>It is an artificial recurrent neural network (RNN) architecture used in the field of deep learning.</a:t>
             </a:r>
           </a:p>
           <a:p>
             <a:pPr marL="0" indent="0">
+              <a:lnSpc>
+                <a:spcPct val="100000"/>
+              </a:lnSpc>
               <a:buNone/>
             </a:pPr>
             <a:r>
-              <a:rPr lang="en-US" dirty="0"/>
+              <a:rPr lang="en-US" sz="1700" dirty="0">
+                <a:solidFill>
+                  <a:schemeClr val="tx1"/>
+                </a:solidFill>
+              </a:rPr>
               <a:t>It can not only process single data points, but also </a:t>
             </a:r>
             <a:r>
-              <a:rPr lang="en-US" b="1" dirty="0"/>
+              <a:rPr lang="en-US" sz="1700" b="1" dirty="0">
+                <a:solidFill>
+                  <a:schemeClr val="tx1"/>
+                </a:solidFill>
+              </a:rPr>
               <a:t>entire sequences of data</a:t>
             </a:r>
             <a:r>
-              <a:rPr lang="en-US" dirty="0"/>
+              <a:rPr lang="en-US" sz="1700" dirty="0">
+                <a:solidFill>
+                  <a:schemeClr val="tx1"/>
+                </a:solidFill>
+              </a:rPr>
               <a:t>. </a:t>
             </a:r>
           </a:p>
           <a:p>
             <a:pPr marL="0" indent="0">
+              <a:lnSpc>
+                <a:spcPct val="100000"/>
+              </a:lnSpc>
               <a:buNone/>
             </a:pPr>
             <a:r>
-              <a:rPr lang="en-US" dirty="0"/>
+              <a:rPr lang="en-US" sz="1700" dirty="0">
+                <a:solidFill>
+                  <a:schemeClr val="tx1"/>
+                </a:solidFill>
+              </a:rPr>
               <a:t>A common LSTM unit is composed of a </a:t>
             </a:r>
             <a:r>
-              <a:rPr lang="en-US" b="1" dirty="0"/>
+              <a:rPr lang="en-US" sz="1700" b="1" dirty="0">
+                <a:solidFill>
+                  <a:schemeClr val="tx1"/>
+                </a:solidFill>
+              </a:rPr>
               <a:t>cell</a:t>
             </a:r>
             <a:r>
-              <a:rPr lang="en-US" dirty="0"/>
+              <a:rPr lang="en-US" sz="1700" dirty="0">
+                <a:solidFill>
+                  <a:schemeClr val="tx1"/>
+                </a:solidFill>
+              </a:rPr>
               <a:t>, an </a:t>
             </a:r>
             <a:r>
-              <a:rPr lang="en-US" b="1" dirty="0"/>
+              <a:rPr lang="en-US" sz="1700" b="1" dirty="0">
+                <a:solidFill>
+                  <a:schemeClr val="tx1"/>
+                </a:solidFill>
+              </a:rPr>
               <a:t>input gate</a:t>
             </a:r>
             <a:r>
-              <a:rPr lang="en-US" dirty="0"/>
+              <a:rPr lang="en-US" sz="1700" dirty="0">
+                <a:solidFill>
+                  <a:schemeClr val="tx1"/>
+                </a:solidFill>
+              </a:rPr>
               <a:t>, an </a:t>
             </a:r>
             <a:r>
-              <a:rPr lang="en-US" b="1" dirty="0"/>
+              <a:rPr lang="en-US" sz="1700" b="1" dirty="0">
+                <a:solidFill>
+                  <a:schemeClr val="tx1"/>
+                </a:solidFill>
+              </a:rPr>
               <a:t>output gate</a:t>
             </a:r>
             <a:r>
-              <a:rPr lang="en-US" dirty="0"/>
+              <a:rPr lang="en-US" sz="1700" dirty="0">
+                <a:solidFill>
+                  <a:schemeClr val="tx1"/>
+                </a:solidFill>
+              </a:rPr>
               <a:t> and a </a:t>
             </a:r>
             <a:r>
-              <a:rPr lang="en-US" b="1" dirty="0"/>
+              <a:rPr lang="en-US" sz="1700" b="1" dirty="0">
+                <a:solidFill>
+                  <a:schemeClr val="tx1"/>
+                </a:solidFill>
+              </a:rPr>
               <a:t>forget gate</a:t>
             </a:r>
             <a:r>
-              <a:rPr lang="en-US" dirty="0"/>
+              <a:rPr lang="en-US" sz="1700" dirty="0">
+                <a:solidFill>
+                  <a:schemeClr val="tx1"/>
+                </a:solidFill>
+              </a:rPr>
               <a:t>.</a:t>
             </a:r>
           </a:p>
           <a:p>
             <a:pPr marL="0" indent="0">
+              <a:lnSpc>
+                <a:spcPct val="100000"/>
+              </a:lnSpc>
               <a:buNone/>
             </a:pPr>
-            <a:endParaRPr lang="en-US" dirty="0"/>
+            <a:endParaRPr lang="en-US" sz="1700" dirty="0">
+              <a:solidFill>
+                <a:schemeClr val="tx1"/>
+              </a:solidFill>
+            </a:endParaRPr>
           </a:p>
           <a:p>
             <a:pPr marL="0" indent="0">
+              <a:lnSpc>
+                <a:spcPct val="100000"/>
+              </a:lnSpc>
               <a:buNone/>
             </a:pPr>
-            <a:endParaRPr lang="en-US" dirty="0"/>
+            <a:endParaRPr lang="en-US" sz="1700" dirty="0">
+              <a:solidFill>
+                <a:schemeClr val="tx1"/>
+              </a:solidFill>
+            </a:endParaRPr>
           </a:p>
           <a:p>
             <a:pPr marL="0" indent="0">
+              <a:lnSpc>
+                <a:spcPct val="100000"/>
+              </a:lnSpc>
               <a:buNone/>
             </a:pPr>
             <a:r>
-              <a:rPr lang="en-US" sz="1400" dirty="0"/>
+              <a:rPr lang="en-US" sz="1700" dirty="0">
+                <a:solidFill>
+                  <a:schemeClr val="tx1"/>
+                </a:solidFill>
+              </a:rPr>
               <a:t>Information from Wikipedia: </a:t>
             </a:r>
             <a:r>
-              <a:rPr lang="en-US" sz="1400" dirty="0">
+              <a:rPr lang="en-US" sz="1700" dirty="0">
+                <a:solidFill>
+                  <a:schemeClr val="tx1"/>
+                </a:solidFill>
                 <a:hlinkClick r:id="rId2"/>
               </a:rPr>
               <a:t>https://en.wikipedia.org/wiki/Long_short-term_memory</a:t>
             </a:r>
-            <a:endParaRPr lang="en-US" sz="1400" dirty="0"/>
+            <a:endParaRPr lang="en-US" sz="1700" dirty="0">
+              <a:solidFill>
+                <a:schemeClr val="tx1"/>
+              </a:solidFill>
+            </a:endParaRPr>
+          </a:p>
+        </p:txBody>
+      </p:sp>
+      <p:pic>
+        <p:nvPicPr>
+          <p:cNvPr id="5" name="Picture 4">
+            <a:extLst>
+              <a:ext uri="{FF2B5EF4-FFF2-40B4-BE49-F238E27FC236}">
+                <a16:creationId xmlns:a16="http://schemas.microsoft.com/office/drawing/2014/main" id="{05BCC221-D0CD-1E41-A1C3-18C56586FF44}"/>
+              </a:ext>
+            </a:extLst>
+          </p:cNvPr>
+          <p:cNvPicPr>
+            <a:picLocks noChangeAspect="1"/>
+          </p:cNvPicPr>
+          <p:nvPr/>
+        </p:nvPicPr>
+        <p:blipFill>
+          <a:blip r:embed="rId3"/>
+          <a:stretch>
+            <a:fillRect/>
+          </a:stretch>
+        </p:blipFill>
+        <p:spPr>
+          <a:xfrm>
+            <a:off x="8050787" y="1820105"/>
+            <a:ext cx="3656581" cy="3217790"/>
+          </a:xfrm>
+          <a:prstGeom prst="rect">
+            <a:avLst/>
+          </a:prstGeom>
+        </p:spPr>
+      </p:pic>
+      <p:sp>
+        <p:nvSpPr>
+          <p:cNvPr id="6" name="TextBox 5">
+            <a:extLst>
+              <a:ext uri="{FF2B5EF4-FFF2-40B4-BE49-F238E27FC236}">
+                <a16:creationId xmlns:a16="http://schemas.microsoft.com/office/drawing/2014/main" id="{5EB9820A-99B7-3D40-83B2-233085924CA6}"/>
+              </a:ext>
+            </a:extLst>
+          </p:cNvPr>
+          <p:cNvSpPr txBox="1"/>
+          <p:nvPr/>
+        </p:nvSpPr>
+        <p:spPr>
+          <a:xfrm>
+            <a:off x="754144" y="6246351"/>
+            <a:ext cx="7900111" cy="369332"/>
+          </a:xfrm>
+          <a:prstGeom prst="rect">
+            <a:avLst/>
+          </a:prstGeom>
+          <a:noFill/>
+        </p:spPr>
+        <p:txBody>
+          <a:bodyPr wrap="none" rtlCol="0">
+            <a:spAutoFit/>
+          </a:bodyPr>
+          <a:lstStyle/>
+          <a:p>
+            <a:r>
+              <a:rPr lang="en-US"/>
+              <a:t>Figure Information </a:t>
+            </a:r>
+            <a:r>
+              <a:rPr lang="en-US" dirty="0"/>
+              <a:t>from </a:t>
+            </a:r>
+            <a:r>
+              <a:rPr lang="en-US" u="sng" dirty="0">
+                <a:hlinkClick r:id="rId4"/>
+              </a:rPr>
+              <a:t>https://blog.csdn.net/xuanyuansen/article/details/61913886</a:t>
+            </a:r>
+            <a:endParaRPr lang="en-US" dirty="0"/>
           </a:p>
         </p:txBody>
       </p:sp>
@@ -8880,56 +10501,59 @@
           <a:lstStyle/>
           <a:p>
             <a:r>
-              <a:rPr lang="en-US" sz="2400" dirty="0"/>
-              <a:t>Drop “date” and “</a:t>
-            </a:r>
-            <a:r>
-              <a:rPr lang="en-US" sz="2400" dirty="0" err="1"/>
-              <a:t>item_price</a:t>
-            </a:r>
-            <a:r>
-              <a:rPr lang="en-US" sz="2400" dirty="0"/>
-              <a:t>” columns.</a:t>
-            </a:r>
-          </a:p>
-          <a:p>
-            <a:r>
-              <a:rPr lang="en-US" sz="2400" dirty="0"/>
-              <a:t>Merge train and test file to find the specific sales happen in real.</a:t>
-            </a:r>
-          </a:p>
-          <a:p>
-            <a:r>
-              <a:rPr lang="en-US" sz="2400" dirty="0"/>
-              <a:t>Drop </a:t>
-            </a:r>
-            <a:r>
-              <a:rPr lang="en-US" sz="2400" dirty="0" err="1"/>
+              <a:rPr lang="en-US" dirty="0"/>
+              <a:t>Create price and count dataset </a:t>
+            </a:r>
+          </a:p>
+          <a:p>
+            <a:pPr marL="0" indent="0">
+              <a:buNone/>
+            </a:pPr>
+            <a:r>
+              <a:rPr lang="en-US" dirty="0"/>
+              <a:t>For count dataset</a:t>
+            </a:r>
+          </a:p>
+          <a:p>
+            <a:r>
+              <a:rPr lang="en-US" dirty="0"/>
+              <a:t>Drop “date” and “item price” columns</a:t>
+            </a:r>
+          </a:p>
+          <a:p>
+            <a:r>
+              <a:rPr lang="en-US" dirty="0"/>
+              <a:t>Make the dataset into matrix form. All the loss information we put zero in it.</a:t>
+            </a:r>
+          </a:p>
+          <a:p>
+            <a:r>
+              <a:rPr lang="en-US" dirty="0"/>
+              <a:t>Merge the “</a:t>
+            </a:r>
+            <a:r>
+              <a:rPr lang="en-US" dirty="0" err="1"/>
+              <a:t>test.csv</a:t>
+            </a:r>
+            <a:r>
+              <a:rPr lang="en-US" dirty="0"/>
+              <a:t>” file by “</a:t>
+            </a:r>
+            <a:r>
+              <a:rPr lang="en-US" dirty="0" err="1"/>
+              <a:t>item_id</a:t>
+            </a:r>
+            <a:r>
+              <a:rPr lang="en-US" dirty="0"/>
+              <a:t>” and “</a:t>
+            </a:r>
+            <a:r>
+              <a:rPr lang="en-US" dirty="0" err="1"/>
               <a:t>shop_id</a:t>
             </a:r>
             <a:r>
-              <a:rPr lang="en-US" sz="2400" dirty="0"/>
-              <a:t> and </a:t>
-            </a:r>
-            <a:r>
-              <a:rPr lang="en-US" sz="2400" dirty="0" err="1"/>
-              <a:t>item_id</a:t>
-            </a:r>
-            <a:r>
-              <a:rPr lang="en-US" sz="2400" dirty="0"/>
-              <a:t> because ID can presents both </a:t>
-            </a:r>
-            <a:r>
-              <a:rPr lang="en-US" sz="2400" dirty="0" err="1"/>
-              <a:t>shop_id</a:t>
-            </a:r>
-            <a:r>
-              <a:rPr lang="en-US" sz="2400" dirty="0"/>
-              <a:t> and </a:t>
-            </a:r>
-            <a:r>
-              <a:rPr lang="en-US" sz="2400" dirty="0" err="1"/>
-              <a:t>item_id</a:t>
+              <a:rPr lang="en-US" dirty="0"/>
+              <a:t>”</a:t>
             </a:r>
             <a:r>
               <a:rPr lang="en-US" sz="2400" dirty="0"/>
@@ -8938,26 +10562,45 @@
           </a:p>
           <a:p>
             <a:r>
-              <a:rPr lang="en-US" sz="2400" dirty="0"/>
-              <a:t>For each ID get the total items per each month.</a:t>
-            </a:r>
-          </a:p>
-          <a:p>
-            <a:r>
-              <a:rPr lang="en-US" sz="2400" dirty="0"/>
-              <a:t>Add zero to the total items for the month which the ID sell nothing to make the data consecutive.</a:t>
-            </a:r>
-          </a:p>
-          <a:p>
-            <a:r>
-              <a:rPr lang="en-US" sz="2400" dirty="0"/>
-              <a:t>Remove data not being sale for the resent 6 month and the ID is missing.</a:t>
-            </a:r>
-          </a:p>
-          <a:p>
-            <a:r>
-              <a:rPr lang="en-US" sz="2400" dirty="0"/>
-              <a:t>Interpolate the data</a:t>
+              <a:rPr lang="en-US" dirty="0"/>
+              <a:t>Drop useless columns: “ID”, “</a:t>
+            </a:r>
+            <a:r>
+              <a:rPr lang="en-US" dirty="0" err="1"/>
+              <a:t>date_block_num</a:t>
+            </a:r>
+            <a:r>
+              <a:rPr lang="en-US" dirty="0"/>
+              <a:t>”, “</a:t>
+            </a:r>
+            <a:r>
+              <a:rPr lang="en-US" dirty="0" err="1"/>
+              <a:t>item_id</a:t>
+            </a:r>
+            <a:r>
+              <a:rPr lang="en-US" dirty="0"/>
+              <a:t>”, “</a:t>
+            </a:r>
+            <a:r>
+              <a:rPr lang="en-US" dirty="0" err="1"/>
+              <a:t>shop_id</a:t>
+            </a:r>
+            <a:r>
+              <a:rPr lang="en-US" dirty="0"/>
+              <a:t>”</a:t>
+            </a:r>
+            <a:endParaRPr lang="en-US" sz="2400" dirty="0"/>
+          </a:p>
+          <a:p>
+            <a:r>
+              <a:rPr lang="en-US" dirty="0"/>
+              <a:t>Same procedure on price dataset</a:t>
+            </a:r>
+          </a:p>
+          <a:p>
+            <a:r>
+              <a:rPr lang="en-US" dirty="0"/>
+              <a:t>Merge two dataset together when doing modeling</a:t>
             </a:r>
           </a:p>
         </p:txBody>
@@ -9040,7 +10683,9 @@
         </p:nvSpPr>
         <p:spPr/>
         <p:txBody>
-          <a:bodyPr/>
+          <a:bodyPr>
+            <a:normAutofit fontScale="90000"/>
+          </a:bodyPr>
           <a:lstStyle/>
           <a:p>
             <a:r>
@@ -9120,7 +10765,7 @@
                   </a:outerShdw>
                 </a:effectLst>
               </a:rPr>
-              <a:t>PRICE DATAFRAME</a:t>
+              <a:t>PRICE DATAFRAME (Feature engineering)</a:t>
             </a:r>
           </a:p>
         </p:txBody>
